--- a/docs/part1ca/09_FP/CA_Lecture_09.pptx
+++ b/docs/part1ca/09_FP/CA_Lecture_09.pptx
@@ -5,16 +5,22 @@
     <p:sldMasterId id="2147483648" r:id="rId1"/>
   </p:sldMasterIdLst>
   <p:notesMasterIdLst>
-    <p:notesMasterId r:id="rId6"/>
+    <p:notesMasterId r:id="rId12"/>
   </p:notesMasterIdLst>
   <p:handoutMasterIdLst>
-    <p:handoutMasterId r:id="rId7"/>
+    <p:handoutMasterId r:id="rId13"/>
   </p:handoutMasterIdLst>
   <p:sldIdLst>
     <p:sldId id="256" r:id="rId2"/>
     <p:sldId id="277" r:id="rId3"/>
     <p:sldId id="281" r:id="rId4"/>
-    <p:sldId id="272" r:id="rId5"/>
+    <p:sldId id="282" r:id="rId5"/>
+    <p:sldId id="283" r:id="rId6"/>
+    <p:sldId id="284" r:id="rId7"/>
+    <p:sldId id="285" r:id="rId8"/>
+    <p:sldId id="286" r:id="rId9"/>
+    <p:sldId id="287" r:id="rId10"/>
+    <p:sldId id="272" r:id="rId11"/>
   </p:sldIdLst>
   <p:sldSz cx="12192000" cy="6858000"/>
   <p:notesSz cx="6858000" cy="9144000"/>
@@ -115,7 +121,7 @@
   </p:defaultTextStyle>
   <p:extLst>
     <p:ext uri="{EFAFB233-063F-42B5-8137-9DF3F51BA10A}">
-      <p15:sldGuideLst xmlns:p15="http://schemas.microsoft.com/office/powerpoint/2012/main" xmlns="">
+      <p15:sldGuideLst xmlns="" xmlns:p15="http://schemas.microsoft.com/office/powerpoint/2012/main">
         <p15:guide id="1" orient="horz" pos="2160">
           <p15:clr>
             <a:srgbClr val="A4A3A4"/>
@@ -129,7 +135,7 @@
       </p15:sldGuideLst>
     </p:ext>
     <p:ext uri="{2D200454-40CA-4A62-9FC3-DE9A4176ACB9}">
-      <p15:notesGuideLst xmlns:p15="http://schemas.microsoft.com/office/powerpoint/2012/main" xmlns=""/>
+      <p15:notesGuideLst xmlns="" xmlns:p15="http://schemas.microsoft.com/office/powerpoint/2012/main"/>
     </p:ext>
   </p:extLst>
 </p:presentation>
@@ -302,7 +308,7 @@
     </p:spTree>
     <p:extLst>
       <p:ext uri="{BB962C8B-B14F-4D97-AF65-F5344CB8AC3E}">
-        <p14:creationId xmlns:p14="http://schemas.microsoft.com/office/powerpoint/2010/main" xmlns="" val="827279973"/>
+        <p14:creationId xmlns="" xmlns:p14="http://schemas.microsoft.com/office/powerpoint/2010/main" val="827279973"/>
       </p:ext>
     </p:extLst>
   </p:cSld>
@@ -563,7 +569,7 @@
     </p:spTree>
     <p:extLst>
       <p:ext uri="{BB962C8B-B14F-4D97-AF65-F5344CB8AC3E}">
-        <p14:creationId xmlns:p14="http://schemas.microsoft.com/office/powerpoint/2010/main" xmlns="" val="3865021395"/>
+        <p14:creationId xmlns="" xmlns:p14="http://schemas.microsoft.com/office/powerpoint/2010/main" val="3865021395"/>
       </p:ext>
     </p:extLst>
   </p:cSld>
@@ -777,7 +783,7 @@
     </p:spTree>
     <p:extLst>
       <p:ext uri="{BB962C8B-B14F-4D97-AF65-F5344CB8AC3E}">
-        <p14:creationId xmlns:p14="http://schemas.microsoft.com/office/powerpoint/2010/main" xmlns="" val="2381791527"/>
+        <p14:creationId xmlns="" xmlns:p14="http://schemas.microsoft.com/office/powerpoint/2010/main" val="2381791527"/>
       </p:ext>
     </p:extLst>
   </p:cSld>
@@ -891,7 +897,7 @@
             <a:fld id="{5583B3A5-99BF-45D9-956B-DC57CC23AD97}" type="slidenum">
               <a:rPr lang="ru-RU" smtClean="0"/>
               <a:pPr/>
-              <a:t>4</a:t>
+              <a:t>10</a:t>
             </a:fld>
             <a:endParaRPr lang="ru-RU"/>
           </a:p>
@@ -900,7 +906,7 @@
     </p:spTree>
     <p:extLst>
       <p:ext uri="{BB962C8B-B14F-4D97-AF65-F5344CB8AC3E}">
-        <p14:creationId xmlns:p14="http://schemas.microsoft.com/office/powerpoint/2010/main" xmlns="" val="1915950851"/>
+        <p14:creationId xmlns="" xmlns:p14="http://schemas.microsoft.com/office/powerpoint/2010/main" val="1915950851"/>
       </p:ext>
     </p:extLst>
   </p:cSld>
@@ -1160,7 +1166,7 @@
     </p:spTree>
     <p:extLst>
       <p:ext uri="{BB962C8B-B14F-4D97-AF65-F5344CB8AC3E}">
-        <p14:creationId xmlns:p14="http://schemas.microsoft.com/office/powerpoint/2010/main" xmlns="" val="322455162"/>
+        <p14:creationId xmlns="" xmlns:p14="http://schemas.microsoft.com/office/powerpoint/2010/main" val="322455162"/>
       </p:ext>
     </p:extLst>
   </p:cSld>
@@ -1334,7 +1340,7 @@
     </p:spTree>
     <p:extLst>
       <p:ext uri="{BB962C8B-B14F-4D97-AF65-F5344CB8AC3E}">
-        <p14:creationId xmlns:p14="http://schemas.microsoft.com/office/powerpoint/2010/main" xmlns="" val="971117636"/>
+        <p14:creationId xmlns="" xmlns:p14="http://schemas.microsoft.com/office/powerpoint/2010/main" val="971117636"/>
       </p:ext>
     </p:extLst>
   </p:cSld>
@@ -1511,7 +1517,7 @@
     </p:spTree>
     <p:extLst>
       <p:ext uri="{BB962C8B-B14F-4D97-AF65-F5344CB8AC3E}">
-        <p14:creationId xmlns:p14="http://schemas.microsoft.com/office/powerpoint/2010/main" xmlns="" val="3348877825"/>
+        <p14:creationId xmlns="" xmlns:p14="http://schemas.microsoft.com/office/powerpoint/2010/main" val="3348877825"/>
       </p:ext>
     </p:extLst>
   </p:cSld>
@@ -1672,35 +1678,35 @@
           <a:bodyPr/>
           <a:lstStyle>
             <a:lvl1pPr>
-              <a:defRPr>
+              <a:defRPr sz="3600">
                 <a:solidFill>
                   <a:srgbClr val="273272"/>
                 </a:solidFill>
               </a:defRPr>
             </a:lvl1pPr>
             <a:lvl2pPr>
-              <a:defRPr>
+              <a:defRPr sz="3200">
                 <a:solidFill>
                   <a:srgbClr val="273272"/>
                 </a:solidFill>
               </a:defRPr>
             </a:lvl2pPr>
             <a:lvl3pPr>
-              <a:defRPr>
+              <a:defRPr sz="2400">
                 <a:solidFill>
                   <a:srgbClr val="273272"/>
                 </a:solidFill>
               </a:defRPr>
             </a:lvl3pPr>
             <a:lvl4pPr>
-              <a:defRPr>
+              <a:defRPr sz="2000">
                 <a:solidFill>
                   <a:srgbClr val="273272"/>
                 </a:solidFill>
               </a:defRPr>
             </a:lvl4pPr>
             <a:lvl5pPr>
-              <a:defRPr>
+              <a:defRPr sz="1800">
                 <a:solidFill>
                   <a:srgbClr val="273272"/>
                 </a:solidFill>
@@ -1827,7 +1833,7 @@
     </p:spTree>
     <p:extLst>
       <p:ext uri="{BB962C8B-B14F-4D97-AF65-F5344CB8AC3E}">
-        <p14:creationId xmlns:p14="http://schemas.microsoft.com/office/powerpoint/2010/main" xmlns="" val="3256953994"/>
+        <p14:creationId xmlns="" xmlns:p14="http://schemas.microsoft.com/office/powerpoint/2010/main" val="3256953994"/>
       </p:ext>
     </p:extLst>
   </p:cSld>
@@ -2077,7 +2083,7 @@
     </p:spTree>
     <p:extLst>
       <p:ext uri="{BB962C8B-B14F-4D97-AF65-F5344CB8AC3E}">
-        <p14:creationId xmlns:p14="http://schemas.microsoft.com/office/powerpoint/2010/main" xmlns="" val="3067076846"/>
+        <p14:creationId xmlns="" xmlns:p14="http://schemas.microsoft.com/office/powerpoint/2010/main" val="3067076846"/>
       </p:ext>
     </p:extLst>
   </p:cSld>
@@ -2313,7 +2319,7 @@
     </p:spTree>
     <p:extLst>
       <p:ext uri="{BB962C8B-B14F-4D97-AF65-F5344CB8AC3E}">
-        <p14:creationId xmlns:p14="http://schemas.microsoft.com/office/powerpoint/2010/main" xmlns="" val="3710015975"/>
+        <p14:creationId xmlns="" xmlns:p14="http://schemas.microsoft.com/office/powerpoint/2010/main" val="3710015975"/>
       </p:ext>
     </p:extLst>
   </p:cSld>
@@ -2684,7 +2690,7 @@
     </p:spTree>
     <p:extLst>
       <p:ext uri="{BB962C8B-B14F-4D97-AF65-F5344CB8AC3E}">
-        <p14:creationId xmlns:p14="http://schemas.microsoft.com/office/powerpoint/2010/main" xmlns="" val="4075590966"/>
+        <p14:creationId xmlns="" xmlns:p14="http://schemas.microsoft.com/office/powerpoint/2010/main" val="4075590966"/>
       </p:ext>
     </p:extLst>
   </p:cSld>
@@ -2806,7 +2812,7 @@
     </p:spTree>
     <p:extLst>
       <p:ext uri="{BB962C8B-B14F-4D97-AF65-F5344CB8AC3E}">
-        <p14:creationId xmlns:p14="http://schemas.microsoft.com/office/powerpoint/2010/main" xmlns="" val="2889604898"/>
+        <p14:creationId xmlns="" xmlns:p14="http://schemas.microsoft.com/office/powerpoint/2010/main" val="2889604898"/>
       </p:ext>
     </p:extLst>
   </p:cSld>
@@ -2905,7 +2911,7 @@
     </p:spTree>
     <p:extLst>
       <p:ext uri="{BB962C8B-B14F-4D97-AF65-F5344CB8AC3E}">
-        <p14:creationId xmlns:p14="http://schemas.microsoft.com/office/powerpoint/2010/main" xmlns="" val="152384765"/>
+        <p14:creationId xmlns="" xmlns:p14="http://schemas.microsoft.com/office/powerpoint/2010/main" val="152384765"/>
       </p:ext>
     </p:extLst>
   </p:cSld>
@@ -3186,7 +3192,7 @@
     </p:spTree>
     <p:extLst>
       <p:ext uri="{BB962C8B-B14F-4D97-AF65-F5344CB8AC3E}">
-        <p14:creationId xmlns:p14="http://schemas.microsoft.com/office/powerpoint/2010/main" xmlns="" val="2127791886"/>
+        <p14:creationId xmlns="" xmlns:p14="http://schemas.microsoft.com/office/powerpoint/2010/main" val="2127791886"/>
       </p:ext>
     </p:extLst>
   </p:cSld>
@@ -3443,7 +3449,7 @@
     </p:spTree>
     <p:extLst>
       <p:ext uri="{BB962C8B-B14F-4D97-AF65-F5344CB8AC3E}">
-        <p14:creationId xmlns:p14="http://schemas.microsoft.com/office/powerpoint/2010/main" xmlns="" val="1752705130"/>
+        <p14:creationId xmlns="" xmlns:p14="http://schemas.microsoft.com/office/powerpoint/2010/main" val="1752705130"/>
       </p:ext>
     </p:extLst>
   </p:cSld>
@@ -3696,7 +3702,7 @@
     </p:spTree>
     <p:extLst>
       <p:ext uri="{BB962C8B-B14F-4D97-AF65-F5344CB8AC3E}">
-        <p14:creationId xmlns:p14="http://schemas.microsoft.com/office/powerpoint/2010/main" xmlns="" val="968833914"/>
+        <p14:creationId xmlns="" xmlns:p14="http://schemas.microsoft.com/office/powerpoint/2010/main" val="968833914"/>
       </p:ext>
     </p:extLst>
   </p:cSld>
@@ -4173,7 +4179,588 @@
     </p:spTree>
     <p:extLst>
       <p:ext uri="{BB962C8B-B14F-4D97-AF65-F5344CB8AC3E}">
-        <p14:creationId xmlns:p14="http://schemas.microsoft.com/office/powerpoint/2010/main" xmlns="" val="2492894732"/>
+        <p14:creationId xmlns="" xmlns:p14="http://schemas.microsoft.com/office/powerpoint/2010/main" val="2492894732"/>
+      </p:ext>
+    </p:extLst>
+  </p:cSld>
+  <p:clrMapOvr>
+    <a:masterClrMapping/>
+  </p:clrMapOvr>
+  <p:timing>
+    <p:tnLst>
+      <p:par>
+        <p:cTn id="1" dur="indefinite" restart="never" nodeType="tmRoot"/>
+      </p:par>
+    </p:tnLst>
+  </p:timing>
+</p:sld>
+</file>
+
+<file path=ppt/slides/slide10.xml><?xml version="1.0" encoding="utf-8"?>
+<p:sld xmlns:a="http://schemas.openxmlformats.org/drawingml/2006/main" xmlns:r="http://schemas.openxmlformats.org/officeDocument/2006/relationships" xmlns:p="http://schemas.openxmlformats.org/presentationml/2006/main">
+  <p:cSld>
+    <p:spTree>
+      <p:nvGrpSpPr>
+        <p:cNvPr id="1" name=""/>
+        <p:cNvGrpSpPr/>
+        <p:nvPr/>
+      </p:nvGrpSpPr>
+      <p:grpSpPr>
+        <a:xfrm>
+          <a:off x="0" y="0"/>
+          <a:ext cx="0" cy="0"/>
+          <a:chOff x="0" y="0"/>
+          <a:chExt cx="0" cy="0"/>
+        </a:xfrm>
+      </p:grpSpPr>
+      <p:sp>
+        <p:nvSpPr>
+          <p:cNvPr id="4" name="Прямоугольник 3"/>
+          <p:cNvSpPr/>
+          <p:nvPr/>
+        </p:nvSpPr>
+        <p:spPr>
+          <a:xfrm>
+            <a:off x="2664999" y="472120"/>
+            <a:ext cx="7524751" cy="5262979"/>
+          </a:xfrm>
+          <a:prstGeom prst="rect">
+            <a:avLst/>
+          </a:prstGeom>
+          <a:noFill/>
+          <a:ln>
+            <a:noFill/>
+          </a:ln>
+          <a:scene3d>
+            <a:camera prst="perspectiveRelaxed"/>
+            <a:lightRig rig="threePt" dir="t"/>
+          </a:scene3d>
+        </p:spPr>
+        <p:txBody>
+          <a:bodyPr wrap="square" lIns="91440" tIns="45720" rIns="91440" bIns="45720">
+            <a:spAutoFit/>
+          </a:bodyPr>
+          <a:lstStyle/>
+          <a:p>
+            <a:r>
+              <a:rPr lang="en-US" sz="2400" dirty="0" smtClean="0">
+                <a:ln w="0"/>
+                <a:solidFill>
+                  <a:srgbClr val="273272"/>
+                </a:solidFill>
+                <a:effectLst>
+                  <a:reflection blurRad="6350" stA="53000" endA="300" endPos="35500" dir="5400000" sy="-90000" algn="bl" rotWithShape="0"/>
+                </a:effectLst>
+                <a:latin typeface="Courier New" pitchFamily="49" charset="0"/>
+                <a:cs typeface="Courier New" pitchFamily="49" charset="0"/>
+              </a:rPr>
+              <a:t>		</a:t>
+            </a:r>
+          </a:p>
+          <a:p>
+            <a:r>
+              <a:rPr lang="en-US" sz="2400" dirty="0" smtClean="0">
+                <a:ln w="0"/>
+                <a:solidFill>
+                  <a:srgbClr val="273272"/>
+                </a:solidFill>
+                <a:effectLst>
+                  <a:reflection blurRad="6350" stA="53000" endA="300" endPos="35500" dir="5400000" sy="-90000" algn="bl" rotWithShape="0"/>
+                </a:effectLst>
+                <a:latin typeface="Courier New" pitchFamily="49" charset="0"/>
+                <a:cs typeface="Courier New" pitchFamily="49" charset="0"/>
+              </a:rPr>
+              <a:t>		.text</a:t>
+            </a:r>
+          </a:p>
+          <a:p>
+            <a:r>
+              <a:rPr lang="en-US" sz="2400" dirty="0" smtClean="0">
+                <a:ln w="0"/>
+                <a:solidFill>
+                  <a:srgbClr val="273272"/>
+                </a:solidFill>
+                <a:effectLst>
+                  <a:reflection blurRad="6350" stA="53000" endA="300" endPos="35500" dir="5400000" sy="-90000" algn="bl" rotWithShape="0"/>
+                </a:effectLst>
+                <a:latin typeface="Courier New" pitchFamily="49" charset="0"/>
+                <a:cs typeface="Courier New" pitchFamily="49" charset="0"/>
+              </a:rPr>
+              <a:t>__start:	</a:t>
+            </a:r>
+            <a:r>
+              <a:rPr lang="en-US" sz="2400" dirty="0" err="1" smtClean="0">
+                <a:ln w="0"/>
+                <a:solidFill>
+                  <a:srgbClr val="273272"/>
+                </a:solidFill>
+                <a:effectLst>
+                  <a:reflection blurRad="6350" stA="53000" endA="300" endPos="35500" dir="5400000" sy="-90000" algn="bl" rotWithShape="0"/>
+                </a:effectLst>
+                <a:latin typeface="Courier New" pitchFamily="49" charset="0"/>
+                <a:cs typeface="Courier New" pitchFamily="49" charset="0"/>
+              </a:rPr>
+              <a:t>addi</a:t>
+            </a:r>
+            <a:r>
+              <a:rPr lang="en-US" sz="2400" dirty="0" smtClean="0">
+                <a:ln w="0"/>
+                <a:solidFill>
+                  <a:srgbClr val="273272"/>
+                </a:solidFill>
+                <a:effectLst>
+                  <a:reflection blurRad="6350" stA="53000" endA="300" endPos="35500" dir="5400000" sy="-90000" algn="bl" rotWithShape="0"/>
+                </a:effectLst>
+                <a:latin typeface="Courier New" pitchFamily="49" charset="0"/>
+                <a:cs typeface="Courier New" pitchFamily="49" charset="0"/>
+              </a:rPr>
+              <a:t> t1, zero, 0x18</a:t>
+            </a:r>
+          </a:p>
+          <a:p>
+            <a:r>
+              <a:rPr lang="en-US" sz="2400" dirty="0" smtClean="0">
+                <a:ln w="0"/>
+                <a:solidFill>
+                  <a:srgbClr val="273272"/>
+                </a:solidFill>
+                <a:effectLst>
+                  <a:reflection blurRad="6350" stA="53000" endA="300" endPos="35500" dir="5400000" sy="-90000" algn="bl" rotWithShape="0"/>
+                </a:effectLst>
+                <a:latin typeface="Courier New" pitchFamily="49" charset="0"/>
+                <a:cs typeface="Courier New" pitchFamily="49" charset="0"/>
+              </a:rPr>
+              <a:t>		</a:t>
+            </a:r>
+            <a:r>
+              <a:rPr lang="en-US" sz="2400" dirty="0" err="1" smtClean="0">
+                <a:ln w="0"/>
+                <a:solidFill>
+                  <a:srgbClr val="273272"/>
+                </a:solidFill>
+                <a:effectLst>
+                  <a:reflection blurRad="6350" stA="53000" endA="300" endPos="35500" dir="5400000" sy="-90000" algn="bl" rotWithShape="0"/>
+                </a:effectLst>
+                <a:latin typeface="Courier New" pitchFamily="49" charset="0"/>
+                <a:cs typeface="Courier New" pitchFamily="49" charset="0"/>
+              </a:rPr>
+              <a:t>addi</a:t>
+            </a:r>
+            <a:r>
+              <a:rPr lang="en-US" sz="2400" dirty="0" smtClean="0">
+                <a:ln w="0"/>
+                <a:solidFill>
+                  <a:srgbClr val="273272"/>
+                </a:solidFill>
+                <a:effectLst>
+                  <a:reflection blurRad="6350" stA="53000" endA="300" endPos="35500" dir="5400000" sy="-90000" algn="bl" rotWithShape="0"/>
+                </a:effectLst>
+                <a:latin typeface="Courier New" pitchFamily="49" charset="0"/>
+                <a:cs typeface="Courier New" pitchFamily="49" charset="0"/>
+              </a:rPr>
+              <a:t> t2, zero, 0x21</a:t>
+            </a:r>
+          </a:p>
+          <a:p>
+            <a:r>
+              <a:rPr lang="en-US" sz="2400" dirty="0" smtClean="0">
+                <a:ln w="0"/>
+                <a:solidFill>
+                  <a:srgbClr val="273272"/>
+                </a:solidFill>
+                <a:effectLst>
+                  <a:reflection blurRad="6350" stA="53000" endA="300" endPos="35500" dir="5400000" sy="-90000" algn="bl" rotWithShape="0"/>
+                </a:effectLst>
+                <a:latin typeface="Courier New" pitchFamily="49" charset="0"/>
+                <a:cs typeface="Courier New" pitchFamily="49" charset="0"/>
+              </a:rPr>
+              <a:t>cycle:	</a:t>
+            </a:r>
+            <a:r>
+              <a:rPr lang="en-US" sz="2400" dirty="0" err="1" smtClean="0">
+                <a:ln w="0"/>
+                <a:solidFill>
+                  <a:srgbClr val="273272"/>
+                </a:solidFill>
+                <a:effectLst>
+                  <a:reflection blurRad="6350" stA="53000" endA="300" endPos="35500" dir="5400000" sy="-90000" algn="bl" rotWithShape="0"/>
+                </a:effectLst>
+                <a:latin typeface="Courier New" pitchFamily="49" charset="0"/>
+                <a:cs typeface="Courier New" pitchFamily="49" charset="0"/>
+              </a:rPr>
+              <a:t>beq</a:t>
+            </a:r>
+            <a:r>
+              <a:rPr lang="en-US" sz="2400" dirty="0" smtClean="0">
+                <a:ln w="0"/>
+                <a:solidFill>
+                  <a:srgbClr val="273272"/>
+                </a:solidFill>
+                <a:effectLst>
+                  <a:reflection blurRad="6350" stA="53000" endA="300" endPos="35500" dir="5400000" sy="-90000" algn="bl" rotWithShape="0"/>
+                </a:effectLst>
+                <a:latin typeface="Courier New" pitchFamily="49" charset="0"/>
+                <a:cs typeface="Courier New" pitchFamily="49" charset="0"/>
+              </a:rPr>
+              <a:t> t1, t2, done</a:t>
+            </a:r>
+          </a:p>
+          <a:p>
+            <a:r>
+              <a:rPr lang="en-US" sz="2400" dirty="0" smtClean="0">
+                <a:ln w="0"/>
+                <a:solidFill>
+                  <a:srgbClr val="273272"/>
+                </a:solidFill>
+                <a:effectLst>
+                  <a:reflection blurRad="6350" stA="53000" endA="300" endPos="35500" dir="5400000" sy="-90000" algn="bl" rotWithShape="0"/>
+                </a:effectLst>
+                <a:latin typeface="Courier New" pitchFamily="49" charset="0"/>
+                <a:cs typeface="Courier New" pitchFamily="49" charset="0"/>
+              </a:rPr>
+              <a:t>		</a:t>
+            </a:r>
+            <a:r>
+              <a:rPr lang="en-US" sz="2400" dirty="0" err="1" smtClean="0">
+                <a:ln w="0"/>
+                <a:solidFill>
+                  <a:srgbClr val="273272"/>
+                </a:solidFill>
+                <a:effectLst>
+                  <a:reflection blurRad="6350" stA="53000" endA="300" endPos="35500" dir="5400000" sy="-90000" algn="bl" rotWithShape="0"/>
+                </a:effectLst>
+                <a:latin typeface="Courier New" pitchFamily="49" charset="0"/>
+                <a:cs typeface="Courier New" pitchFamily="49" charset="0"/>
+              </a:rPr>
+              <a:t>slt</a:t>
+            </a:r>
+            <a:r>
+              <a:rPr lang="en-US" sz="2400" dirty="0" smtClean="0">
+                <a:ln w="0"/>
+                <a:solidFill>
+                  <a:srgbClr val="273272"/>
+                </a:solidFill>
+                <a:effectLst>
+                  <a:reflection blurRad="6350" stA="53000" endA="300" endPos="35500" dir="5400000" sy="-90000" algn="bl" rotWithShape="0"/>
+                </a:effectLst>
+                <a:latin typeface="Courier New" pitchFamily="49" charset="0"/>
+                <a:cs typeface="Courier New" pitchFamily="49" charset="0"/>
+              </a:rPr>
+              <a:t> t0, t1, t2</a:t>
+            </a:r>
+          </a:p>
+          <a:p>
+            <a:r>
+              <a:rPr lang="en-US" sz="2400" dirty="0" smtClean="0">
+                <a:ln w="0"/>
+                <a:solidFill>
+                  <a:srgbClr val="273272"/>
+                </a:solidFill>
+                <a:effectLst>
+                  <a:reflection blurRad="6350" stA="53000" endA="300" endPos="35500" dir="5400000" sy="-90000" algn="bl" rotWithShape="0"/>
+                </a:effectLst>
+                <a:latin typeface="Courier New" pitchFamily="49" charset="0"/>
+                <a:cs typeface="Courier New" pitchFamily="49" charset="0"/>
+              </a:rPr>
+              <a:t>		</a:t>
+            </a:r>
+            <a:r>
+              <a:rPr lang="en-US" sz="2400" dirty="0" err="1" smtClean="0">
+                <a:ln w="0"/>
+                <a:solidFill>
+                  <a:srgbClr val="273272"/>
+                </a:solidFill>
+                <a:effectLst>
+                  <a:reflection blurRad="6350" stA="53000" endA="300" endPos="35500" dir="5400000" sy="-90000" algn="bl" rotWithShape="0"/>
+                </a:effectLst>
+                <a:latin typeface="Courier New" pitchFamily="49" charset="0"/>
+                <a:cs typeface="Courier New" pitchFamily="49" charset="0"/>
+              </a:rPr>
+              <a:t>bne</a:t>
+            </a:r>
+            <a:r>
+              <a:rPr lang="en-US" sz="2400" dirty="0" smtClean="0">
+                <a:ln w="0"/>
+                <a:solidFill>
+                  <a:srgbClr val="273272"/>
+                </a:solidFill>
+                <a:effectLst>
+                  <a:reflection blurRad="6350" stA="53000" endA="300" endPos="35500" dir="5400000" sy="-90000" algn="bl" rotWithShape="0"/>
+                </a:effectLst>
+                <a:latin typeface="Courier New" pitchFamily="49" charset="0"/>
+                <a:cs typeface="Courier New" pitchFamily="49" charset="0"/>
+              </a:rPr>
+              <a:t> t0, zero, </a:t>
+            </a:r>
+            <a:r>
+              <a:rPr lang="en-US" sz="2400" dirty="0" err="1" smtClean="0">
+                <a:ln w="0"/>
+                <a:solidFill>
+                  <a:srgbClr val="273272"/>
+                </a:solidFill>
+                <a:effectLst>
+                  <a:reflection blurRad="6350" stA="53000" endA="300" endPos="35500" dir="5400000" sy="-90000" algn="bl" rotWithShape="0"/>
+                </a:effectLst>
+                <a:latin typeface="Courier New" pitchFamily="49" charset="0"/>
+                <a:cs typeface="Courier New" pitchFamily="49" charset="0"/>
+              </a:rPr>
+              <a:t>if_less</a:t>
+            </a:r>
+            <a:endParaRPr lang="en-US" sz="2400" dirty="0" smtClean="0">
+              <a:ln w="0"/>
+              <a:solidFill>
+                <a:srgbClr val="273272"/>
+              </a:solidFill>
+              <a:effectLst>
+                <a:reflection blurRad="6350" stA="53000" endA="300" endPos="35500" dir="5400000" sy="-90000" algn="bl" rotWithShape="0"/>
+              </a:effectLst>
+              <a:latin typeface="Courier New" pitchFamily="49" charset="0"/>
+              <a:cs typeface="Courier New" pitchFamily="49" charset="0"/>
+            </a:endParaRPr>
+          </a:p>
+          <a:p>
+            <a:r>
+              <a:rPr lang="en-US" sz="2400" dirty="0" smtClean="0">
+                <a:ln w="0"/>
+                <a:solidFill>
+                  <a:srgbClr val="273272"/>
+                </a:solidFill>
+                <a:effectLst>
+                  <a:reflection blurRad="6350" stA="53000" endA="300" endPos="35500" dir="5400000" sy="-90000" algn="bl" rotWithShape="0"/>
+                </a:effectLst>
+                <a:latin typeface="Courier New" pitchFamily="49" charset="0"/>
+                <a:cs typeface="Courier New" pitchFamily="49" charset="0"/>
+              </a:rPr>
+              <a:t>		</a:t>
+            </a:r>
+            <a:r>
+              <a:rPr lang="en-US" sz="2400" dirty="0" err="1" smtClean="0">
+                <a:ln w="0"/>
+                <a:solidFill>
+                  <a:srgbClr val="273272"/>
+                </a:solidFill>
+                <a:effectLst>
+                  <a:reflection blurRad="6350" stA="53000" endA="300" endPos="35500" dir="5400000" sy="-90000" algn="bl" rotWithShape="0"/>
+                </a:effectLst>
+                <a:latin typeface="Courier New" pitchFamily="49" charset="0"/>
+                <a:cs typeface="Courier New" pitchFamily="49" charset="0"/>
+              </a:rPr>
+              <a:t>nop</a:t>
+            </a:r>
+            <a:endParaRPr lang="en-US" sz="2400" dirty="0" smtClean="0">
+              <a:ln w="0"/>
+              <a:solidFill>
+                <a:srgbClr val="273272"/>
+              </a:solidFill>
+              <a:effectLst>
+                <a:reflection blurRad="6350" stA="53000" endA="300" endPos="35500" dir="5400000" sy="-90000" algn="bl" rotWithShape="0"/>
+              </a:effectLst>
+              <a:latin typeface="Courier New" pitchFamily="49" charset="0"/>
+              <a:cs typeface="Courier New" pitchFamily="49" charset="0"/>
+            </a:endParaRPr>
+          </a:p>
+          <a:p>
+            <a:r>
+              <a:rPr lang="en-US" sz="2400" dirty="0" smtClean="0">
+                <a:ln w="0"/>
+                <a:solidFill>
+                  <a:srgbClr val="273272"/>
+                </a:solidFill>
+                <a:effectLst>
+                  <a:reflection blurRad="6350" stA="53000" endA="300" endPos="35500" dir="5400000" sy="-90000" algn="bl" rotWithShape="0"/>
+                </a:effectLst>
+                <a:latin typeface="Courier New" pitchFamily="49" charset="0"/>
+                <a:cs typeface="Courier New" pitchFamily="49" charset="0"/>
+              </a:rPr>
+              <a:t>		sub t1, t1, t2</a:t>
+            </a:r>
+          </a:p>
+          <a:p>
+            <a:r>
+              <a:rPr lang="en-US" sz="2400" dirty="0" smtClean="0">
+                <a:ln w="0"/>
+                <a:solidFill>
+                  <a:srgbClr val="273272"/>
+                </a:solidFill>
+                <a:effectLst>
+                  <a:reflection blurRad="6350" stA="53000" endA="300" endPos="35500" dir="5400000" sy="-90000" algn="bl" rotWithShape="0"/>
+                </a:effectLst>
+                <a:latin typeface="Courier New" pitchFamily="49" charset="0"/>
+                <a:cs typeface="Courier New" pitchFamily="49" charset="0"/>
+              </a:rPr>
+              <a:t>		j cycle</a:t>
+            </a:r>
+          </a:p>
+          <a:p>
+            <a:r>
+              <a:rPr lang="en-US" sz="2400" dirty="0" smtClean="0">
+                <a:ln w="0"/>
+                <a:solidFill>
+                  <a:srgbClr val="273272"/>
+                </a:solidFill>
+                <a:effectLst>
+                  <a:reflection blurRad="6350" stA="53000" endA="300" endPos="35500" dir="5400000" sy="-90000" algn="bl" rotWithShape="0"/>
+                </a:effectLst>
+                <a:latin typeface="Courier New" pitchFamily="49" charset="0"/>
+                <a:cs typeface="Courier New" pitchFamily="49" charset="0"/>
+              </a:rPr>
+              <a:t>		</a:t>
+            </a:r>
+            <a:r>
+              <a:rPr lang="en-US" sz="2400" dirty="0" err="1" smtClean="0">
+                <a:ln w="0"/>
+                <a:solidFill>
+                  <a:srgbClr val="273272"/>
+                </a:solidFill>
+                <a:effectLst>
+                  <a:reflection blurRad="6350" stA="53000" endA="300" endPos="35500" dir="5400000" sy="-90000" algn="bl" rotWithShape="0"/>
+                </a:effectLst>
+                <a:latin typeface="Courier New" pitchFamily="49" charset="0"/>
+                <a:cs typeface="Courier New" pitchFamily="49" charset="0"/>
+              </a:rPr>
+              <a:t>nop</a:t>
+            </a:r>
+            <a:endParaRPr lang="en-US" sz="2400" dirty="0" smtClean="0">
+              <a:ln w="0"/>
+              <a:solidFill>
+                <a:srgbClr val="273272"/>
+              </a:solidFill>
+              <a:effectLst>
+                <a:reflection blurRad="6350" stA="53000" endA="300" endPos="35500" dir="5400000" sy="-90000" algn="bl" rotWithShape="0"/>
+              </a:effectLst>
+              <a:latin typeface="Courier New" pitchFamily="49" charset="0"/>
+              <a:cs typeface="Courier New" pitchFamily="49" charset="0"/>
+            </a:endParaRPr>
+          </a:p>
+          <a:p>
+            <a:r>
+              <a:rPr lang="en-US" sz="2400" dirty="0" err="1" smtClean="0">
+                <a:ln w="0"/>
+                <a:solidFill>
+                  <a:srgbClr val="273272"/>
+                </a:solidFill>
+                <a:effectLst>
+                  <a:reflection blurRad="6350" stA="53000" endA="300" endPos="35500" dir="5400000" sy="-90000" algn="bl" rotWithShape="0"/>
+                </a:effectLst>
+                <a:latin typeface="Courier New" pitchFamily="49" charset="0"/>
+                <a:cs typeface="Courier New" pitchFamily="49" charset="0"/>
+              </a:rPr>
+              <a:t>if_less</a:t>
+            </a:r>
+            <a:r>
+              <a:rPr lang="en-US" sz="2400" dirty="0" smtClean="0">
+                <a:ln w="0"/>
+                <a:solidFill>
+                  <a:srgbClr val="273272"/>
+                </a:solidFill>
+                <a:effectLst>
+                  <a:reflection blurRad="6350" stA="53000" endA="300" endPos="35500" dir="5400000" sy="-90000" algn="bl" rotWithShape="0"/>
+                </a:effectLst>
+                <a:latin typeface="Courier New" pitchFamily="49" charset="0"/>
+                <a:cs typeface="Courier New" pitchFamily="49" charset="0"/>
+              </a:rPr>
+              <a:t>:	sub t2, t2, t1</a:t>
+            </a:r>
+          </a:p>
+          <a:p>
+            <a:r>
+              <a:rPr lang="en-US" sz="2400" dirty="0" smtClean="0">
+                <a:ln w="0"/>
+                <a:solidFill>
+                  <a:srgbClr val="273272"/>
+                </a:solidFill>
+                <a:effectLst>
+                  <a:reflection blurRad="6350" stA="53000" endA="300" endPos="35500" dir="5400000" sy="-90000" algn="bl" rotWithShape="0"/>
+                </a:effectLst>
+                <a:latin typeface="Courier New" pitchFamily="49" charset="0"/>
+                <a:cs typeface="Courier New" pitchFamily="49" charset="0"/>
+              </a:rPr>
+              <a:t>		j cycle</a:t>
+            </a:r>
+          </a:p>
+          <a:p>
+            <a:r>
+              <a:rPr lang="en-US" sz="2400" dirty="0" smtClean="0">
+                <a:ln w="0"/>
+                <a:solidFill>
+                  <a:srgbClr val="273272"/>
+                </a:solidFill>
+                <a:effectLst>
+                  <a:reflection blurRad="6350" stA="53000" endA="300" endPos="35500" dir="5400000" sy="-90000" algn="bl" rotWithShape="0"/>
+                </a:effectLst>
+                <a:latin typeface="Courier New" pitchFamily="49" charset="0"/>
+                <a:cs typeface="Courier New" pitchFamily="49" charset="0"/>
+              </a:rPr>
+              <a:t>done:		add t3, t1, zero</a:t>
+            </a:r>
+            <a:endParaRPr lang="ru-RU" sz="2400" b="0" cap="none" spc="0" dirty="0">
+              <a:ln w="0"/>
+              <a:solidFill>
+                <a:srgbClr val="273272"/>
+              </a:solidFill>
+              <a:effectLst>
+                <a:reflection blurRad="6350" stA="53000" endA="300" endPos="35500" dir="5400000" sy="-90000" algn="bl" rotWithShape="0"/>
+              </a:effectLst>
+              <a:latin typeface="Courier New" pitchFamily="49" charset="0"/>
+              <a:cs typeface="Courier New" pitchFamily="49" charset="0"/>
+            </a:endParaRPr>
+          </a:p>
+        </p:txBody>
+      </p:sp>
+      <p:sp>
+        <p:nvSpPr>
+          <p:cNvPr id="2" name="Заголовок 1"/>
+          <p:cNvSpPr>
+            <a:spLocks noGrp="1"/>
+          </p:cNvSpPr>
+          <p:nvPr>
+            <p:ph type="title"/>
+          </p:nvPr>
+        </p:nvSpPr>
+        <p:spPr/>
+        <p:txBody>
+          <a:bodyPr>
+            <a:normAutofit/>
+          </a:bodyPr>
+          <a:lstStyle/>
+          <a:p>
+            <a:r>
+              <a:rPr lang="en-US" dirty="0" smtClean="0"/>
+              <a:t>Any Questions?</a:t>
+            </a:r>
+            <a:endParaRPr lang="ru-RU" sz="4000" dirty="0"/>
+          </a:p>
+        </p:txBody>
+      </p:sp>
+      <p:sp>
+        <p:nvSpPr>
+          <p:cNvPr id="6" name="Номер слайда 5"/>
+          <p:cNvSpPr>
+            <a:spLocks noGrp="1"/>
+          </p:cNvSpPr>
+          <p:nvPr>
+            <p:ph type="sldNum" sz="quarter" idx="12"/>
+          </p:nvPr>
+        </p:nvSpPr>
+        <p:spPr/>
+        <p:txBody>
+          <a:bodyPr/>
+          <a:lstStyle/>
+          <a:p>
+            <a:pPr algn="ctr"/>
+            <a:fld id="{1397BFD8-F312-4EF2-A268-44FB4BDDBBB0}" type="slidenum">
+              <a:rPr lang="ru-RU" smtClean="0"/>
+              <a:pPr algn="ctr"/>
+              <a:t>10</a:t>
+            </a:fld>
+            <a:endParaRPr lang="ru-RU" dirty="0"/>
+          </a:p>
+        </p:txBody>
+      </p:sp>
+    </p:spTree>
+    <p:extLst>
+      <p:ext uri="{BB962C8B-B14F-4D97-AF65-F5344CB8AC3E}">
+        <p14:creationId xmlns="" xmlns:p14="http://schemas.microsoft.com/office/powerpoint/2010/main" val="4217875043"/>
       </p:ext>
     </p:extLst>
   </p:cSld>
@@ -5055,8 +5642,8 @@
         </p:nvSpPr>
         <p:spPr bwMode="auto">
           <a:xfrm flipH="1">
-            <a:off x="4993423" y="3978234"/>
-            <a:ext cx="1621134" cy="289868"/>
+            <a:off x="4738255" y="3978234"/>
+            <a:ext cx="1876302" cy="356260"/>
           </a:xfrm>
           <a:prstGeom prst="line">
             <a:avLst/>
@@ -5284,530 +5871,7 @@
       </p:grpSpPr>
       <p:sp>
         <p:nvSpPr>
-          <p:cNvPr id="4" name="Прямоугольник 3"/>
-          <p:cNvSpPr/>
-          <p:nvPr/>
-        </p:nvSpPr>
-        <p:spPr>
-          <a:xfrm>
-            <a:off x="2664999" y="472120"/>
-            <a:ext cx="7524751" cy="5262979"/>
-          </a:xfrm>
-          <a:prstGeom prst="rect">
-            <a:avLst/>
-          </a:prstGeom>
-          <a:noFill/>
-          <a:ln>
-            <a:noFill/>
-          </a:ln>
-          <a:scene3d>
-            <a:camera prst="perspectiveRelaxed"/>
-            <a:lightRig rig="threePt" dir="t"/>
-          </a:scene3d>
-        </p:spPr>
-        <p:txBody>
-          <a:bodyPr wrap="square" lIns="91440" tIns="45720" rIns="91440" bIns="45720">
-            <a:spAutoFit/>
-          </a:bodyPr>
-          <a:lstStyle/>
-          <a:p>
-            <a:r>
-              <a:rPr lang="en-US" sz="2400" dirty="0" smtClean="0">
-                <a:ln w="0"/>
-                <a:solidFill>
-                  <a:srgbClr val="273272"/>
-                </a:solidFill>
-                <a:effectLst>
-                  <a:reflection blurRad="6350" stA="53000" endA="300" endPos="35500" dir="5400000" sy="-90000" algn="bl" rotWithShape="0"/>
-                </a:effectLst>
-                <a:latin typeface="Courier New" pitchFamily="49" charset="0"/>
-                <a:cs typeface="Courier New" pitchFamily="49" charset="0"/>
-              </a:rPr>
-              <a:t>		</a:t>
-            </a:r>
-          </a:p>
-          <a:p>
-            <a:r>
-              <a:rPr lang="en-US" sz="2400" dirty="0" smtClean="0">
-                <a:ln w="0"/>
-                <a:solidFill>
-                  <a:srgbClr val="273272"/>
-                </a:solidFill>
-                <a:effectLst>
-                  <a:reflection blurRad="6350" stA="53000" endA="300" endPos="35500" dir="5400000" sy="-90000" algn="bl" rotWithShape="0"/>
-                </a:effectLst>
-                <a:latin typeface="Courier New" pitchFamily="49" charset="0"/>
-                <a:cs typeface="Courier New" pitchFamily="49" charset="0"/>
-              </a:rPr>
-              <a:t>		.text</a:t>
-            </a:r>
-          </a:p>
-          <a:p>
-            <a:r>
-              <a:rPr lang="en-US" sz="2400" dirty="0" smtClean="0">
-                <a:ln w="0"/>
-                <a:solidFill>
-                  <a:srgbClr val="273272"/>
-                </a:solidFill>
-                <a:effectLst>
-                  <a:reflection blurRad="6350" stA="53000" endA="300" endPos="35500" dir="5400000" sy="-90000" algn="bl" rotWithShape="0"/>
-                </a:effectLst>
-                <a:latin typeface="Courier New" pitchFamily="49" charset="0"/>
-                <a:cs typeface="Courier New" pitchFamily="49" charset="0"/>
-              </a:rPr>
-              <a:t>__start:	</a:t>
-            </a:r>
-            <a:r>
-              <a:rPr lang="en-US" sz="2400" dirty="0" err="1" smtClean="0">
-                <a:ln w="0"/>
-                <a:solidFill>
-                  <a:srgbClr val="273272"/>
-                </a:solidFill>
-                <a:effectLst>
-                  <a:reflection blurRad="6350" stA="53000" endA="300" endPos="35500" dir="5400000" sy="-90000" algn="bl" rotWithShape="0"/>
-                </a:effectLst>
-                <a:latin typeface="Courier New" pitchFamily="49" charset="0"/>
-                <a:cs typeface="Courier New" pitchFamily="49" charset="0"/>
-              </a:rPr>
-              <a:t>addi</a:t>
-            </a:r>
-            <a:r>
-              <a:rPr lang="en-US" sz="2400" dirty="0" smtClean="0">
-                <a:ln w="0"/>
-                <a:solidFill>
-                  <a:srgbClr val="273272"/>
-                </a:solidFill>
-                <a:effectLst>
-                  <a:reflection blurRad="6350" stA="53000" endA="300" endPos="35500" dir="5400000" sy="-90000" algn="bl" rotWithShape="0"/>
-                </a:effectLst>
-                <a:latin typeface="Courier New" pitchFamily="49" charset="0"/>
-                <a:cs typeface="Courier New" pitchFamily="49" charset="0"/>
-              </a:rPr>
-              <a:t> t1, zero, 0x18</a:t>
-            </a:r>
-          </a:p>
-          <a:p>
-            <a:r>
-              <a:rPr lang="en-US" sz="2400" dirty="0" smtClean="0">
-                <a:ln w="0"/>
-                <a:solidFill>
-                  <a:srgbClr val="273272"/>
-                </a:solidFill>
-                <a:effectLst>
-                  <a:reflection blurRad="6350" stA="53000" endA="300" endPos="35500" dir="5400000" sy="-90000" algn="bl" rotWithShape="0"/>
-                </a:effectLst>
-                <a:latin typeface="Courier New" pitchFamily="49" charset="0"/>
-                <a:cs typeface="Courier New" pitchFamily="49" charset="0"/>
-              </a:rPr>
-              <a:t>		</a:t>
-            </a:r>
-            <a:r>
-              <a:rPr lang="en-US" sz="2400" dirty="0" err="1" smtClean="0">
-                <a:ln w="0"/>
-                <a:solidFill>
-                  <a:srgbClr val="273272"/>
-                </a:solidFill>
-                <a:effectLst>
-                  <a:reflection blurRad="6350" stA="53000" endA="300" endPos="35500" dir="5400000" sy="-90000" algn="bl" rotWithShape="0"/>
-                </a:effectLst>
-                <a:latin typeface="Courier New" pitchFamily="49" charset="0"/>
-                <a:cs typeface="Courier New" pitchFamily="49" charset="0"/>
-              </a:rPr>
-              <a:t>addi</a:t>
-            </a:r>
-            <a:r>
-              <a:rPr lang="en-US" sz="2400" dirty="0" smtClean="0">
-                <a:ln w="0"/>
-                <a:solidFill>
-                  <a:srgbClr val="273272"/>
-                </a:solidFill>
-                <a:effectLst>
-                  <a:reflection blurRad="6350" stA="53000" endA="300" endPos="35500" dir="5400000" sy="-90000" algn="bl" rotWithShape="0"/>
-                </a:effectLst>
-                <a:latin typeface="Courier New" pitchFamily="49" charset="0"/>
-                <a:cs typeface="Courier New" pitchFamily="49" charset="0"/>
-              </a:rPr>
-              <a:t> t2, zero, 0x21</a:t>
-            </a:r>
-          </a:p>
-          <a:p>
-            <a:r>
-              <a:rPr lang="en-US" sz="2400" dirty="0" smtClean="0">
-                <a:ln w="0"/>
-                <a:solidFill>
-                  <a:srgbClr val="273272"/>
-                </a:solidFill>
-                <a:effectLst>
-                  <a:reflection blurRad="6350" stA="53000" endA="300" endPos="35500" dir="5400000" sy="-90000" algn="bl" rotWithShape="0"/>
-                </a:effectLst>
-                <a:latin typeface="Courier New" pitchFamily="49" charset="0"/>
-                <a:cs typeface="Courier New" pitchFamily="49" charset="0"/>
-              </a:rPr>
-              <a:t>cycle:	</a:t>
-            </a:r>
-            <a:r>
-              <a:rPr lang="en-US" sz="2400" dirty="0" err="1" smtClean="0">
-                <a:ln w="0"/>
-                <a:solidFill>
-                  <a:srgbClr val="273272"/>
-                </a:solidFill>
-                <a:effectLst>
-                  <a:reflection blurRad="6350" stA="53000" endA="300" endPos="35500" dir="5400000" sy="-90000" algn="bl" rotWithShape="0"/>
-                </a:effectLst>
-                <a:latin typeface="Courier New" pitchFamily="49" charset="0"/>
-                <a:cs typeface="Courier New" pitchFamily="49" charset="0"/>
-              </a:rPr>
-              <a:t>beq</a:t>
-            </a:r>
-            <a:r>
-              <a:rPr lang="en-US" sz="2400" dirty="0" smtClean="0">
-                <a:ln w="0"/>
-                <a:solidFill>
-                  <a:srgbClr val="273272"/>
-                </a:solidFill>
-                <a:effectLst>
-                  <a:reflection blurRad="6350" stA="53000" endA="300" endPos="35500" dir="5400000" sy="-90000" algn="bl" rotWithShape="0"/>
-                </a:effectLst>
-                <a:latin typeface="Courier New" pitchFamily="49" charset="0"/>
-                <a:cs typeface="Courier New" pitchFamily="49" charset="0"/>
-              </a:rPr>
-              <a:t> t1, t2, done</a:t>
-            </a:r>
-          </a:p>
-          <a:p>
-            <a:r>
-              <a:rPr lang="en-US" sz="2400" dirty="0" smtClean="0">
-                <a:ln w="0"/>
-                <a:solidFill>
-                  <a:srgbClr val="273272"/>
-                </a:solidFill>
-                <a:effectLst>
-                  <a:reflection blurRad="6350" stA="53000" endA="300" endPos="35500" dir="5400000" sy="-90000" algn="bl" rotWithShape="0"/>
-                </a:effectLst>
-                <a:latin typeface="Courier New" pitchFamily="49" charset="0"/>
-                <a:cs typeface="Courier New" pitchFamily="49" charset="0"/>
-              </a:rPr>
-              <a:t>		</a:t>
-            </a:r>
-            <a:r>
-              <a:rPr lang="en-US" sz="2400" dirty="0" err="1" smtClean="0">
-                <a:ln w="0"/>
-                <a:solidFill>
-                  <a:srgbClr val="273272"/>
-                </a:solidFill>
-                <a:effectLst>
-                  <a:reflection blurRad="6350" stA="53000" endA="300" endPos="35500" dir="5400000" sy="-90000" algn="bl" rotWithShape="0"/>
-                </a:effectLst>
-                <a:latin typeface="Courier New" pitchFamily="49" charset="0"/>
-                <a:cs typeface="Courier New" pitchFamily="49" charset="0"/>
-              </a:rPr>
-              <a:t>slt</a:t>
-            </a:r>
-            <a:r>
-              <a:rPr lang="en-US" sz="2400" dirty="0" smtClean="0">
-                <a:ln w="0"/>
-                <a:solidFill>
-                  <a:srgbClr val="273272"/>
-                </a:solidFill>
-                <a:effectLst>
-                  <a:reflection blurRad="6350" stA="53000" endA="300" endPos="35500" dir="5400000" sy="-90000" algn="bl" rotWithShape="0"/>
-                </a:effectLst>
-                <a:latin typeface="Courier New" pitchFamily="49" charset="0"/>
-                <a:cs typeface="Courier New" pitchFamily="49" charset="0"/>
-              </a:rPr>
-              <a:t> t0, t1, t2</a:t>
-            </a:r>
-          </a:p>
-          <a:p>
-            <a:r>
-              <a:rPr lang="en-US" sz="2400" dirty="0" smtClean="0">
-                <a:ln w="0"/>
-                <a:solidFill>
-                  <a:srgbClr val="273272"/>
-                </a:solidFill>
-                <a:effectLst>
-                  <a:reflection blurRad="6350" stA="53000" endA="300" endPos="35500" dir="5400000" sy="-90000" algn="bl" rotWithShape="0"/>
-                </a:effectLst>
-                <a:latin typeface="Courier New" pitchFamily="49" charset="0"/>
-                <a:cs typeface="Courier New" pitchFamily="49" charset="0"/>
-              </a:rPr>
-              <a:t>		</a:t>
-            </a:r>
-            <a:r>
-              <a:rPr lang="en-US" sz="2400" dirty="0" err="1" smtClean="0">
-                <a:ln w="0"/>
-                <a:solidFill>
-                  <a:srgbClr val="273272"/>
-                </a:solidFill>
-                <a:effectLst>
-                  <a:reflection blurRad="6350" stA="53000" endA="300" endPos="35500" dir="5400000" sy="-90000" algn="bl" rotWithShape="0"/>
-                </a:effectLst>
-                <a:latin typeface="Courier New" pitchFamily="49" charset="0"/>
-                <a:cs typeface="Courier New" pitchFamily="49" charset="0"/>
-              </a:rPr>
-              <a:t>bne</a:t>
-            </a:r>
-            <a:r>
-              <a:rPr lang="en-US" sz="2400" dirty="0" smtClean="0">
-                <a:ln w="0"/>
-                <a:solidFill>
-                  <a:srgbClr val="273272"/>
-                </a:solidFill>
-                <a:effectLst>
-                  <a:reflection blurRad="6350" stA="53000" endA="300" endPos="35500" dir="5400000" sy="-90000" algn="bl" rotWithShape="0"/>
-                </a:effectLst>
-                <a:latin typeface="Courier New" pitchFamily="49" charset="0"/>
-                <a:cs typeface="Courier New" pitchFamily="49" charset="0"/>
-              </a:rPr>
-              <a:t> t0, zero, </a:t>
-            </a:r>
-            <a:r>
-              <a:rPr lang="en-US" sz="2400" dirty="0" err="1" smtClean="0">
-                <a:ln w="0"/>
-                <a:solidFill>
-                  <a:srgbClr val="273272"/>
-                </a:solidFill>
-                <a:effectLst>
-                  <a:reflection blurRad="6350" stA="53000" endA="300" endPos="35500" dir="5400000" sy="-90000" algn="bl" rotWithShape="0"/>
-                </a:effectLst>
-                <a:latin typeface="Courier New" pitchFamily="49" charset="0"/>
-                <a:cs typeface="Courier New" pitchFamily="49" charset="0"/>
-              </a:rPr>
-              <a:t>if_less</a:t>
-            </a:r>
-            <a:endParaRPr lang="en-US" sz="2400" dirty="0" smtClean="0">
-              <a:ln w="0"/>
-              <a:solidFill>
-                <a:srgbClr val="273272"/>
-              </a:solidFill>
-              <a:effectLst>
-                <a:reflection blurRad="6350" stA="53000" endA="300" endPos="35500" dir="5400000" sy="-90000" algn="bl" rotWithShape="0"/>
-              </a:effectLst>
-              <a:latin typeface="Courier New" pitchFamily="49" charset="0"/>
-              <a:cs typeface="Courier New" pitchFamily="49" charset="0"/>
-            </a:endParaRPr>
-          </a:p>
-          <a:p>
-            <a:r>
-              <a:rPr lang="en-US" sz="2400" dirty="0" smtClean="0">
-                <a:ln w="0"/>
-                <a:solidFill>
-                  <a:srgbClr val="273272"/>
-                </a:solidFill>
-                <a:effectLst>
-                  <a:reflection blurRad="6350" stA="53000" endA="300" endPos="35500" dir="5400000" sy="-90000" algn="bl" rotWithShape="0"/>
-                </a:effectLst>
-                <a:latin typeface="Courier New" pitchFamily="49" charset="0"/>
-                <a:cs typeface="Courier New" pitchFamily="49" charset="0"/>
-              </a:rPr>
-              <a:t>		</a:t>
-            </a:r>
-            <a:r>
-              <a:rPr lang="en-US" sz="2400" dirty="0" err="1" smtClean="0">
-                <a:ln w="0"/>
-                <a:solidFill>
-                  <a:srgbClr val="273272"/>
-                </a:solidFill>
-                <a:effectLst>
-                  <a:reflection blurRad="6350" stA="53000" endA="300" endPos="35500" dir="5400000" sy="-90000" algn="bl" rotWithShape="0"/>
-                </a:effectLst>
-                <a:latin typeface="Courier New" pitchFamily="49" charset="0"/>
-                <a:cs typeface="Courier New" pitchFamily="49" charset="0"/>
-              </a:rPr>
-              <a:t>nop</a:t>
-            </a:r>
-            <a:endParaRPr lang="en-US" sz="2400" dirty="0" smtClean="0">
-              <a:ln w="0"/>
-              <a:solidFill>
-                <a:srgbClr val="273272"/>
-              </a:solidFill>
-              <a:effectLst>
-                <a:reflection blurRad="6350" stA="53000" endA="300" endPos="35500" dir="5400000" sy="-90000" algn="bl" rotWithShape="0"/>
-              </a:effectLst>
-              <a:latin typeface="Courier New" pitchFamily="49" charset="0"/>
-              <a:cs typeface="Courier New" pitchFamily="49" charset="0"/>
-            </a:endParaRPr>
-          </a:p>
-          <a:p>
-            <a:r>
-              <a:rPr lang="en-US" sz="2400" dirty="0" smtClean="0">
-                <a:ln w="0"/>
-                <a:solidFill>
-                  <a:srgbClr val="273272"/>
-                </a:solidFill>
-                <a:effectLst>
-                  <a:reflection blurRad="6350" stA="53000" endA="300" endPos="35500" dir="5400000" sy="-90000" algn="bl" rotWithShape="0"/>
-                </a:effectLst>
-                <a:latin typeface="Courier New" pitchFamily="49" charset="0"/>
-                <a:cs typeface="Courier New" pitchFamily="49" charset="0"/>
-              </a:rPr>
-              <a:t>		sub t1, t1, t2</a:t>
-            </a:r>
-          </a:p>
-          <a:p>
-            <a:r>
-              <a:rPr lang="en-US" sz="2400" dirty="0" smtClean="0">
-                <a:ln w="0"/>
-                <a:solidFill>
-                  <a:srgbClr val="273272"/>
-                </a:solidFill>
-                <a:effectLst>
-                  <a:reflection blurRad="6350" stA="53000" endA="300" endPos="35500" dir="5400000" sy="-90000" algn="bl" rotWithShape="0"/>
-                </a:effectLst>
-                <a:latin typeface="Courier New" pitchFamily="49" charset="0"/>
-                <a:cs typeface="Courier New" pitchFamily="49" charset="0"/>
-              </a:rPr>
-              <a:t>		j cycle</a:t>
-            </a:r>
-          </a:p>
-          <a:p>
-            <a:r>
-              <a:rPr lang="en-US" sz="2400" dirty="0" smtClean="0">
-                <a:ln w="0"/>
-                <a:solidFill>
-                  <a:srgbClr val="273272"/>
-                </a:solidFill>
-                <a:effectLst>
-                  <a:reflection blurRad="6350" stA="53000" endA="300" endPos="35500" dir="5400000" sy="-90000" algn="bl" rotWithShape="0"/>
-                </a:effectLst>
-                <a:latin typeface="Courier New" pitchFamily="49" charset="0"/>
-                <a:cs typeface="Courier New" pitchFamily="49" charset="0"/>
-              </a:rPr>
-              <a:t>		</a:t>
-            </a:r>
-            <a:r>
-              <a:rPr lang="en-US" sz="2400" dirty="0" err="1" smtClean="0">
-                <a:ln w="0"/>
-                <a:solidFill>
-                  <a:srgbClr val="273272"/>
-                </a:solidFill>
-                <a:effectLst>
-                  <a:reflection blurRad="6350" stA="53000" endA="300" endPos="35500" dir="5400000" sy="-90000" algn="bl" rotWithShape="0"/>
-                </a:effectLst>
-                <a:latin typeface="Courier New" pitchFamily="49" charset="0"/>
-                <a:cs typeface="Courier New" pitchFamily="49" charset="0"/>
-              </a:rPr>
-              <a:t>nop</a:t>
-            </a:r>
-            <a:endParaRPr lang="en-US" sz="2400" dirty="0" smtClean="0">
-              <a:ln w="0"/>
-              <a:solidFill>
-                <a:srgbClr val="273272"/>
-              </a:solidFill>
-              <a:effectLst>
-                <a:reflection blurRad="6350" stA="53000" endA="300" endPos="35500" dir="5400000" sy="-90000" algn="bl" rotWithShape="0"/>
-              </a:effectLst>
-              <a:latin typeface="Courier New" pitchFamily="49" charset="0"/>
-              <a:cs typeface="Courier New" pitchFamily="49" charset="0"/>
-            </a:endParaRPr>
-          </a:p>
-          <a:p>
-            <a:r>
-              <a:rPr lang="en-US" sz="2400" dirty="0" err="1" smtClean="0">
-                <a:ln w="0"/>
-                <a:solidFill>
-                  <a:srgbClr val="273272"/>
-                </a:solidFill>
-                <a:effectLst>
-                  <a:reflection blurRad="6350" stA="53000" endA="300" endPos="35500" dir="5400000" sy="-90000" algn="bl" rotWithShape="0"/>
-                </a:effectLst>
-                <a:latin typeface="Courier New" pitchFamily="49" charset="0"/>
-                <a:cs typeface="Courier New" pitchFamily="49" charset="0"/>
-              </a:rPr>
-              <a:t>if_less</a:t>
-            </a:r>
-            <a:r>
-              <a:rPr lang="en-US" sz="2400" dirty="0" smtClean="0">
-                <a:ln w="0"/>
-                <a:solidFill>
-                  <a:srgbClr val="273272"/>
-                </a:solidFill>
-                <a:effectLst>
-                  <a:reflection blurRad="6350" stA="53000" endA="300" endPos="35500" dir="5400000" sy="-90000" algn="bl" rotWithShape="0"/>
-                </a:effectLst>
-                <a:latin typeface="Courier New" pitchFamily="49" charset="0"/>
-                <a:cs typeface="Courier New" pitchFamily="49" charset="0"/>
-              </a:rPr>
-              <a:t>:	sub t2, t2, t1</a:t>
-            </a:r>
-          </a:p>
-          <a:p>
-            <a:r>
-              <a:rPr lang="en-US" sz="2400" dirty="0" smtClean="0">
-                <a:ln w="0"/>
-                <a:solidFill>
-                  <a:srgbClr val="273272"/>
-                </a:solidFill>
-                <a:effectLst>
-                  <a:reflection blurRad="6350" stA="53000" endA="300" endPos="35500" dir="5400000" sy="-90000" algn="bl" rotWithShape="0"/>
-                </a:effectLst>
-                <a:latin typeface="Courier New" pitchFamily="49" charset="0"/>
-                <a:cs typeface="Courier New" pitchFamily="49" charset="0"/>
-              </a:rPr>
-              <a:t>		j cycle</a:t>
-            </a:r>
-          </a:p>
-          <a:p>
-            <a:r>
-              <a:rPr lang="en-US" sz="2400" dirty="0" smtClean="0">
-                <a:ln w="0"/>
-                <a:solidFill>
-                  <a:srgbClr val="273272"/>
-                </a:solidFill>
-                <a:effectLst>
-                  <a:reflection blurRad="6350" stA="53000" endA="300" endPos="35500" dir="5400000" sy="-90000" algn="bl" rotWithShape="0"/>
-                </a:effectLst>
-                <a:latin typeface="Courier New" pitchFamily="49" charset="0"/>
-                <a:cs typeface="Courier New" pitchFamily="49" charset="0"/>
-              </a:rPr>
-              <a:t>done:		add t3, t1, zero</a:t>
-            </a:r>
-            <a:endParaRPr lang="ru-RU" sz="2400" b="0" cap="none" spc="0" dirty="0">
-              <a:ln w="0"/>
-              <a:solidFill>
-                <a:srgbClr val="273272"/>
-              </a:solidFill>
-              <a:effectLst>
-                <a:reflection blurRad="6350" stA="53000" endA="300" endPos="35500" dir="5400000" sy="-90000" algn="bl" rotWithShape="0"/>
-              </a:effectLst>
-              <a:latin typeface="Courier New" pitchFamily="49" charset="0"/>
-              <a:cs typeface="Courier New" pitchFamily="49" charset="0"/>
-            </a:endParaRPr>
-          </a:p>
-        </p:txBody>
-      </p:sp>
-      <p:sp>
-        <p:nvSpPr>
-          <p:cNvPr id="2" name="Заголовок 1"/>
-          <p:cNvSpPr>
-            <a:spLocks noGrp="1"/>
-          </p:cNvSpPr>
-          <p:nvPr>
-            <p:ph type="title"/>
-          </p:nvPr>
-        </p:nvSpPr>
-        <p:spPr/>
-        <p:txBody>
-          <a:bodyPr>
-            <a:normAutofit/>
-          </a:bodyPr>
-          <a:lstStyle/>
-          <a:p>
-            <a:r>
-              <a:rPr lang="en-US" dirty="0" smtClean="0">
-                <a:solidFill>
-                  <a:srgbClr val="FFC000"/>
-                </a:solidFill>
-              </a:rPr>
-              <a:t>Any Questions?</a:t>
-            </a:r>
-            <a:endParaRPr lang="ru-RU" sz="4000" dirty="0"/>
-          </a:p>
-        </p:txBody>
-      </p:sp>
-      <p:sp>
-        <p:nvSpPr>
-          <p:cNvPr id="6" name="Номер слайда 5"/>
+          <p:cNvPr id="3" name="Номер слайда 2"/>
           <p:cNvSpPr>
             <a:spLocks noGrp="1"/>
           </p:cNvSpPr>
@@ -5830,12 +5894,2039 @@
           </a:p>
         </p:txBody>
       </p:sp>
+      <p:sp>
+        <p:nvSpPr>
+          <p:cNvPr id="4" name="Заголовок 3"/>
+          <p:cNvSpPr>
+            <a:spLocks noGrp="1"/>
+          </p:cNvSpPr>
+          <p:nvPr>
+            <p:ph type="title"/>
+          </p:nvPr>
+        </p:nvSpPr>
+        <p:spPr/>
+        <p:txBody>
+          <a:bodyPr/>
+          <a:lstStyle/>
+          <a:p>
+            <a:r>
+              <a:rPr lang="en-US" dirty="0" smtClean="0"/>
+              <a:t>IEEE Floating-Point Format</a:t>
+            </a:r>
+            <a:endParaRPr lang="ru-RU" dirty="0"/>
+          </a:p>
+        </p:txBody>
+      </p:sp>
+      <p:sp>
+        <p:nvSpPr>
+          <p:cNvPr id="5" name="Rectangle 11"/>
+          <p:cNvSpPr txBox="1">
+            <a:spLocks noChangeArrowheads="1"/>
+          </p:cNvSpPr>
+          <p:nvPr/>
+        </p:nvSpPr>
+        <p:spPr>
+          <a:xfrm>
+            <a:off x="826713" y="3181588"/>
+            <a:ext cx="10537969" cy="2969830"/>
+          </a:xfrm>
+          <a:prstGeom prst="rect">
+            <a:avLst/>
+          </a:prstGeom>
+        </p:spPr>
+        <p:txBody>
+          <a:bodyPr vert="horz" lIns="91440" tIns="45720" rIns="91440" bIns="45720" rtlCol="0">
+            <a:normAutofit/>
+          </a:bodyPr>
+          <a:lstStyle/>
+          <a:p>
+            <a:pPr marL="228600" marR="0" lvl="0" indent="-228600" algn="l" defTabSz="914400" rtl="0" eaLnBrk="1" fontAlgn="auto" latinLnBrk="0" hangingPunct="1">
+              <a:lnSpc>
+                <a:spcPct val="80000"/>
+              </a:lnSpc>
+              <a:spcBef>
+                <a:spcPts val="1000"/>
+              </a:spcBef>
+              <a:spcAft>
+                <a:spcPts val="0"/>
+              </a:spcAft>
+              <a:buClrTx/>
+              <a:buSzTx/>
+              <a:buFont typeface="Arial" panose="020B0604020202020204" pitchFamily="34" charset="0"/>
+              <a:buChar char="•"/>
+              <a:tabLst/>
+              <a:defRPr/>
+            </a:pPr>
+            <a:r>
+              <a:rPr kumimoji="0" lang="en-US" altLang="en-US" sz="3200" b="1" i="0" u="none" strike="noStrike" kern="1200" cap="none" spc="0" normalizeH="0" baseline="0" noProof="0" dirty="0" smtClean="0">
+                <a:ln>
+                  <a:noFill/>
+                </a:ln>
+                <a:solidFill>
+                  <a:srgbClr val="273272"/>
+                </a:solidFill>
+                <a:effectLst/>
+                <a:uLnTx/>
+                <a:uFillTx/>
+                <a:latin typeface="+mn-lt"/>
+                <a:ea typeface="+mn-ea"/>
+                <a:cs typeface="+mn-cs"/>
+              </a:rPr>
+              <a:t>S</a:t>
+            </a:r>
+            <a:r>
+              <a:rPr kumimoji="0" lang="en-US" altLang="en-US" sz="3200" b="0" i="0" u="none" strike="noStrike" kern="1200" cap="none" spc="0" normalizeH="0" baseline="0" noProof="0" dirty="0" smtClean="0">
+                <a:ln>
+                  <a:noFill/>
+                </a:ln>
+                <a:solidFill>
+                  <a:srgbClr val="273272"/>
+                </a:solidFill>
+                <a:effectLst/>
+                <a:uLnTx/>
+                <a:uFillTx/>
+                <a:latin typeface="+mn-lt"/>
+                <a:ea typeface="+mn-ea"/>
+                <a:cs typeface="+mn-cs"/>
+              </a:rPr>
+              <a:t>: sign bit (0 </a:t>
+            </a:r>
+            <a:r>
+              <a:rPr kumimoji="0" lang="en-US" altLang="en-US" sz="3200" b="0" i="0" u="none" strike="noStrike" kern="1200" cap="none" spc="0" normalizeH="0" baseline="0" noProof="0" dirty="0" smtClean="0">
+                <a:ln>
+                  <a:noFill/>
+                </a:ln>
+                <a:solidFill>
+                  <a:srgbClr val="273272"/>
+                </a:solidFill>
+                <a:effectLst/>
+                <a:uLnTx/>
+                <a:uFillTx/>
+                <a:latin typeface="+mn-lt"/>
+                <a:ea typeface="+mn-ea"/>
+                <a:cs typeface="+mn-cs"/>
+                <a:sym typeface="Symbol" pitchFamily="18" charset="2"/>
+              </a:rPr>
+              <a:t> non-negative, 1  negative)</a:t>
+            </a:r>
+          </a:p>
+          <a:p>
+            <a:pPr marL="228600" marR="0" lvl="0" indent="-228600" algn="l" defTabSz="914400" rtl="0" eaLnBrk="1" fontAlgn="auto" latinLnBrk="0" hangingPunct="1">
+              <a:lnSpc>
+                <a:spcPct val="80000"/>
+              </a:lnSpc>
+              <a:spcBef>
+                <a:spcPts val="1000"/>
+              </a:spcBef>
+              <a:spcAft>
+                <a:spcPts val="0"/>
+              </a:spcAft>
+              <a:buClrTx/>
+              <a:buSzTx/>
+              <a:buFont typeface="Arial" panose="020B0604020202020204" pitchFamily="34" charset="0"/>
+              <a:buChar char="•"/>
+              <a:tabLst/>
+              <a:defRPr/>
+            </a:pPr>
+            <a:r>
+              <a:rPr kumimoji="0" lang="en-US" altLang="en-US" sz="3200" b="0" i="0" u="none" strike="noStrike" kern="1200" cap="none" spc="0" normalizeH="0" baseline="0" noProof="0" dirty="0" smtClean="0">
+                <a:ln>
+                  <a:noFill/>
+                </a:ln>
+                <a:solidFill>
+                  <a:srgbClr val="273272"/>
+                </a:solidFill>
+                <a:effectLst/>
+                <a:uLnTx/>
+                <a:uFillTx/>
+                <a:latin typeface="+mn-lt"/>
+                <a:ea typeface="+mn-ea"/>
+                <a:cs typeface="+mn-cs"/>
+                <a:sym typeface="Symbol" pitchFamily="18" charset="2"/>
+              </a:rPr>
+              <a:t>Normalized </a:t>
+            </a:r>
+            <a:r>
+              <a:rPr kumimoji="0" lang="en-US" altLang="en-US" sz="3200" b="1" i="0" u="none" strike="noStrike" kern="1200" cap="none" spc="0" normalizeH="0" baseline="0" noProof="0" dirty="0" err="1" smtClean="0">
+                <a:ln>
+                  <a:noFill/>
+                </a:ln>
+                <a:solidFill>
+                  <a:srgbClr val="273272"/>
+                </a:solidFill>
+                <a:effectLst/>
+                <a:uLnTx/>
+                <a:uFillTx/>
+                <a:latin typeface="+mn-lt"/>
+                <a:ea typeface="+mn-ea"/>
+                <a:cs typeface="+mn-cs"/>
+                <a:sym typeface="Symbol" pitchFamily="18" charset="2"/>
+              </a:rPr>
+              <a:t>significand</a:t>
+            </a:r>
+            <a:r>
+              <a:rPr kumimoji="0" lang="en-US" altLang="en-US" sz="3200" b="0" i="0" u="none" strike="noStrike" kern="1200" cap="none" spc="0" normalizeH="0" baseline="0" noProof="0" dirty="0" smtClean="0">
+                <a:ln>
+                  <a:noFill/>
+                </a:ln>
+                <a:solidFill>
+                  <a:srgbClr val="273272"/>
+                </a:solidFill>
+                <a:effectLst/>
+                <a:uLnTx/>
+                <a:uFillTx/>
+                <a:latin typeface="+mn-lt"/>
+                <a:ea typeface="+mn-ea"/>
+                <a:cs typeface="+mn-cs"/>
+                <a:sym typeface="Symbol" pitchFamily="18" charset="2"/>
+              </a:rPr>
+              <a:t>: 1.0 ≤ |</a:t>
+            </a:r>
+            <a:r>
+              <a:rPr kumimoji="0" lang="en-US" altLang="en-US" sz="3200" b="0" i="0" u="none" strike="noStrike" kern="1200" cap="none" spc="0" normalizeH="0" baseline="0" noProof="0" dirty="0" err="1" smtClean="0">
+                <a:ln>
+                  <a:noFill/>
+                </a:ln>
+                <a:solidFill>
+                  <a:srgbClr val="273272"/>
+                </a:solidFill>
+                <a:effectLst/>
+                <a:uLnTx/>
+                <a:uFillTx/>
+                <a:latin typeface="+mn-lt"/>
+                <a:ea typeface="+mn-ea"/>
+                <a:cs typeface="+mn-cs"/>
+                <a:sym typeface="Symbol" pitchFamily="18" charset="2"/>
+              </a:rPr>
+              <a:t>significand</a:t>
+            </a:r>
+            <a:r>
+              <a:rPr kumimoji="0" lang="en-US" altLang="en-US" sz="3200" b="0" i="0" u="none" strike="noStrike" kern="1200" cap="none" spc="0" normalizeH="0" baseline="0" noProof="0" dirty="0" smtClean="0">
+                <a:ln>
+                  <a:noFill/>
+                </a:ln>
+                <a:solidFill>
+                  <a:srgbClr val="273272"/>
+                </a:solidFill>
+                <a:effectLst/>
+                <a:uLnTx/>
+                <a:uFillTx/>
+                <a:latin typeface="+mn-lt"/>
+                <a:ea typeface="+mn-ea"/>
+                <a:cs typeface="+mn-cs"/>
+                <a:sym typeface="Symbol" pitchFamily="18" charset="2"/>
+              </a:rPr>
+              <a:t>| &lt; 2.0</a:t>
+            </a:r>
+          </a:p>
+          <a:p>
+            <a:pPr marL="685800" marR="0" lvl="1" indent="-228600" algn="l" defTabSz="914400" rtl="0" eaLnBrk="1" fontAlgn="auto" latinLnBrk="0" hangingPunct="1">
+              <a:lnSpc>
+                <a:spcPct val="80000"/>
+              </a:lnSpc>
+              <a:spcBef>
+                <a:spcPts val="500"/>
+              </a:spcBef>
+              <a:spcAft>
+                <a:spcPts val="0"/>
+              </a:spcAft>
+              <a:buClrTx/>
+              <a:buSzTx/>
+              <a:buFont typeface="Arial" panose="020B0604020202020204" pitchFamily="34" charset="0"/>
+              <a:buChar char="•"/>
+              <a:tabLst/>
+              <a:defRPr/>
+            </a:pPr>
+            <a:r>
+              <a:rPr kumimoji="0" lang="en-US" altLang="en-US" sz="2000" b="0" i="0" u="none" strike="noStrike" kern="1200" cap="none" spc="0" normalizeH="0" baseline="0" noProof="0" dirty="0" smtClean="0">
+                <a:ln>
+                  <a:noFill/>
+                </a:ln>
+                <a:solidFill>
+                  <a:srgbClr val="273272"/>
+                </a:solidFill>
+                <a:effectLst/>
+                <a:uLnTx/>
+                <a:uFillTx/>
+                <a:latin typeface="+mn-lt"/>
+                <a:ea typeface="+mn-ea"/>
+                <a:cs typeface="+mn-cs"/>
+                <a:sym typeface="Symbol" pitchFamily="18" charset="2"/>
+              </a:rPr>
+              <a:t>Always has a leading pre-binary-point 1 bit, so no need to represent it explicitly (hidden bit)</a:t>
+            </a:r>
+          </a:p>
+          <a:p>
+            <a:pPr marL="685800" marR="0" lvl="1" indent="-228600" algn="l" defTabSz="914400" rtl="0" eaLnBrk="1" fontAlgn="auto" latinLnBrk="0" hangingPunct="1">
+              <a:lnSpc>
+                <a:spcPct val="80000"/>
+              </a:lnSpc>
+              <a:spcBef>
+                <a:spcPts val="500"/>
+              </a:spcBef>
+              <a:spcAft>
+                <a:spcPts val="0"/>
+              </a:spcAft>
+              <a:buClrTx/>
+              <a:buSzTx/>
+              <a:buFont typeface="Arial" panose="020B0604020202020204" pitchFamily="34" charset="0"/>
+              <a:buChar char="•"/>
+              <a:tabLst/>
+              <a:defRPr/>
+            </a:pPr>
+            <a:r>
+              <a:rPr kumimoji="0" lang="en-US" altLang="en-US" sz="2000" b="0" i="0" u="none" strike="noStrike" kern="1200" cap="none" spc="0" normalizeH="0" baseline="0" noProof="0" dirty="0" err="1" smtClean="0">
+                <a:ln>
+                  <a:noFill/>
+                </a:ln>
+                <a:solidFill>
+                  <a:srgbClr val="273272"/>
+                </a:solidFill>
+                <a:effectLst/>
+                <a:uLnTx/>
+                <a:uFillTx/>
+                <a:latin typeface="+mn-lt"/>
+                <a:ea typeface="+mn-ea"/>
+                <a:cs typeface="+mn-cs"/>
+                <a:sym typeface="Symbol" pitchFamily="18" charset="2"/>
+              </a:rPr>
+              <a:t>Significand</a:t>
+            </a:r>
+            <a:r>
+              <a:rPr kumimoji="0" lang="en-US" altLang="en-US" sz="2000" b="0" i="0" u="none" strike="noStrike" kern="1200" cap="none" spc="0" normalizeH="0" baseline="0" noProof="0" dirty="0" smtClean="0">
+                <a:ln>
+                  <a:noFill/>
+                </a:ln>
+                <a:solidFill>
+                  <a:srgbClr val="273272"/>
+                </a:solidFill>
+                <a:effectLst/>
+                <a:uLnTx/>
+                <a:uFillTx/>
+                <a:latin typeface="+mn-lt"/>
+                <a:ea typeface="+mn-ea"/>
+                <a:cs typeface="+mn-cs"/>
+                <a:sym typeface="Symbol" pitchFamily="18" charset="2"/>
+              </a:rPr>
+              <a:t> is </a:t>
+            </a:r>
+            <a:r>
+              <a:rPr kumimoji="0" lang="en-US" altLang="en-US" sz="2000" b="1" i="0" u="none" strike="noStrike" kern="1200" cap="none" spc="0" normalizeH="0" baseline="0" noProof="0" dirty="0" smtClean="0">
+                <a:ln>
+                  <a:noFill/>
+                </a:ln>
+                <a:solidFill>
+                  <a:srgbClr val="273272"/>
+                </a:solidFill>
+                <a:effectLst/>
+                <a:uLnTx/>
+                <a:uFillTx/>
+                <a:latin typeface="+mn-lt"/>
+                <a:ea typeface="+mn-ea"/>
+                <a:cs typeface="+mn-cs"/>
+                <a:sym typeface="Symbol" pitchFamily="18" charset="2"/>
+              </a:rPr>
+              <a:t>Fraction</a:t>
+            </a:r>
+            <a:r>
+              <a:rPr kumimoji="0" lang="en-US" altLang="en-US" sz="2000" b="0" i="0" u="none" strike="noStrike" kern="1200" cap="none" spc="0" normalizeH="0" baseline="0" noProof="0" dirty="0" smtClean="0">
+                <a:ln>
+                  <a:noFill/>
+                </a:ln>
+                <a:solidFill>
+                  <a:srgbClr val="273272"/>
+                </a:solidFill>
+                <a:effectLst/>
+                <a:uLnTx/>
+                <a:uFillTx/>
+                <a:latin typeface="+mn-lt"/>
+                <a:ea typeface="+mn-ea"/>
+                <a:cs typeface="+mn-cs"/>
+                <a:sym typeface="Symbol" pitchFamily="18" charset="2"/>
+              </a:rPr>
+              <a:t> with the “1.” restored</a:t>
+            </a:r>
+          </a:p>
+          <a:p>
+            <a:pPr marL="228600" marR="0" lvl="0" indent="-228600" algn="l" defTabSz="914400" rtl="0" eaLnBrk="1" fontAlgn="auto" latinLnBrk="0" hangingPunct="1">
+              <a:lnSpc>
+                <a:spcPct val="80000"/>
+              </a:lnSpc>
+              <a:spcBef>
+                <a:spcPts val="1000"/>
+              </a:spcBef>
+              <a:spcAft>
+                <a:spcPts val="0"/>
+              </a:spcAft>
+              <a:buClrTx/>
+              <a:buSzTx/>
+              <a:buFont typeface="Arial" panose="020B0604020202020204" pitchFamily="34" charset="0"/>
+              <a:buChar char="•"/>
+              <a:tabLst/>
+              <a:defRPr/>
+            </a:pPr>
+            <a:r>
+              <a:rPr kumimoji="0" lang="en-US" altLang="en-US" sz="3200" b="1" i="0" u="none" strike="noStrike" kern="1200" cap="none" spc="0" normalizeH="0" baseline="0" noProof="0" dirty="0" smtClean="0">
+                <a:ln>
+                  <a:noFill/>
+                </a:ln>
+                <a:solidFill>
+                  <a:srgbClr val="273272"/>
+                </a:solidFill>
+                <a:effectLst/>
+                <a:uLnTx/>
+                <a:uFillTx/>
+                <a:latin typeface="+mn-lt"/>
+                <a:ea typeface="+mn-ea"/>
+                <a:cs typeface="+mn-cs"/>
+                <a:sym typeface="Symbol" pitchFamily="18" charset="2"/>
+              </a:rPr>
+              <a:t>Exponent</a:t>
+            </a:r>
+            <a:r>
+              <a:rPr kumimoji="0" lang="en-US" altLang="en-US" sz="3200" b="0" i="0" u="none" strike="noStrike" kern="1200" cap="none" spc="0" normalizeH="0" baseline="0" noProof="0" dirty="0" smtClean="0">
+                <a:ln>
+                  <a:noFill/>
+                </a:ln>
+                <a:solidFill>
+                  <a:srgbClr val="273272"/>
+                </a:solidFill>
+                <a:effectLst/>
+                <a:uLnTx/>
+                <a:uFillTx/>
+                <a:latin typeface="+mn-lt"/>
+                <a:ea typeface="+mn-ea"/>
+                <a:cs typeface="+mn-cs"/>
+                <a:sym typeface="Symbol" pitchFamily="18" charset="2"/>
+              </a:rPr>
+              <a:t>: excess representation: actual exponent + Bias</a:t>
+            </a:r>
+          </a:p>
+          <a:p>
+            <a:pPr marL="685800" marR="0" lvl="1" indent="-228600" algn="l" defTabSz="914400" rtl="0" eaLnBrk="1" fontAlgn="auto" latinLnBrk="0" hangingPunct="1">
+              <a:lnSpc>
+                <a:spcPct val="80000"/>
+              </a:lnSpc>
+              <a:spcBef>
+                <a:spcPts val="500"/>
+              </a:spcBef>
+              <a:spcAft>
+                <a:spcPts val="0"/>
+              </a:spcAft>
+              <a:buClrTx/>
+              <a:buSzTx/>
+              <a:buFont typeface="Arial" panose="020B0604020202020204" pitchFamily="34" charset="0"/>
+              <a:buChar char="•"/>
+              <a:tabLst/>
+              <a:defRPr/>
+            </a:pPr>
+            <a:r>
+              <a:rPr kumimoji="0" lang="en-US" altLang="en-US" sz="2000" b="0" i="0" u="none" strike="noStrike" kern="1200" cap="none" spc="0" normalizeH="0" baseline="0" noProof="0" dirty="0" smtClean="0">
+                <a:ln>
+                  <a:noFill/>
+                </a:ln>
+                <a:solidFill>
+                  <a:srgbClr val="273272"/>
+                </a:solidFill>
+                <a:effectLst/>
+                <a:uLnTx/>
+                <a:uFillTx/>
+                <a:latin typeface="+mn-lt"/>
+                <a:ea typeface="+mn-ea"/>
+                <a:cs typeface="+mn-cs"/>
+                <a:sym typeface="Symbol" pitchFamily="18" charset="2"/>
+              </a:rPr>
+              <a:t>Ensures exponent is unsigned</a:t>
+            </a:r>
+          </a:p>
+          <a:p>
+            <a:pPr marL="685800" marR="0" lvl="1" indent="-228600" algn="l" defTabSz="914400" rtl="0" eaLnBrk="1" fontAlgn="auto" latinLnBrk="0" hangingPunct="1">
+              <a:lnSpc>
+                <a:spcPct val="80000"/>
+              </a:lnSpc>
+              <a:spcBef>
+                <a:spcPts val="500"/>
+              </a:spcBef>
+              <a:spcAft>
+                <a:spcPts val="0"/>
+              </a:spcAft>
+              <a:buClrTx/>
+              <a:buSzTx/>
+              <a:buFont typeface="Arial" panose="020B0604020202020204" pitchFamily="34" charset="0"/>
+              <a:buChar char="•"/>
+              <a:tabLst/>
+              <a:defRPr/>
+            </a:pPr>
+            <a:r>
+              <a:rPr kumimoji="0" lang="en-US" altLang="en-US" sz="2000" b="0" i="0" u="none" strike="noStrike" kern="1200" cap="none" spc="0" normalizeH="0" baseline="0" noProof="0" dirty="0" smtClean="0">
+                <a:ln>
+                  <a:noFill/>
+                </a:ln>
+                <a:solidFill>
+                  <a:srgbClr val="273272"/>
+                </a:solidFill>
+                <a:effectLst/>
+                <a:uLnTx/>
+                <a:uFillTx/>
+                <a:latin typeface="+mn-lt"/>
+                <a:ea typeface="+mn-ea"/>
+                <a:cs typeface="+mn-cs"/>
+                <a:sym typeface="Symbol" pitchFamily="18" charset="2"/>
+              </a:rPr>
+              <a:t>Single: Bias = 127; Double: Bias = 1203</a:t>
+            </a:r>
+          </a:p>
+        </p:txBody>
+      </p:sp>
+      <p:sp>
+        <p:nvSpPr>
+          <p:cNvPr id="6" name="Text Box 4"/>
+          <p:cNvSpPr txBox="1">
+            <a:spLocks noChangeArrowheads="1"/>
+          </p:cNvSpPr>
+          <p:nvPr/>
+        </p:nvSpPr>
+        <p:spPr bwMode="auto">
+          <a:xfrm>
+            <a:off x="3235650" y="1798950"/>
+            <a:ext cx="358775" cy="469900"/>
+          </a:xfrm>
+          <a:prstGeom prst="rect">
+            <a:avLst/>
+          </a:prstGeom>
+          <a:noFill/>
+          <a:ln w="25400">
+            <a:solidFill>
+              <a:srgbClr val="2F5CB5"/>
+            </a:solidFill>
+            <a:miter lim="800000"/>
+            <a:headEnd/>
+            <a:tailEnd/>
+          </a:ln>
+        </p:spPr>
+        <p:txBody>
+          <a:bodyPr>
+            <a:spAutoFit/>
+          </a:bodyPr>
+          <a:lstStyle/>
+          <a:p>
+            <a:pPr algn="ctr">
+              <a:spcBef>
+                <a:spcPct val="50000"/>
+              </a:spcBef>
+            </a:pPr>
+            <a:r>
+              <a:rPr lang="en-US" altLang="en-US" sz="2400" b="1" dirty="0"/>
+              <a:t>S</a:t>
+            </a:r>
+          </a:p>
+        </p:txBody>
+      </p:sp>
+      <p:sp>
+        <p:nvSpPr>
+          <p:cNvPr id="7" name="Text Box 5"/>
+          <p:cNvSpPr txBox="1">
+            <a:spLocks noChangeArrowheads="1"/>
+          </p:cNvSpPr>
+          <p:nvPr/>
+        </p:nvSpPr>
+        <p:spPr bwMode="auto">
+          <a:xfrm>
+            <a:off x="3594425" y="1798950"/>
+            <a:ext cx="1584325" cy="469900"/>
+          </a:xfrm>
+          <a:prstGeom prst="rect">
+            <a:avLst/>
+          </a:prstGeom>
+          <a:noFill/>
+          <a:ln w="25400">
+            <a:solidFill>
+              <a:srgbClr val="2F5CB5"/>
+            </a:solidFill>
+            <a:miter lim="800000"/>
+            <a:headEnd/>
+            <a:tailEnd/>
+          </a:ln>
+        </p:spPr>
+        <p:txBody>
+          <a:bodyPr>
+            <a:spAutoFit/>
+          </a:bodyPr>
+          <a:lstStyle/>
+          <a:p>
+            <a:pPr algn="ctr">
+              <a:spcBef>
+                <a:spcPct val="50000"/>
+              </a:spcBef>
+            </a:pPr>
+            <a:r>
+              <a:rPr lang="en-US" altLang="en-US" sz="2400" b="1" dirty="0"/>
+              <a:t>Exponent</a:t>
+            </a:r>
+          </a:p>
+        </p:txBody>
+      </p:sp>
+      <p:sp>
+        <p:nvSpPr>
+          <p:cNvPr id="8" name="Text Box 6"/>
+          <p:cNvSpPr txBox="1">
+            <a:spLocks noChangeArrowheads="1"/>
+          </p:cNvSpPr>
+          <p:nvPr/>
+        </p:nvSpPr>
+        <p:spPr bwMode="auto">
+          <a:xfrm>
+            <a:off x="5180338" y="1798950"/>
+            <a:ext cx="3671887" cy="469900"/>
+          </a:xfrm>
+          <a:prstGeom prst="rect">
+            <a:avLst/>
+          </a:prstGeom>
+          <a:noFill/>
+          <a:ln w="25400">
+            <a:solidFill>
+              <a:srgbClr val="2F5CB5"/>
+            </a:solidFill>
+            <a:miter lim="800000"/>
+            <a:headEnd/>
+            <a:tailEnd/>
+          </a:ln>
+        </p:spPr>
+        <p:txBody>
+          <a:bodyPr>
+            <a:spAutoFit/>
+          </a:bodyPr>
+          <a:lstStyle/>
+          <a:p>
+            <a:pPr algn="ctr">
+              <a:spcBef>
+                <a:spcPct val="50000"/>
+              </a:spcBef>
+            </a:pPr>
+            <a:r>
+              <a:rPr lang="en-US" altLang="en-US" sz="2400" b="1" dirty="0"/>
+              <a:t>Fraction</a:t>
+            </a:r>
+          </a:p>
+        </p:txBody>
+      </p:sp>
+      <p:sp>
+        <p:nvSpPr>
+          <p:cNvPr id="9" name="Text Box 7"/>
+          <p:cNvSpPr txBox="1">
+            <a:spLocks noChangeArrowheads="1"/>
+          </p:cNvSpPr>
+          <p:nvPr/>
+        </p:nvSpPr>
+        <p:spPr bwMode="auto">
+          <a:xfrm>
+            <a:off x="3522988" y="1078225"/>
+            <a:ext cx="1857375" cy="701675"/>
+          </a:xfrm>
+          <a:prstGeom prst="rect">
+            <a:avLst/>
+          </a:prstGeom>
+          <a:noFill/>
+          <a:ln w="9525">
+            <a:noFill/>
+            <a:miter lim="800000"/>
+            <a:headEnd/>
+            <a:tailEnd/>
+          </a:ln>
+        </p:spPr>
+        <p:txBody>
+          <a:bodyPr wrap="none">
+            <a:spAutoFit/>
+          </a:bodyPr>
+          <a:lstStyle/>
+          <a:p>
+            <a:r>
+              <a:rPr lang="en-US" altLang="en-US" sz="2000" dirty="0">
+                <a:solidFill>
+                  <a:srgbClr val="2F5CB5"/>
+                </a:solidFill>
+                <a:latin typeface="Tahoma" pitchFamily="34" charset="0"/>
+              </a:rPr>
+              <a:t>single: 8 bits</a:t>
+            </a:r>
+            <a:br>
+              <a:rPr lang="en-US" altLang="en-US" sz="2000" dirty="0">
+                <a:solidFill>
+                  <a:srgbClr val="2F5CB5"/>
+                </a:solidFill>
+                <a:latin typeface="Tahoma" pitchFamily="34" charset="0"/>
+              </a:rPr>
+            </a:br>
+            <a:r>
+              <a:rPr lang="en-US" altLang="en-US" sz="2000" dirty="0">
+                <a:solidFill>
+                  <a:srgbClr val="2F5CB5"/>
+                </a:solidFill>
+                <a:latin typeface="Tahoma" pitchFamily="34" charset="0"/>
+              </a:rPr>
+              <a:t>double: 11 bits</a:t>
+            </a:r>
+          </a:p>
+        </p:txBody>
+      </p:sp>
+      <p:sp>
+        <p:nvSpPr>
+          <p:cNvPr id="10" name="Text Box 8"/>
+          <p:cNvSpPr txBox="1">
+            <a:spLocks noChangeArrowheads="1"/>
+          </p:cNvSpPr>
+          <p:nvPr/>
+        </p:nvSpPr>
+        <p:spPr bwMode="auto">
+          <a:xfrm>
+            <a:off x="6113788" y="1078225"/>
+            <a:ext cx="1857375" cy="701675"/>
+          </a:xfrm>
+          <a:prstGeom prst="rect">
+            <a:avLst/>
+          </a:prstGeom>
+          <a:noFill/>
+          <a:ln w="9525">
+            <a:noFill/>
+            <a:miter lim="800000"/>
+            <a:headEnd/>
+            <a:tailEnd/>
+          </a:ln>
+        </p:spPr>
+        <p:txBody>
+          <a:bodyPr wrap="none">
+            <a:spAutoFit/>
+          </a:bodyPr>
+          <a:lstStyle/>
+          <a:p>
+            <a:r>
+              <a:rPr lang="en-US" altLang="en-US" sz="2000" dirty="0">
+                <a:solidFill>
+                  <a:srgbClr val="2F5CB5"/>
+                </a:solidFill>
+                <a:latin typeface="Tahoma" pitchFamily="34" charset="0"/>
+              </a:rPr>
+              <a:t>single: 23 bits</a:t>
+            </a:r>
+            <a:br>
+              <a:rPr lang="en-US" altLang="en-US" sz="2000" dirty="0">
+                <a:solidFill>
+                  <a:srgbClr val="2F5CB5"/>
+                </a:solidFill>
+                <a:latin typeface="Tahoma" pitchFamily="34" charset="0"/>
+              </a:rPr>
+            </a:br>
+            <a:r>
+              <a:rPr lang="en-US" altLang="en-US" sz="2000" dirty="0">
+                <a:solidFill>
+                  <a:srgbClr val="2F5CB5"/>
+                </a:solidFill>
+                <a:latin typeface="Tahoma" pitchFamily="34" charset="0"/>
+              </a:rPr>
+              <a:t>double: 52 bits</a:t>
+            </a:r>
+          </a:p>
+        </p:txBody>
+      </p:sp>
+      <p:graphicFrame>
+        <p:nvGraphicFramePr>
+          <p:cNvPr id="11" name="Object 9"/>
+          <p:cNvGraphicFramePr>
+            <a:graphicFrameLocks noChangeAspect="1"/>
+          </p:cNvGraphicFramePr>
+          <p:nvPr/>
+        </p:nvGraphicFramePr>
+        <p:xfrm>
+          <a:off x="3115125" y="2453250"/>
+          <a:ext cx="5867400" cy="546100"/>
+        </p:xfrm>
+        <a:graphic>
+          <a:graphicData uri="http://schemas.openxmlformats.org/presentationml/2006/ole">
+            <p:oleObj spid="_x0000_s1026" name="Уравнение" r:id="rId3" imgW="2450880" imgH="228600" progId="Equation.3">
+              <p:embed/>
+            </p:oleObj>
+          </a:graphicData>
+        </a:graphic>
+      </p:graphicFrame>
     </p:spTree>
-    <p:extLst>
-      <p:ext uri="{BB962C8B-B14F-4D97-AF65-F5344CB8AC3E}">
-        <p14:creationId xmlns:p14="http://schemas.microsoft.com/office/powerpoint/2010/main" xmlns="" val="4217875043"/>
-      </p:ext>
-    </p:extLst>
+  </p:cSld>
+  <p:clrMapOvr>
+    <a:masterClrMapping/>
+  </p:clrMapOvr>
+  <p:timing>
+    <p:tnLst>
+      <p:par>
+        <p:cTn id="1" dur="indefinite" restart="never" nodeType="tmRoot"/>
+      </p:par>
+    </p:tnLst>
+  </p:timing>
+</p:sld>
+</file>
+
+<file path=ppt/slides/slide5.xml><?xml version="1.0" encoding="utf-8"?>
+<p:sld xmlns:a="http://schemas.openxmlformats.org/drawingml/2006/main" xmlns:r="http://schemas.openxmlformats.org/officeDocument/2006/relationships" xmlns:p="http://schemas.openxmlformats.org/presentationml/2006/main">
+  <p:cSld>
+    <p:spTree>
+      <p:nvGrpSpPr>
+        <p:cNvPr id="1" name=""/>
+        <p:cNvGrpSpPr/>
+        <p:nvPr/>
+      </p:nvGrpSpPr>
+      <p:grpSpPr>
+        <a:xfrm>
+          <a:off x="0" y="0"/>
+          <a:ext cx="0" cy="0"/>
+          <a:chOff x="0" y="0"/>
+          <a:chExt cx="0" cy="0"/>
+        </a:xfrm>
+      </p:grpSpPr>
+      <p:sp>
+        <p:nvSpPr>
+          <p:cNvPr id="2" name="Содержимое 1"/>
+          <p:cNvSpPr>
+            <a:spLocks noGrp="1"/>
+          </p:cNvSpPr>
+          <p:nvPr>
+            <p:ph idx="1"/>
+          </p:nvPr>
+        </p:nvSpPr>
+        <p:spPr/>
+        <p:txBody>
+          <a:bodyPr>
+            <a:normAutofit/>
+          </a:bodyPr>
+          <a:lstStyle/>
+          <a:p>
+            <a:r>
+              <a:rPr lang="en-US" altLang="en-US" dirty="0" smtClean="0"/>
+              <a:t>Exponents 00000000 and 11111111 reserved</a:t>
+            </a:r>
+          </a:p>
+          <a:p>
+            <a:r>
+              <a:rPr lang="en-US" altLang="en-US" dirty="0" smtClean="0"/>
+              <a:t>Smallest value</a:t>
+            </a:r>
+          </a:p>
+          <a:p>
+            <a:pPr lvl="1"/>
+            <a:r>
+              <a:rPr lang="en-US" altLang="en-US" sz="2800" dirty="0" smtClean="0"/>
+              <a:t>Exponent: </a:t>
+            </a:r>
+            <a:r>
+              <a:rPr lang="en-US" altLang="en-US" sz="2800" dirty="0" smtClean="0"/>
+              <a:t>00000001 </a:t>
+            </a:r>
+            <a:r>
+              <a:rPr lang="en-US" altLang="en-US" sz="2800" dirty="0" smtClean="0">
+                <a:sym typeface="Symbol" pitchFamily="18" charset="2"/>
+              </a:rPr>
+              <a:t> </a:t>
+            </a:r>
+            <a:r>
+              <a:rPr lang="en-US" altLang="en-US" sz="2800" dirty="0" smtClean="0">
+                <a:sym typeface="Symbol" pitchFamily="18" charset="2"/>
+              </a:rPr>
+              <a:t>actual exponent = 1 – 127 = –126</a:t>
+            </a:r>
+          </a:p>
+          <a:p>
+            <a:pPr lvl="1"/>
+            <a:r>
+              <a:rPr lang="en-US" altLang="en-US" sz="2800" dirty="0" smtClean="0">
+                <a:sym typeface="Symbol" pitchFamily="18" charset="2"/>
+              </a:rPr>
+              <a:t>Fraction: 000…00</a:t>
+            </a:r>
+            <a:r>
+              <a:rPr lang="en-US" altLang="en-US" sz="2800" dirty="0" smtClean="0"/>
+              <a:t> </a:t>
+            </a:r>
+            <a:r>
+              <a:rPr lang="en-US" altLang="en-US" sz="2800" dirty="0" smtClean="0">
+                <a:sym typeface="Symbol" pitchFamily="18" charset="2"/>
+              </a:rPr>
+              <a:t> </a:t>
+            </a:r>
+            <a:r>
+              <a:rPr lang="en-US" altLang="en-US" sz="2800" dirty="0" err="1" smtClean="0">
+                <a:sym typeface="Symbol" pitchFamily="18" charset="2"/>
+              </a:rPr>
+              <a:t>significand</a:t>
+            </a:r>
+            <a:r>
+              <a:rPr lang="en-US" altLang="en-US" sz="2800" dirty="0" smtClean="0">
+                <a:sym typeface="Symbol" pitchFamily="18" charset="2"/>
+              </a:rPr>
+              <a:t> = 1.0</a:t>
+            </a:r>
+          </a:p>
+          <a:p>
+            <a:pPr lvl="1"/>
+            <a:r>
+              <a:rPr lang="en-US" altLang="en-US" sz="2800" dirty="0" smtClean="0">
+                <a:sym typeface="Symbol" pitchFamily="18" charset="2"/>
+              </a:rPr>
+              <a:t>±1.0 × 2</a:t>
+            </a:r>
+            <a:r>
+              <a:rPr lang="en-US" altLang="en-US" sz="2800" baseline="30000" dirty="0" smtClean="0">
+                <a:sym typeface="Symbol" pitchFamily="18" charset="2"/>
+              </a:rPr>
+              <a:t>–126</a:t>
+            </a:r>
+            <a:r>
+              <a:rPr lang="en-US" altLang="en-US" sz="2800" dirty="0" smtClean="0">
+                <a:sym typeface="Symbol" pitchFamily="18" charset="2"/>
+              </a:rPr>
+              <a:t> ≈ ±1.2 × 10</a:t>
+            </a:r>
+            <a:r>
+              <a:rPr lang="en-US" altLang="en-US" sz="2800" baseline="30000" dirty="0" smtClean="0">
+                <a:sym typeface="Symbol" pitchFamily="18" charset="2"/>
+              </a:rPr>
+              <a:t>–38</a:t>
+            </a:r>
+          </a:p>
+          <a:p>
+            <a:r>
+              <a:rPr lang="en-US" altLang="en-US" dirty="0" smtClean="0">
+                <a:sym typeface="Symbol" pitchFamily="18" charset="2"/>
+              </a:rPr>
+              <a:t>Largest value</a:t>
+            </a:r>
+          </a:p>
+          <a:p>
+            <a:pPr lvl="1"/>
+            <a:r>
+              <a:rPr lang="en-US" altLang="en-US" sz="2800" dirty="0" smtClean="0">
+                <a:sym typeface="Symbol" pitchFamily="18" charset="2"/>
+              </a:rPr>
+              <a:t>exponent: </a:t>
+            </a:r>
+            <a:r>
+              <a:rPr lang="en-US" altLang="en-US" sz="2800" dirty="0" smtClean="0">
+                <a:sym typeface="Symbol" pitchFamily="18" charset="2"/>
+              </a:rPr>
+              <a:t>11111110  </a:t>
+            </a:r>
+            <a:r>
+              <a:rPr lang="en-US" altLang="en-US" sz="2800" dirty="0" smtClean="0">
+                <a:sym typeface="Symbol" pitchFamily="18" charset="2"/>
+              </a:rPr>
+              <a:t>actual exponent = 254 – 127 = +127</a:t>
+            </a:r>
+          </a:p>
+          <a:p>
+            <a:pPr lvl="1"/>
+            <a:r>
+              <a:rPr lang="en-US" altLang="en-US" sz="2800" dirty="0" smtClean="0">
+                <a:sym typeface="Symbol" pitchFamily="18" charset="2"/>
+              </a:rPr>
+              <a:t>Fraction: 111…11</a:t>
+            </a:r>
+            <a:r>
+              <a:rPr lang="en-US" altLang="en-US" sz="2800" dirty="0" smtClean="0"/>
+              <a:t> </a:t>
+            </a:r>
+            <a:r>
+              <a:rPr lang="en-US" altLang="en-US" sz="2800" dirty="0" smtClean="0">
+                <a:sym typeface="Symbol" pitchFamily="18" charset="2"/>
+              </a:rPr>
+              <a:t> </a:t>
+            </a:r>
+            <a:r>
+              <a:rPr lang="en-US" altLang="en-US" sz="2800" dirty="0" err="1" smtClean="0">
+                <a:sym typeface="Symbol" pitchFamily="18" charset="2"/>
+              </a:rPr>
+              <a:t>significand</a:t>
+            </a:r>
+            <a:r>
+              <a:rPr lang="en-US" altLang="en-US" sz="2800" dirty="0" smtClean="0">
+                <a:sym typeface="Symbol" pitchFamily="18" charset="2"/>
+              </a:rPr>
+              <a:t> ≈ 2.0</a:t>
+            </a:r>
+          </a:p>
+          <a:p>
+            <a:pPr lvl="1"/>
+            <a:r>
+              <a:rPr lang="en-US" altLang="en-US" sz="2800" dirty="0" smtClean="0">
+                <a:sym typeface="Symbol" pitchFamily="18" charset="2"/>
+              </a:rPr>
+              <a:t>±2.0 × 2</a:t>
+            </a:r>
+            <a:r>
+              <a:rPr lang="en-US" altLang="en-US" sz="2800" baseline="30000" dirty="0" smtClean="0">
+                <a:sym typeface="Symbol" pitchFamily="18" charset="2"/>
+              </a:rPr>
+              <a:t>+127</a:t>
+            </a:r>
+            <a:r>
+              <a:rPr lang="en-US" altLang="en-US" sz="2800" dirty="0" smtClean="0">
+                <a:sym typeface="Symbol" pitchFamily="18" charset="2"/>
+              </a:rPr>
+              <a:t> ≈ ±3.4 × 10</a:t>
+            </a:r>
+            <a:r>
+              <a:rPr lang="en-US" altLang="en-US" sz="2800" baseline="30000" dirty="0" smtClean="0">
+                <a:sym typeface="Symbol" pitchFamily="18" charset="2"/>
+              </a:rPr>
+              <a:t>+38</a:t>
+            </a:r>
+          </a:p>
+          <a:p>
+            <a:pPr>
+              <a:buNone/>
+            </a:pPr>
+            <a:endParaRPr lang="ru-RU" dirty="0"/>
+          </a:p>
+        </p:txBody>
+      </p:sp>
+      <p:sp>
+        <p:nvSpPr>
+          <p:cNvPr id="3" name="Номер слайда 2"/>
+          <p:cNvSpPr>
+            <a:spLocks noGrp="1"/>
+          </p:cNvSpPr>
+          <p:nvPr>
+            <p:ph type="sldNum" sz="quarter" idx="12"/>
+          </p:nvPr>
+        </p:nvSpPr>
+        <p:spPr/>
+        <p:txBody>
+          <a:bodyPr/>
+          <a:lstStyle/>
+          <a:p>
+            <a:pPr algn="ctr"/>
+            <a:fld id="{1397BFD8-F312-4EF2-A268-44FB4BDDBBB0}" type="slidenum">
+              <a:rPr lang="ru-RU" smtClean="0"/>
+              <a:pPr algn="ctr"/>
+              <a:t>5</a:t>
+            </a:fld>
+            <a:endParaRPr lang="ru-RU" dirty="0"/>
+          </a:p>
+        </p:txBody>
+      </p:sp>
+      <p:sp>
+        <p:nvSpPr>
+          <p:cNvPr id="4" name="Заголовок 3"/>
+          <p:cNvSpPr>
+            <a:spLocks noGrp="1"/>
+          </p:cNvSpPr>
+          <p:nvPr>
+            <p:ph type="title"/>
+          </p:nvPr>
+        </p:nvSpPr>
+        <p:spPr/>
+        <p:txBody>
+          <a:bodyPr/>
+          <a:lstStyle/>
+          <a:p>
+            <a:r>
+              <a:rPr lang="en-US" dirty="0" smtClean="0"/>
+              <a:t>Single-Precision Range</a:t>
+            </a:r>
+            <a:endParaRPr lang="ru-RU" dirty="0"/>
+          </a:p>
+        </p:txBody>
+      </p:sp>
+    </p:spTree>
+  </p:cSld>
+  <p:clrMapOvr>
+    <a:masterClrMapping/>
+  </p:clrMapOvr>
+  <p:timing>
+    <p:tnLst>
+      <p:par>
+        <p:cTn id="1" dur="indefinite" restart="never" nodeType="tmRoot"/>
+      </p:par>
+    </p:tnLst>
+  </p:timing>
+</p:sld>
+</file>
+
+<file path=ppt/slides/slide6.xml><?xml version="1.0" encoding="utf-8"?>
+<p:sld xmlns:a="http://schemas.openxmlformats.org/drawingml/2006/main" xmlns:r="http://schemas.openxmlformats.org/officeDocument/2006/relationships" xmlns:p="http://schemas.openxmlformats.org/presentationml/2006/main">
+  <p:cSld>
+    <p:spTree>
+      <p:nvGrpSpPr>
+        <p:cNvPr id="1" name=""/>
+        <p:cNvGrpSpPr/>
+        <p:nvPr/>
+      </p:nvGrpSpPr>
+      <p:grpSpPr>
+        <a:xfrm>
+          <a:off x="0" y="0"/>
+          <a:ext cx="0" cy="0"/>
+          <a:chOff x="0" y="0"/>
+          <a:chExt cx="0" cy="0"/>
+        </a:xfrm>
+      </p:grpSpPr>
+      <p:sp>
+        <p:nvSpPr>
+          <p:cNvPr id="2" name="Содержимое 1"/>
+          <p:cNvSpPr>
+            <a:spLocks noGrp="1"/>
+          </p:cNvSpPr>
+          <p:nvPr>
+            <p:ph idx="1"/>
+          </p:nvPr>
+        </p:nvSpPr>
+        <p:spPr>
+          <a:xfrm>
+            <a:off x="838199" y="1178053"/>
+            <a:ext cx="10680865" cy="4997896"/>
+          </a:xfrm>
+        </p:spPr>
+        <p:txBody>
+          <a:bodyPr/>
+          <a:lstStyle/>
+          <a:p>
+            <a:r>
+              <a:rPr lang="en-US" altLang="en-US" dirty="0" smtClean="0"/>
+              <a:t>Exponents 0000…00 and 1111…11 reserved</a:t>
+            </a:r>
+          </a:p>
+          <a:p>
+            <a:r>
+              <a:rPr lang="en-US" altLang="en-US" dirty="0" smtClean="0"/>
+              <a:t>Smallest value</a:t>
+            </a:r>
+          </a:p>
+          <a:p>
+            <a:pPr lvl="1"/>
+            <a:r>
+              <a:rPr lang="en-US" altLang="en-US" sz="2800" dirty="0" smtClean="0"/>
+              <a:t>Exponent: </a:t>
+            </a:r>
+            <a:r>
+              <a:rPr lang="en-US" altLang="en-US" sz="2800" dirty="0" smtClean="0"/>
+              <a:t>00000000001 </a:t>
+            </a:r>
+            <a:r>
+              <a:rPr lang="en-US" altLang="en-US" sz="2800" dirty="0" smtClean="0">
+                <a:sym typeface="Symbol" pitchFamily="18" charset="2"/>
+              </a:rPr>
+              <a:t> </a:t>
+            </a:r>
+            <a:r>
+              <a:rPr lang="en-US" altLang="en-US" sz="2800" dirty="0" smtClean="0">
+                <a:sym typeface="Symbol" pitchFamily="18" charset="2"/>
+              </a:rPr>
+              <a:t>actual exponent = 1 – 1023 = –1022</a:t>
+            </a:r>
+          </a:p>
+          <a:p>
+            <a:pPr lvl="1"/>
+            <a:r>
+              <a:rPr lang="en-US" altLang="en-US" sz="2800" dirty="0" smtClean="0">
+                <a:sym typeface="Symbol" pitchFamily="18" charset="2"/>
+              </a:rPr>
+              <a:t>Fraction: 000…00</a:t>
+            </a:r>
+            <a:r>
+              <a:rPr lang="en-US" altLang="en-US" sz="2800" dirty="0" smtClean="0"/>
+              <a:t> </a:t>
+            </a:r>
+            <a:r>
+              <a:rPr lang="en-US" altLang="en-US" sz="2800" dirty="0" smtClean="0">
+                <a:sym typeface="Symbol" pitchFamily="18" charset="2"/>
+              </a:rPr>
+              <a:t> </a:t>
+            </a:r>
+            <a:r>
+              <a:rPr lang="en-US" altLang="en-US" sz="2800" dirty="0" err="1" smtClean="0">
+                <a:sym typeface="Symbol" pitchFamily="18" charset="2"/>
+              </a:rPr>
+              <a:t>significand</a:t>
+            </a:r>
+            <a:r>
+              <a:rPr lang="en-US" altLang="en-US" sz="2800" dirty="0" smtClean="0">
+                <a:sym typeface="Symbol" pitchFamily="18" charset="2"/>
+              </a:rPr>
+              <a:t> = 1.0</a:t>
+            </a:r>
+          </a:p>
+          <a:p>
+            <a:pPr lvl="1"/>
+            <a:r>
+              <a:rPr lang="en-US" altLang="en-US" sz="2800" dirty="0" smtClean="0">
+                <a:sym typeface="Symbol" pitchFamily="18" charset="2"/>
+              </a:rPr>
+              <a:t>±1.0 × 2</a:t>
+            </a:r>
+            <a:r>
+              <a:rPr lang="en-US" altLang="en-US" sz="2800" baseline="30000" dirty="0" smtClean="0">
+                <a:sym typeface="Symbol" pitchFamily="18" charset="2"/>
+              </a:rPr>
+              <a:t>–1022</a:t>
+            </a:r>
+            <a:r>
+              <a:rPr lang="en-US" altLang="en-US" sz="2800" dirty="0" smtClean="0">
+                <a:sym typeface="Symbol" pitchFamily="18" charset="2"/>
+              </a:rPr>
+              <a:t> ≈ ±2.2 × 10</a:t>
+            </a:r>
+            <a:r>
+              <a:rPr lang="en-US" altLang="en-US" sz="2800" baseline="30000" dirty="0" smtClean="0">
+                <a:sym typeface="Symbol" pitchFamily="18" charset="2"/>
+              </a:rPr>
+              <a:t>–308</a:t>
+            </a:r>
+          </a:p>
+          <a:p>
+            <a:r>
+              <a:rPr lang="en-US" altLang="en-US" dirty="0" smtClean="0">
+                <a:sym typeface="Symbol" pitchFamily="18" charset="2"/>
+              </a:rPr>
+              <a:t>Largest value</a:t>
+            </a:r>
+          </a:p>
+          <a:p>
+            <a:pPr lvl="1"/>
+            <a:r>
+              <a:rPr lang="en-US" altLang="en-US" sz="2800" dirty="0" smtClean="0">
+                <a:sym typeface="Symbol" pitchFamily="18" charset="2"/>
+              </a:rPr>
+              <a:t>Exponent: </a:t>
+            </a:r>
+            <a:r>
+              <a:rPr lang="en-US" altLang="en-US" sz="2800" dirty="0" smtClean="0">
+                <a:sym typeface="Symbol" pitchFamily="18" charset="2"/>
+              </a:rPr>
+              <a:t>11111111110  </a:t>
+            </a:r>
+            <a:r>
+              <a:rPr lang="en-US" altLang="en-US" sz="2800" dirty="0" smtClean="0">
+                <a:sym typeface="Symbol" pitchFamily="18" charset="2"/>
+              </a:rPr>
+              <a:t>actual exponent = 2046 – 1023 = +1023</a:t>
+            </a:r>
+          </a:p>
+          <a:p>
+            <a:pPr lvl="1"/>
+            <a:r>
+              <a:rPr lang="en-US" altLang="en-US" sz="2800" dirty="0" smtClean="0">
+                <a:sym typeface="Symbol" pitchFamily="18" charset="2"/>
+              </a:rPr>
+              <a:t>Fraction: 111…11</a:t>
+            </a:r>
+            <a:r>
+              <a:rPr lang="en-US" altLang="en-US" sz="2800" dirty="0" smtClean="0"/>
+              <a:t> </a:t>
+            </a:r>
+            <a:r>
+              <a:rPr lang="en-US" altLang="en-US" sz="2800" dirty="0" smtClean="0">
+                <a:sym typeface="Symbol" pitchFamily="18" charset="2"/>
+              </a:rPr>
+              <a:t> </a:t>
+            </a:r>
+            <a:r>
+              <a:rPr lang="en-US" altLang="en-US" sz="2800" dirty="0" err="1" smtClean="0">
+                <a:sym typeface="Symbol" pitchFamily="18" charset="2"/>
+              </a:rPr>
+              <a:t>significand</a:t>
+            </a:r>
+            <a:r>
+              <a:rPr lang="en-US" altLang="en-US" sz="2800" dirty="0" smtClean="0">
+                <a:sym typeface="Symbol" pitchFamily="18" charset="2"/>
+              </a:rPr>
+              <a:t> ≈ 2.0</a:t>
+            </a:r>
+          </a:p>
+          <a:p>
+            <a:pPr lvl="1"/>
+            <a:r>
+              <a:rPr lang="en-US" altLang="en-US" sz="2800" dirty="0" smtClean="0">
+                <a:sym typeface="Symbol" pitchFamily="18" charset="2"/>
+              </a:rPr>
+              <a:t>±2.0 × 2</a:t>
+            </a:r>
+            <a:r>
+              <a:rPr lang="en-US" altLang="en-US" sz="2800" baseline="30000" dirty="0" smtClean="0">
+                <a:sym typeface="Symbol" pitchFamily="18" charset="2"/>
+              </a:rPr>
+              <a:t>+1023</a:t>
+            </a:r>
+            <a:r>
+              <a:rPr lang="en-US" altLang="en-US" sz="2800" dirty="0" smtClean="0">
+                <a:sym typeface="Symbol" pitchFamily="18" charset="2"/>
+              </a:rPr>
+              <a:t> ≈ ±1.8 × </a:t>
+            </a:r>
+            <a:r>
+              <a:rPr lang="en-US" altLang="en-US" sz="2800" dirty="0" smtClean="0">
+                <a:sym typeface="Symbol" pitchFamily="18" charset="2"/>
+              </a:rPr>
+              <a:t>10</a:t>
+            </a:r>
+            <a:r>
+              <a:rPr lang="en-US" altLang="en-US" sz="2800" baseline="30000" dirty="0" smtClean="0">
+                <a:sym typeface="Symbol" pitchFamily="18" charset="2"/>
+              </a:rPr>
+              <a:t>+308</a:t>
+            </a:r>
+            <a:endParaRPr lang="en-US" altLang="en-US" sz="2800" baseline="30000" dirty="0" smtClean="0">
+              <a:sym typeface="Symbol" pitchFamily="18" charset="2"/>
+            </a:endParaRPr>
+          </a:p>
+        </p:txBody>
+      </p:sp>
+      <p:sp>
+        <p:nvSpPr>
+          <p:cNvPr id="3" name="Номер слайда 2"/>
+          <p:cNvSpPr>
+            <a:spLocks noGrp="1"/>
+          </p:cNvSpPr>
+          <p:nvPr>
+            <p:ph type="sldNum" sz="quarter" idx="12"/>
+          </p:nvPr>
+        </p:nvSpPr>
+        <p:spPr/>
+        <p:txBody>
+          <a:bodyPr/>
+          <a:lstStyle/>
+          <a:p>
+            <a:pPr algn="ctr"/>
+            <a:fld id="{1397BFD8-F312-4EF2-A268-44FB4BDDBBB0}" type="slidenum">
+              <a:rPr lang="ru-RU" smtClean="0"/>
+              <a:pPr algn="ctr"/>
+              <a:t>6</a:t>
+            </a:fld>
+            <a:endParaRPr lang="ru-RU" dirty="0"/>
+          </a:p>
+        </p:txBody>
+      </p:sp>
+      <p:sp>
+        <p:nvSpPr>
+          <p:cNvPr id="4" name="Заголовок 3"/>
+          <p:cNvSpPr>
+            <a:spLocks noGrp="1"/>
+          </p:cNvSpPr>
+          <p:nvPr>
+            <p:ph type="title"/>
+          </p:nvPr>
+        </p:nvSpPr>
+        <p:spPr/>
+        <p:txBody>
+          <a:bodyPr/>
+          <a:lstStyle/>
+          <a:p>
+            <a:r>
+              <a:rPr lang="en-US" dirty="0" smtClean="0"/>
+              <a:t>Double-Precision Range</a:t>
+            </a:r>
+            <a:endParaRPr lang="ru-RU" dirty="0"/>
+          </a:p>
+        </p:txBody>
+      </p:sp>
+    </p:spTree>
+  </p:cSld>
+  <p:clrMapOvr>
+    <a:masterClrMapping/>
+  </p:clrMapOvr>
+  <p:timing>
+    <p:tnLst>
+      <p:par>
+        <p:cTn id="1" dur="indefinite" restart="never" nodeType="tmRoot"/>
+      </p:par>
+    </p:tnLst>
+  </p:timing>
+</p:sld>
+</file>
+
+<file path=ppt/slides/slide7.xml><?xml version="1.0" encoding="utf-8"?>
+<p:sld xmlns:a="http://schemas.openxmlformats.org/drawingml/2006/main" xmlns:r="http://schemas.openxmlformats.org/officeDocument/2006/relationships" xmlns:p="http://schemas.openxmlformats.org/presentationml/2006/main">
+  <p:cSld>
+    <p:spTree>
+      <p:nvGrpSpPr>
+        <p:cNvPr id="1" name=""/>
+        <p:cNvGrpSpPr/>
+        <p:nvPr/>
+      </p:nvGrpSpPr>
+      <p:grpSpPr>
+        <a:xfrm>
+          <a:off x="0" y="0"/>
+          <a:ext cx="0" cy="0"/>
+          <a:chOff x="0" y="0"/>
+          <a:chExt cx="0" cy="0"/>
+        </a:xfrm>
+      </p:grpSpPr>
+      <p:sp>
+        <p:nvSpPr>
+          <p:cNvPr id="2" name="Содержимое 1"/>
+          <p:cNvSpPr>
+            <a:spLocks noGrp="1"/>
+          </p:cNvSpPr>
+          <p:nvPr>
+            <p:ph idx="1"/>
+          </p:nvPr>
+        </p:nvSpPr>
+        <p:spPr/>
+        <p:txBody>
+          <a:bodyPr/>
+          <a:lstStyle/>
+          <a:p>
+            <a:r>
+              <a:rPr lang="en-US" altLang="en-US" sz="4000" dirty="0" smtClean="0"/>
+              <a:t>Relative precision</a:t>
+            </a:r>
+          </a:p>
+          <a:p>
+            <a:pPr lvl="1"/>
+            <a:r>
+              <a:rPr lang="en-US" altLang="en-US" dirty="0" smtClean="0"/>
+              <a:t>all fraction bits are significant</a:t>
+            </a:r>
+          </a:p>
+          <a:p>
+            <a:pPr lvl="1"/>
+            <a:r>
+              <a:rPr lang="en-US" altLang="en-US" dirty="0" smtClean="0"/>
+              <a:t>Single: approx 2</a:t>
+            </a:r>
+            <a:r>
+              <a:rPr lang="en-US" altLang="en-US" baseline="30000" dirty="0" smtClean="0"/>
+              <a:t>–23</a:t>
+            </a:r>
+          </a:p>
+          <a:p>
+            <a:pPr lvl="2"/>
+            <a:r>
+              <a:rPr lang="en-US" altLang="en-US" sz="2800" dirty="0" smtClean="0"/>
+              <a:t>Equivalent to 23 × log</a:t>
+            </a:r>
+            <a:r>
+              <a:rPr lang="en-US" altLang="en-US" sz="2800" baseline="-25000" dirty="0" smtClean="0"/>
+              <a:t>10</a:t>
+            </a:r>
+            <a:r>
+              <a:rPr lang="en-US" altLang="en-US" sz="2800" dirty="0" smtClean="0"/>
+              <a:t>2 ≈ 23 × 0.3 ≈ 6 decimal digits of precision</a:t>
+            </a:r>
+          </a:p>
+          <a:p>
+            <a:pPr lvl="1"/>
+            <a:r>
+              <a:rPr lang="en-US" altLang="en-US" dirty="0" smtClean="0"/>
+              <a:t>Double: approx 2</a:t>
+            </a:r>
+            <a:r>
+              <a:rPr lang="en-US" altLang="en-US" baseline="30000" dirty="0" smtClean="0"/>
+              <a:t>–52</a:t>
+            </a:r>
+          </a:p>
+          <a:p>
+            <a:pPr lvl="2"/>
+            <a:r>
+              <a:rPr lang="en-US" altLang="en-US" sz="2800" dirty="0" smtClean="0"/>
+              <a:t>Equivalent to 52 × log</a:t>
+            </a:r>
+            <a:r>
+              <a:rPr lang="en-US" altLang="en-US" sz="2800" baseline="-25000" dirty="0" smtClean="0"/>
+              <a:t>10</a:t>
+            </a:r>
+            <a:r>
+              <a:rPr lang="en-US" altLang="en-US" sz="2800" dirty="0" smtClean="0"/>
+              <a:t>2 ≈ 52 × 0.3 ≈ 16 decimal digits of precision</a:t>
+            </a:r>
+          </a:p>
+          <a:p>
+            <a:endParaRPr lang="ru-RU" dirty="0"/>
+          </a:p>
+        </p:txBody>
+      </p:sp>
+      <p:sp>
+        <p:nvSpPr>
+          <p:cNvPr id="3" name="Номер слайда 2"/>
+          <p:cNvSpPr>
+            <a:spLocks noGrp="1"/>
+          </p:cNvSpPr>
+          <p:nvPr>
+            <p:ph type="sldNum" sz="quarter" idx="12"/>
+          </p:nvPr>
+        </p:nvSpPr>
+        <p:spPr/>
+        <p:txBody>
+          <a:bodyPr/>
+          <a:lstStyle/>
+          <a:p>
+            <a:pPr algn="ctr"/>
+            <a:fld id="{1397BFD8-F312-4EF2-A268-44FB4BDDBBB0}" type="slidenum">
+              <a:rPr lang="ru-RU" smtClean="0"/>
+              <a:pPr algn="ctr"/>
+              <a:t>7</a:t>
+            </a:fld>
+            <a:endParaRPr lang="ru-RU" dirty="0"/>
+          </a:p>
+        </p:txBody>
+      </p:sp>
+      <p:sp>
+        <p:nvSpPr>
+          <p:cNvPr id="4" name="Заголовок 3"/>
+          <p:cNvSpPr>
+            <a:spLocks noGrp="1"/>
+          </p:cNvSpPr>
+          <p:nvPr>
+            <p:ph type="title"/>
+          </p:nvPr>
+        </p:nvSpPr>
+        <p:spPr/>
+        <p:txBody>
+          <a:bodyPr/>
+          <a:lstStyle/>
+          <a:p>
+            <a:r>
+              <a:rPr lang="en-US" dirty="0" smtClean="0"/>
+              <a:t>Floating-Point Precision</a:t>
+            </a:r>
+            <a:endParaRPr lang="ru-RU" dirty="0"/>
+          </a:p>
+        </p:txBody>
+      </p:sp>
+    </p:spTree>
+  </p:cSld>
+  <p:clrMapOvr>
+    <a:masterClrMapping/>
+  </p:clrMapOvr>
+  <p:timing>
+    <p:tnLst>
+      <p:par>
+        <p:cTn id="1" dur="indefinite" restart="never" nodeType="tmRoot"/>
+      </p:par>
+    </p:tnLst>
+  </p:timing>
+</p:sld>
+</file>
+
+<file path=ppt/slides/slide8.xml><?xml version="1.0" encoding="utf-8"?>
+<p:sld xmlns:a="http://schemas.openxmlformats.org/drawingml/2006/main" xmlns:r="http://schemas.openxmlformats.org/officeDocument/2006/relationships" xmlns:p="http://schemas.openxmlformats.org/presentationml/2006/main">
+  <p:cSld>
+    <p:spTree>
+      <p:nvGrpSpPr>
+        <p:cNvPr id="1" name=""/>
+        <p:cNvGrpSpPr/>
+        <p:nvPr/>
+      </p:nvGrpSpPr>
+      <p:grpSpPr>
+        <a:xfrm>
+          <a:off x="0" y="0"/>
+          <a:ext cx="0" cy="0"/>
+          <a:chOff x="0" y="0"/>
+          <a:chExt cx="0" cy="0"/>
+        </a:xfrm>
+      </p:grpSpPr>
+      <p:sp>
+        <p:nvSpPr>
+          <p:cNvPr id="2" name="Содержимое 1"/>
+          <p:cNvSpPr>
+            <a:spLocks noGrp="1"/>
+          </p:cNvSpPr>
+          <p:nvPr>
+            <p:ph idx="1"/>
+          </p:nvPr>
+        </p:nvSpPr>
+        <p:spPr/>
+        <p:txBody>
+          <a:bodyPr/>
+          <a:lstStyle/>
+          <a:p>
+            <a:r>
+              <a:rPr lang="en-US" altLang="en-US" dirty="0" smtClean="0"/>
+              <a:t>Represent –0.75</a:t>
+            </a:r>
+          </a:p>
+          <a:p>
+            <a:pPr lvl="1"/>
+            <a:r>
+              <a:rPr lang="en-US" altLang="en-US" dirty="0" smtClean="0"/>
+              <a:t>–0.75 = (–1)</a:t>
+            </a:r>
+            <a:r>
+              <a:rPr lang="en-US" altLang="en-US" baseline="30000" dirty="0" smtClean="0"/>
+              <a:t>1</a:t>
+            </a:r>
+            <a:r>
+              <a:rPr lang="en-US" altLang="en-US" dirty="0" smtClean="0"/>
+              <a:t> × 1.1</a:t>
+            </a:r>
+            <a:r>
+              <a:rPr lang="en-US" altLang="en-US" baseline="-25000" dirty="0" smtClean="0"/>
+              <a:t>2</a:t>
+            </a:r>
+            <a:r>
+              <a:rPr lang="en-US" altLang="en-US" dirty="0" smtClean="0"/>
+              <a:t> × 2</a:t>
+            </a:r>
+            <a:r>
+              <a:rPr lang="en-US" altLang="en-US" baseline="30000" dirty="0" smtClean="0"/>
+              <a:t>–1</a:t>
+            </a:r>
+          </a:p>
+          <a:p>
+            <a:pPr lvl="1"/>
+            <a:r>
+              <a:rPr lang="en-US" altLang="en-US" dirty="0" smtClean="0"/>
+              <a:t>S = </a:t>
+            </a:r>
+            <a:r>
+              <a:rPr lang="en-US" altLang="en-US" dirty="0" smtClean="0">
+                <a:solidFill>
+                  <a:schemeClr val="hlink"/>
+                </a:solidFill>
+              </a:rPr>
+              <a:t>1</a:t>
+            </a:r>
+          </a:p>
+          <a:p>
+            <a:pPr lvl="1"/>
+            <a:r>
+              <a:rPr lang="en-US" altLang="en-US" dirty="0" smtClean="0"/>
+              <a:t>Fraction = </a:t>
+            </a:r>
+            <a:r>
+              <a:rPr lang="en-US" altLang="en-US" dirty="0" smtClean="0">
+                <a:solidFill>
+                  <a:schemeClr val="tx2"/>
+                </a:solidFill>
+              </a:rPr>
+              <a:t>1000…00</a:t>
+            </a:r>
+            <a:r>
+              <a:rPr lang="en-US" altLang="en-US" baseline="-25000" dirty="0" smtClean="0"/>
+              <a:t>2</a:t>
+            </a:r>
+            <a:endParaRPr lang="en-US" altLang="en-US" dirty="0" smtClean="0">
+              <a:solidFill>
+                <a:schemeClr val="folHlink"/>
+              </a:solidFill>
+            </a:endParaRPr>
+          </a:p>
+          <a:p>
+            <a:pPr lvl="1"/>
+            <a:r>
+              <a:rPr lang="en-US" altLang="en-US" dirty="0" smtClean="0"/>
+              <a:t>Exponent = –1 + Bias</a:t>
+            </a:r>
+          </a:p>
+          <a:p>
+            <a:pPr lvl="2"/>
+            <a:r>
+              <a:rPr lang="en-US" altLang="en-US" sz="2800" dirty="0" smtClean="0"/>
+              <a:t>Single: –1 + 127 = 126 = </a:t>
+            </a:r>
+            <a:r>
+              <a:rPr lang="en-US" altLang="en-US" sz="2800" dirty="0" smtClean="0">
+                <a:solidFill>
+                  <a:srgbClr val="008000"/>
+                </a:solidFill>
+              </a:rPr>
+              <a:t>01111110</a:t>
+            </a:r>
+            <a:r>
+              <a:rPr lang="en-US" altLang="en-US" sz="2800" baseline="-25000" dirty="0" smtClean="0"/>
+              <a:t>2</a:t>
+            </a:r>
+            <a:endParaRPr lang="en-US" altLang="en-US" sz="2800" dirty="0" smtClean="0"/>
+          </a:p>
+          <a:p>
+            <a:pPr lvl="2"/>
+            <a:r>
+              <a:rPr lang="en-US" altLang="en-US" sz="2800" dirty="0" smtClean="0"/>
+              <a:t>Double: –1 + 1023 = 1022 = </a:t>
+            </a:r>
+            <a:r>
+              <a:rPr lang="en-US" altLang="en-US" sz="2800" dirty="0" smtClean="0">
+                <a:solidFill>
+                  <a:srgbClr val="008000"/>
+                </a:solidFill>
+              </a:rPr>
+              <a:t>01111111110</a:t>
+            </a:r>
+            <a:r>
+              <a:rPr lang="en-US" altLang="en-US" sz="2800" baseline="-25000" dirty="0" smtClean="0"/>
+              <a:t>2</a:t>
+            </a:r>
+            <a:endParaRPr lang="en-US" altLang="en-US" sz="2800" dirty="0" smtClean="0"/>
+          </a:p>
+          <a:p>
+            <a:r>
+              <a:rPr lang="en-US" altLang="en-US" dirty="0" smtClean="0"/>
+              <a:t>Single: </a:t>
+            </a:r>
+            <a:r>
+              <a:rPr lang="en-US" altLang="en-US" dirty="0" smtClean="0">
+                <a:solidFill>
+                  <a:schemeClr val="hlink"/>
+                </a:solidFill>
+              </a:rPr>
+              <a:t>1</a:t>
+            </a:r>
+            <a:r>
+              <a:rPr lang="en-US" altLang="en-US" dirty="0" smtClean="0">
+                <a:solidFill>
+                  <a:srgbClr val="008000"/>
+                </a:solidFill>
+              </a:rPr>
+              <a:t>01111110</a:t>
+            </a:r>
+            <a:r>
+              <a:rPr lang="en-US" altLang="en-US" dirty="0" smtClean="0">
+                <a:solidFill>
+                  <a:schemeClr val="tx2"/>
+                </a:solidFill>
+              </a:rPr>
+              <a:t>1000…00</a:t>
+            </a:r>
+          </a:p>
+          <a:p>
+            <a:r>
+              <a:rPr lang="en-US" altLang="en-US" dirty="0" smtClean="0"/>
+              <a:t>Double: </a:t>
+            </a:r>
+            <a:r>
+              <a:rPr lang="en-US" altLang="en-US" dirty="0" smtClean="0">
+                <a:solidFill>
+                  <a:schemeClr val="hlink"/>
+                </a:solidFill>
+              </a:rPr>
+              <a:t>1</a:t>
+            </a:r>
+            <a:r>
+              <a:rPr lang="en-US" altLang="en-US" dirty="0" smtClean="0">
+                <a:solidFill>
+                  <a:srgbClr val="008000"/>
+                </a:solidFill>
+              </a:rPr>
+              <a:t>01111111110</a:t>
+            </a:r>
+            <a:r>
+              <a:rPr lang="en-US" altLang="en-US" dirty="0" smtClean="0">
+                <a:solidFill>
+                  <a:schemeClr val="tx2"/>
+                </a:solidFill>
+              </a:rPr>
+              <a:t>1000…00</a:t>
+            </a:r>
+          </a:p>
+          <a:p>
+            <a:endParaRPr lang="ru-RU" dirty="0"/>
+          </a:p>
+        </p:txBody>
+      </p:sp>
+      <p:sp>
+        <p:nvSpPr>
+          <p:cNvPr id="3" name="Номер слайда 2"/>
+          <p:cNvSpPr>
+            <a:spLocks noGrp="1"/>
+          </p:cNvSpPr>
+          <p:nvPr>
+            <p:ph type="sldNum" sz="quarter" idx="12"/>
+          </p:nvPr>
+        </p:nvSpPr>
+        <p:spPr/>
+        <p:txBody>
+          <a:bodyPr/>
+          <a:lstStyle/>
+          <a:p>
+            <a:pPr algn="ctr"/>
+            <a:fld id="{1397BFD8-F312-4EF2-A268-44FB4BDDBBB0}" type="slidenum">
+              <a:rPr lang="ru-RU" smtClean="0"/>
+              <a:pPr algn="ctr"/>
+              <a:t>8</a:t>
+            </a:fld>
+            <a:endParaRPr lang="ru-RU" dirty="0"/>
+          </a:p>
+        </p:txBody>
+      </p:sp>
+      <p:sp>
+        <p:nvSpPr>
+          <p:cNvPr id="4" name="Заголовок 3"/>
+          <p:cNvSpPr>
+            <a:spLocks noGrp="1"/>
+          </p:cNvSpPr>
+          <p:nvPr>
+            <p:ph type="title"/>
+          </p:nvPr>
+        </p:nvSpPr>
+        <p:spPr/>
+        <p:txBody>
+          <a:bodyPr/>
+          <a:lstStyle/>
+          <a:p>
+            <a:r>
+              <a:rPr lang="en-US" dirty="0" smtClean="0"/>
+              <a:t>Floating-Point Example</a:t>
+            </a:r>
+            <a:endParaRPr lang="ru-RU" dirty="0"/>
+          </a:p>
+        </p:txBody>
+      </p:sp>
+    </p:spTree>
+  </p:cSld>
+  <p:clrMapOvr>
+    <a:masterClrMapping/>
+  </p:clrMapOvr>
+  <p:timing>
+    <p:tnLst>
+      <p:par>
+        <p:cTn id="1" dur="indefinite" restart="never" nodeType="tmRoot"/>
+      </p:par>
+    </p:tnLst>
+  </p:timing>
+</p:sld>
+</file>
+
+<file path=ppt/slides/slide9.xml><?xml version="1.0" encoding="utf-8"?>
+<p:sld xmlns:a="http://schemas.openxmlformats.org/drawingml/2006/main" xmlns:r="http://schemas.openxmlformats.org/officeDocument/2006/relationships" xmlns:p="http://schemas.openxmlformats.org/presentationml/2006/main">
+  <p:cSld>
+    <p:spTree>
+      <p:nvGrpSpPr>
+        <p:cNvPr id="1" name=""/>
+        <p:cNvGrpSpPr/>
+        <p:nvPr/>
+      </p:nvGrpSpPr>
+      <p:grpSpPr>
+        <a:xfrm>
+          <a:off x="0" y="0"/>
+          <a:ext cx="0" cy="0"/>
+          <a:chOff x="0" y="0"/>
+          <a:chExt cx="0" cy="0"/>
+        </a:xfrm>
+      </p:grpSpPr>
+      <p:sp>
+        <p:nvSpPr>
+          <p:cNvPr id="2" name="Содержимое 1"/>
+          <p:cNvSpPr>
+            <a:spLocks noGrp="1"/>
+          </p:cNvSpPr>
+          <p:nvPr>
+            <p:ph idx="1"/>
+          </p:nvPr>
+        </p:nvSpPr>
+        <p:spPr/>
+        <p:txBody>
+          <a:bodyPr/>
+          <a:lstStyle/>
+          <a:p>
+            <a:r>
+              <a:rPr lang="en-US" altLang="en-US" dirty="0" smtClean="0"/>
+              <a:t>What number is represented by the single-precision </a:t>
+            </a:r>
+            <a:r>
+              <a:rPr lang="en-US" altLang="en-US" dirty="0" smtClean="0"/>
+              <a:t>float  </a:t>
+            </a:r>
+            <a:r>
+              <a:rPr lang="en-US" altLang="en-US" dirty="0" smtClean="0">
+                <a:solidFill>
+                  <a:schemeClr val="hlink"/>
+                </a:solidFill>
+              </a:rPr>
+              <a:t>1</a:t>
+            </a:r>
+            <a:r>
+              <a:rPr lang="en-US" altLang="en-US" dirty="0" smtClean="0">
+                <a:solidFill>
+                  <a:srgbClr val="008000"/>
+                </a:solidFill>
+              </a:rPr>
+              <a:t>10000001</a:t>
+            </a:r>
+            <a:r>
+              <a:rPr lang="en-US" altLang="en-US" dirty="0" smtClean="0">
+                <a:solidFill>
+                  <a:schemeClr val="tx2"/>
+                </a:solidFill>
+              </a:rPr>
+              <a:t>01000…00</a:t>
+            </a:r>
+            <a:endParaRPr lang="en-US" altLang="en-US" dirty="0" smtClean="0">
+              <a:solidFill>
+                <a:schemeClr val="tx2"/>
+              </a:solidFill>
+            </a:endParaRPr>
+          </a:p>
+          <a:p>
+            <a:pPr lvl="1"/>
+            <a:r>
+              <a:rPr lang="en-US" altLang="en-US" dirty="0" smtClean="0"/>
+              <a:t>S = </a:t>
+            </a:r>
+            <a:r>
+              <a:rPr lang="en-US" altLang="en-US" dirty="0" smtClean="0">
+                <a:solidFill>
+                  <a:schemeClr val="hlink"/>
+                </a:solidFill>
+              </a:rPr>
+              <a:t>1</a:t>
+            </a:r>
+          </a:p>
+          <a:p>
+            <a:pPr lvl="1"/>
+            <a:r>
+              <a:rPr lang="en-US" altLang="en-US" dirty="0" smtClean="0"/>
+              <a:t>Fraction = </a:t>
+            </a:r>
+            <a:r>
+              <a:rPr lang="en-US" altLang="en-US" dirty="0" smtClean="0">
+                <a:solidFill>
+                  <a:schemeClr val="tx2"/>
+                </a:solidFill>
+              </a:rPr>
+              <a:t>01000…00</a:t>
+            </a:r>
+            <a:r>
+              <a:rPr lang="en-US" altLang="en-US" baseline="-25000" dirty="0" smtClean="0"/>
+              <a:t>2</a:t>
+            </a:r>
+            <a:endParaRPr lang="en-US" altLang="en-US" dirty="0" smtClean="0">
+              <a:solidFill>
+                <a:schemeClr val="folHlink"/>
+              </a:solidFill>
+            </a:endParaRPr>
+          </a:p>
+          <a:p>
+            <a:pPr lvl="1"/>
+            <a:r>
+              <a:rPr lang="en-US" altLang="en-US" dirty="0" err="1" smtClean="0"/>
+              <a:t>Fxponent</a:t>
+            </a:r>
+            <a:r>
+              <a:rPr lang="en-US" altLang="en-US" dirty="0" smtClean="0"/>
+              <a:t> = </a:t>
+            </a:r>
+            <a:r>
+              <a:rPr lang="en-US" altLang="en-US" dirty="0" smtClean="0">
+                <a:solidFill>
+                  <a:srgbClr val="008000"/>
+                </a:solidFill>
+              </a:rPr>
+              <a:t>10000001</a:t>
+            </a:r>
+            <a:r>
+              <a:rPr lang="en-US" altLang="en-US" baseline="-25000" dirty="0" smtClean="0"/>
+              <a:t>2</a:t>
+            </a:r>
+            <a:r>
+              <a:rPr lang="en-US" altLang="en-US" dirty="0" smtClean="0"/>
+              <a:t> = 129</a:t>
+            </a:r>
+          </a:p>
+          <a:p>
+            <a:r>
+              <a:rPr lang="en-US" altLang="en-US" dirty="0" smtClean="0"/>
+              <a:t>x = (–1)</a:t>
+            </a:r>
+            <a:r>
+              <a:rPr lang="en-US" altLang="en-US" baseline="30000" dirty="0" smtClean="0"/>
+              <a:t>1</a:t>
+            </a:r>
+            <a:r>
+              <a:rPr lang="en-US" altLang="en-US" dirty="0" smtClean="0"/>
+              <a:t> × (1 + 01</a:t>
+            </a:r>
+            <a:r>
+              <a:rPr lang="en-US" altLang="en-US" baseline="-25000" dirty="0" smtClean="0"/>
+              <a:t>2</a:t>
+            </a:r>
+            <a:r>
+              <a:rPr lang="en-US" altLang="en-US" dirty="0" smtClean="0"/>
+              <a:t>) × 2</a:t>
+            </a:r>
+            <a:r>
+              <a:rPr lang="en-US" altLang="en-US" baseline="30000" dirty="0" smtClean="0"/>
+              <a:t>(129 – 127)</a:t>
+            </a:r>
+            <a:endParaRPr lang="en-US" altLang="en-US" dirty="0" smtClean="0"/>
+          </a:p>
+          <a:p>
+            <a:pPr lvl="1">
+              <a:buNone/>
+            </a:pPr>
+            <a:r>
+              <a:rPr lang="en-US" altLang="en-US" sz="3600" dirty="0" smtClean="0"/>
+              <a:t>= </a:t>
+            </a:r>
+            <a:r>
+              <a:rPr lang="en-US" altLang="en-US" sz="3600" dirty="0" smtClean="0"/>
+              <a:t>(–1) × 1.25 × 2</a:t>
+            </a:r>
+            <a:r>
+              <a:rPr lang="en-US" altLang="en-US" sz="3600" baseline="30000" dirty="0" smtClean="0"/>
+              <a:t>2</a:t>
+            </a:r>
+            <a:endParaRPr lang="en-US" altLang="en-US" sz="3600" dirty="0" smtClean="0"/>
+          </a:p>
+          <a:p>
+            <a:pPr lvl="1">
+              <a:buNone/>
+            </a:pPr>
+            <a:r>
+              <a:rPr lang="en-US" altLang="en-US" sz="3600" dirty="0" smtClean="0"/>
+              <a:t>= </a:t>
+            </a:r>
+            <a:r>
+              <a:rPr lang="en-US" altLang="en-US" sz="3600" dirty="0" smtClean="0"/>
+              <a:t>–5.0</a:t>
+            </a:r>
+          </a:p>
+          <a:p>
+            <a:endParaRPr lang="ru-RU" dirty="0"/>
+          </a:p>
+        </p:txBody>
+      </p:sp>
+      <p:sp>
+        <p:nvSpPr>
+          <p:cNvPr id="3" name="Номер слайда 2"/>
+          <p:cNvSpPr>
+            <a:spLocks noGrp="1"/>
+          </p:cNvSpPr>
+          <p:nvPr>
+            <p:ph type="sldNum" sz="quarter" idx="12"/>
+          </p:nvPr>
+        </p:nvSpPr>
+        <p:spPr/>
+        <p:txBody>
+          <a:bodyPr/>
+          <a:lstStyle/>
+          <a:p>
+            <a:pPr algn="ctr"/>
+            <a:fld id="{1397BFD8-F312-4EF2-A268-44FB4BDDBBB0}" type="slidenum">
+              <a:rPr lang="ru-RU" smtClean="0"/>
+              <a:pPr algn="ctr"/>
+              <a:t>9</a:t>
+            </a:fld>
+            <a:endParaRPr lang="ru-RU" dirty="0"/>
+          </a:p>
+        </p:txBody>
+      </p:sp>
+      <p:sp>
+        <p:nvSpPr>
+          <p:cNvPr id="4" name="Заголовок 3"/>
+          <p:cNvSpPr>
+            <a:spLocks noGrp="1"/>
+          </p:cNvSpPr>
+          <p:nvPr>
+            <p:ph type="title"/>
+          </p:nvPr>
+        </p:nvSpPr>
+        <p:spPr/>
+        <p:txBody>
+          <a:bodyPr/>
+          <a:lstStyle/>
+          <a:p>
+            <a:r>
+              <a:rPr lang="en-US" dirty="0" smtClean="0"/>
+              <a:t>Floating-Point Example</a:t>
+            </a:r>
+            <a:endParaRPr lang="ru-RU" dirty="0"/>
+          </a:p>
+        </p:txBody>
+      </p:sp>
+    </p:spTree>
   </p:cSld>
   <p:clrMapOvr>
     <a:masterClrMapping/>
@@ -6125,7 +8216,7 @@
   <a:extraClrSchemeLst/>
   <a:extLst>
     <a:ext uri="{05A4C25C-085E-4340-85A3-A5531E510DB2}">
-      <thm15:themeFamily xmlns:thm15="http://schemas.microsoft.com/office/thememl/2012/main" xmlns="" name="Office Theme" id="{62F939B6-93AF-4DB8-9C6B-D6C7DFDC589F}" vid="{4A3C46E8-61CC-4603-A589-7422A47A8E4A}"/>
+      <thm15:themeFamily xmlns="" xmlns:thm15="http://schemas.microsoft.com/office/thememl/2012/main" name="Office Theme" id="{62F939B6-93AF-4DB8-9C6B-D6C7DFDC589F}" vid="{4A3C46E8-61CC-4603-A589-7422A47A8E4A}"/>
     </a:ext>
   </a:extLst>
 </a:theme>
@@ -6386,7 +8477,7 @@
   <a:extraClrSchemeLst/>
   <a:extLst>
     <a:ext uri="{05A4C25C-085E-4340-85A3-A5531E510DB2}">
-      <thm15:themeFamily xmlns:thm15="http://schemas.microsoft.com/office/thememl/2012/main" xmlns="" name="Office Theme" id="{62F939B6-93AF-4DB8-9C6B-D6C7DFDC589F}" vid="{4A3C46E8-61CC-4603-A589-7422A47A8E4A}"/>
+      <thm15:themeFamily xmlns="" xmlns:thm15="http://schemas.microsoft.com/office/thememl/2012/main" name="Office Theme" id="{62F939B6-93AF-4DB8-9C6B-D6C7DFDC589F}" vid="{4A3C46E8-61CC-4603-A589-7422A47A8E4A}"/>
     </a:ext>
   </a:extLst>
 </a:theme>
@@ -6647,7 +8738,7 @@
   <a:extraClrSchemeLst/>
   <a:extLst>
     <a:ext uri="{05A4C25C-085E-4340-85A3-A5531E510DB2}">
-      <thm15:themeFamily xmlns:thm15="http://schemas.microsoft.com/office/thememl/2012/main" xmlns="" name="Office Theme" id="{62F939B6-93AF-4DB8-9C6B-D6C7DFDC589F}" vid="{4A3C46E8-61CC-4603-A589-7422A47A8E4A}"/>
+      <thm15:themeFamily xmlns="" xmlns:thm15="http://schemas.microsoft.com/office/thememl/2012/main" name="Office Theme" id="{62F939B6-93AF-4DB8-9C6B-D6C7DFDC589F}" vid="{4A3C46E8-61CC-4603-A589-7422A47A8E4A}"/>
     </a:ext>
   </a:extLst>
 </a:theme>

--- a/docs/part1ca/09_FP/CA_Lecture_09.pptx
+++ b/docs/part1ca/09_FP/CA_Lecture_09.pptx
@@ -5,10 +5,10 @@
     <p:sldMasterId id="2147483648" r:id="rId1"/>
   </p:sldMasterIdLst>
   <p:notesMasterIdLst>
-    <p:notesMasterId r:id="rId12"/>
+    <p:notesMasterId r:id="rId25"/>
   </p:notesMasterIdLst>
   <p:handoutMasterIdLst>
-    <p:handoutMasterId r:id="rId13"/>
+    <p:handoutMasterId r:id="rId26"/>
   </p:handoutMasterIdLst>
   <p:sldIdLst>
     <p:sldId id="256" r:id="rId2"/>
@@ -20,7 +20,20 @@
     <p:sldId id="285" r:id="rId8"/>
     <p:sldId id="286" r:id="rId9"/>
     <p:sldId id="287" r:id="rId10"/>
-    <p:sldId id="272" r:id="rId11"/>
+    <p:sldId id="288" r:id="rId11"/>
+    <p:sldId id="289" r:id="rId12"/>
+    <p:sldId id="290" r:id="rId13"/>
+    <p:sldId id="291" r:id="rId14"/>
+    <p:sldId id="292" r:id="rId15"/>
+    <p:sldId id="293" r:id="rId16"/>
+    <p:sldId id="294" r:id="rId17"/>
+    <p:sldId id="295" r:id="rId18"/>
+    <p:sldId id="296" r:id="rId19"/>
+    <p:sldId id="300" r:id="rId20"/>
+    <p:sldId id="297" r:id="rId21"/>
+    <p:sldId id="298" r:id="rId22"/>
+    <p:sldId id="299" r:id="rId23"/>
+    <p:sldId id="272" r:id="rId24"/>
   </p:sldIdLst>
   <p:sldSz cx="12192000" cy="6858000"/>
   <p:notesSz cx="6858000" cy="9144000"/>
@@ -121,7 +134,7 @@
   </p:defaultTextStyle>
   <p:extLst>
     <p:ext uri="{EFAFB233-063F-42B5-8137-9DF3F51BA10A}">
-      <p15:sldGuideLst xmlns="" xmlns:p15="http://schemas.microsoft.com/office/powerpoint/2012/main">
+      <p15:sldGuideLst xmlns:p15="http://schemas.microsoft.com/office/powerpoint/2012/main" xmlns="">
         <p15:guide id="1" orient="horz" pos="2160">
           <p15:clr>
             <a:srgbClr val="A4A3A4"/>
@@ -135,7 +148,7 @@
       </p15:sldGuideLst>
     </p:ext>
     <p:ext uri="{2D200454-40CA-4A62-9FC3-DE9A4176ACB9}">
-      <p15:notesGuideLst xmlns="" xmlns:p15="http://schemas.microsoft.com/office/powerpoint/2012/main"/>
+      <p15:notesGuideLst xmlns:p15="http://schemas.microsoft.com/office/powerpoint/2012/main" xmlns=""/>
     </p:ext>
   </p:extLst>
 </p:presentation>
@@ -308,7 +321,7 @@
     </p:spTree>
     <p:extLst>
       <p:ext uri="{BB962C8B-B14F-4D97-AF65-F5344CB8AC3E}">
-        <p14:creationId xmlns="" xmlns:p14="http://schemas.microsoft.com/office/powerpoint/2010/main" val="827279973"/>
+        <p14:creationId xmlns:p14="http://schemas.microsoft.com/office/powerpoint/2010/main" xmlns="" val="827279973"/>
       </p:ext>
     </p:extLst>
   </p:cSld>
@@ -569,7 +582,7 @@
     </p:spTree>
     <p:extLst>
       <p:ext uri="{BB962C8B-B14F-4D97-AF65-F5344CB8AC3E}">
-        <p14:creationId xmlns="" xmlns:p14="http://schemas.microsoft.com/office/powerpoint/2010/main" val="3865021395"/>
+        <p14:creationId xmlns:p14="http://schemas.microsoft.com/office/powerpoint/2010/main" xmlns="" val="3865021395"/>
       </p:ext>
     </p:extLst>
   </p:cSld>
@@ -783,7 +796,7 @@
     </p:spTree>
     <p:extLst>
       <p:ext uri="{BB962C8B-B14F-4D97-AF65-F5344CB8AC3E}">
-        <p14:creationId xmlns="" xmlns:p14="http://schemas.microsoft.com/office/powerpoint/2010/main" val="2381791527"/>
+        <p14:creationId xmlns:p14="http://schemas.microsoft.com/office/powerpoint/2010/main" xmlns="" val="2381791527"/>
       </p:ext>
     </p:extLst>
   </p:cSld>
@@ -897,7 +910,7 @@
             <a:fld id="{5583B3A5-99BF-45D9-956B-DC57CC23AD97}" type="slidenum">
               <a:rPr lang="ru-RU" smtClean="0"/>
               <a:pPr/>
-              <a:t>10</a:t>
+              <a:t>23</a:t>
             </a:fld>
             <a:endParaRPr lang="ru-RU"/>
           </a:p>
@@ -906,7 +919,7 @@
     </p:spTree>
     <p:extLst>
       <p:ext uri="{BB962C8B-B14F-4D97-AF65-F5344CB8AC3E}">
-        <p14:creationId xmlns="" xmlns:p14="http://schemas.microsoft.com/office/powerpoint/2010/main" val="1915950851"/>
+        <p14:creationId xmlns:p14="http://schemas.microsoft.com/office/powerpoint/2010/main" xmlns="" val="1915950851"/>
       </p:ext>
     </p:extLst>
   </p:cSld>
@@ -1166,7 +1179,7 @@
     </p:spTree>
     <p:extLst>
       <p:ext uri="{BB962C8B-B14F-4D97-AF65-F5344CB8AC3E}">
-        <p14:creationId xmlns="" xmlns:p14="http://schemas.microsoft.com/office/powerpoint/2010/main" val="322455162"/>
+        <p14:creationId xmlns:p14="http://schemas.microsoft.com/office/powerpoint/2010/main" xmlns="" val="322455162"/>
       </p:ext>
     </p:extLst>
   </p:cSld>
@@ -1340,7 +1353,7 @@
     </p:spTree>
     <p:extLst>
       <p:ext uri="{BB962C8B-B14F-4D97-AF65-F5344CB8AC3E}">
-        <p14:creationId xmlns="" xmlns:p14="http://schemas.microsoft.com/office/powerpoint/2010/main" val="971117636"/>
+        <p14:creationId xmlns:p14="http://schemas.microsoft.com/office/powerpoint/2010/main" xmlns="" val="971117636"/>
       </p:ext>
     </p:extLst>
   </p:cSld>
@@ -1517,7 +1530,7 @@
     </p:spTree>
     <p:extLst>
       <p:ext uri="{BB962C8B-B14F-4D97-AF65-F5344CB8AC3E}">
-        <p14:creationId xmlns="" xmlns:p14="http://schemas.microsoft.com/office/powerpoint/2010/main" val="3348877825"/>
+        <p14:creationId xmlns:p14="http://schemas.microsoft.com/office/powerpoint/2010/main" xmlns="" val="3348877825"/>
       </p:ext>
     </p:extLst>
   </p:cSld>
@@ -1678,6 +1691,8 @@
           <a:bodyPr/>
           <a:lstStyle>
             <a:lvl1pPr>
+              <a:buFont typeface="Wingdings" pitchFamily="2" charset="2"/>
+              <a:buChar char="§"/>
               <a:defRPr sz="3600">
                 <a:solidFill>
                   <a:srgbClr val="273272"/>
@@ -1685,6 +1700,11 @@
               </a:defRPr>
             </a:lvl1pPr>
             <a:lvl2pPr>
+              <a:buClr>
+                <a:srgbClr val="F7B217"/>
+              </a:buClr>
+              <a:buFont typeface="Wingdings" pitchFamily="2" charset="2"/>
+              <a:buChar char="§"/>
               <a:defRPr sz="3200">
                 <a:solidFill>
                   <a:srgbClr val="273272"/>
@@ -1692,6 +1712,8 @@
               </a:defRPr>
             </a:lvl2pPr>
             <a:lvl3pPr>
+              <a:buFont typeface="Wingdings" pitchFamily="2" charset="2"/>
+              <a:buChar char="§"/>
               <a:defRPr sz="2400">
                 <a:solidFill>
                   <a:srgbClr val="273272"/>
@@ -1833,7 +1855,7 @@
     </p:spTree>
     <p:extLst>
       <p:ext uri="{BB962C8B-B14F-4D97-AF65-F5344CB8AC3E}">
-        <p14:creationId xmlns="" xmlns:p14="http://schemas.microsoft.com/office/powerpoint/2010/main" val="3256953994"/>
+        <p14:creationId xmlns:p14="http://schemas.microsoft.com/office/powerpoint/2010/main" xmlns="" val="3256953994"/>
       </p:ext>
     </p:extLst>
   </p:cSld>
@@ -2083,7 +2105,7 @@
     </p:spTree>
     <p:extLst>
       <p:ext uri="{BB962C8B-B14F-4D97-AF65-F5344CB8AC3E}">
-        <p14:creationId xmlns="" xmlns:p14="http://schemas.microsoft.com/office/powerpoint/2010/main" val="3067076846"/>
+        <p14:creationId xmlns:p14="http://schemas.microsoft.com/office/powerpoint/2010/main" xmlns="" val="3067076846"/>
       </p:ext>
     </p:extLst>
   </p:cSld>
@@ -2319,7 +2341,7 @@
     </p:spTree>
     <p:extLst>
       <p:ext uri="{BB962C8B-B14F-4D97-AF65-F5344CB8AC3E}">
-        <p14:creationId xmlns="" xmlns:p14="http://schemas.microsoft.com/office/powerpoint/2010/main" val="3710015975"/>
+        <p14:creationId xmlns:p14="http://schemas.microsoft.com/office/powerpoint/2010/main" xmlns="" val="3710015975"/>
       </p:ext>
     </p:extLst>
   </p:cSld>
@@ -2690,7 +2712,7 @@
     </p:spTree>
     <p:extLst>
       <p:ext uri="{BB962C8B-B14F-4D97-AF65-F5344CB8AC3E}">
-        <p14:creationId xmlns="" xmlns:p14="http://schemas.microsoft.com/office/powerpoint/2010/main" val="4075590966"/>
+        <p14:creationId xmlns:p14="http://schemas.microsoft.com/office/powerpoint/2010/main" xmlns="" val="4075590966"/>
       </p:ext>
     </p:extLst>
   </p:cSld>
@@ -2812,7 +2834,7 @@
     </p:spTree>
     <p:extLst>
       <p:ext uri="{BB962C8B-B14F-4D97-AF65-F5344CB8AC3E}">
-        <p14:creationId xmlns="" xmlns:p14="http://schemas.microsoft.com/office/powerpoint/2010/main" val="2889604898"/>
+        <p14:creationId xmlns:p14="http://schemas.microsoft.com/office/powerpoint/2010/main" xmlns="" val="2889604898"/>
       </p:ext>
     </p:extLst>
   </p:cSld>
@@ -2911,7 +2933,7 @@
     </p:spTree>
     <p:extLst>
       <p:ext uri="{BB962C8B-B14F-4D97-AF65-F5344CB8AC3E}">
-        <p14:creationId xmlns="" xmlns:p14="http://schemas.microsoft.com/office/powerpoint/2010/main" val="152384765"/>
+        <p14:creationId xmlns:p14="http://schemas.microsoft.com/office/powerpoint/2010/main" xmlns="" val="152384765"/>
       </p:ext>
     </p:extLst>
   </p:cSld>
@@ -3192,7 +3214,7 @@
     </p:spTree>
     <p:extLst>
       <p:ext uri="{BB962C8B-B14F-4D97-AF65-F5344CB8AC3E}">
-        <p14:creationId xmlns="" xmlns:p14="http://schemas.microsoft.com/office/powerpoint/2010/main" val="2127791886"/>
+        <p14:creationId xmlns:p14="http://schemas.microsoft.com/office/powerpoint/2010/main" xmlns="" val="2127791886"/>
       </p:ext>
     </p:extLst>
   </p:cSld>
@@ -3449,7 +3471,7 @@
     </p:spTree>
     <p:extLst>
       <p:ext uri="{BB962C8B-B14F-4D97-AF65-F5344CB8AC3E}">
-        <p14:creationId xmlns="" xmlns:p14="http://schemas.microsoft.com/office/powerpoint/2010/main" val="1752705130"/>
+        <p14:creationId xmlns:p14="http://schemas.microsoft.com/office/powerpoint/2010/main" xmlns="" val="1752705130"/>
       </p:ext>
     </p:extLst>
   </p:cSld>
@@ -3702,7 +3724,7 @@
     </p:spTree>
     <p:extLst>
       <p:ext uri="{BB962C8B-B14F-4D97-AF65-F5344CB8AC3E}">
-        <p14:creationId xmlns="" xmlns:p14="http://schemas.microsoft.com/office/powerpoint/2010/main" val="968833914"/>
+        <p14:creationId xmlns:p14="http://schemas.microsoft.com/office/powerpoint/2010/main" xmlns="" val="968833914"/>
       </p:ext>
     </p:extLst>
   </p:cSld>
@@ -4179,7 +4201,7 @@
     </p:spTree>
     <p:extLst>
       <p:ext uri="{BB962C8B-B14F-4D97-AF65-F5344CB8AC3E}">
-        <p14:creationId xmlns="" xmlns:p14="http://schemas.microsoft.com/office/powerpoint/2010/main" val="2492894732"/>
+        <p14:creationId xmlns:p14="http://schemas.microsoft.com/office/powerpoint/2010/main" xmlns="" val="2492894732"/>
       </p:ext>
     </p:extLst>
   </p:cSld>
@@ -4215,526 +4237,7 @@
       </p:grpSpPr>
       <p:sp>
         <p:nvSpPr>
-          <p:cNvPr id="4" name="Прямоугольник 3"/>
-          <p:cNvSpPr/>
-          <p:nvPr/>
-        </p:nvSpPr>
-        <p:spPr>
-          <a:xfrm>
-            <a:off x="2664999" y="472120"/>
-            <a:ext cx="7524751" cy="5262979"/>
-          </a:xfrm>
-          <a:prstGeom prst="rect">
-            <a:avLst/>
-          </a:prstGeom>
-          <a:noFill/>
-          <a:ln>
-            <a:noFill/>
-          </a:ln>
-          <a:scene3d>
-            <a:camera prst="perspectiveRelaxed"/>
-            <a:lightRig rig="threePt" dir="t"/>
-          </a:scene3d>
-        </p:spPr>
-        <p:txBody>
-          <a:bodyPr wrap="square" lIns="91440" tIns="45720" rIns="91440" bIns="45720">
-            <a:spAutoFit/>
-          </a:bodyPr>
-          <a:lstStyle/>
-          <a:p>
-            <a:r>
-              <a:rPr lang="en-US" sz="2400" dirty="0" smtClean="0">
-                <a:ln w="0"/>
-                <a:solidFill>
-                  <a:srgbClr val="273272"/>
-                </a:solidFill>
-                <a:effectLst>
-                  <a:reflection blurRad="6350" stA="53000" endA="300" endPos="35500" dir="5400000" sy="-90000" algn="bl" rotWithShape="0"/>
-                </a:effectLst>
-                <a:latin typeface="Courier New" pitchFamily="49" charset="0"/>
-                <a:cs typeface="Courier New" pitchFamily="49" charset="0"/>
-              </a:rPr>
-              <a:t>		</a:t>
-            </a:r>
-          </a:p>
-          <a:p>
-            <a:r>
-              <a:rPr lang="en-US" sz="2400" dirty="0" smtClean="0">
-                <a:ln w="0"/>
-                <a:solidFill>
-                  <a:srgbClr val="273272"/>
-                </a:solidFill>
-                <a:effectLst>
-                  <a:reflection blurRad="6350" stA="53000" endA="300" endPos="35500" dir="5400000" sy="-90000" algn="bl" rotWithShape="0"/>
-                </a:effectLst>
-                <a:latin typeface="Courier New" pitchFamily="49" charset="0"/>
-                <a:cs typeface="Courier New" pitchFamily="49" charset="0"/>
-              </a:rPr>
-              <a:t>		.text</a:t>
-            </a:r>
-          </a:p>
-          <a:p>
-            <a:r>
-              <a:rPr lang="en-US" sz="2400" dirty="0" smtClean="0">
-                <a:ln w="0"/>
-                <a:solidFill>
-                  <a:srgbClr val="273272"/>
-                </a:solidFill>
-                <a:effectLst>
-                  <a:reflection blurRad="6350" stA="53000" endA="300" endPos="35500" dir="5400000" sy="-90000" algn="bl" rotWithShape="0"/>
-                </a:effectLst>
-                <a:latin typeface="Courier New" pitchFamily="49" charset="0"/>
-                <a:cs typeface="Courier New" pitchFamily="49" charset="0"/>
-              </a:rPr>
-              <a:t>__start:	</a:t>
-            </a:r>
-            <a:r>
-              <a:rPr lang="en-US" sz="2400" dirty="0" err="1" smtClean="0">
-                <a:ln w="0"/>
-                <a:solidFill>
-                  <a:srgbClr val="273272"/>
-                </a:solidFill>
-                <a:effectLst>
-                  <a:reflection blurRad="6350" stA="53000" endA="300" endPos="35500" dir="5400000" sy="-90000" algn="bl" rotWithShape="0"/>
-                </a:effectLst>
-                <a:latin typeface="Courier New" pitchFamily="49" charset="0"/>
-                <a:cs typeface="Courier New" pitchFamily="49" charset="0"/>
-              </a:rPr>
-              <a:t>addi</a:t>
-            </a:r>
-            <a:r>
-              <a:rPr lang="en-US" sz="2400" dirty="0" smtClean="0">
-                <a:ln w="0"/>
-                <a:solidFill>
-                  <a:srgbClr val="273272"/>
-                </a:solidFill>
-                <a:effectLst>
-                  <a:reflection blurRad="6350" stA="53000" endA="300" endPos="35500" dir="5400000" sy="-90000" algn="bl" rotWithShape="0"/>
-                </a:effectLst>
-                <a:latin typeface="Courier New" pitchFamily="49" charset="0"/>
-                <a:cs typeface="Courier New" pitchFamily="49" charset="0"/>
-              </a:rPr>
-              <a:t> t1, zero, 0x18</a:t>
-            </a:r>
-          </a:p>
-          <a:p>
-            <a:r>
-              <a:rPr lang="en-US" sz="2400" dirty="0" smtClean="0">
-                <a:ln w="0"/>
-                <a:solidFill>
-                  <a:srgbClr val="273272"/>
-                </a:solidFill>
-                <a:effectLst>
-                  <a:reflection blurRad="6350" stA="53000" endA="300" endPos="35500" dir="5400000" sy="-90000" algn="bl" rotWithShape="0"/>
-                </a:effectLst>
-                <a:latin typeface="Courier New" pitchFamily="49" charset="0"/>
-                <a:cs typeface="Courier New" pitchFamily="49" charset="0"/>
-              </a:rPr>
-              <a:t>		</a:t>
-            </a:r>
-            <a:r>
-              <a:rPr lang="en-US" sz="2400" dirty="0" err="1" smtClean="0">
-                <a:ln w="0"/>
-                <a:solidFill>
-                  <a:srgbClr val="273272"/>
-                </a:solidFill>
-                <a:effectLst>
-                  <a:reflection blurRad="6350" stA="53000" endA="300" endPos="35500" dir="5400000" sy="-90000" algn="bl" rotWithShape="0"/>
-                </a:effectLst>
-                <a:latin typeface="Courier New" pitchFamily="49" charset="0"/>
-                <a:cs typeface="Courier New" pitchFamily="49" charset="0"/>
-              </a:rPr>
-              <a:t>addi</a:t>
-            </a:r>
-            <a:r>
-              <a:rPr lang="en-US" sz="2400" dirty="0" smtClean="0">
-                <a:ln w="0"/>
-                <a:solidFill>
-                  <a:srgbClr val="273272"/>
-                </a:solidFill>
-                <a:effectLst>
-                  <a:reflection blurRad="6350" stA="53000" endA="300" endPos="35500" dir="5400000" sy="-90000" algn="bl" rotWithShape="0"/>
-                </a:effectLst>
-                <a:latin typeface="Courier New" pitchFamily="49" charset="0"/>
-                <a:cs typeface="Courier New" pitchFamily="49" charset="0"/>
-              </a:rPr>
-              <a:t> t2, zero, 0x21</a:t>
-            </a:r>
-          </a:p>
-          <a:p>
-            <a:r>
-              <a:rPr lang="en-US" sz="2400" dirty="0" smtClean="0">
-                <a:ln w="0"/>
-                <a:solidFill>
-                  <a:srgbClr val="273272"/>
-                </a:solidFill>
-                <a:effectLst>
-                  <a:reflection blurRad="6350" stA="53000" endA="300" endPos="35500" dir="5400000" sy="-90000" algn="bl" rotWithShape="0"/>
-                </a:effectLst>
-                <a:latin typeface="Courier New" pitchFamily="49" charset="0"/>
-                <a:cs typeface="Courier New" pitchFamily="49" charset="0"/>
-              </a:rPr>
-              <a:t>cycle:	</a:t>
-            </a:r>
-            <a:r>
-              <a:rPr lang="en-US" sz="2400" dirty="0" err="1" smtClean="0">
-                <a:ln w="0"/>
-                <a:solidFill>
-                  <a:srgbClr val="273272"/>
-                </a:solidFill>
-                <a:effectLst>
-                  <a:reflection blurRad="6350" stA="53000" endA="300" endPos="35500" dir="5400000" sy="-90000" algn="bl" rotWithShape="0"/>
-                </a:effectLst>
-                <a:latin typeface="Courier New" pitchFamily="49" charset="0"/>
-                <a:cs typeface="Courier New" pitchFamily="49" charset="0"/>
-              </a:rPr>
-              <a:t>beq</a:t>
-            </a:r>
-            <a:r>
-              <a:rPr lang="en-US" sz="2400" dirty="0" smtClean="0">
-                <a:ln w="0"/>
-                <a:solidFill>
-                  <a:srgbClr val="273272"/>
-                </a:solidFill>
-                <a:effectLst>
-                  <a:reflection blurRad="6350" stA="53000" endA="300" endPos="35500" dir="5400000" sy="-90000" algn="bl" rotWithShape="0"/>
-                </a:effectLst>
-                <a:latin typeface="Courier New" pitchFamily="49" charset="0"/>
-                <a:cs typeface="Courier New" pitchFamily="49" charset="0"/>
-              </a:rPr>
-              <a:t> t1, t2, done</a:t>
-            </a:r>
-          </a:p>
-          <a:p>
-            <a:r>
-              <a:rPr lang="en-US" sz="2400" dirty="0" smtClean="0">
-                <a:ln w="0"/>
-                <a:solidFill>
-                  <a:srgbClr val="273272"/>
-                </a:solidFill>
-                <a:effectLst>
-                  <a:reflection blurRad="6350" stA="53000" endA="300" endPos="35500" dir="5400000" sy="-90000" algn="bl" rotWithShape="0"/>
-                </a:effectLst>
-                <a:latin typeface="Courier New" pitchFamily="49" charset="0"/>
-                <a:cs typeface="Courier New" pitchFamily="49" charset="0"/>
-              </a:rPr>
-              <a:t>		</a:t>
-            </a:r>
-            <a:r>
-              <a:rPr lang="en-US" sz="2400" dirty="0" err="1" smtClean="0">
-                <a:ln w="0"/>
-                <a:solidFill>
-                  <a:srgbClr val="273272"/>
-                </a:solidFill>
-                <a:effectLst>
-                  <a:reflection blurRad="6350" stA="53000" endA="300" endPos="35500" dir="5400000" sy="-90000" algn="bl" rotWithShape="0"/>
-                </a:effectLst>
-                <a:latin typeface="Courier New" pitchFamily="49" charset="0"/>
-                <a:cs typeface="Courier New" pitchFamily="49" charset="0"/>
-              </a:rPr>
-              <a:t>slt</a:t>
-            </a:r>
-            <a:r>
-              <a:rPr lang="en-US" sz="2400" dirty="0" smtClean="0">
-                <a:ln w="0"/>
-                <a:solidFill>
-                  <a:srgbClr val="273272"/>
-                </a:solidFill>
-                <a:effectLst>
-                  <a:reflection blurRad="6350" stA="53000" endA="300" endPos="35500" dir="5400000" sy="-90000" algn="bl" rotWithShape="0"/>
-                </a:effectLst>
-                <a:latin typeface="Courier New" pitchFamily="49" charset="0"/>
-                <a:cs typeface="Courier New" pitchFamily="49" charset="0"/>
-              </a:rPr>
-              <a:t> t0, t1, t2</a:t>
-            </a:r>
-          </a:p>
-          <a:p>
-            <a:r>
-              <a:rPr lang="en-US" sz="2400" dirty="0" smtClean="0">
-                <a:ln w="0"/>
-                <a:solidFill>
-                  <a:srgbClr val="273272"/>
-                </a:solidFill>
-                <a:effectLst>
-                  <a:reflection blurRad="6350" stA="53000" endA="300" endPos="35500" dir="5400000" sy="-90000" algn="bl" rotWithShape="0"/>
-                </a:effectLst>
-                <a:latin typeface="Courier New" pitchFamily="49" charset="0"/>
-                <a:cs typeface="Courier New" pitchFamily="49" charset="0"/>
-              </a:rPr>
-              <a:t>		</a:t>
-            </a:r>
-            <a:r>
-              <a:rPr lang="en-US" sz="2400" dirty="0" err="1" smtClean="0">
-                <a:ln w="0"/>
-                <a:solidFill>
-                  <a:srgbClr val="273272"/>
-                </a:solidFill>
-                <a:effectLst>
-                  <a:reflection blurRad="6350" stA="53000" endA="300" endPos="35500" dir="5400000" sy="-90000" algn="bl" rotWithShape="0"/>
-                </a:effectLst>
-                <a:latin typeface="Courier New" pitchFamily="49" charset="0"/>
-                <a:cs typeface="Courier New" pitchFamily="49" charset="0"/>
-              </a:rPr>
-              <a:t>bne</a:t>
-            </a:r>
-            <a:r>
-              <a:rPr lang="en-US" sz="2400" dirty="0" smtClean="0">
-                <a:ln w="0"/>
-                <a:solidFill>
-                  <a:srgbClr val="273272"/>
-                </a:solidFill>
-                <a:effectLst>
-                  <a:reflection blurRad="6350" stA="53000" endA="300" endPos="35500" dir="5400000" sy="-90000" algn="bl" rotWithShape="0"/>
-                </a:effectLst>
-                <a:latin typeface="Courier New" pitchFamily="49" charset="0"/>
-                <a:cs typeface="Courier New" pitchFamily="49" charset="0"/>
-              </a:rPr>
-              <a:t> t0, zero, </a:t>
-            </a:r>
-            <a:r>
-              <a:rPr lang="en-US" sz="2400" dirty="0" err="1" smtClean="0">
-                <a:ln w="0"/>
-                <a:solidFill>
-                  <a:srgbClr val="273272"/>
-                </a:solidFill>
-                <a:effectLst>
-                  <a:reflection blurRad="6350" stA="53000" endA="300" endPos="35500" dir="5400000" sy="-90000" algn="bl" rotWithShape="0"/>
-                </a:effectLst>
-                <a:latin typeface="Courier New" pitchFamily="49" charset="0"/>
-                <a:cs typeface="Courier New" pitchFamily="49" charset="0"/>
-              </a:rPr>
-              <a:t>if_less</a:t>
-            </a:r>
-            <a:endParaRPr lang="en-US" sz="2400" dirty="0" smtClean="0">
-              <a:ln w="0"/>
-              <a:solidFill>
-                <a:srgbClr val="273272"/>
-              </a:solidFill>
-              <a:effectLst>
-                <a:reflection blurRad="6350" stA="53000" endA="300" endPos="35500" dir="5400000" sy="-90000" algn="bl" rotWithShape="0"/>
-              </a:effectLst>
-              <a:latin typeface="Courier New" pitchFamily="49" charset="0"/>
-              <a:cs typeface="Courier New" pitchFamily="49" charset="0"/>
-            </a:endParaRPr>
-          </a:p>
-          <a:p>
-            <a:r>
-              <a:rPr lang="en-US" sz="2400" dirty="0" smtClean="0">
-                <a:ln w="0"/>
-                <a:solidFill>
-                  <a:srgbClr val="273272"/>
-                </a:solidFill>
-                <a:effectLst>
-                  <a:reflection blurRad="6350" stA="53000" endA="300" endPos="35500" dir="5400000" sy="-90000" algn="bl" rotWithShape="0"/>
-                </a:effectLst>
-                <a:latin typeface="Courier New" pitchFamily="49" charset="0"/>
-                <a:cs typeface="Courier New" pitchFamily="49" charset="0"/>
-              </a:rPr>
-              <a:t>		</a:t>
-            </a:r>
-            <a:r>
-              <a:rPr lang="en-US" sz="2400" dirty="0" err="1" smtClean="0">
-                <a:ln w="0"/>
-                <a:solidFill>
-                  <a:srgbClr val="273272"/>
-                </a:solidFill>
-                <a:effectLst>
-                  <a:reflection blurRad="6350" stA="53000" endA="300" endPos="35500" dir="5400000" sy="-90000" algn="bl" rotWithShape="0"/>
-                </a:effectLst>
-                <a:latin typeface="Courier New" pitchFamily="49" charset="0"/>
-                <a:cs typeface="Courier New" pitchFamily="49" charset="0"/>
-              </a:rPr>
-              <a:t>nop</a:t>
-            </a:r>
-            <a:endParaRPr lang="en-US" sz="2400" dirty="0" smtClean="0">
-              <a:ln w="0"/>
-              <a:solidFill>
-                <a:srgbClr val="273272"/>
-              </a:solidFill>
-              <a:effectLst>
-                <a:reflection blurRad="6350" stA="53000" endA="300" endPos="35500" dir="5400000" sy="-90000" algn="bl" rotWithShape="0"/>
-              </a:effectLst>
-              <a:latin typeface="Courier New" pitchFamily="49" charset="0"/>
-              <a:cs typeface="Courier New" pitchFamily="49" charset="0"/>
-            </a:endParaRPr>
-          </a:p>
-          <a:p>
-            <a:r>
-              <a:rPr lang="en-US" sz="2400" dirty="0" smtClean="0">
-                <a:ln w="0"/>
-                <a:solidFill>
-                  <a:srgbClr val="273272"/>
-                </a:solidFill>
-                <a:effectLst>
-                  <a:reflection blurRad="6350" stA="53000" endA="300" endPos="35500" dir="5400000" sy="-90000" algn="bl" rotWithShape="0"/>
-                </a:effectLst>
-                <a:latin typeface="Courier New" pitchFamily="49" charset="0"/>
-                <a:cs typeface="Courier New" pitchFamily="49" charset="0"/>
-              </a:rPr>
-              <a:t>		sub t1, t1, t2</a:t>
-            </a:r>
-          </a:p>
-          <a:p>
-            <a:r>
-              <a:rPr lang="en-US" sz="2400" dirty="0" smtClean="0">
-                <a:ln w="0"/>
-                <a:solidFill>
-                  <a:srgbClr val="273272"/>
-                </a:solidFill>
-                <a:effectLst>
-                  <a:reflection blurRad="6350" stA="53000" endA="300" endPos="35500" dir="5400000" sy="-90000" algn="bl" rotWithShape="0"/>
-                </a:effectLst>
-                <a:latin typeface="Courier New" pitchFamily="49" charset="0"/>
-                <a:cs typeface="Courier New" pitchFamily="49" charset="0"/>
-              </a:rPr>
-              <a:t>		j cycle</a:t>
-            </a:r>
-          </a:p>
-          <a:p>
-            <a:r>
-              <a:rPr lang="en-US" sz="2400" dirty="0" smtClean="0">
-                <a:ln w="0"/>
-                <a:solidFill>
-                  <a:srgbClr val="273272"/>
-                </a:solidFill>
-                <a:effectLst>
-                  <a:reflection blurRad="6350" stA="53000" endA="300" endPos="35500" dir="5400000" sy="-90000" algn="bl" rotWithShape="0"/>
-                </a:effectLst>
-                <a:latin typeface="Courier New" pitchFamily="49" charset="0"/>
-                <a:cs typeface="Courier New" pitchFamily="49" charset="0"/>
-              </a:rPr>
-              <a:t>		</a:t>
-            </a:r>
-            <a:r>
-              <a:rPr lang="en-US" sz="2400" dirty="0" err="1" smtClean="0">
-                <a:ln w="0"/>
-                <a:solidFill>
-                  <a:srgbClr val="273272"/>
-                </a:solidFill>
-                <a:effectLst>
-                  <a:reflection blurRad="6350" stA="53000" endA="300" endPos="35500" dir="5400000" sy="-90000" algn="bl" rotWithShape="0"/>
-                </a:effectLst>
-                <a:latin typeface="Courier New" pitchFamily="49" charset="0"/>
-                <a:cs typeface="Courier New" pitchFamily="49" charset="0"/>
-              </a:rPr>
-              <a:t>nop</a:t>
-            </a:r>
-            <a:endParaRPr lang="en-US" sz="2400" dirty="0" smtClean="0">
-              <a:ln w="0"/>
-              <a:solidFill>
-                <a:srgbClr val="273272"/>
-              </a:solidFill>
-              <a:effectLst>
-                <a:reflection blurRad="6350" stA="53000" endA="300" endPos="35500" dir="5400000" sy="-90000" algn="bl" rotWithShape="0"/>
-              </a:effectLst>
-              <a:latin typeface="Courier New" pitchFamily="49" charset="0"/>
-              <a:cs typeface="Courier New" pitchFamily="49" charset="0"/>
-            </a:endParaRPr>
-          </a:p>
-          <a:p>
-            <a:r>
-              <a:rPr lang="en-US" sz="2400" dirty="0" err="1" smtClean="0">
-                <a:ln w="0"/>
-                <a:solidFill>
-                  <a:srgbClr val="273272"/>
-                </a:solidFill>
-                <a:effectLst>
-                  <a:reflection blurRad="6350" stA="53000" endA="300" endPos="35500" dir="5400000" sy="-90000" algn="bl" rotWithShape="0"/>
-                </a:effectLst>
-                <a:latin typeface="Courier New" pitchFamily="49" charset="0"/>
-                <a:cs typeface="Courier New" pitchFamily="49" charset="0"/>
-              </a:rPr>
-              <a:t>if_less</a:t>
-            </a:r>
-            <a:r>
-              <a:rPr lang="en-US" sz="2400" dirty="0" smtClean="0">
-                <a:ln w="0"/>
-                <a:solidFill>
-                  <a:srgbClr val="273272"/>
-                </a:solidFill>
-                <a:effectLst>
-                  <a:reflection blurRad="6350" stA="53000" endA="300" endPos="35500" dir="5400000" sy="-90000" algn="bl" rotWithShape="0"/>
-                </a:effectLst>
-                <a:latin typeface="Courier New" pitchFamily="49" charset="0"/>
-                <a:cs typeface="Courier New" pitchFamily="49" charset="0"/>
-              </a:rPr>
-              <a:t>:	sub t2, t2, t1</a:t>
-            </a:r>
-          </a:p>
-          <a:p>
-            <a:r>
-              <a:rPr lang="en-US" sz="2400" dirty="0" smtClean="0">
-                <a:ln w="0"/>
-                <a:solidFill>
-                  <a:srgbClr val="273272"/>
-                </a:solidFill>
-                <a:effectLst>
-                  <a:reflection blurRad="6350" stA="53000" endA="300" endPos="35500" dir="5400000" sy="-90000" algn="bl" rotWithShape="0"/>
-                </a:effectLst>
-                <a:latin typeface="Courier New" pitchFamily="49" charset="0"/>
-                <a:cs typeface="Courier New" pitchFamily="49" charset="0"/>
-              </a:rPr>
-              <a:t>		j cycle</a:t>
-            </a:r>
-          </a:p>
-          <a:p>
-            <a:r>
-              <a:rPr lang="en-US" sz="2400" dirty="0" smtClean="0">
-                <a:ln w="0"/>
-                <a:solidFill>
-                  <a:srgbClr val="273272"/>
-                </a:solidFill>
-                <a:effectLst>
-                  <a:reflection blurRad="6350" stA="53000" endA="300" endPos="35500" dir="5400000" sy="-90000" algn="bl" rotWithShape="0"/>
-                </a:effectLst>
-                <a:latin typeface="Courier New" pitchFamily="49" charset="0"/>
-                <a:cs typeface="Courier New" pitchFamily="49" charset="0"/>
-              </a:rPr>
-              <a:t>done:		add t3, t1, zero</a:t>
-            </a:r>
-            <a:endParaRPr lang="ru-RU" sz="2400" b="0" cap="none" spc="0" dirty="0">
-              <a:ln w="0"/>
-              <a:solidFill>
-                <a:srgbClr val="273272"/>
-              </a:solidFill>
-              <a:effectLst>
-                <a:reflection blurRad="6350" stA="53000" endA="300" endPos="35500" dir="5400000" sy="-90000" algn="bl" rotWithShape="0"/>
-              </a:effectLst>
-              <a:latin typeface="Courier New" pitchFamily="49" charset="0"/>
-              <a:cs typeface="Courier New" pitchFamily="49" charset="0"/>
-            </a:endParaRPr>
-          </a:p>
-        </p:txBody>
-      </p:sp>
-      <p:sp>
-        <p:nvSpPr>
-          <p:cNvPr id="2" name="Заголовок 1"/>
-          <p:cNvSpPr>
-            <a:spLocks noGrp="1"/>
-          </p:cNvSpPr>
-          <p:nvPr>
-            <p:ph type="title"/>
-          </p:nvPr>
-        </p:nvSpPr>
-        <p:spPr/>
-        <p:txBody>
-          <a:bodyPr>
-            <a:normAutofit/>
-          </a:bodyPr>
-          <a:lstStyle/>
-          <a:p>
-            <a:r>
-              <a:rPr lang="en-US" dirty="0" smtClean="0"/>
-              <a:t>Any Questions?</a:t>
-            </a:r>
-            <a:endParaRPr lang="ru-RU" sz="4000" dirty="0"/>
-          </a:p>
-        </p:txBody>
-      </p:sp>
-      <p:sp>
-        <p:nvSpPr>
-          <p:cNvPr id="6" name="Номер слайда 5"/>
+          <p:cNvPr id="3" name="Номер слайда 2"/>
           <p:cNvSpPr>
             <a:spLocks noGrp="1"/>
           </p:cNvSpPr>
@@ -4757,12 +4260,282 @@
           </a:p>
         </p:txBody>
       </p:sp>
+      <p:sp>
+        <p:nvSpPr>
+          <p:cNvPr id="4" name="Заголовок 3"/>
+          <p:cNvSpPr>
+            <a:spLocks noGrp="1"/>
+          </p:cNvSpPr>
+          <p:nvPr>
+            <p:ph type="title"/>
+          </p:nvPr>
+        </p:nvSpPr>
+        <p:spPr/>
+        <p:txBody>
+          <a:bodyPr/>
+          <a:lstStyle/>
+          <a:p>
+            <a:r>
+              <a:rPr lang="en-US" dirty="0" err="1" smtClean="0"/>
+              <a:t>Denormal</a:t>
+            </a:r>
+            <a:r>
+              <a:rPr lang="en-US" dirty="0" smtClean="0"/>
+              <a:t> Numbers</a:t>
+            </a:r>
+            <a:endParaRPr lang="ru-RU" dirty="0"/>
+          </a:p>
+        </p:txBody>
+      </p:sp>
+      <p:sp>
+        <p:nvSpPr>
+          <p:cNvPr id="5" name="Rectangle 10"/>
+          <p:cNvSpPr txBox="1">
+            <a:spLocks noChangeArrowheads="1"/>
+          </p:cNvSpPr>
+          <p:nvPr/>
+        </p:nvSpPr>
+        <p:spPr>
+          <a:xfrm>
+            <a:off x="862338" y="1125538"/>
+            <a:ext cx="10466722" cy="5111750"/>
+          </a:xfrm>
+          <a:prstGeom prst="rect">
+            <a:avLst/>
+          </a:prstGeom>
+        </p:spPr>
+        <p:txBody>
+          <a:bodyPr vert="horz" lIns="91440" tIns="45720" rIns="91440" bIns="45720" rtlCol="0">
+            <a:normAutofit/>
+          </a:bodyPr>
+          <a:lstStyle/>
+          <a:p>
+            <a:pPr marL="228600" marR="0" lvl="0" indent="-228600" algn="l" defTabSz="914400" rtl="0" eaLnBrk="1" fontAlgn="auto" latinLnBrk="0" hangingPunct="1">
+              <a:lnSpc>
+                <a:spcPct val="90000"/>
+              </a:lnSpc>
+              <a:spcBef>
+                <a:spcPts val="1000"/>
+              </a:spcBef>
+              <a:spcAft>
+                <a:spcPts val="0"/>
+              </a:spcAft>
+              <a:buClrTx/>
+              <a:buSzTx/>
+              <a:buFont typeface="Wingdings" pitchFamily="2" charset="2"/>
+              <a:buChar char="§"/>
+              <a:tabLst/>
+              <a:defRPr/>
+            </a:pPr>
+            <a:r>
+              <a:rPr kumimoji="0" lang="en-US" altLang="en-US" sz="3600" b="0" i="0" u="none" strike="noStrike" kern="1200" cap="none" spc="0" normalizeH="0" baseline="0" noProof="0" dirty="0" smtClean="0">
+                <a:ln>
+                  <a:noFill/>
+                </a:ln>
+                <a:solidFill>
+                  <a:srgbClr val="273272"/>
+                </a:solidFill>
+                <a:effectLst/>
+                <a:uLnTx/>
+                <a:uFillTx/>
+                <a:latin typeface="+mn-lt"/>
+                <a:ea typeface="+mn-ea"/>
+                <a:cs typeface="+mn-cs"/>
+              </a:rPr>
+              <a:t>Exponent = 000...0 </a:t>
+            </a:r>
+            <a:r>
+              <a:rPr kumimoji="0" lang="en-US" altLang="en-US" sz="3600" b="0" i="0" u="none" strike="noStrike" kern="1200" cap="none" spc="0" normalizeH="0" baseline="0" noProof="0" dirty="0" smtClean="0">
+                <a:ln>
+                  <a:noFill/>
+                </a:ln>
+                <a:solidFill>
+                  <a:srgbClr val="273272"/>
+                </a:solidFill>
+                <a:effectLst/>
+                <a:uLnTx/>
+                <a:uFillTx/>
+                <a:latin typeface="+mn-lt"/>
+                <a:ea typeface="+mn-ea"/>
+                <a:cs typeface="+mn-cs"/>
+                <a:sym typeface="Symbol" pitchFamily="18" charset="2"/>
+              </a:rPr>
+              <a:t> </a:t>
+            </a:r>
+            <a:r>
+              <a:rPr kumimoji="0" lang="en-US" altLang="en-US" sz="3600" b="0" i="0" u="none" strike="noStrike" kern="1200" cap="none" spc="0" normalizeH="0" baseline="0" noProof="0" dirty="0" smtClean="0">
+                <a:ln>
+                  <a:noFill/>
+                </a:ln>
+                <a:solidFill>
+                  <a:srgbClr val="273272"/>
+                </a:solidFill>
+                <a:effectLst/>
+                <a:uLnTx/>
+                <a:uFillTx/>
+                <a:latin typeface="+mn-lt"/>
+                <a:ea typeface="+mn-ea"/>
+                <a:cs typeface="+mn-cs"/>
+              </a:rPr>
+              <a:t>hidden bit is 0</a:t>
+            </a:r>
+          </a:p>
+        </p:txBody>
+      </p:sp>
+      <p:sp>
+        <p:nvSpPr>
+          <p:cNvPr id="7" name="AutoShape 7"/>
+          <p:cNvSpPr>
+            <a:spLocks/>
+          </p:cNvSpPr>
+          <p:nvPr/>
+        </p:nvSpPr>
+        <p:spPr bwMode="auto">
+          <a:xfrm>
+            <a:off x="4818429" y="5209587"/>
+            <a:ext cx="2894922" cy="823085"/>
+          </a:xfrm>
+          <a:prstGeom prst="borderCallout1">
+            <a:avLst>
+              <a:gd name="adj1" fmla="val 17648"/>
+              <a:gd name="adj2" fmla="val 103333"/>
+              <a:gd name="adj3" fmla="val -26472"/>
+              <a:gd name="adj4" fmla="val 123250"/>
+            </a:avLst>
+          </a:prstGeom>
+          <a:solidFill>
+            <a:srgbClr val="2F5CB5"/>
+          </a:solidFill>
+          <a:ln w="25400">
+            <a:solidFill>
+              <a:srgbClr val="2F5CB5"/>
+            </a:solidFill>
+            <a:miter lim="800000"/>
+            <a:headEnd/>
+            <a:tailEnd type="triangle" w="med" len="med"/>
+          </a:ln>
+        </p:spPr>
+        <p:txBody>
+          <a:bodyPr/>
+          <a:lstStyle/>
+          <a:p>
+            <a:pPr algn="ctr"/>
+            <a:r>
+              <a:rPr lang="en-US" altLang="en-US" sz="2400" b="1" dirty="0">
+                <a:solidFill>
+                  <a:srgbClr val="F7B217"/>
+                </a:solidFill>
+              </a:rPr>
+              <a:t>Two representations of 0.0!</a:t>
+            </a:r>
+            <a:endParaRPr lang="en-AU" altLang="en-US" sz="2400" b="1" dirty="0">
+              <a:solidFill>
+                <a:srgbClr val="F7B217"/>
+              </a:solidFill>
+            </a:endParaRPr>
+          </a:p>
+        </p:txBody>
+      </p:sp>
+      <p:graphicFrame>
+        <p:nvGraphicFramePr>
+          <p:cNvPr id="8" name="Object 8"/>
+          <p:cNvGraphicFramePr>
+            <a:graphicFrameLocks noChangeAspect="1"/>
+          </p:cNvGraphicFramePr>
+          <p:nvPr/>
+        </p:nvGraphicFramePr>
+        <p:xfrm>
+          <a:off x="3212649" y="1769423"/>
+          <a:ext cx="6155477" cy="692790"/>
+        </p:xfrm>
+        <a:graphic>
+          <a:graphicData uri="http://schemas.openxmlformats.org/presentationml/2006/ole">
+            <p:oleObj spid="_x0000_s19458" name="Equation" r:id="rId3" imgW="2032000" imgH="228600" progId="Equation.3">
+              <p:embed/>
+            </p:oleObj>
+          </a:graphicData>
+        </a:graphic>
+      </p:graphicFrame>
+      <p:graphicFrame>
+        <p:nvGraphicFramePr>
+          <p:cNvPr id="9" name="Object 11"/>
+          <p:cNvGraphicFramePr>
+            <a:graphicFrameLocks noChangeAspect="1"/>
+          </p:cNvGraphicFramePr>
+          <p:nvPr/>
+        </p:nvGraphicFramePr>
+        <p:xfrm>
+          <a:off x="3272024" y="4227624"/>
+          <a:ext cx="6117307" cy="688589"/>
+        </p:xfrm>
+        <a:graphic>
+          <a:graphicData uri="http://schemas.openxmlformats.org/presentationml/2006/ole">
+            <p:oleObj spid="_x0000_s19459" name="Equation" r:id="rId4" imgW="2019300" imgH="228600" progId="Equation.3">
+              <p:embed/>
+            </p:oleObj>
+          </a:graphicData>
+        </a:graphic>
+      </p:graphicFrame>
+      <p:sp>
+        <p:nvSpPr>
+          <p:cNvPr id="10" name="Содержимое 1"/>
+          <p:cNvSpPr>
+            <a:spLocks noGrp="1"/>
+          </p:cNvSpPr>
+          <p:nvPr>
+            <p:ph idx="1"/>
+          </p:nvPr>
+        </p:nvSpPr>
+        <p:spPr>
+          <a:xfrm>
+            <a:off x="850075" y="2600697"/>
+            <a:ext cx="10515600" cy="1650670"/>
+          </a:xfrm>
+        </p:spPr>
+        <p:txBody>
+          <a:bodyPr>
+            <a:normAutofit lnSpcReduction="10000"/>
+          </a:bodyPr>
+          <a:lstStyle/>
+          <a:p>
+            <a:r>
+              <a:rPr lang="en-US" dirty="0" smtClean="0"/>
+              <a:t>Smaller than normal </a:t>
+            </a:r>
+            <a:r>
+              <a:rPr lang="en-US" dirty="0" smtClean="0"/>
+              <a:t>numbers</a:t>
+            </a:r>
+          </a:p>
+          <a:p>
+            <a:pPr lvl="1"/>
+            <a:r>
+              <a:rPr lang="en-US" dirty="0" smtClean="0"/>
+              <a:t>allow for gradual underflow, with diminishing </a:t>
+            </a:r>
+            <a:r>
+              <a:rPr lang="en-US" dirty="0" smtClean="0"/>
+              <a:t>precision</a:t>
+            </a:r>
+          </a:p>
+          <a:p>
+            <a:r>
+              <a:rPr lang="en-US" dirty="0" err="1" smtClean="0"/>
+              <a:t>Denormal</a:t>
+            </a:r>
+            <a:r>
+              <a:rPr lang="en-US" dirty="0" smtClean="0"/>
+              <a:t> </a:t>
+            </a:r>
+            <a:r>
+              <a:rPr lang="en-US" dirty="0" smtClean="0"/>
+              <a:t>with fraction = 000...0</a:t>
+            </a:r>
+            <a:endParaRPr lang="ru-RU" dirty="0"/>
+          </a:p>
+        </p:txBody>
+      </p:sp>
     </p:spTree>
-    <p:extLst>
-      <p:ext uri="{BB962C8B-B14F-4D97-AF65-F5344CB8AC3E}">
-        <p14:creationId xmlns="" xmlns:p14="http://schemas.microsoft.com/office/powerpoint/2010/main" val="4217875043"/>
-      </p:ext>
-    </p:extLst>
   </p:cSld>
   <p:clrMapOvr>
     <a:masterClrMapping/>
@@ -4774,6 +4547,2458 @@
       </p:par>
     </p:tnLst>
   </p:timing>
+</p:sld>
+</file>
+
+<file path=ppt/slides/slide11.xml><?xml version="1.0" encoding="utf-8"?>
+<p:sld xmlns:a="http://schemas.openxmlformats.org/drawingml/2006/main" xmlns:r="http://schemas.openxmlformats.org/officeDocument/2006/relationships" xmlns:p="http://schemas.openxmlformats.org/presentationml/2006/main">
+  <p:cSld>
+    <p:spTree>
+      <p:nvGrpSpPr>
+        <p:cNvPr id="1" name=""/>
+        <p:cNvGrpSpPr/>
+        <p:nvPr/>
+      </p:nvGrpSpPr>
+      <p:grpSpPr>
+        <a:xfrm>
+          <a:off x="0" y="0"/>
+          <a:ext cx="0" cy="0"/>
+          <a:chOff x="0" y="0"/>
+          <a:chExt cx="0" cy="0"/>
+        </a:xfrm>
+      </p:grpSpPr>
+      <p:sp>
+        <p:nvSpPr>
+          <p:cNvPr id="2" name="Содержимое 1"/>
+          <p:cNvSpPr>
+            <a:spLocks noGrp="1"/>
+          </p:cNvSpPr>
+          <p:nvPr>
+            <p:ph idx="1"/>
+          </p:nvPr>
+        </p:nvSpPr>
+        <p:spPr/>
+        <p:txBody>
+          <a:bodyPr/>
+          <a:lstStyle/>
+          <a:p>
+            <a:r>
+              <a:rPr lang="en-US" altLang="en-US" dirty="0" smtClean="0"/>
+              <a:t>Exponent = 111...1, Fraction = 000...0</a:t>
+            </a:r>
+          </a:p>
+          <a:p>
+            <a:pPr lvl="1"/>
+            <a:r>
+              <a:rPr lang="en-US" altLang="en-US" dirty="0" smtClean="0"/>
+              <a:t>±Infinity</a:t>
+            </a:r>
+          </a:p>
+          <a:p>
+            <a:pPr lvl="1"/>
+            <a:r>
+              <a:rPr lang="en-US" altLang="en-US" dirty="0" smtClean="0"/>
+              <a:t>Can be used in subsequent calculations, avoiding need for overflow check</a:t>
+            </a:r>
+          </a:p>
+          <a:p>
+            <a:r>
+              <a:rPr lang="en-US" altLang="en-US" dirty="0" smtClean="0"/>
+              <a:t>Exponent = 111...1, Fraction ≠ 000...0</a:t>
+            </a:r>
+          </a:p>
+          <a:p>
+            <a:pPr lvl="1"/>
+            <a:r>
+              <a:rPr lang="en-US" altLang="en-US" dirty="0" smtClean="0"/>
+              <a:t>Not-a-Number (</a:t>
+            </a:r>
+            <a:r>
+              <a:rPr lang="en-US" altLang="en-US" dirty="0" err="1" smtClean="0"/>
+              <a:t>NaN</a:t>
+            </a:r>
+            <a:r>
+              <a:rPr lang="en-US" altLang="en-US" dirty="0" smtClean="0"/>
+              <a:t>)</a:t>
+            </a:r>
+          </a:p>
+          <a:p>
+            <a:pPr lvl="1"/>
+            <a:r>
+              <a:rPr lang="en-US" altLang="en-US" dirty="0" smtClean="0"/>
+              <a:t>Indicates illegal or undefined result</a:t>
+            </a:r>
+          </a:p>
+          <a:p>
+            <a:pPr lvl="2"/>
+            <a:r>
+              <a:rPr lang="en-US" altLang="en-US" dirty="0" smtClean="0"/>
+              <a:t>e.g., 0.0 / 0.0</a:t>
+            </a:r>
+          </a:p>
+          <a:p>
+            <a:pPr lvl="1"/>
+            <a:r>
+              <a:rPr lang="en-US" altLang="en-US" dirty="0" smtClean="0"/>
+              <a:t>Can be used in subsequent calculations</a:t>
+            </a:r>
+          </a:p>
+          <a:p>
+            <a:endParaRPr lang="ru-RU" dirty="0"/>
+          </a:p>
+        </p:txBody>
+      </p:sp>
+      <p:sp>
+        <p:nvSpPr>
+          <p:cNvPr id="3" name="Номер слайда 2"/>
+          <p:cNvSpPr>
+            <a:spLocks noGrp="1"/>
+          </p:cNvSpPr>
+          <p:nvPr>
+            <p:ph type="sldNum" sz="quarter" idx="12"/>
+          </p:nvPr>
+        </p:nvSpPr>
+        <p:spPr/>
+        <p:txBody>
+          <a:bodyPr/>
+          <a:lstStyle/>
+          <a:p>
+            <a:pPr algn="ctr"/>
+            <a:fld id="{1397BFD8-F312-4EF2-A268-44FB4BDDBBB0}" type="slidenum">
+              <a:rPr lang="ru-RU" smtClean="0"/>
+              <a:pPr algn="ctr"/>
+              <a:t>11</a:t>
+            </a:fld>
+            <a:endParaRPr lang="ru-RU" dirty="0"/>
+          </a:p>
+        </p:txBody>
+      </p:sp>
+      <p:sp>
+        <p:nvSpPr>
+          <p:cNvPr id="4" name="Заголовок 3"/>
+          <p:cNvSpPr>
+            <a:spLocks noGrp="1"/>
+          </p:cNvSpPr>
+          <p:nvPr>
+            <p:ph type="title"/>
+          </p:nvPr>
+        </p:nvSpPr>
+        <p:spPr/>
+        <p:txBody>
+          <a:bodyPr/>
+          <a:lstStyle/>
+          <a:p>
+            <a:r>
+              <a:rPr lang="en-US" dirty="0" smtClean="0"/>
+              <a:t>Infinities and </a:t>
+            </a:r>
+            <a:r>
+              <a:rPr lang="en-US" dirty="0" err="1" smtClean="0"/>
+              <a:t>NaNs</a:t>
+            </a:r>
+            <a:endParaRPr lang="ru-RU" dirty="0"/>
+          </a:p>
+        </p:txBody>
+      </p:sp>
+    </p:spTree>
+  </p:cSld>
+  <p:clrMapOvr>
+    <a:masterClrMapping/>
+  </p:clrMapOvr>
+  <p:timing>
+    <p:tnLst>
+      <p:par>
+        <p:cTn id="1" dur="indefinite" restart="never" nodeType="tmRoot"/>
+      </p:par>
+    </p:tnLst>
+  </p:timing>
+</p:sld>
+</file>
+
+<file path=ppt/slides/slide12.xml><?xml version="1.0" encoding="utf-8"?>
+<p:sld xmlns:a="http://schemas.openxmlformats.org/drawingml/2006/main" xmlns:r="http://schemas.openxmlformats.org/officeDocument/2006/relationships" xmlns:p="http://schemas.openxmlformats.org/presentationml/2006/main">
+  <p:cSld>
+    <p:spTree>
+      <p:nvGrpSpPr>
+        <p:cNvPr id="1" name=""/>
+        <p:cNvGrpSpPr/>
+        <p:nvPr/>
+      </p:nvGrpSpPr>
+      <p:grpSpPr>
+        <a:xfrm>
+          <a:off x="0" y="0"/>
+          <a:ext cx="0" cy="0"/>
+          <a:chOff x="0" y="0"/>
+          <a:chExt cx="0" cy="0"/>
+        </a:xfrm>
+      </p:grpSpPr>
+      <p:sp>
+        <p:nvSpPr>
+          <p:cNvPr id="2" name="Содержимое 1"/>
+          <p:cNvSpPr>
+            <a:spLocks noGrp="1"/>
+          </p:cNvSpPr>
+          <p:nvPr>
+            <p:ph idx="1"/>
+          </p:nvPr>
+        </p:nvSpPr>
+        <p:spPr/>
+        <p:txBody>
+          <a:bodyPr>
+            <a:normAutofit lnSpcReduction="10000"/>
+          </a:bodyPr>
+          <a:lstStyle/>
+          <a:p>
+            <a:r>
+              <a:rPr lang="en-US" altLang="en-US" dirty="0" smtClean="0"/>
+              <a:t>Consider a 4-digit decimal example</a:t>
+            </a:r>
+          </a:p>
+          <a:p>
+            <a:pPr lvl="1"/>
+            <a:r>
+              <a:rPr lang="en-US" altLang="en-US" sz="2400" dirty="0" smtClean="0"/>
+              <a:t>9.999 × 10</a:t>
+            </a:r>
+            <a:r>
+              <a:rPr lang="en-US" altLang="en-US" sz="2400" baseline="30000" dirty="0" smtClean="0"/>
+              <a:t>1</a:t>
+            </a:r>
+            <a:r>
+              <a:rPr lang="en-US" altLang="en-US" sz="2400" dirty="0" smtClean="0"/>
+              <a:t> + 1.610 × 10</a:t>
+            </a:r>
+            <a:r>
+              <a:rPr lang="en-US" altLang="en-US" sz="2400" baseline="30000" dirty="0" smtClean="0"/>
+              <a:t>–1</a:t>
+            </a:r>
+          </a:p>
+          <a:p>
+            <a:r>
+              <a:rPr lang="en-US" altLang="en-US" dirty="0" smtClean="0"/>
+              <a:t>1. Align decimal points</a:t>
+            </a:r>
+          </a:p>
+          <a:p>
+            <a:pPr lvl="1"/>
+            <a:r>
+              <a:rPr lang="en-US" altLang="en-US" sz="2400" dirty="0" smtClean="0"/>
+              <a:t>Shift number with smaller exponent</a:t>
+            </a:r>
+          </a:p>
+          <a:p>
+            <a:pPr lvl="1"/>
+            <a:r>
+              <a:rPr lang="en-US" altLang="en-US" sz="2400" dirty="0" smtClean="0"/>
+              <a:t>9.999 × 10</a:t>
+            </a:r>
+            <a:r>
+              <a:rPr lang="en-US" altLang="en-US" sz="2400" baseline="30000" dirty="0" smtClean="0"/>
+              <a:t>1</a:t>
+            </a:r>
+            <a:r>
+              <a:rPr lang="en-US" altLang="en-US" sz="2400" dirty="0" smtClean="0"/>
+              <a:t> + 0.016 × 10</a:t>
+            </a:r>
+            <a:r>
+              <a:rPr lang="en-US" altLang="en-US" sz="2400" baseline="30000" dirty="0" smtClean="0"/>
+              <a:t>1</a:t>
+            </a:r>
+          </a:p>
+          <a:p>
+            <a:r>
+              <a:rPr lang="en-US" altLang="en-US" dirty="0" smtClean="0"/>
+              <a:t>2. Add </a:t>
+            </a:r>
+            <a:r>
+              <a:rPr lang="en-US" altLang="en-US" dirty="0" err="1" smtClean="0"/>
+              <a:t>significands</a:t>
+            </a:r>
+            <a:endParaRPr lang="en-US" altLang="en-US" dirty="0" smtClean="0"/>
+          </a:p>
+          <a:p>
+            <a:pPr lvl="1"/>
+            <a:r>
+              <a:rPr lang="en-US" altLang="en-US" sz="2400" dirty="0" smtClean="0"/>
+              <a:t>9.999 × 10</a:t>
+            </a:r>
+            <a:r>
+              <a:rPr lang="en-US" altLang="en-US" sz="2400" baseline="30000" dirty="0" smtClean="0"/>
+              <a:t>1</a:t>
+            </a:r>
+            <a:r>
+              <a:rPr lang="en-US" altLang="en-US" sz="2400" dirty="0" smtClean="0"/>
+              <a:t> + 0.016 × 10</a:t>
+            </a:r>
+            <a:r>
+              <a:rPr lang="en-US" altLang="en-US" sz="2400" baseline="30000" dirty="0" smtClean="0"/>
+              <a:t>1</a:t>
+            </a:r>
+            <a:r>
+              <a:rPr lang="en-US" altLang="en-US" sz="2400" dirty="0" smtClean="0"/>
+              <a:t> = 10.015 × 10</a:t>
+            </a:r>
+            <a:r>
+              <a:rPr lang="en-US" altLang="en-US" sz="2400" baseline="30000" dirty="0" smtClean="0"/>
+              <a:t>1</a:t>
+            </a:r>
+          </a:p>
+          <a:p>
+            <a:r>
+              <a:rPr lang="en-US" altLang="en-US" dirty="0" smtClean="0"/>
+              <a:t>3. Normalize result &amp; check for over/underflow</a:t>
+            </a:r>
+          </a:p>
+          <a:p>
+            <a:pPr lvl="1"/>
+            <a:r>
+              <a:rPr lang="en-US" altLang="en-US" sz="2400" dirty="0" smtClean="0"/>
+              <a:t>1.0015 × 10</a:t>
+            </a:r>
+            <a:r>
+              <a:rPr lang="en-US" altLang="en-US" sz="2400" baseline="30000" dirty="0" smtClean="0"/>
+              <a:t>2</a:t>
+            </a:r>
+          </a:p>
+          <a:p>
+            <a:r>
+              <a:rPr lang="en-US" altLang="en-US" dirty="0" smtClean="0"/>
+              <a:t>4. Round and renormalize if necessary</a:t>
+            </a:r>
+          </a:p>
+          <a:p>
+            <a:pPr lvl="1"/>
+            <a:r>
+              <a:rPr lang="en-US" altLang="en-US" sz="2400" dirty="0" smtClean="0"/>
+              <a:t>1.002 × 10</a:t>
+            </a:r>
+            <a:r>
+              <a:rPr lang="en-US" altLang="en-US" sz="2400" baseline="30000" dirty="0" smtClean="0"/>
+              <a:t>2</a:t>
+            </a:r>
+          </a:p>
+          <a:p>
+            <a:endParaRPr lang="ru-RU" dirty="0"/>
+          </a:p>
+        </p:txBody>
+      </p:sp>
+      <p:sp>
+        <p:nvSpPr>
+          <p:cNvPr id="3" name="Номер слайда 2"/>
+          <p:cNvSpPr>
+            <a:spLocks noGrp="1"/>
+          </p:cNvSpPr>
+          <p:nvPr>
+            <p:ph type="sldNum" sz="quarter" idx="12"/>
+          </p:nvPr>
+        </p:nvSpPr>
+        <p:spPr/>
+        <p:txBody>
+          <a:bodyPr/>
+          <a:lstStyle/>
+          <a:p>
+            <a:pPr algn="ctr"/>
+            <a:fld id="{1397BFD8-F312-4EF2-A268-44FB4BDDBBB0}" type="slidenum">
+              <a:rPr lang="ru-RU" smtClean="0"/>
+              <a:pPr algn="ctr"/>
+              <a:t>12</a:t>
+            </a:fld>
+            <a:endParaRPr lang="ru-RU" dirty="0"/>
+          </a:p>
+        </p:txBody>
+      </p:sp>
+      <p:sp>
+        <p:nvSpPr>
+          <p:cNvPr id="4" name="Заголовок 3"/>
+          <p:cNvSpPr>
+            <a:spLocks noGrp="1"/>
+          </p:cNvSpPr>
+          <p:nvPr>
+            <p:ph type="title"/>
+          </p:nvPr>
+        </p:nvSpPr>
+        <p:spPr/>
+        <p:txBody>
+          <a:bodyPr/>
+          <a:lstStyle/>
+          <a:p>
+            <a:r>
+              <a:rPr lang="en-US" dirty="0" smtClean="0"/>
+              <a:t>Floating-Point Addition</a:t>
+            </a:r>
+            <a:endParaRPr lang="ru-RU" dirty="0"/>
+          </a:p>
+        </p:txBody>
+      </p:sp>
+    </p:spTree>
+  </p:cSld>
+  <p:clrMapOvr>
+    <a:masterClrMapping/>
+  </p:clrMapOvr>
+  <p:timing>
+    <p:tnLst>
+      <p:par>
+        <p:cTn id="1" dur="indefinite" restart="never" nodeType="tmRoot"/>
+      </p:par>
+    </p:tnLst>
+  </p:timing>
+</p:sld>
+</file>
+
+<file path=ppt/slides/slide13.xml><?xml version="1.0" encoding="utf-8"?>
+<p:sld xmlns:a="http://schemas.openxmlformats.org/drawingml/2006/main" xmlns:r="http://schemas.openxmlformats.org/officeDocument/2006/relationships" xmlns:p="http://schemas.openxmlformats.org/presentationml/2006/main">
+  <p:cSld>
+    <p:spTree>
+      <p:nvGrpSpPr>
+        <p:cNvPr id="1" name=""/>
+        <p:cNvGrpSpPr/>
+        <p:nvPr/>
+      </p:nvGrpSpPr>
+      <p:grpSpPr>
+        <a:xfrm>
+          <a:off x="0" y="0"/>
+          <a:ext cx="0" cy="0"/>
+          <a:chOff x="0" y="0"/>
+          <a:chExt cx="0" cy="0"/>
+        </a:xfrm>
+      </p:grpSpPr>
+      <p:sp>
+        <p:nvSpPr>
+          <p:cNvPr id="2" name="Содержимое 1"/>
+          <p:cNvSpPr>
+            <a:spLocks noGrp="1"/>
+          </p:cNvSpPr>
+          <p:nvPr>
+            <p:ph idx="1"/>
+          </p:nvPr>
+        </p:nvSpPr>
+        <p:spPr/>
+        <p:txBody>
+          <a:bodyPr>
+            <a:normAutofit lnSpcReduction="10000"/>
+          </a:bodyPr>
+          <a:lstStyle/>
+          <a:p>
+            <a:r>
+              <a:rPr lang="en-US" altLang="en-US" dirty="0" smtClean="0"/>
+              <a:t>Now consider a 4-digit binary example</a:t>
+            </a:r>
+          </a:p>
+          <a:p>
+            <a:pPr lvl="1"/>
+            <a:r>
+              <a:rPr lang="en-US" altLang="en-US" sz="2400" dirty="0" smtClean="0"/>
+              <a:t>1.000</a:t>
+            </a:r>
+            <a:r>
+              <a:rPr lang="en-US" altLang="en-US" sz="2400" baseline="-25000" dirty="0" smtClean="0"/>
+              <a:t>2</a:t>
+            </a:r>
+            <a:r>
+              <a:rPr lang="en-US" altLang="en-US" sz="2400" dirty="0" smtClean="0"/>
+              <a:t> × 2</a:t>
+            </a:r>
+            <a:r>
+              <a:rPr lang="en-US" altLang="en-US" sz="2400" baseline="30000" dirty="0" smtClean="0"/>
+              <a:t>–1</a:t>
+            </a:r>
+            <a:r>
+              <a:rPr lang="en-US" altLang="en-US" sz="2400" dirty="0" smtClean="0"/>
+              <a:t> + –1.110</a:t>
+            </a:r>
+            <a:r>
+              <a:rPr lang="en-US" altLang="en-US" sz="2400" baseline="-25000" dirty="0" smtClean="0"/>
+              <a:t>2</a:t>
+            </a:r>
+            <a:r>
+              <a:rPr lang="en-US" altLang="en-US" sz="2400" dirty="0" smtClean="0"/>
+              <a:t> × 2</a:t>
+            </a:r>
+            <a:r>
+              <a:rPr lang="en-US" altLang="en-US" sz="2400" baseline="30000" dirty="0" smtClean="0"/>
+              <a:t>–2</a:t>
+            </a:r>
+            <a:r>
+              <a:rPr lang="en-US" altLang="en-US" sz="2400" dirty="0" smtClean="0"/>
+              <a:t> (0.5 + –0.4375)</a:t>
+            </a:r>
+          </a:p>
+          <a:p>
+            <a:r>
+              <a:rPr lang="en-US" altLang="en-US" dirty="0" smtClean="0"/>
+              <a:t>1. Align binary points</a:t>
+            </a:r>
+          </a:p>
+          <a:p>
+            <a:pPr lvl="1"/>
+            <a:r>
+              <a:rPr lang="en-US" altLang="en-US" sz="2400" dirty="0" smtClean="0"/>
+              <a:t>Shift number with smaller exponent</a:t>
+            </a:r>
+          </a:p>
+          <a:p>
+            <a:pPr lvl="1"/>
+            <a:r>
+              <a:rPr lang="en-US" altLang="en-US" sz="2400" dirty="0" smtClean="0"/>
+              <a:t>1.000</a:t>
+            </a:r>
+            <a:r>
+              <a:rPr lang="en-US" altLang="en-US" sz="2400" baseline="-25000" dirty="0" smtClean="0"/>
+              <a:t>2</a:t>
+            </a:r>
+            <a:r>
+              <a:rPr lang="en-US" altLang="en-US" sz="2400" dirty="0" smtClean="0"/>
+              <a:t> × 2</a:t>
+            </a:r>
+            <a:r>
+              <a:rPr lang="en-US" altLang="en-US" sz="2400" baseline="30000" dirty="0" smtClean="0"/>
+              <a:t>–1</a:t>
+            </a:r>
+            <a:r>
+              <a:rPr lang="en-US" altLang="en-US" sz="2400" dirty="0" smtClean="0"/>
+              <a:t> + –0.111</a:t>
+            </a:r>
+            <a:r>
+              <a:rPr lang="en-US" altLang="en-US" sz="2400" baseline="-25000" dirty="0" smtClean="0"/>
+              <a:t>2</a:t>
+            </a:r>
+            <a:r>
+              <a:rPr lang="en-US" altLang="en-US" sz="2400" dirty="0" smtClean="0"/>
+              <a:t> × 2</a:t>
+            </a:r>
+            <a:r>
+              <a:rPr lang="en-US" altLang="en-US" sz="2400" baseline="30000" dirty="0" smtClean="0"/>
+              <a:t>–1</a:t>
+            </a:r>
+          </a:p>
+          <a:p>
+            <a:r>
+              <a:rPr lang="en-US" altLang="en-US" dirty="0" smtClean="0"/>
+              <a:t>2. Add </a:t>
+            </a:r>
+            <a:r>
+              <a:rPr lang="en-US" altLang="en-US" dirty="0" err="1" smtClean="0"/>
+              <a:t>significands</a:t>
+            </a:r>
+            <a:endParaRPr lang="en-US" altLang="en-US" dirty="0" smtClean="0"/>
+          </a:p>
+          <a:p>
+            <a:pPr lvl="1"/>
+            <a:r>
+              <a:rPr lang="en-US" altLang="en-US" sz="2400" dirty="0" smtClean="0"/>
+              <a:t>1.000</a:t>
+            </a:r>
+            <a:r>
+              <a:rPr lang="en-US" altLang="en-US" sz="2400" baseline="-25000" dirty="0" smtClean="0"/>
+              <a:t>2</a:t>
+            </a:r>
+            <a:r>
+              <a:rPr lang="en-US" altLang="en-US" sz="2400" dirty="0" smtClean="0"/>
+              <a:t> × 2</a:t>
+            </a:r>
+            <a:r>
+              <a:rPr lang="en-US" altLang="en-US" sz="2400" baseline="30000" dirty="0" smtClean="0"/>
+              <a:t>–1</a:t>
+            </a:r>
+            <a:r>
+              <a:rPr lang="en-US" altLang="en-US" sz="2400" dirty="0" smtClean="0"/>
+              <a:t> + –0.111</a:t>
+            </a:r>
+            <a:r>
+              <a:rPr lang="en-US" altLang="en-US" sz="2400" baseline="-25000" dirty="0" smtClean="0"/>
+              <a:t>2</a:t>
+            </a:r>
+            <a:r>
+              <a:rPr lang="en-US" altLang="en-US" sz="2400" dirty="0" smtClean="0"/>
+              <a:t> × </a:t>
+            </a:r>
+            <a:r>
+              <a:rPr lang="en-US" altLang="en-US" sz="2400" dirty="0" smtClean="0"/>
+              <a:t>2</a:t>
+            </a:r>
+            <a:r>
+              <a:rPr lang="en-US" altLang="en-US" sz="2400" baseline="30000" dirty="0" smtClean="0"/>
+              <a:t>–1</a:t>
+            </a:r>
+            <a:r>
+              <a:rPr lang="en-US" altLang="en-US" sz="2400" dirty="0" smtClean="0"/>
+              <a:t> </a:t>
+            </a:r>
+            <a:r>
+              <a:rPr lang="en-US" altLang="en-US" sz="2400" dirty="0" smtClean="0"/>
+              <a:t>= 0.001</a:t>
+            </a:r>
+            <a:r>
+              <a:rPr lang="en-US" altLang="en-US" sz="2400" baseline="-25000" dirty="0" smtClean="0"/>
+              <a:t>2</a:t>
+            </a:r>
+            <a:r>
+              <a:rPr lang="en-US" altLang="en-US" sz="2400" dirty="0" smtClean="0"/>
+              <a:t> × 2</a:t>
+            </a:r>
+            <a:r>
+              <a:rPr lang="en-US" altLang="en-US" sz="2400" baseline="30000" dirty="0" smtClean="0"/>
+              <a:t>–1</a:t>
+            </a:r>
+          </a:p>
+          <a:p>
+            <a:r>
+              <a:rPr lang="en-US" altLang="en-US" dirty="0" smtClean="0"/>
+              <a:t>3. Normalize result &amp; check for over/underflow</a:t>
+            </a:r>
+          </a:p>
+          <a:p>
+            <a:pPr lvl="1"/>
+            <a:r>
+              <a:rPr lang="en-US" altLang="en-US" sz="2400" dirty="0" smtClean="0"/>
+              <a:t>1.000</a:t>
+            </a:r>
+            <a:r>
+              <a:rPr lang="en-US" altLang="en-US" sz="2400" baseline="-25000" dirty="0" smtClean="0"/>
+              <a:t>2</a:t>
+            </a:r>
+            <a:r>
+              <a:rPr lang="en-US" altLang="en-US" sz="2400" dirty="0" smtClean="0"/>
+              <a:t> × 2</a:t>
+            </a:r>
+            <a:r>
+              <a:rPr lang="en-US" altLang="en-US" sz="2400" baseline="30000" dirty="0" smtClean="0"/>
+              <a:t>–4</a:t>
+            </a:r>
+            <a:r>
+              <a:rPr lang="en-US" altLang="en-US" sz="2400" dirty="0" smtClean="0"/>
+              <a:t>, with no over/underflow</a:t>
+            </a:r>
+          </a:p>
+          <a:p>
+            <a:r>
+              <a:rPr lang="en-US" altLang="en-US" dirty="0" smtClean="0"/>
+              <a:t>4. Round and renormalize if necessary</a:t>
+            </a:r>
+          </a:p>
+          <a:p>
+            <a:pPr lvl="1"/>
+            <a:r>
+              <a:rPr lang="en-US" altLang="en-US" sz="2400" dirty="0" smtClean="0"/>
+              <a:t>1.000</a:t>
+            </a:r>
+            <a:r>
+              <a:rPr lang="en-US" altLang="en-US" sz="2400" baseline="-25000" dirty="0" smtClean="0"/>
+              <a:t>2</a:t>
+            </a:r>
+            <a:r>
+              <a:rPr lang="en-US" altLang="en-US" sz="2400" dirty="0" smtClean="0"/>
+              <a:t> × 2</a:t>
+            </a:r>
+            <a:r>
+              <a:rPr lang="en-US" altLang="en-US" sz="2400" baseline="30000" dirty="0" smtClean="0"/>
+              <a:t>–4</a:t>
+            </a:r>
+            <a:r>
+              <a:rPr lang="en-US" altLang="en-US" sz="2400" dirty="0" smtClean="0"/>
+              <a:t> (no change)  = 0.0625</a:t>
+            </a:r>
+          </a:p>
+          <a:p>
+            <a:endParaRPr lang="ru-RU" dirty="0"/>
+          </a:p>
+        </p:txBody>
+      </p:sp>
+      <p:sp>
+        <p:nvSpPr>
+          <p:cNvPr id="3" name="Номер слайда 2"/>
+          <p:cNvSpPr>
+            <a:spLocks noGrp="1"/>
+          </p:cNvSpPr>
+          <p:nvPr>
+            <p:ph type="sldNum" sz="quarter" idx="12"/>
+          </p:nvPr>
+        </p:nvSpPr>
+        <p:spPr/>
+        <p:txBody>
+          <a:bodyPr/>
+          <a:lstStyle/>
+          <a:p>
+            <a:pPr algn="ctr"/>
+            <a:fld id="{1397BFD8-F312-4EF2-A268-44FB4BDDBBB0}" type="slidenum">
+              <a:rPr lang="ru-RU" smtClean="0"/>
+              <a:pPr algn="ctr"/>
+              <a:t>13</a:t>
+            </a:fld>
+            <a:endParaRPr lang="ru-RU" dirty="0"/>
+          </a:p>
+        </p:txBody>
+      </p:sp>
+      <p:sp>
+        <p:nvSpPr>
+          <p:cNvPr id="4" name="Заголовок 3"/>
+          <p:cNvSpPr>
+            <a:spLocks noGrp="1"/>
+          </p:cNvSpPr>
+          <p:nvPr>
+            <p:ph type="title"/>
+          </p:nvPr>
+        </p:nvSpPr>
+        <p:spPr/>
+        <p:txBody>
+          <a:bodyPr/>
+          <a:lstStyle/>
+          <a:p>
+            <a:r>
+              <a:rPr lang="en-US" dirty="0" smtClean="0"/>
+              <a:t>Floating-Point Addition</a:t>
+            </a:r>
+            <a:endParaRPr lang="ru-RU" dirty="0"/>
+          </a:p>
+        </p:txBody>
+      </p:sp>
+    </p:spTree>
+  </p:cSld>
+  <p:clrMapOvr>
+    <a:masterClrMapping/>
+  </p:clrMapOvr>
+  <p:timing>
+    <p:tnLst>
+      <p:par>
+        <p:cTn id="1" dur="indefinite" restart="never" nodeType="tmRoot"/>
+      </p:par>
+    </p:tnLst>
+  </p:timing>
+</p:sld>
+</file>
+
+<file path=ppt/slides/slide14.xml><?xml version="1.0" encoding="utf-8"?>
+<p:sld xmlns:a="http://schemas.openxmlformats.org/drawingml/2006/main" xmlns:r="http://schemas.openxmlformats.org/officeDocument/2006/relationships" xmlns:p="http://schemas.openxmlformats.org/presentationml/2006/main">
+  <p:cSld>
+    <p:spTree>
+      <p:nvGrpSpPr>
+        <p:cNvPr id="1" name=""/>
+        <p:cNvGrpSpPr/>
+        <p:nvPr/>
+      </p:nvGrpSpPr>
+      <p:grpSpPr>
+        <a:xfrm>
+          <a:off x="0" y="0"/>
+          <a:ext cx="0" cy="0"/>
+          <a:chOff x="0" y="0"/>
+          <a:chExt cx="0" cy="0"/>
+        </a:xfrm>
+      </p:grpSpPr>
+      <p:sp>
+        <p:nvSpPr>
+          <p:cNvPr id="2" name="Содержимое 1"/>
+          <p:cNvSpPr>
+            <a:spLocks noGrp="1"/>
+          </p:cNvSpPr>
+          <p:nvPr>
+            <p:ph idx="1"/>
+          </p:nvPr>
+        </p:nvSpPr>
+        <p:spPr/>
+        <p:txBody>
+          <a:bodyPr/>
+          <a:lstStyle/>
+          <a:p>
+            <a:r>
+              <a:rPr lang="en-US" altLang="en-US" dirty="0" smtClean="0"/>
+              <a:t>Much more complex than integer adder</a:t>
+            </a:r>
+          </a:p>
+          <a:p>
+            <a:r>
+              <a:rPr lang="en-US" altLang="en-US" dirty="0" smtClean="0"/>
+              <a:t>Doing it in one clock cycle would take too long</a:t>
+            </a:r>
+          </a:p>
+          <a:p>
+            <a:pPr lvl="1"/>
+            <a:r>
+              <a:rPr lang="en-US" altLang="en-US" dirty="0" smtClean="0"/>
+              <a:t>Much longer than integer operations</a:t>
+            </a:r>
+          </a:p>
+          <a:p>
+            <a:pPr lvl="1"/>
+            <a:r>
+              <a:rPr lang="en-US" altLang="en-US" dirty="0" smtClean="0"/>
+              <a:t>Slower clock would penalize all instructions</a:t>
+            </a:r>
+          </a:p>
+          <a:p>
+            <a:r>
+              <a:rPr lang="en-US" altLang="en-US" dirty="0" smtClean="0"/>
+              <a:t>FP adder usually takes several cycles</a:t>
+            </a:r>
+          </a:p>
+          <a:p>
+            <a:pPr lvl="1"/>
+            <a:r>
+              <a:rPr lang="en-US" altLang="en-US" dirty="0" smtClean="0"/>
+              <a:t>Can be pipelined</a:t>
+            </a:r>
+            <a:endParaRPr lang="en-AU" altLang="en-US" dirty="0" smtClean="0"/>
+          </a:p>
+          <a:p>
+            <a:endParaRPr lang="ru-RU" dirty="0"/>
+          </a:p>
+        </p:txBody>
+      </p:sp>
+      <p:sp>
+        <p:nvSpPr>
+          <p:cNvPr id="3" name="Номер слайда 2"/>
+          <p:cNvSpPr>
+            <a:spLocks noGrp="1"/>
+          </p:cNvSpPr>
+          <p:nvPr>
+            <p:ph type="sldNum" sz="quarter" idx="12"/>
+          </p:nvPr>
+        </p:nvSpPr>
+        <p:spPr/>
+        <p:txBody>
+          <a:bodyPr/>
+          <a:lstStyle/>
+          <a:p>
+            <a:pPr algn="ctr"/>
+            <a:fld id="{1397BFD8-F312-4EF2-A268-44FB4BDDBBB0}" type="slidenum">
+              <a:rPr lang="ru-RU" smtClean="0"/>
+              <a:pPr algn="ctr"/>
+              <a:t>14</a:t>
+            </a:fld>
+            <a:endParaRPr lang="ru-RU" dirty="0"/>
+          </a:p>
+        </p:txBody>
+      </p:sp>
+      <p:sp>
+        <p:nvSpPr>
+          <p:cNvPr id="4" name="Заголовок 3"/>
+          <p:cNvSpPr>
+            <a:spLocks noGrp="1"/>
+          </p:cNvSpPr>
+          <p:nvPr>
+            <p:ph type="title"/>
+          </p:nvPr>
+        </p:nvSpPr>
+        <p:spPr/>
+        <p:txBody>
+          <a:bodyPr/>
+          <a:lstStyle/>
+          <a:p>
+            <a:r>
+              <a:rPr lang="en-US" dirty="0" smtClean="0"/>
+              <a:t>FP Adder Hardware</a:t>
+            </a:r>
+            <a:endParaRPr lang="ru-RU" dirty="0"/>
+          </a:p>
+        </p:txBody>
+      </p:sp>
+    </p:spTree>
+  </p:cSld>
+  <p:clrMapOvr>
+    <a:masterClrMapping/>
+  </p:clrMapOvr>
+  <p:timing>
+    <p:tnLst>
+      <p:par>
+        <p:cTn id="1" dur="indefinite" restart="never" nodeType="tmRoot"/>
+      </p:par>
+    </p:tnLst>
+  </p:timing>
+</p:sld>
+</file>
+
+<file path=ppt/slides/slide15.xml><?xml version="1.0" encoding="utf-8"?>
+<p:sld xmlns:a="http://schemas.openxmlformats.org/drawingml/2006/main" xmlns:r="http://schemas.openxmlformats.org/officeDocument/2006/relationships" xmlns:p="http://schemas.openxmlformats.org/presentationml/2006/main">
+  <p:cSld>
+    <p:spTree>
+      <p:nvGrpSpPr>
+        <p:cNvPr id="1" name=""/>
+        <p:cNvGrpSpPr/>
+        <p:nvPr/>
+      </p:nvGrpSpPr>
+      <p:grpSpPr>
+        <a:xfrm>
+          <a:off x="0" y="0"/>
+          <a:ext cx="0" cy="0"/>
+          <a:chOff x="0" y="0"/>
+          <a:chExt cx="0" cy="0"/>
+        </a:xfrm>
+      </p:grpSpPr>
+      <p:sp>
+        <p:nvSpPr>
+          <p:cNvPr id="3" name="Номер слайда 2"/>
+          <p:cNvSpPr>
+            <a:spLocks noGrp="1"/>
+          </p:cNvSpPr>
+          <p:nvPr>
+            <p:ph type="sldNum" sz="quarter" idx="12"/>
+          </p:nvPr>
+        </p:nvSpPr>
+        <p:spPr/>
+        <p:txBody>
+          <a:bodyPr/>
+          <a:lstStyle/>
+          <a:p>
+            <a:pPr algn="ctr"/>
+            <a:fld id="{1397BFD8-F312-4EF2-A268-44FB4BDDBBB0}" type="slidenum">
+              <a:rPr lang="ru-RU" smtClean="0"/>
+              <a:pPr algn="ctr"/>
+              <a:t>15</a:t>
+            </a:fld>
+            <a:endParaRPr lang="ru-RU" dirty="0"/>
+          </a:p>
+        </p:txBody>
+      </p:sp>
+      <p:sp>
+        <p:nvSpPr>
+          <p:cNvPr id="4" name="Заголовок 3"/>
+          <p:cNvSpPr>
+            <a:spLocks noGrp="1"/>
+          </p:cNvSpPr>
+          <p:nvPr>
+            <p:ph type="title"/>
+          </p:nvPr>
+        </p:nvSpPr>
+        <p:spPr/>
+        <p:txBody>
+          <a:bodyPr/>
+          <a:lstStyle/>
+          <a:p>
+            <a:r>
+              <a:rPr lang="en-US" dirty="0" smtClean="0"/>
+              <a:t>FP Adder Hardware</a:t>
+            </a:r>
+            <a:endParaRPr lang="ru-RU" dirty="0"/>
+          </a:p>
+        </p:txBody>
+      </p:sp>
+      <p:pic>
+        <p:nvPicPr>
+          <p:cNvPr id="5" name="Picture 14" descr="f03-16-P374493"/>
+          <p:cNvPicPr>
+            <a:picLocks noChangeAspect="1" noChangeArrowheads="1"/>
+          </p:cNvPicPr>
+          <p:nvPr/>
+        </p:nvPicPr>
+        <p:blipFill>
+          <a:blip r:embed="rId2" cstate="print"/>
+          <a:srcRect/>
+          <a:stretch>
+            <a:fillRect/>
+          </a:stretch>
+        </p:blipFill>
+        <p:spPr bwMode="auto">
+          <a:xfrm>
+            <a:off x="3146686" y="1232787"/>
+            <a:ext cx="5214937" cy="5051425"/>
+          </a:xfrm>
+          <a:prstGeom prst="rect">
+            <a:avLst/>
+          </a:prstGeom>
+          <a:noFill/>
+          <a:ln w="9525">
+            <a:noFill/>
+            <a:miter lim="800000"/>
+            <a:headEnd/>
+            <a:tailEnd/>
+          </a:ln>
+        </p:spPr>
+      </p:pic>
+      <p:sp>
+        <p:nvSpPr>
+          <p:cNvPr id="6" name="AutoShape 4"/>
+          <p:cNvSpPr>
+            <a:spLocks/>
+          </p:cNvSpPr>
+          <p:nvPr/>
+        </p:nvSpPr>
+        <p:spPr bwMode="auto">
+          <a:xfrm>
+            <a:off x="8618798" y="1809049"/>
+            <a:ext cx="144463" cy="1800225"/>
+          </a:xfrm>
+          <a:prstGeom prst="rightBrace">
+            <a:avLst>
+              <a:gd name="adj1" fmla="val 103846"/>
+              <a:gd name="adj2" fmla="val 50000"/>
+            </a:avLst>
+          </a:prstGeom>
+          <a:noFill/>
+          <a:ln w="25400">
+            <a:solidFill>
+              <a:srgbClr val="2F5CB5"/>
+            </a:solidFill>
+            <a:round/>
+            <a:headEnd/>
+            <a:tailEnd/>
+          </a:ln>
+        </p:spPr>
+        <p:txBody>
+          <a:bodyPr wrap="none" anchor="ctr"/>
+          <a:lstStyle/>
+          <a:p>
+            <a:endParaRPr lang="en-US" altLang="en-US"/>
+          </a:p>
+        </p:txBody>
+      </p:sp>
+      <p:sp>
+        <p:nvSpPr>
+          <p:cNvPr id="7" name="AutoShape 5"/>
+          <p:cNvSpPr>
+            <a:spLocks/>
+          </p:cNvSpPr>
+          <p:nvPr/>
+        </p:nvSpPr>
+        <p:spPr bwMode="auto">
+          <a:xfrm>
+            <a:off x="8618798" y="3680712"/>
+            <a:ext cx="144463" cy="792162"/>
+          </a:xfrm>
+          <a:prstGeom prst="rightBrace">
+            <a:avLst>
+              <a:gd name="adj1" fmla="val 45696"/>
+              <a:gd name="adj2" fmla="val 50000"/>
+            </a:avLst>
+          </a:prstGeom>
+          <a:noFill/>
+          <a:ln w="25400">
+            <a:solidFill>
+              <a:srgbClr val="2F5CB5"/>
+            </a:solidFill>
+            <a:round/>
+            <a:headEnd/>
+            <a:tailEnd/>
+          </a:ln>
+        </p:spPr>
+        <p:txBody>
+          <a:bodyPr wrap="none" anchor="ctr"/>
+          <a:lstStyle/>
+          <a:p>
+            <a:endParaRPr lang="en-US" altLang="en-US"/>
+          </a:p>
+        </p:txBody>
+      </p:sp>
+      <p:sp>
+        <p:nvSpPr>
+          <p:cNvPr id="8" name="AutoShape 6"/>
+          <p:cNvSpPr>
+            <a:spLocks/>
+          </p:cNvSpPr>
+          <p:nvPr/>
+        </p:nvSpPr>
+        <p:spPr bwMode="auto">
+          <a:xfrm>
+            <a:off x="8618798" y="4760212"/>
+            <a:ext cx="144463" cy="576262"/>
+          </a:xfrm>
+          <a:prstGeom prst="rightBrace">
+            <a:avLst>
+              <a:gd name="adj1" fmla="val 33242"/>
+              <a:gd name="adj2" fmla="val 50000"/>
+            </a:avLst>
+          </a:prstGeom>
+          <a:noFill/>
+          <a:ln w="25400">
+            <a:solidFill>
+              <a:srgbClr val="2F5CB5"/>
+            </a:solidFill>
+            <a:round/>
+            <a:headEnd/>
+            <a:tailEnd/>
+          </a:ln>
+        </p:spPr>
+        <p:txBody>
+          <a:bodyPr wrap="none" anchor="ctr"/>
+          <a:lstStyle/>
+          <a:p>
+            <a:endParaRPr lang="en-US" altLang="en-US"/>
+          </a:p>
+        </p:txBody>
+      </p:sp>
+      <p:sp>
+        <p:nvSpPr>
+          <p:cNvPr id="9" name="AutoShape 7"/>
+          <p:cNvSpPr>
+            <a:spLocks/>
+          </p:cNvSpPr>
+          <p:nvPr/>
+        </p:nvSpPr>
+        <p:spPr bwMode="auto">
+          <a:xfrm>
+            <a:off x="8618798" y="5409499"/>
+            <a:ext cx="144463" cy="576263"/>
+          </a:xfrm>
+          <a:prstGeom prst="rightBrace">
+            <a:avLst>
+              <a:gd name="adj1" fmla="val 33242"/>
+              <a:gd name="adj2" fmla="val 50000"/>
+            </a:avLst>
+          </a:prstGeom>
+          <a:noFill/>
+          <a:ln w="25400">
+            <a:solidFill>
+              <a:srgbClr val="2F5CB5"/>
+            </a:solidFill>
+            <a:round/>
+            <a:headEnd/>
+            <a:tailEnd/>
+          </a:ln>
+        </p:spPr>
+        <p:txBody>
+          <a:bodyPr wrap="none" anchor="ctr"/>
+          <a:lstStyle/>
+          <a:p>
+            <a:endParaRPr lang="en-US" altLang="en-US"/>
+          </a:p>
+        </p:txBody>
+      </p:sp>
+      <p:sp>
+        <p:nvSpPr>
+          <p:cNvPr id="10" name="Text Box 8"/>
+          <p:cNvSpPr txBox="1">
+            <a:spLocks noChangeArrowheads="1"/>
+          </p:cNvSpPr>
+          <p:nvPr/>
+        </p:nvSpPr>
+        <p:spPr bwMode="auto">
+          <a:xfrm>
+            <a:off x="8907723" y="2532949"/>
+            <a:ext cx="846770" cy="400110"/>
+          </a:xfrm>
+          <a:prstGeom prst="rect">
+            <a:avLst/>
+          </a:prstGeom>
+          <a:solidFill>
+            <a:srgbClr val="2F5CB5"/>
+          </a:solidFill>
+          <a:ln w="25400">
+            <a:solidFill>
+              <a:srgbClr val="2F5CB5"/>
+            </a:solidFill>
+            <a:miter lim="800000"/>
+            <a:headEnd/>
+            <a:tailEnd/>
+          </a:ln>
+        </p:spPr>
+        <p:txBody>
+          <a:bodyPr wrap="none">
+            <a:spAutoFit/>
+          </a:bodyPr>
+          <a:lstStyle/>
+          <a:p>
+            <a:r>
+              <a:rPr lang="en-US" altLang="en-US" sz="2000" b="1" dirty="0">
+                <a:solidFill>
+                  <a:srgbClr val="F7B217"/>
+                </a:solidFill>
+              </a:rPr>
+              <a:t>Step 1</a:t>
+            </a:r>
+            <a:endParaRPr lang="en-AU" altLang="en-US" sz="2000" b="1" dirty="0">
+              <a:solidFill>
+                <a:srgbClr val="F7B217"/>
+              </a:solidFill>
+            </a:endParaRPr>
+          </a:p>
+        </p:txBody>
+      </p:sp>
+      <p:sp>
+        <p:nvSpPr>
+          <p:cNvPr id="11" name="Text Box 9"/>
+          <p:cNvSpPr txBox="1">
+            <a:spLocks noChangeArrowheads="1"/>
+          </p:cNvSpPr>
+          <p:nvPr/>
+        </p:nvSpPr>
+        <p:spPr bwMode="auto">
+          <a:xfrm>
+            <a:off x="8907723" y="3901374"/>
+            <a:ext cx="846770" cy="400110"/>
+          </a:xfrm>
+          <a:prstGeom prst="rect">
+            <a:avLst/>
+          </a:prstGeom>
+          <a:solidFill>
+            <a:srgbClr val="2F5CB5"/>
+          </a:solidFill>
+          <a:ln w="25400">
+            <a:solidFill>
+              <a:srgbClr val="2F5CB5"/>
+            </a:solidFill>
+            <a:miter lim="800000"/>
+            <a:headEnd/>
+            <a:tailEnd/>
+          </a:ln>
+        </p:spPr>
+        <p:txBody>
+          <a:bodyPr wrap="none">
+            <a:spAutoFit/>
+          </a:bodyPr>
+          <a:lstStyle/>
+          <a:p>
+            <a:r>
+              <a:rPr lang="en-US" altLang="en-US" sz="2000" b="1" dirty="0">
+                <a:solidFill>
+                  <a:srgbClr val="F7B217"/>
+                </a:solidFill>
+              </a:rPr>
+              <a:t>Step 2</a:t>
+            </a:r>
+            <a:endParaRPr lang="en-AU" altLang="en-US" sz="2000" b="1" dirty="0">
+              <a:solidFill>
+                <a:srgbClr val="F7B217"/>
+              </a:solidFill>
+            </a:endParaRPr>
+          </a:p>
+        </p:txBody>
+      </p:sp>
+      <p:sp>
+        <p:nvSpPr>
+          <p:cNvPr id="12" name="Text Box 10"/>
+          <p:cNvSpPr txBox="1">
+            <a:spLocks noChangeArrowheads="1"/>
+          </p:cNvSpPr>
+          <p:nvPr/>
+        </p:nvSpPr>
+        <p:spPr bwMode="auto">
+          <a:xfrm>
+            <a:off x="8907723" y="4837999"/>
+            <a:ext cx="846770" cy="400110"/>
+          </a:xfrm>
+          <a:prstGeom prst="rect">
+            <a:avLst/>
+          </a:prstGeom>
+          <a:solidFill>
+            <a:srgbClr val="2F5CB5"/>
+          </a:solidFill>
+          <a:ln w="25400">
+            <a:solidFill>
+              <a:srgbClr val="2F5CB5"/>
+            </a:solidFill>
+            <a:miter lim="800000"/>
+            <a:headEnd/>
+            <a:tailEnd/>
+          </a:ln>
+        </p:spPr>
+        <p:txBody>
+          <a:bodyPr wrap="none">
+            <a:spAutoFit/>
+          </a:bodyPr>
+          <a:lstStyle/>
+          <a:p>
+            <a:r>
+              <a:rPr lang="en-US" altLang="en-US" sz="2000" b="1" dirty="0">
+                <a:solidFill>
+                  <a:srgbClr val="F7B217"/>
+                </a:solidFill>
+              </a:rPr>
+              <a:t>Step 3</a:t>
+            </a:r>
+            <a:endParaRPr lang="en-AU" altLang="en-US" sz="2000" b="1" dirty="0">
+              <a:solidFill>
+                <a:srgbClr val="F7B217"/>
+              </a:solidFill>
+            </a:endParaRPr>
+          </a:p>
+        </p:txBody>
+      </p:sp>
+      <p:sp>
+        <p:nvSpPr>
+          <p:cNvPr id="13" name="Text Box 11"/>
+          <p:cNvSpPr txBox="1">
+            <a:spLocks noChangeArrowheads="1"/>
+          </p:cNvSpPr>
+          <p:nvPr/>
+        </p:nvSpPr>
+        <p:spPr bwMode="auto">
+          <a:xfrm>
+            <a:off x="8907723" y="5485699"/>
+            <a:ext cx="846770" cy="400110"/>
+          </a:xfrm>
+          <a:prstGeom prst="rect">
+            <a:avLst/>
+          </a:prstGeom>
+          <a:solidFill>
+            <a:srgbClr val="2F5CB5"/>
+          </a:solidFill>
+          <a:ln w="25400">
+            <a:solidFill>
+              <a:srgbClr val="2F5CB5"/>
+            </a:solidFill>
+            <a:miter lim="800000"/>
+            <a:headEnd/>
+            <a:tailEnd/>
+          </a:ln>
+        </p:spPr>
+        <p:txBody>
+          <a:bodyPr wrap="none">
+            <a:spAutoFit/>
+          </a:bodyPr>
+          <a:lstStyle/>
+          <a:p>
+            <a:r>
+              <a:rPr lang="en-US" altLang="en-US" sz="2000" b="1" dirty="0">
+                <a:solidFill>
+                  <a:srgbClr val="F7B217"/>
+                </a:solidFill>
+              </a:rPr>
+              <a:t>Step 4</a:t>
+            </a:r>
+            <a:endParaRPr lang="en-AU" altLang="en-US" sz="2000" b="1" dirty="0">
+              <a:solidFill>
+                <a:srgbClr val="F7B217"/>
+              </a:solidFill>
+            </a:endParaRPr>
+          </a:p>
+        </p:txBody>
+      </p:sp>
+      <p:sp>
+        <p:nvSpPr>
+          <p:cNvPr id="14" name="AutoShape 12"/>
+          <p:cNvSpPr>
+            <a:spLocks noChangeArrowheads="1"/>
+          </p:cNvSpPr>
+          <p:nvPr/>
+        </p:nvSpPr>
+        <p:spPr bwMode="auto">
+          <a:xfrm rot="10800000">
+            <a:off x="9771323" y="4904674"/>
+            <a:ext cx="288925" cy="792163"/>
+          </a:xfrm>
+          <a:prstGeom prst="curvedRightArrow">
+            <a:avLst>
+              <a:gd name="adj1" fmla="val 54835"/>
+              <a:gd name="adj2" fmla="val 109670"/>
+              <a:gd name="adj3" fmla="val 33333"/>
+            </a:avLst>
+          </a:prstGeom>
+          <a:solidFill>
+            <a:srgbClr val="2F5CB5"/>
+          </a:solidFill>
+          <a:ln w="25400">
+            <a:solidFill>
+              <a:srgbClr val="2F5CB5"/>
+            </a:solidFill>
+            <a:miter lim="800000"/>
+            <a:headEnd/>
+            <a:tailEnd/>
+          </a:ln>
+        </p:spPr>
+        <p:txBody>
+          <a:bodyPr wrap="none" anchor="ctr"/>
+          <a:lstStyle/>
+          <a:p>
+            <a:endParaRPr lang="en-US" altLang="en-US"/>
+          </a:p>
+        </p:txBody>
+      </p:sp>
+    </p:spTree>
+  </p:cSld>
+  <p:clrMapOvr>
+    <a:masterClrMapping/>
+  </p:clrMapOvr>
+  <p:timing>
+    <p:tnLst>
+      <p:par>
+        <p:cTn id="1" dur="indefinite" restart="never" nodeType="tmRoot"/>
+      </p:par>
+    </p:tnLst>
+  </p:timing>
+</p:sld>
+</file>
+
+<file path=ppt/slides/slide16.xml><?xml version="1.0" encoding="utf-8"?>
+<p:sld xmlns:a="http://schemas.openxmlformats.org/drawingml/2006/main" xmlns:r="http://schemas.openxmlformats.org/officeDocument/2006/relationships" xmlns:p="http://schemas.openxmlformats.org/presentationml/2006/main">
+  <p:cSld>
+    <p:spTree>
+      <p:nvGrpSpPr>
+        <p:cNvPr id="1" name=""/>
+        <p:cNvGrpSpPr/>
+        <p:nvPr/>
+      </p:nvGrpSpPr>
+      <p:grpSpPr>
+        <a:xfrm>
+          <a:off x="0" y="0"/>
+          <a:ext cx="0" cy="0"/>
+          <a:chOff x="0" y="0"/>
+          <a:chExt cx="0" cy="0"/>
+        </a:xfrm>
+      </p:grpSpPr>
+      <p:sp>
+        <p:nvSpPr>
+          <p:cNvPr id="2" name="Содержимое 1"/>
+          <p:cNvSpPr>
+            <a:spLocks noGrp="1"/>
+          </p:cNvSpPr>
+          <p:nvPr>
+            <p:ph idx="1"/>
+          </p:nvPr>
+        </p:nvSpPr>
+        <p:spPr>
+          <a:xfrm>
+            <a:off x="838200" y="1154303"/>
+            <a:ext cx="10515600" cy="4997896"/>
+          </a:xfrm>
+        </p:spPr>
+        <p:txBody>
+          <a:bodyPr>
+            <a:noAutofit/>
+          </a:bodyPr>
+          <a:lstStyle/>
+          <a:p>
+            <a:r>
+              <a:rPr lang="en-US" altLang="en-US" sz="2800" dirty="0" smtClean="0"/>
+              <a:t>Consider a 4-digit decimal example</a:t>
+            </a:r>
+          </a:p>
+          <a:p>
+            <a:pPr lvl="1">
+              <a:lnSpc>
+                <a:spcPct val="100000"/>
+              </a:lnSpc>
+              <a:spcBef>
+                <a:spcPts val="0"/>
+              </a:spcBef>
+            </a:pPr>
+            <a:r>
+              <a:rPr lang="en-US" altLang="en-US" sz="2400" dirty="0" smtClean="0"/>
+              <a:t>1.110 × 10</a:t>
+            </a:r>
+            <a:r>
+              <a:rPr lang="en-US" altLang="en-US" sz="2400" baseline="30000" dirty="0" smtClean="0"/>
+              <a:t>10</a:t>
+            </a:r>
+            <a:r>
+              <a:rPr lang="en-US" altLang="en-US" sz="2400" dirty="0" smtClean="0"/>
+              <a:t> × 9.200 × 10</a:t>
+            </a:r>
+            <a:r>
+              <a:rPr lang="en-US" altLang="en-US" sz="2400" baseline="30000" dirty="0" smtClean="0"/>
+              <a:t>–5</a:t>
+            </a:r>
+          </a:p>
+          <a:p>
+            <a:pPr>
+              <a:lnSpc>
+                <a:spcPct val="100000"/>
+              </a:lnSpc>
+              <a:spcBef>
+                <a:spcPts val="0"/>
+              </a:spcBef>
+            </a:pPr>
+            <a:r>
+              <a:rPr lang="en-US" altLang="en-US" sz="2800" dirty="0" smtClean="0"/>
+              <a:t>1. Add exponents</a:t>
+            </a:r>
+          </a:p>
+          <a:p>
+            <a:pPr lvl="1">
+              <a:lnSpc>
+                <a:spcPct val="100000"/>
+              </a:lnSpc>
+              <a:spcBef>
+                <a:spcPts val="0"/>
+              </a:spcBef>
+            </a:pPr>
+            <a:r>
+              <a:rPr lang="en-US" altLang="en-US" sz="2400" dirty="0" smtClean="0"/>
+              <a:t>For biased exponents, subtract bias from sum</a:t>
+            </a:r>
+          </a:p>
+          <a:p>
+            <a:pPr lvl="1">
+              <a:lnSpc>
+                <a:spcPct val="100000"/>
+              </a:lnSpc>
+              <a:spcBef>
+                <a:spcPts val="0"/>
+              </a:spcBef>
+            </a:pPr>
+            <a:r>
+              <a:rPr lang="en-US" altLang="en-US" sz="2400" dirty="0" smtClean="0"/>
+              <a:t>New exponent = 10 + –5 = 5</a:t>
+            </a:r>
+          </a:p>
+          <a:p>
+            <a:pPr>
+              <a:lnSpc>
+                <a:spcPct val="100000"/>
+              </a:lnSpc>
+              <a:spcBef>
+                <a:spcPts val="0"/>
+              </a:spcBef>
+            </a:pPr>
+            <a:r>
+              <a:rPr lang="en-US" altLang="en-US" sz="2800" dirty="0" smtClean="0"/>
+              <a:t>2. Multiply </a:t>
+            </a:r>
+            <a:r>
+              <a:rPr lang="en-US" altLang="en-US" sz="2800" dirty="0" err="1" smtClean="0"/>
+              <a:t>significands</a:t>
+            </a:r>
+            <a:endParaRPr lang="en-US" altLang="en-US" sz="2800" dirty="0" smtClean="0"/>
+          </a:p>
+          <a:p>
+            <a:pPr lvl="1">
+              <a:lnSpc>
+                <a:spcPct val="100000"/>
+              </a:lnSpc>
+              <a:spcBef>
+                <a:spcPts val="0"/>
+              </a:spcBef>
+            </a:pPr>
+            <a:r>
+              <a:rPr lang="en-US" altLang="en-US" sz="2400" dirty="0" smtClean="0"/>
+              <a:t>1.110 × 9.200 = 10.212  </a:t>
+            </a:r>
+            <a:r>
+              <a:rPr lang="en-US" altLang="en-US" sz="2400" dirty="0" smtClean="0">
+                <a:sym typeface="Symbol" pitchFamily="18" charset="2"/>
+              </a:rPr>
+              <a:t>  10.212 </a:t>
+            </a:r>
+            <a:r>
+              <a:rPr lang="en-US" altLang="en-US" sz="2400" dirty="0" smtClean="0"/>
+              <a:t>× 10</a:t>
+            </a:r>
+            <a:r>
+              <a:rPr lang="en-US" altLang="en-US" sz="2400" baseline="30000" dirty="0" smtClean="0"/>
+              <a:t>5</a:t>
+            </a:r>
+            <a:endParaRPr lang="en-US" altLang="en-US" sz="2400" baseline="30000" dirty="0" smtClean="0">
+              <a:sym typeface="Symbol" pitchFamily="18" charset="2"/>
+            </a:endParaRPr>
+          </a:p>
+          <a:p>
+            <a:pPr>
+              <a:lnSpc>
+                <a:spcPct val="100000"/>
+              </a:lnSpc>
+              <a:spcBef>
+                <a:spcPts val="0"/>
+              </a:spcBef>
+            </a:pPr>
+            <a:r>
+              <a:rPr lang="en-US" altLang="en-US" sz="2800" dirty="0" smtClean="0"/>
+              <a:t>3. Normalize result &amp; check for over/underflow</a:t>
+            </a:r>
+          </a:p>
+          <a:p>
+            <a:pPr lvl="1">
+              <a:lnSpc>
+                <a:spcPct val="100000"/>
+              </a:lnSpc>
+              <a:spcBef>
+                <a:spcPts val="0"/>
+              </a:spcBef>
+            </a:pPr>
+            <a:r>
+              <a:rPr lang="en-US" altLang="en-US" sz="2400" dirty="0" smtClean="0"/>
+              <a:t>1.0212 × 10</a:t>
+            </a:r>
+            <a:r>
+              <a:rPr lang="en-US" altLang="en-US" sz="2400" baseline="30000" dirty="0" smtClean="0"/>
+              <a:t>6</a:t>
+            </a:r>
+          </a:p>
+          <a:p>
+            <a:pPr>
+              <a:lnSpc>
+                <a:spcPct val="100000"/>
+              </a:lnSpc>
+              <a:spcBef>
+                <a:spcPts val="0"/>
+              </a:spcBef>
+            </a:pPr>
+            <a:r>
+              <a:rPr lang="en-US" altLang="en-US" sz="2800" dirty="0" smtClean="0"/>
+              <a:t>4. Round and renormalize if necessary</a:t>
+            </a:r>
+          </a:p>
+          <a:p>
+            <a:pPr lvl="1">
+              <a:spcBef>
+                <a:spcPts val="0"/>
+              </a:spcBef>
+            </a:pPr>
+            <a:r>
+              <a:rPr lang="en-US" altLang="en-US" sz="2400" dirty="0" smtClean="0"/>
+              <a:t>1.021 × 10</a:t>
+            </a:r>
+            <a:r>
+              <a:rPr lang="en-US" altLang="en-US" sz="2400" baseline="30000" dirty="0" smtClean="0"/>
+              <a:t>6</a:t>
+            </a:r>
+          </a:p>
+          <a:p>
+            <a:pPr>
+              <a:lnSpc>
+                <a:spcPct val="100000"/>
+              </a:lnSpc>
+              <a:spcBef>
+                <a:spcPts val="0"/>
+              </a:spcBef>
+            </a:pPr>
+            <a:r>
+              <a:rPr lang="en-US" altLang="en-US" sz="2800" dirty="0" smtClean="0"/>
+              <a:t>5. Determine sign of result from signs of operands</a:t>
+            </a:r>
+          </a:p>
+          <a:p>
+            <a:pPr lvl="1">
+              <a:lnSpc>
+                <a:spcPct val="100000"/>
+              </a:lnSpc>
+              <a:spcBef>
+                <a:spcPts val="0"/>
+              </a:spcBef>
+            </a:pPr>
+            <a:r>
+              <a:rPr lang="en-US" altLang="en-US" sz="2400" dirty="0" smtClean="0"/>
+              <a:t>+1.021 × </a:t>
+            </a:r>
+            <a:r>
+              <a:rPr lang="en-US" altLang="en-US" sz="2400" dirty="0" smtClean="0"/>
+              <a:t>10</a:t>
+            </a:r>
+            <a:r>
+              <a:rPr lang="en-US" altLang="en-US" sz="2400" baseline="30000" dirty="0" smtClean="0"/>
+              <a:t>6</a:t>
+            </a:r>
+            <a:endParaRPr lang="en-US" altLang="en-US" sz="2400" baseline="30000" dirty="0" smtClean="0"/>
+          </a:p>
+        </p:txBody>
+      </p:sp>
+      <p:sp>
+        <p:nvSpPr>
+          <p:cNvPr id="3" name="Номер слайда 2"/>
+          <p:cNvSpPr>
+            <a:spLocks noGrp="1"/>
+          </p:cNvSpPr>
+          <p:nvPr>
+            <p:ph type="sldNum" sz="quarter" idx="12"/>
+          </p:nvPr>
+        </p:nvSpPr>
+        <p:spPr/>
+        <p:txBody>
+          <a:bodyPr/>
+          <a:lstStyle/>
+          <a:p>
+            <a:pPr algn="ctr"/>
+            <a:fld id="{1397BFD8-F312-4EF2-A268-44FB4BDDBBB0}" type="slidenum">
+              <a:rPr lang="ru-RU" smtClean="0"/>
+              <a:pPr algn="ctr"/>
+              <a:t>16</a:t>
+            </a:fld>
+            <a:endParaRPr lang="ru-RU" dirty="0"/>
+          </a:p>
+        </p:txBody>
+      </p:sp>
+      <p:sp>
+        <p:nvSpPr>
+          <p:cNvPr id="4" name="Заголовок 3"/>
+          <p:cNvSpPr>
+            <a:spLocks noGrp="1"/>
+          </p:cNvSpPr>
+          <p:nvPr>
+            <p:ph type="title"/>
+          </p:nvPr>
+        </p:nvSpPr>
+        <p:spPr/>
+        <p:txBody>
+          <a:bodyPr/>
+          <a:lstStyle/>
+          <a:p>
+            <a:r>
+              <a:rPr lang="en-US" altLang="en-US" dirty="0" smtClean="0"/>
+              <a:t>Floating-Point Multiplication</a:t>
+            </a:r>
+            <a:endParaRPr lang="ru-RU" dirty="0"/>
+          </a:p>
+        </p:txBody>
+      </p:sp>
+    </p:spTree>
+  </p:cSld>
+  <p:clrMapOvr>
+    <a:masterClrMapping/>
+  </p:clrMapOvr>
+  <p:timing>
+    <p:tnLst>
+      <p:par>
+        <p:cTn id="1" dur="indefinite" restart="never" nodeType="tmRoot"/>
+      </p:par>
+    </p:tnLst>
+  </p:timing>
+</p:sld>
+</file>
+
+<file path=ppt/slides/slide17.xml><?xml version="1.0" encoding="utf-8"?>
+<p:sld xmlns:a="http://schemas.openxmlformats.org/drawingml/2006/main" xmlns:r="http://schemas.openxmlformats.org/officeDocument/2006/relationships" xmlns:p="http://schemas.openxmlformats.org/presentationml/2006/main">
+  <p:cSld>
+    <p:spTree>
+      <p:nvGrpSpPr>
+        <p:cNvPr id="1" name=""/>
+        <p:cNvGrpSpPr/>
+        <p:nvPr/>
+      </p:nvGrpSpPr>
+      <p:grpSpPr>
+        <a:xfrm>
+          <a:off x="0" y="0"/>
+          <a:ext cx="0" cy="0"/>
+          <a:chOff x="0" y="0"/>
+          <a:chExt cx="0" cy="0"/>
+        </a:xfrm>
+      </p:grpSpPr>
+      <p:sp>
+        <p:nvSpPr>
+          <p:cNvPr id="2" name="Содержимое 1"/>
+          <p:cNvSpPr>
+            <a:spLocks noGrp="1"/>
+          </p:cNvSpPr>
+          <p:nvPr>
+            <p:ph idx="1"/>
+          </p:nvPr>
+        </p:nvSpPr>
+        <p:spPr>
+          <a:xfrm>
+            <a:off x="838200" y="1094928"/>
+            <a:ext cx="10515600" cy="5270246"/>
+          </a:xfrm>
+        </p:spPr>
+        <p:txBody>
+          <a:bodyPr>
+            <a:noAutofit/>
+          </a:bodyPr>
+          <a:lstStyle/>
+          <a:p>
+            <a:pPr>
+              <a:lnSpc>
+                <a:spcPct val="100000"/>
+              </a:lnSpc>
+              <a:spcBef>
+                <a:spcPts val="0"/>
+              </a:spcBef>
+            </a:pPr>
+            <a:r>
+              <a:rPr lang="en-US" altLang="en-US" sz="2800" dirty="0" smtClean="0"/>
+              <a:t>Now consider a 4-digit binary example</a:t>
+            </a:r>
+          </a:p>
+          <a:p>
+            <a:pPr lvl="1">
+              <a:lnSpc>
+                <a:spcPct val="100000"/>
+              </a:lnSpc>
+              <a:spcBef>
+                <a:spcPts val="0"/>
+              </a:spcBef>
+            </a:pPr>
+            <a:r>
+              <a:rPr lang="en-US" altLang="en-US" sz="2400" dirty="0" smtClean="0"/>
+              <a:t>1.000</a:t>
+            </a:r>
+            <a:r>
+              <a:rPr lang="en-US" altLang="en-US" sz="2400" baseline="-25000" dirty="0" smtClean="0"/>
+              <a:t>2</a:t>
+            </a:r>
+            <a:r>
+              <a:rPr lang="en-US" altLang="en-US" sz="2400" dirty="0" smtClean="0"/>
+              <a:t> × 2</a:t>
+            </a:r>
+            <a:r>
+              <a:rPr lang="en-US" altLang="en-US" sz="2400" baseline="30000" dirty="0" smtClean="0"/>
+              <a:t>–1</a:t>
+            </a:r>
+            <a:r>
+              <a:rPr lang="en-US" altLang="en-US" sz="2400" dirty="0" smtClean="0"/>
+              <a:t> × –1.110</a:t>
+            </a:r>
+            <a:r>
+              <a:rPr lang="en-US" altLang="en-US" sz="2400" baseline="-25000" dirty="0" smtClean="0"/>
+              <a:t>2</a:t>
+            </a:r>
+            <a:r>
+              <a:rPr lang="en-US" altLang="en-US" sz="2400" dirty="0" smtClean="0"/>
+              <a:t> × 2</a:t>
+            </a:r>
+            <a:r>
+              <a:rPr lang="en-US" altLang="en-US" sz="2400" baseline="30000" dirty="0" smtClean="0"/>
+              <a:t>–2</a:t>
+            </a:r>
+            <a:r>
+              <a:rPr lang="en-US" altLang="en-US" sz="2400" dirty="0" smtClean="0"/>
+              <a:t> (0.5 × –0.4375)</a:t>
+            </a:r>
+          </a:p>
+          <a:p>
+            <a:pPr>
+              <a:lnSpc>
+                <a:spcPct val="100000"/>
+              </a:lnSpc>
+              <a:spcBef>
+                <a:spcPts val="0"/>
+              </a:spcBef>
+            </a:pPr>
+            <a:r>
+              <a:rPr lang="en-US" altLang="en-US" sz="2800" dirty="0" smtClean="0"/>
+              <a:t>1. Add exponents</a:t>
+            </a:r>
+          </a:p>
+          <a:p>
+            <a:pPr lvl="1">
+              <a:lnSpc>
+                <a:spcPct val="100000"/>
+              </a:lnSpc>
+              <a:spcBef>
+                <a:spcPts val="0"/>
+              </a:spcBef>
+            </a:pPr>
+            <a:r>
+              <a:rPr lang="en-US" altLang="en-US" sz="2400" dirty="0" smtClean="0"/>
+              <a:t>Unbiased: –1 + –2 = –3</a:t>
+            </a:r>
+          </a:p>
+          <a:p>
+            <a:pPr lvl="1">
+              <a:lnSpc>
+                <a:spcPct val="100000"/>
+              </a:lnSpc>
+              <a:spcBef>
+                <a:spcPts val="0"/>
+              </a:spcBef>
+            </a:pPr>
+            <a:r>
+              <a:rPr lang="en-US" altLang="en-US" sz="2400" dirty="0" smtClean="0"/>
+              <a:t>Biased: (–1 + 127) + (–2 + 127) = –3 + 254 – 127 = –3 + 127</a:t>
+            </a:r>
+          </a:p>
+          <a:p>
+            <a:pPr>
+              <a:lnSpc>
+                <a:spcPct val="100000"/>
+              </a:lnSpc>
+              <a:spcBef>
+                <a:spcPts val="0"/>
+              </a:spcBef>
+            </a:pPr>
+            <a:r>
+              <a:rPr lang="en-US" altLang="en-US" sz="2800" dirty="0" smtClean="0"/>
+              <a:t>2. Multiply </a:t>
+            </a:r>
+            <a:r>
+              <a:rPr lang="en-US" altLang="en-US" sz="2800" dirty="0" err="1" smtClean="0"/>
+              <a:t>significands</a:t>
+            </a:r>
+            <a:endParaRPr lang="en-US" altLang="en-US" sz="2800" dirty="0" smtClean="0"/>
+          </a:p>
+          <a:p>
+            <a:pPr lvl="1">
+              <a:lnSpc>
+                <a:spcPct val="100000"/>
+              </a:lnSpc>
+              <a:spcBef>
+                <a:spcPts val="0"/>
+              </a:spcBef>
+            </a:pPr>
+            <a:r>
+              <a:rPr lang="en-US" altLang="en-US" sz="2400" dirty="0" smtClean="0"/>
+              <a:t>1.000</a:t>
+            </a:r>
+            <a:r>
+              <a:rPr lang="en-US" altLang="en-US" sz="2400" baseline="-25000" dirty="0" smtClean="0"/>
+              <a:t>2</a:t>
+            </a:r>
+            <a:r>
+              <a:rPr lang="en-US" altLang="en-US" sz="2400" dirty="0" smtClean="0"/>
+              <a:t> × 1.110</a:t>
+            </a:r>
+            <a:r>
+              <a:rPr lang="en-US" altLang="en-US" sz="2400" baseline="-25000" dirty="0" smtClean="0"/>
+              <a:t>2</a:t>
+            </a:r>
+            <a:r>
+              <a:rPr lang="en-US" altLang="en-US" sz="2400" dirty="0" smtClean="0"/>
+              <a:t> = 1.1102  </a:t>
+            </a:r>
+            <a:r>
+              <a:rPr lang="en-US" altLang="en-US" sz="2400" dirty="0" smtClean="0">
+                <a:sym typeface="Symbol" pitchFamily="18" charset="2"/>
+              </a:rPr>
+              <a:t>  </a:t>
+            </a:r>
+            <a:r>
+              <a:rPr lang="en-US" altLang="en-US" sz="2400" dirty="0" smtClean="0"/>
+              <a:t>1.110</a:t>
+            </a:r>
+            <a:r>
+              <a:rPr lang="en-US" altLang="en-US" sz="2400" baseline="-25000" dirty="0" smtClean="0"/>
+              <a:t>2</a:t>
+            </a:r>
+            <a:r>
+              <a:rPr lang="en-US" altLang="en-US" sz="2400" dirty="0" smtClean="0"/>
+              <a:t> × 2</a:t>
+            </a:r>
+            <a:r>
+              <a:rPr lang="en-US" altLang="en-US" sz="2400" baseline="30000" dirty="0" smtClean="0"/>
+              <a:t>–3</a:t>
+            </a:r>
+          </a:p>
+          <a:p>
+            <a:pPr>
+              <a:lnSpc>
+                <a:spcPct val="100000"/>
+              </a:lnSpc>
+              <a:spcBef>
+                <a:spcPts val="0"/>
+              </a:spcBef>
+            </a:pPr>
+            <a:r>
+              <a:rPr lang="en-US" altLang="en-US" sz="2800" dirty="0" smtClean="0"/>
+              <a:t>3. Normalize result &amp; check for over/underflow</a:t>
+            </a:r>
+          </a:p>
+          <a:p>
+            <a:pPr lvl="1">
+              <a:lnSpc>
+                <a:spcPct val="100000"/>
+              </a:lnSpc>
+              <a:spcBef>
+                <a:spcPts val="0"/>
+              </a:spcBef>
+            </a:pPr>
+            <a:r>
+              <a:rPr lang="en-US" altLang="en-US" sz="2400" dirty="0" smtClean="0"/>
+              <a:t>1.110</a:t>
+            </a:r>
+            <a:r>
+              <a:rPr lang="en-US" altLang="en-US" sz="2400" baseline="-25000" dirty="0" smtClean="0"/>
+              <a:t>2</a:t>
+            </a:r>
+            <a:r>
+              <a:rPr lang="en-US" altLang="en-US" sz="2400" dirty="0" smtClean="0"/>
+              <a:t> × 2</a:t>
+            </a:r>
+            <a:r>
+              <a:rPr lang="en-US" altLang="en-US" sz="2400" baseline="30000" dirty="0" smtClean="0"/>
+              <a:t>–3</a:t>
+            </a:r>
+            <a:r>
+              <a:rPr lang="en-US" altLang="en-US" sz="2400" dirty="0" smtClean="0"/>
+              <a:t> (no change) with no over/underflow</a:t>
+            </a:r>
+          </a:p>
+          <a:p>
+            <a:pPr>
+              <a:lnSpc>
+                <a:spcPct val="100000"/>
+              </a:lnSpc>
+              <a:spcBef>
+                <a:spcPts val="0"/>
+              </a:spcBef>
+            </a:pPr>
+            <a:r>
+              <a:rPr lang="en-US" altLang="en-US" sz="2800" dirty="0" smtClean="0"/>
+              <a:t>4. Round and renormalize if necessary</a:t>
+            </a:r>
+          </a:p>
+          <a:p>
+            <a:pPr lvl="1">
+              <a:lnSpc>
+                <a:spcPct val="100000"/>
+              </a:lnSpc>
+              <a:spcBef>
+                <a:spcPts val="0"/>
+              </a:spcBef>
+            </a:pPr>
+            <a:r>
+              <a:rPr lang="en-US" altLang="en-US" sz="2400" dirty="0" smtClean="0"/>
+              <a:t>1.110</a:t>
+            </a:r>
+            <a:r>
+              <a:rPr lang="en-US" altLang="en-US" sz="2400" baseline="-25000" dirty="0" smtClean="0"/>
+              <a:t>2</a:t>
+            </a:r>
+            <a:r>
+              <a:rPr lang="en-US" altLang="en-US" sz="2400" dirty="0" smtClean="0"/>
+              <a:t> × 2</a:t>
+            </a:r>
+            <a:r>
+              <a:rPr lang="en-US" altLang="en-US" sz="2400" baseline="30000" dirty="0" smtClean="0"/>
+              <a:t>–3</a:t>
+            </a:r>
+            <a:r>
+              <a:rPr lang="en-US" altLang="en-US" sz="2400" dirty="0" smtClean="0"/>
+              <a:t> (no change)</a:t>
+            </a:r>
+          </a:p>
+          <a:p>
+            <a:pPr>
+              <a:lnSpc>
+                <a:spcPct val="100000"/>
+              </a:lnSpc>
+              <a:spcBef>
+                <a:spcPts val="0"/>
+              </a:spcBef>
+            </a:pPr>
+            <a:r>
+              <a:rPr lang="en-US" altLang="en-US" sz="2800" dirty="0" smtClean="0"/>
+              <a:t>5. Determine sign: +</a:t>
+            </a:r>
+            <a:r>
+              <a:rPr lang="en-US" altLang="en-US" sz="2800" dirty="0" err="1" smtClean="0"/>
+              <a:t>ve</a:t>
+            </a:r>
+            <a:r>
+              <a:rPr lang="en-US" altLang="en-US" sz="2800" dirty="0" smtClean="0"/>
+              <a:t> × –</a:t>
+            </a:r>
+            <a:r>
+              <a:rPr lang="en-US" altLang="en-US" sz="2800" dirty="0" err="1" smtClean="0"/>
+              <a:t>ve</a:t>
+            </a:r>
+            <a:r>
+              <a:rPr lang="en-US" altLang="en-US" sz="2800" dirty="0" smtClean="0"/>
+              <a:t> </a:t>
+            </a:r>
+            <a:r>
+              <a:rPr lang="en-US" altLang="en-US" sz="2800" dirty="0" smtClean="0">
+                <a:sym typeface="Symbol" pitchFamily="18" charset="2"/>
+              </a:rPr>
+              <a:t> </a:t>
+            </a:r>
+            <a:r>
+              <a:rPr lang="en-US" altLang="en-US" sz="2800" dirty="0" smtClean="0"/>
+              <a:t>–</a:t>
+            </a:r>
+            <a:r>
+              <a:rPr lang="en-US" altLang="en-US" sz="2800" dirty="0" err="1" smtClean="0"/>
+              <a:t>ve</a:t>
+            </a:r>
+            <a:endParaRPr lang="en-US" altLang="en-US" sz="2800" dirty="0" smtClean="0"/>
+          </a:p>
+          <a:p>
+            <a:pPr lvl="1">
+              <a:lnSpc>
+                <a:spcPct val="100000"/>
+              </a:lnSpc>
+              <a:spcBef>
+                <a:spcPts val="0"/>
+              </a:spcBef>
+            </a:pPr>
+            <a:r>
+              <a:rPr lang="en-US" altLang="en-US" sz="2400" dirty="0" smtClean="0"/>
+              <a:t>–1.110</a:t>
+            </a:r>
+            <a:r>
+              <a:rPr lang="en-US" altLang="en-US" sz="2400" baseline="-25000" dirty="0" smtClean="0"/>
+              <a:t>2</a:t>
+            </a:r>
+            <a:r>
+              <a:rPr lang="en-US" altLang="en-US" sz="2400" dirty="0" smtClean="0"/>
+              <a:t> × 2</a:t>
+            </a:r>
+            <a:r>
+              <a:rPr lang="en-US" altLang="en-US" sz="2400" baseline="30000" dirty="0" smtClean="0"/>
+              <a:t>–3</a:t>
+            </a:r>
+            <a:r>
+              <a:rPr lang="en-US" altLang="en-US" sz="2400" dirty="0" smtClean="0"/>
+              <a:t>  = –</a:t>
+            </a:r>
+            <a:r>
+              <a:rPr lang="en-US" altLang="en-US" sz="2400" dirty="0" smtClean="0"/>
+              <a:t>0.21875</a:t>
+            </a:r>
+            <a:endParaRPr lang="en-US" altLang="en-US" sz="2400" dirty="0" smtClean="0"/>
+          </a:p>
+        </p:txBody>
+      </p:sp>
+      <p:sp>
+        <p:nvSpPr>
+          <p:cNvPr id="3" name="Номер слайда 2"/>
+          <p:cNvSpPr>
+            <a:spLocks noGrp="1"/>
+          </p:cNvSpPr>
+          <p:nvPr>
+            <p:ph type="sldNum" sz="quarter" idx="12"/>
+          </p:nvPr>
+        </p:nvSpPr>
+        <p:spPr/>
+        <p:txBody>
+          <a:bodyPr/>
+          <a:lstStyle/>
+          <a:p>
+            <a:pPr algn="ctr"/>
+            <a:fld id="{1397BFD8-F312-4EF2-A268-44FB4BDDBBB0}" type="slidenum">
+              <a:rPr lang="ru-RU" smtClean="0"/>
+              <a:pPr algn="ctr"/>
+              <a:t>17</a:t>
+            </a:fld>
+            <a:endParaRPr lang="ru-RU" dirty="0"/>
+          </a:p>
+        </p:txBody>
+      </p:sp>
+      <p:sp>
+        <p:nvSpPr>
+          <p:cNvPr id="4" name="Заголовок 3"/>
+          <p:cNvSpPr>
+            <a:spLocks noGrp="1"/>
+          </p:cNvSpPr>
+          <p:nvPr>
+            <p:ph type="title"/>
+          </p:nvPr>
+        </p:nvSpPr>
+        <p:spPr/>
+        <p:txBody>
+          <a:bodyPr/>
+          <a:lstStyle/>
+          <a:p>
+            <a:r>
+              <a:rPr lang="en-US" dirty="0" smtClean="0"/>
+              <a:t>Floating-Point Multiplication</a:t>
+            </a:r>
+            <a:endParaRPr lang="ru-RU" dirty="0"/>
+          </a:p>
+        </p:txBody>
+      </p:sp>
+    </p:spTree>
+  </p:cSld>
+  <p:clrMapOvr>
+    <a:masterClrMapping/>
+  </p:clrMapOvr>
+  <p:timing>
+    <p:tnLst>
+      <p:par>
+        <p:cTn id="1" dur="indefinite" restart="never" nodeType="tmRoot"/>
+      </p:par>
+    </p:tnLst>
+  </p:timing>
+</p:sld>
+</file>
+
+<file path=ppt/slides/slide18.xml><?xml version="1.0" encoding="utf-8"?>
+<p:sld xmlns:a="http://schemas.openxmlformats.org/drawingml/2006/main" xmlns:r="http://schemas.openxmlformats.org/officeDocument/2006/relationships" xmlns:p="http://schemas.openxmlformats.org/presentationml/2006/main">
+  <p:cSld>
+    <p:spTree>
+      <p:nvGrpSpPr>
+        <p:cNvPr id="1" name=""/>
+        <p:cNvGrpSpPr/>
+        <p:nvPr/>
+      </p:nvGrpSpPr>
+      <p:grpSpPr>
+        <a:xfrm>
+          <a:off x="0" y="0"/>
+          <a:ext cx="0" cy="0"/>
+          <a:chOff x="0" y="0"/>
+          <a:chExt cx="0" cy="0"/>
+        </a:xfrm>
+      </p:grpSpPr>
+      <p:sp>
+        <p:nvSpPr>
+          <p:cNvPr id="2" name="Содержимое 1"/>
+          <p:cNvSpPr>
+            <a:spLocks noGrp="1"/>
+          </p:cNvSpPr>
+          <p:nvPr>
+            <p:ph idx="1"/>
+          </p:nvPr>
+        </p:nvSpPr>
+        <p:spPr/>
+        <p:txBody>
+          <a:bodyPr/>
+          <a:lstStyle/>
+          <a:p>
+            <a:r>
+              <a:rPr lang="en-US" altLang="en-US" dirty="0" smtClean="0"/>
+              <a:t>FP multiplier is of similar complexity to FP adder</a:t>
+            </a:r>
+          </a:p>
+          <a:p>
+            <a:pPr lvl="1"/>
+            <a:r>
+              <a:rPr lang="en-US" altLang="en-US" dirty="0" smtClean="0"/>
+              <a:t>But uses a multiplier for </a:t>
+            </a:r>
+            <a:r>
+              <a:rPr lang="en-US" altLang="en-US" dirty="0" err="1" smtClean="0"/>
+              <a:t>significands</a:t>
+            </a:r>
+            <a:r>
+              <a:rPr lang="en-US" altLang="en-US" dirty="0" smtClean="0"/>
+              <a:t> instead of an adder</a:t>
+            </a:r>
+          </a:p>
+          <a:p>
+            <a:r>
+              <a:rPr lang="en-US" altLang="en-US" dirty="0" smtClean="0"/>
+              <a:t>FP arithmetic hardware usually does</a:t>
+            </a:r>
+          </a:p>
+          <a:p>
+            <a:pPr lvl="1"/>
+            <a:r>
+              <a:rPr lang="en-US" altLang="en-US" dirty="0" smtClean="0"/>
+              <a:t>Addition, subtraction, multiplication, division, reciprocal, square-root</a:t>
+            </a:r>
+          </a:p>
+          <a:p>
+            <a:pPr lvl="1"/>
+            <a:r>
+              <a:rPr lang="en-US" altLang="en-US" dirty="0" smtClean="0"/>
+              <a:t>FP </a:t>
+            </a:r>
+            <a:r>
+              <a:rPr lang="en-US" altLang="en-US" dirty="0" smtClean="0">
+                <a:sym typeface="Symbol" pitchFamily="18" charset="2"/>
+              </a:rPr>
+              <a:t> integer conversion</a:t>
+            </a:r>
+          </a:p>
+          <a:p>
+            <a:r>
+              <a:rPr lang="en-US" altLang="en-US" dirty="0" smtClean="0"/>
+              <a:t>Operations usually takes several cycles</a:t>
+            </a:r>
+          </a:p>
+          <a:p>
+            <a:pPr lvl="1"/>
+            <a:r>
+              <a:rPr lang="en-US" altLang="en-US" dirty="0" smtClean="0"/>
+              <a:t>Can be </a:t>
+            </a:r>
+            <a:r>
+              <a:rPr lang="en-US" altLang="en-US" dirty="0" smtClean="0"/>
+              <a:t>pipelined</a:t>
+            </a:r>
+            <a:endParaRPr lang="ru-RU" dirty="0"/>
+          </a:p>
+        </p:txBody>
+      </p:sp>
+      <p:sp>
+        <p:nvSpPr>
+          <p:cNvPr id="3" name="Номер слайда 2"/>
+          <p:cNvSpPr>
+            <a:spLocks noGrp="1"/>
+          </p:cNvSpPr>
+          <p:nvPr>
+            <p:ph type="sldNum" sz="quarter" idx="12"/>
+          </p:nvPr>
+        </p:nvSpPr>
+        <p:spPr/>
+        <p:txBody>
+          <a:bodyPr/>
+          <a:lstStyle/>
+          <a:p>
+            <a:pPr algn="ctr"/>
+            <a:fld id="{1397BFD8-F312-4EF2-A268-44FB4BDDBBB0}" type="slidenum">
+              <a:rPr lang="ru-RU" smtClean="0"/>
+              <a:pPr algn="ctr"/>
+              <a:t>18</a:t>
+            </a:fld>
+            <a:endParaRPr lang="ru-RU" dirty="0"/>
+          </a:p>
+        </p:txBody>
+      </p:sp>
+      <p:sp>
+        <p:nvSpPr>
+          <p:cNvPr id="4" name="Заголовок 3"/>
+          <p:cNvSpPr>
+            <a:spLocks noGrp="1"/>
+          </p:cNvSpPr>
+          <p:nvPr>
+            <p:ph type="title"/>
+          </p:nvPr>
+        </p:nvSpPr>
+        <p:spPr/>
+        <p:txBody>
+          <a:bodyPr/>
+          <a:lstStyle/>
+          <a:p>
+            <a:r>
+              <a:rPr lang="en-US" altLang="en-US" dirty="0" smtClean="0"/>
+              <a:t>FP Arithmetic Hardware</a:t>
+            </a:r>
+            <a:endParaRPr lang="ru-RU" dirty="0"/>
+          </a:p>
+        </p:txBody>
+      </p:sp>
+    </p:spTree>
+  </p:cSld>
+  <p:clrMapOvr>
+    <a:masterClrMapping/>
+  </p:clrMapOvr>
+  <p:timing>
+    <p:tnLst>
+      <p:par>
+        <p:cTn id="1" dur="indefinite" restart="never" nodeType="tmRoot"/>
+      </p:par>
+    </p:tnLst>
+  </p:timing>
+</p:sld>
+</file>
+
+<file path=ppt/slides/slide19.xml><?xml version="1.0" encoding="utf-8"?>
+<p:sld xmlns:a="http://schemas.openxmlformats.org/drawingml/2006/main" xmlns:r="http://schemas.openxmlformats.org/officeDocument/2006/relationships" xmlns:p="http://schemas.openxmlformats.org/presentationml/2006/main">
+  <p:cSld>
+    <p:spTree>
+      <p:nvGrpSpPr>
+        <p:cNvPr id="1" name=""/>
+        <p:cNvGrpSpPr/>
+        <p:nvPr/>
+      </p:nvGrpSpPr>
+      <p:grpSpPr>
+        <a:xfrm>
+          <a:off x="0" y="0"/>
+          <a:ext cx="0" cy="0"/>
+          <a:chOff x="0" y="0"/>
+          <a:chExt cx="0" cy="0"/>
+        </a:xfrm>
+      </p:grpSpPr>
+      <p:sp>
+        <p:nvSpPr>
+          <p:cNvPr id="2" name="Содержимое 1"/>
+          <p:cNvSpPr>
+            <a:spLocks noGrp="1"/>
+          </p:cNvSpPr>
+          <p:nvPr>
+            <p:ph idx="1"/>
+          </p:nvPr>
+        </p:nvSpPr>
+        <p:spPr>
+          <a:xfrm>
+            <a:off x="838200" y="1178053"/>
+            <a:ext cx="10515600" cy="4902113"/>
+          </a:xfrm>
+        </p:spPr>
+        <p:txBody>
+          <a:bodyPr>
+            <a:normAutofit/>
+          </a:bodyPr>
+          <a:lstStyle/>
+          <a:p>
+            <a:r>
+              <a:rPr lang="en-AU" altLang="en-US" dirty="0" smtClean="0"/>
+              <a:t>Parallel programs may interleave operations in unexpected orders</a:t>
+            </a:r>
+          </a:p>
+          <a:p>
+            <a:pPr lvl="1"/>
+            <a:r>
+              <a:rPr lang="en-AU" altLang="en-US" dirty="0" smtClean="0"/>
+              <a:t>Assumptions of </a:t>
+            </a:r>
+            <a:r>
+              <a:rPr lang="en-AU" altLang="en-US" dirty="0" err="1" smtClean="0"/>
+              <a:t>associativity</a:t>
+            </a:r>
+            <a:r>
+              <a:rPr lang="en-AU" altLang="en-US" dirty="0" smtClean="0"/>
+              <a:t> may </a:t>
+            </a:r>
+            <a:r>
+              <a:rPr lang="en-AU" altLang="en-US" dirty="0" smtClean="0"/>
+              <a:t>fail</a:t>
+            </a:r>
+          </a:p>
+          <a:p>
+            <a:pPr lvl="1"/>
+            <a:endParaRPr lang="en-AU" altLang="en-US" dirty="0" smtClean="0"/>
+          </a:p>
+          <a:p>
+            <a:pPr lvl="1"/>
+            <a:endParaRPr lang="en-AU" altLang="en-US" dirty="0" smtClean="0"/>
+          </a:p>
+          <a:p>
+            <a:pPr lvl="1"/>
+            <a:endParaRPr lang="en-AU" altLang="en-US" dirty="0" smtClean="0"/>
+          </a:p>
+          <a:p>
+            <a:pPr lvl="1"/>
+            <a:endParaRPr lang="en-AU" altLang="en-US" dirty="0" smtClean="0"/>
+          </a:p>
+          <a:p>
+            <a:r>
+              <a:rPr lang="en-AU" altLang="en-US" dirty="0" smtClean="0"/>
+              <a:t>Need to validate parallel programs under varying degrees of parallelism</a:t>
+            </a:r>
+          </a:p>
+          <a:p>
+            <a:endParaRPr lang="ru-RU" dirty="0"/>
+          </a:p>
+        </p:txBody>
+      </p:sp>
+      <p:sp>
+        <p:nvSpPr>
+          <p:cNvPr id="3" name="Номер слайда 2"/>
+          <p:cNvSpPr>
+            <a:spLocks noGrp="1"/>
+          </p:cNvSpPr>
+          <p:nvPr>
+            <p:ph type="sldNum" sz="quarter" idx="12"/>
+          </p:nvPr>
+        </p:nvSpPr>
+        <p:spPr/>
+        <p:txBody>
+          <a:bodyPr/>
+          <a:lstStyle/>
+          <a:p>
+            <a:pPr algn="ctr"/>
+            <a:fld id="{1397BFD8-F312-4EF2-A268-44FB4BDDBBB0}" type="slidenum">
+              <a:rPr lang="ru-RU" smtClean="0"/>
+              <a:pPr algn="ctr"/>
+              <a:t>19</a:t>
+            </a:fld>
+            <a:endParaRPr lang="ru-RU" dirty="0"/>
+          </a:p>
+        </p:txBody>
+      </p:sp>
+      <p:sp>
+        <p:nvSpPr>
+          <p:cNvPr id="4" name="Заголовок 3"/>
+          <p:cNvSpPr>
+            <a:spLocks noGrp="1"/>
+          </p:cNvSpPr>
+          <p:nvPr>
+            <p:ph type="title"/>
+          </p:nvPr>
+        </p:nvSpPr>
+        <p:spPr/>
+        <p:txBody>
+          <a:bodyPr/>
+          <a:lstStyle/>
+          <a:p>
+            <a:r>
+              <a:rPr lang="en-AU" altLang="en-US" dirty="0" err="1" smtClean="0"/>
+              <a:t>Associativity</a:t>
+            </a:r>
+            <a:endParaRPr lang="ru-RU" dirty="0"/>
+          </a:p>
+        </p:txBody>
+      </p:sp>
+      <p:graphicFrame>
+        <p:nvGraphicFramePr>
+          <p:cNvPr id="20484" name="Object 5"/>
+          <p:cNvGraphicFramePr>
+            <a:graphicFrameLocks noChangeAspect="1"/>
+          </p:cNvGraphicFramePr>
+          <p:nvPr/>
+        </p:nvGraphicFramePr>
+        <p:xfrm>
+          <a:off x="3624201" y="2840924"/>
+          <a:ext cx="5238750" cy="1914525"/>
+        </p:xfrm>
+        <a:graphic>
+          <a:graphicData uri="http://schemas.openxmlformats.org/presentationml/2006/ole">
+            <p:oleObj spid="_x0000_s20484" name="Worksheet" r:id="rId3" imgW="5305330" imgH="1914573" progId="Excel.Sheet.8">
+              <p:embed/>
+            </p:oleObj>
+          </a:graphicData>
+        </a:graphic>
+      </p:graphicFrame>
+    </p:spTree>
+  </p:cSld>
+  <p:clrMapOvr>
+    <a:masterClrMapping/>
+  </p:clrMapOvr>
 </p:sld>
 </file>
 
@@ -4900,8 +7125,8 @@
               </a:spcAft>
               <a:buClrTx/>
               <a:buSzTx/>
-              <a:buFont typeface="Arial" panose="020B0604020202020204" pitchFamily="34" charset="0"/>
-              <a:buChar char="•"/>
+              <a:buFont typeface="Wingdings" pitchFamily="2" charset="2"/>
+              <a:buChar char="§"/>
               <a:tabLst/>
               <a:defRPr/>
             </a:pPr>
@@ -4934,10 +7159,12 @@
               <a:spcAft>
                 <a:spcPts val="0"/>
               </a:spcAft>
-              <a:buClrTx/>
+              <a:buClr>
+                <a:srgbClr val="F7B217"/>
+              </a:buClr>
               <a:buSzTx/>
-              <a:buFont typeface="Arial" panose="020B0604020202020204" pitchFamily="34" charset="0"/>
-              <a:buChar char="•"/>
+              <a:buFont typeface="Wingdings" pitchFamily="2" charset="2"/>
+              <a:buChar char="§"/>
               <a:tabLst/>
               <a:defRPr/>
             </a:pPr>
@@ -5040,8 +7267,8 @@
               </a:spcAft>
               <a:buClrTx/>
               <a:buSzTx/>
-              <a:buFont typeface="Arial" panose="020B0604020202020204" pitchFamily="34" charset="0"/>
-              <a:buChar char="•"/>
+              <a:buFont typeface="Wingdings" pitchFamily="2" charset="2"/>
+              <a:buChar char="§"/>
               <a:tabLst/>
               <a:defRPr/>
             </a:pPr>
@@ -5074,10 +7301,12 @@
               <a:spcAft>
                 <a:spcPts val="0"/>
               </a:spcAft>
-              <a:buClrTx/>
+              <a:buClr>
+                <a:srgbClr val="F7B217"/>
+              </a:buClr>
               <a:buSzTx/>
-              <a:buFont typeface="Arial" panose="020B0604020202020204" pitchFamily="34" charset="0"/>
-              <a:buChar char="•"/>
+              <a:buFont typeface="Wingdings" pitchFamily="2" charset="2"/>
+              <a:buChar char="§"/>
               <a:tabLst/>
               <a:defRPr/>
             </a:pPr>
@@ -5141,10 +7370,12 @@
               <a:spcAft>
                 <a:spcPts val="0"/>
               </a:spcAft>
-              <a:buClrTx/>
+              <a:buClr>
+                <a:srgbClr val="F7B217"/>
+              </a:buClr>
               <a:buSzTx/>
-              <a:buFont typeface="Arial" panose="020B0604020202020204" pitchFamily="34" charset="0"/>
-              <a:buChar char="•"/>
+              <a:buFont typeface="Wingdings" pitchFamily="2" charset="2"/>
+              <a:buChar char="§"/>
               <a:tabLst/>
               <a:defRPr/>
             </a:pPr>
@@ -5208,10 +7439,12 @@
               <a:spcAft>
                 <a:spcPts val="0"/>
               </a:spcAft>
-              <a:buClrTx/>
+              <a:buClr>
+                <a:srgbClr val="F7B217"/>
+              </a:buClr>
               <a:buSzTx/>
-              <a:buFont typeface="Arial" panose="020B0604020202020204" pitchFamily="34" charset="0"/>
-              <a:buChar char="•"/>
+              <a:buFont typeface="Wingdings" pitchFamily="2" charset="2"/>
+              <a:buChar char="§"/>
               <a:tabLst/>
               <a:defRPr/>
             </a:pPr>
@@ -5277,8 +7510,8 @@
               </a:spcAft>
               <a:buClrTx/>
               <a:buSzTx/>
-              <a:buFont typeface="Arial" panose="020B0604020202020204" pitchFamily="34" charset="0"/>
-              <a:buChar char="•"/>
+              <a:buFont typeface="Wingdings" pitchFamily="2" charset="2"/>
+              <a:buChar char="§"/>
               <a:tabLst/>
               <a:defRPr/>
             </a:pPr>
@@ -5313,8 +7546,8 @@
               </a:spcAft>
               <a:buClrTx/>
               <a:buSzTx/>
-              <a:buFont typeface="Arial" panose="020B0604020202020204" pitchFamily="34" charset="0"/>
-              <a:buChar char="•"/>
+              <a:buFont typeface="Wingdings" pitchFamily="2" charset="2"/>
+              <a:buChar char="§"/>
               <a:tabLst/>
               <a:defRPr/>
             </a:pPr>
@@ -5417,8 +7650,8 @@
               </a:spcAft>
               <a:buClrTx/>
               <a:buSzTx/>
-              <a:buFont typeface="Arial" panose="020B0604020202020204" pitchFamily="34" charset="0"/>
-              <a:buChar char="•"/>
+              <a:buFont typeface="Wingdings" pitchFamily="2" charset="2"/>
+              <a:buChar char="§"/>
               <a:tabLst/>
               <a:defRPr/>
             </a:pPr>
@@ -5667,6 +7900,1020 @@
         </p:txBody>
       </p:sp>
     </p:spTree>
+  </p:cSld>
+  <p:clrMapOvr>
+    <a:masterClrMapping/>
+  </p:clrMapOvr>
+  <p:timing>
+    <p:tnLst>
+      <p:par>
+        <p:cTn id="1" dur="indefinite" restart="never" nodeType="tmRoot"/>
+      </p:par>
+    </p:tnLst>
+  </p:timing>
+</p:sld>
+</file>
+
+<file path=ppt/slides/slide20.xml><?xml version="1.0" encoding="utf-8"?>
+<p:sld xmlns:a="http://schemas.openxmlformats.org/drawingml/2006/main" xmlns:r="http://schemas.openxmlformats.org/officeDocument/2006/relationships" xmlns:p="http://schemas.openxmlformats.org/presentationml/2006/main">
+  <p:cSld>
+    <p:spTree>
+      <p:nvGrpSpPr>
+        <p:cNvPr id="1" name=""/>
+        <p:cNvGrpSpPr/>
+        <p:nvPr/>
+      </p:nvGrpSpPr>
+      <p:grpSpPr>
+        <a:xfrm>
+          <a:off x="0" y="0"/>
+          <a:ext cx="0" cy="0"/>
+          <a:chOff x="0" y="0"/>
+          <a:chExt cx="0" cy="0"/>
+        </a:xfrm>
+      </p:grpSpPr>
+      <p:sp>
+        <p:nvSpPr>
+          <p:cNvPr id="2" name="Содержимое 1"/>
+          <p:cNvSpPr>
+            <a:spLocks noGrp="1"/>
+          </p:cNvSpPr>
+          <p:nvPr>
+            <p:ph idx="1"/>
+          </p:nvPr>
+        </p:nvSpPr>
+        <p:spPr/>
+        <p:txBody>
+          <a:bodyPr/>
+          <a:lstStyle/>
+          <a:p>
+            <a:r>
+              <a:rPr lang="en-US" altLang="en-US" dirty="0" smtClean="0"/>
+              <a:t>Important for scientific code</a:t>
+            </a:r>
+          </a:p>
+          <a:p>
+            <a:pPr lvl="1"/>
+            <a:r>
+              <a:rPr lang="en-US" altLang="en-US" dirty="0" smtClean="0"/>
+              <a:t>But for everyday consumer use?</a:t>
+            </a:r>
+          </a:p>
+          <a:p>
+            <a:pPr lvl="2"/>
+            <a:r>
+              <a:rPr lang="en-US" altLang="en-US" dirty="0" smtClean="0"/>
+              <a:t>“My bank balance is out by 0.0002¢!” </a:t>
+            </a:r>
+            <a:r>
+              <a:rPr lang="en-US" altLang="en-US" dirty="0" smtClean="0">
+                <a:sym typeface="Wingdings" pitchFamily="2" charset="2"/>
+              </a:rPr>
+              <a:t></a:t>
+            </a:r>
+          </a:p>
+          <a:p>
+            <a:pPr lvl="2"/>
+            <a:endParaRPr lang="en-US" altLang="en-US" dirty="0" smtClean="0">
+              <a:sym typeface="Wingdings" pitchFamily="2" charset="2"/>
+            </a:endParaRPr>
+          </a:p>
+          <a:p>
+            <a:r>
+              <a:rPr lang="en-US" altLang="en-US" dirty="0" smtClean="0"/>
+              <a:t>The Intel Pentium FDIV bug</a:t>
+            </a:r>
+          </a:p>
+          <a:p>
+            <a:pPr lvl="1"/>
+            <a:r>
+              <a:rPr lang="en-US" altLang="en-US" dirty="0" smtClean="0"/>
+              <a:t>The market expects accuracy</a:t>
+            </a:r>
+          </a:p>
+          <a:p>
+            <a:pPr lvl="1"/>
+            <a:r>
+              <a:rPr lang="en-US" altLang="en-US" dirty="0" smtClean="0"/>
+              <a:t>See Colwell, </a:t>
+            </a:r>
+            <a:r>
+              <a:rPr lang="en-US" altLang="en-US" i="1" dirty="0" smtClean="0"/>
+              <a:t>The Pentium Chronicles</a:t>
+            </a:r>
+            <a:endParaRPr lang="en-US" altLang="en-US" dirty="0" smtClean="0"/>
+          </a:p>
+          <a:p>
+            <a:endParaRPr lang="ru-RU" dirty="0"/>
+          </a:p>
+        </p:txBody>
+      </p:sp>
+      <p:sp>
+        <p:nvSpPr>
+          <p:cNvPr id="3" name="Номер слайда 2"/>
+          <p:cNvSpPr>
+            <a:spLocks noGrp="1"/>
+          </p:cNvSpPr>
+          <p:nvPr>
+            <p:ph type="sldNum" sz="quarter" idx="12"/>
+          </p:nvPr>
+        </p:nvSpPr>
+        <p:spPr/>
+        <p:txBody>
+          <a:bodyPr/>
+          <a:lstStyle/>
+          <a:p>
+            <a:pPr algn="ctr"/>
+            <a:fld id="{1397BFD8-F312-4EF2-A268-44FB4BDDBBB0}" type="slidenum">
+              <a:rPr lang="ru-RU" smtClean="0"/>
+              <a:pPr algn="ctr"/>
+              <a:t>20</a:t>
+            </a:fld>
+            <a:endParaRPr lang="ru-RU" dirty="0"/>
+          </a:p>
+        </p:txBody>
+      </p:sp>
+      <p:sp>
+        <p:nvSpPr>
+          <p:cNvPr id="4" name="Заголовок 3"/>
+          <p:cNvSpPr>
+            <a:spLocks noGrp="1"/>
+          </p:cNvSpPr>
+          <p:nvPr>
+            <p:ph type="title"/>
+          </p:nvPr>
+        </p:nvSpPr>
+        <p:spPr/>
+        <p:txBody>
+          <a:bodyPr/>
+          <a:lstStyle/>
+          <a:p>
+            <a:r>
+              <a:rPr lang="en-US" altLang="en-US" dirty="0" smtClean="0"/>
+              <a:t>Who Cares About FP Accuracy?</a:t>
+            </a:r>
+            <a:endParaRPr lang="ru-RU" dirty="0"/>
+          </a:p>
+        </p:txBody>
+      </p:sp>
+    </p:spTree>
+  </p:cSld>
+  <p:clrMapOvr>
+    <a:masterClrMapping/>
+  </p:clrMapOvr>
+  <p:timing>
+    <p:tnLst>
+      <p:par>
+        <p:cTn id="1" dur="indefinite" restart="never" nodeType="tmRoot"/>
+      </p:par>
+    </p:tnLst>
+  </p:timing>
+</p:sld>
+</file>
+
+<file path=ppt/slides/slide21.xml><?xml version="1.0" encoding="utf-8"?>
+<p:sld xmlns:a="http://schemas.openxmlformats.org/drawingml/2006/main" xmlns:r="http://schemas.openxmlformats.org/officeDocument/2006/relationships" xmlns:p="http://schemas.openxmlformats.org/presentationml/2006/main">
+  <p:cSld>
+    <p:spTree>
+      <p:nvGrpSpPr>
+        <p:cNvPr id="1" name=""/>
+        <p:cNvGrpSpPr/>
+        <p:nvPr/>
+      </p:nvGrpSpPr>
+      <p:grpSpPr>
+        <a:xfrm>
+          <a:off x="0" y="0"/>
+          <a:ext cx="0" cy="0"/>
+          <a:chOff x="0" y="0"/>
+          <a:chExt cx="0" cy="0"/>
+        </a:xfrm>
+      </p:grpSpPr>
+      <p:sp>
+        <p:nvSpPr>
+          <p:cNvPr id="2" name="Содержимое 1"/>
+          <p:cNvSpPr>
+            <a:spLocks noGrp="1"/>
+          </p:cNvSpPr>
+          <p:nvPr>
+            <p:ph idx="1"/>
+          </p:nvPr>
+        </p:nvSpPr>
+        <p:spPr/>
+        <p:txBody>
+          <a:bodyPr/>
+          <a:lstStyle/>
+          <a:p>
+            <a:r>
+              <a:rPr lang="en-AU" altLang="en-US" dirty="0" smtClean="0"/>
+              <a:t>Bits have no inherent meaning</a:t>
+            </a:r>
+          </a:p>
+          <a:p>
+            <a:pPr lvl="1"/>
+            <a:r>
+              <a:rPr lang="en-AU" altLang="en-US" dirty="0" smtClean="0"/>
+              <a:t>Interpretation depends on the instructions applied</a:t>
+            </a:r>
+          </a:p>
+          <a:p>
+            <a:pPr lvl="1"/>
+            <a:endParaRPr lang="en-AU" altLang="en-US" dirty="0" smtClean="0"/>
+          </a:p>
+          <a:p>
+            <a:r>
+              <a:rPr lang="en-AU" altLang="en-US" dirty="0" smtClean="0"/>
+              <a:t>Computer representations of numbers</a:t>
+            </a:r>
+          </a:p>
+          <a:p>
+            <a:pPr lvl="1"/>
+            <a:r>
+              <a:rPr lang="en-AU" altLang="en-US" dirty="0" smtClean="0"/>
+              <a:t>Finite range and precision</a:t>
+            </a:r>
+          </a:p>
+          <a:p>
+            <a:pPr lvl="1"/>
+            <a:r>
+              <a:rPr lang="en-AU" altLang="en-US" dirty="0" smtClean="0"/>
+              <a:t>Need to account for this in programs</a:t>
+            </a:r>
+          </a:p>
+          <a:p>
+            <a:endParaRPr lang="ru-RU" dirty="0"/>
+          </a:p>
+        </p:txBody>
+      </p:sp>
+      <p:sp>
+        <p:nvSpPr>
+          <p:cNvPr id="3" name="Номер слайда 2"/>
+          <p:cNvSpPr>
+            <a:spLocks noGrp="1"/>
+          </p:cNvSpPr>
+          <p:nvPr>
+            <p:ph type="sldNum" sz="quarter" idx="12"/>
+          </p:nvPr>
+        </p:nvSpPr>
+        <p:spPr/>
+        <p:txBody>
+          <a:bodyPr/>
+          <a:lstStyle/>
+          <a:p>
+            <a:pPr algn="ctr"/>
+            <a:fld id="{1397BFD8-F312-4EF2-A268-44FB4BDDBBB0}" type="slidenum">
+              <a:rPr lang="ru-RU" smtClean="0"/>
+              <a:pPr algn="ctr"/>
+              <a:t>21</a:t>
+            </a:fld>
+            <a:endParaRPr lang="ru-RU" dirty="0"/>
+          </a:p>
+        </p:txBody>
+      </p:sp>
+      <p:sp>
+        <p:nvSpPr>
+          <p:cNvPr id="4" name="Заголовок 3"/>
+          <p:cNvSpPr>
+            <a:spLocks noGrp="1"/>
+          </p:cNvSpPr>
+          <p:nvPr>
+            <p:ph type="title"/>
+          </p:nvPr>
+        </p:nvSpPr>
+        <p:spPr/>
+        <p:txBody>
+          <a:bodyPr/>
+          <a:lstStyle/>
+          <a:p>
+            <a:r>
+              <a:rPr lang="en-US" altLang="en-US" dirty="0" smtClean="0"/>
+              <a:t>Concluding Remarks</a:t>
+            </a:r>
+            <a:endParaRPr lang="ru-RU" dirty="0"/>
+          </a:p>
+        </p:txBody>
+      </p:sp>
+    </p:spTree>
+  </p:cSld>
+  <p:clrMapOvr>
+    <a:masterClrMapping/>
+  </p:clrMapOvr>
+  <p:timing>
+    <p:tnLst>
+      <p:par>
+        <p:cTn id="1" dur="indefinite" restart="never" nodeType="tmRoot"/>
+      </p:par>
+    </p:tnLst>
+  </p:timing>
+</p:sld>
+</file>
+
+<file path=ppt/slides/slide22.xml><?xml version="1.0" encoding="utf-8"?>
+<p:sld xmlns:a="http://schemas.openxmlformats.org/drawingml/2006/main" xmlns:r="http://schemas.openxmlformats.org/officeDocument/2006/relationships" xmlns:p="http://schemas.openxmlformats.org/presentationml/2006/main">
+  <p:cSld>
+    <p:spTree>
+      <p:nvGrpSpPr>
+        <p:cNvPr id="1" name=""/>
+        <p:cNvGrpSpPr/>
+        <p:nvPr/>
+      </p:nvGrpSpPr>
+      <p:grpSpPr>
+        <a:xfrm>
+          <a:off x="0" y="0"/>
+          <a:ext cx="0" cy="0"/>
+          <a:chOff x="0" y="0"/>
+          <a:chExt cx="0" cy="0"/>
+        </a:xfrm>
+      </p:grpSpPr>
+      <p:sp>
+        <p:nvSpPr>
+          <p:cNvPr id="2" name="Содержимое 1"/>
+          <p:cNvSpPr>
+            <a:spLocks noGrp="1"/>
+          </p:cNvSpPr>
+          <p:nvPr>
+            <p:ph idx="1"/>
+          </p:nvPr>
+        </p:nvSpPr>
+        <p:spPr/>
+        <p:txBody>
+          <a:bodyPr/>
+          <a:lstStyle/>
+          <a:p>
+            <a:r>
+              <a:rPr lang="en-US" altLang="en-US" dirty="0" smtClean="0"/>
+              <a:t>ISAs support arithmetic</a:t>
+            </a:r>
+          </a:p>
+          <a:p>
+            <a:pPr lvl="1"/>
+            <a:r>
+              <a:rPr lang="en-US" altLang="en-US" dirty="0" smtClean="0"/>
+              <a:t>Signed and unsigned integers</a:t>
+            </a:r>
+          </a:p>
+          <a:p>
+            <a:pPr lvl="1"/>
+            <a:r>
+              <a:rPr lang="en-US" altLang="en-US" dirty="0" smtClean="0"/>
+              <a:t>Floating-point approximation to </a:t>
+            </a:r>
+            <a:r>
+              <a:rPr lang="en-US" altLang="en-US" dirty="0" err="1" smtClean="0"/>
+              <a:t>reals</a:t>
+            </a:r>
+            <a:endParaRPr lang="en-US" altLang="en-US" dirty="0" smtClean="0"/>
+          </a:p>
+          <a:p>
+            <a:pPr lvl="1"/>
+            <a:endParaRPr lang="en-US" altLang="en-US" dirty="0" smtClean="0"/>
+          </a:p>
+          <a:p>
+            <a:r>
+              <a:rPr lang="en-US" altLang="en-US" dirty="0" smtClean="0"/>
+              <a:t>Bounded range and precision</a:t>
+            </a:r>
+          </a:p>
+          <a:p>
+            <a:pPr lvl="1"/>
+            <a:r>
+              <a:rPr lang="en-US" altLang="en-US" dirty="0" smtClean="0"/>
+              <a:t>Operations can overflow and underflow</a:t>
+            </a:r>
+          </a:p>
+          <a:p>
+            <a:endParaRPr lang="ru-RU" dirty="0"/>
+          </a:p>
+        </p:txBody>
+      </p:sp>
+      <p:sp>
+        <p:nvSpPr>
+          <p:cNvPr id="3" name="Номер слайда 2"/>
+          <p:cNvSpPr>
+            <a:spLocks noGrp="1"/>
+          </p:cNvSpPr>
+          <p:nvPr>
+            <p:ph type="sldNum" sz="quarter" idx="12"/>
+          </p:nvPr>
+        </p:nvSpPr>
+        <p:spPr/>
+        <p:txBody>
+          <a:bodyPr/>
+          <a:lstStyle/>
+          <a:p>
+            <a:pPr algn="ctr"/>
+            <a:fld id="{1397BFD8-F312-4EF2-A268-44FB4BDDBBB0}" type="slidenum">
+              <a:rPr lang="ru-RU" smtClean="0"/>
+              <a:pPr algn="ctr"/>
+              <a:t>22</a:t>
+            </a:fld>
+            <a:endParaRPr lang="ru-RU" dirty="0"/>
+          </a:p>
+        </p:txBody>
+      </p:sp>
+      <p:sp>
+        <p:nvSpPr>
+          <p:cNvPr id="4" name="Заголовок 3"/>
+          <p:cNvSpPr>
+            <a:spLocks noGrp="1"/>
+          </p:cNvSpPr>
+          <p:nvPr>
+            <p:ph type="title"/>
+          </p:nvPr>
+        </p:nvSpPr>
+        <p:spPr/>
+        <p:txBody>
+          <a:bodyPr/>
+          <a:lstStyle/>
+          <a:p>
+            <a:r>
+              <a:rPr lang="en-US" altLang="en-US" dirty="0" smtClean="0"/>
+              <a:t>Concluding Remarks</a:t>
+            </a:r>
+            <a:endParaRPr lang="ru-RU" dirty="0"/>
+          </a:p>
+        </p:txBody>
+      </p:sp>
+    </p:spTree>
+  </p:cSld>
+  <p:clrMapOvr>
+    <a:masterClrMapping/>
+  </p:clrMapOvr>
+  <p:timing>
+    <p:tnLst>
+      <p:par>
+        <p:cTn id="1" dur="indefinite" restart="never" nodeType="tmRoot"/>
+      </p:par>
+    </p:tnLst>
+  </p:timing>
+</p:sld>
+</file>
+
+<file path=ppt/slides/slide23.xml><?xml version="1.0" encoding="utf-8"?>
+<p:sld xmlns:a="http://schemas.openxmlformats.org/drawingml/2006/main" xmlns:r="http://schemas.openxmlformats.org/officeDocument/2006/relationships" xmlns:p="http://schemas.openxmlformats.org/presentationml/2006/main">
+  <p:cSld>
+    <p:spTree>
+      <p:nvGrpSpPr>
+        <p:cNvPr id="1" name=""/>
+        <p:cNvGrpSpPr/>
+        <p:nvPr/>
+      </p:nvGrpSpPr>
+      <p:grpSpPr>
+        <a:xfrm>
+          <a:off x="0" y="0"/>
+          <a:ext cx="0" cy="0"/>
+          <a:chOff x="0" y="0"/>
+          <a:chExt cx="0" cy="0"/>
+        </a:xfrm>
+      </p:grpSpPr>
+      <p:sp>
+        <p:nvSpPr>
+          <p:cNvPr id="4" name="Прямоугольник 3"/>
+          <p:cNvSpPr/>
+          <p:nvPr/>
+        </p:nvSpPr>
+        <p:spPr>
+          <a:xfrm>
+            <a:off x="2664999" y="472120"/>
+            <a:ext cx="7524751" cy="5262979"/>
+          </a:xfrm>
+          <a:prstGeom prst="rect">
+            <a:avLst/>
+          </a:prstGeom>
+          <a:noFill/>
+          <a:ln>
+            <a:noFill/>
+          </a:ln>
+          <a:scene3d>
+            <a:camera prst="perspectiveRelaxed"/>
+            <a:lightRig rig="threePt" dir="t"/>
+          </a:scene3d>
+        </p:spPr>
+        <p:txBody>
+          <a:bodyPr wrap="square" lIns="91440" tIns="45720" rIns="91440" bIns="45720">
+            <a:spAutoFit/>
+          </a:bodyPr>
+          <a:lstStyle/>
+          <a:p>
+            <a:r>
+              <a:rPr lang="en-US" sz="2400" dirty="0" smtClean="0">
+                <a:ln w="0"/>
+                <a:solidFill>
+                  <a:srgbClr val="273272"/>
+                </a:solidFill>
+                <a:effectLst>
+                  <a:reflection blurRad="6350" stA="53000" endA="300" endPos="35500" dir="5400000" sy="-90000" algn="bl" rotWithShape="0"/>
+                </a:effectLst>
+                <a:latin typeface="Courier New" pitchFamily="49" charset="0"/>
+                <a:cs typeface="Courier New" pitchFamily="49" charset="0"/>
+              </a:rPr>
+              <a:t>		</a:t>
+            </a:r>
+          </a:p>
+          <a:p>
+            <a:r>
+              <a:rPr lang="en-US" sz="2400" dirty="0" smtClean="0">
+                <a:ln w="0"/>
+                <a:solidFill>
+                  <a:srgbClr val="273272"/>
+                </a:solidFill>
+                <a:effectLst>
+                  <a:reflection blurRad="6350" stA="53000" endA="300" endPos="35500" dir="5400000" sy="-90000" algn="bl" rotWithShape="0"/>
+                </a:effectLst>
+                <a:latin typeface="Courier New" pitchFamily="49" charset="0"/>
+                <a:cs typeface="Courier New" pitchFamily="49" charset="0"/>
+              </a:rPr>
+              <a:t>		.text</a:t>
+            </a:r>
+          </a:p>
+          <a:p>
+            <a:r>
+              <a:rPr lang="en-US" sz="2400" dirty="0" smtClean="0">
+                <a:ln w="0"/>
+                <a:solidFill>
+                  <a:srgbClr val="273272"/>
+                </a:solidFill>
+                <a:effectLst>
+                  <a:reflection blurRad="6350" stA="53000" endA="300" endPos="35500" dir="5400000" sy="-90000" algn="bl" rotWithShape="0"/>
+                </a:effectLst>
+                <a:latin typeface="Courier New" pitchFamily="49" charset="0"/>
+                <a:cs typeface="Courier New" pitchFamily="49" charset="0"/>
+              </a:rPr>
+              <a:t>__start:	</a:t>
+            </a:r>
+            <a:r>
+              <a:rPr lang="en-US" sz="2400" dirty="0" err="1" smtClean="0">
+                <a:ln w="0"/>
+                <a:solidFill>
+                  <a:srgbClr val="273272"/>
+                </a:solidFill>
+                <a:effectLst>
+                  <a:reflection blurRad="6350" stA="53000" endA="300" endPos="35500" dir="5400000" sy="-90000" algn="bl" rotWithShape="0"/>
+                </a:effectLst>
+                <a:latin typeface="Courier New" pitchFamily="49" charset="0"/>
+                <a:cs typeface="Courier New" pitchFamily="49" charset="0"/>
+              </a:rPr>
+              <a:t>addi</a:t>
+            </a:r>
+            <a:r>
+              <a:rPr lang="en-US" sz="2400" dirty="0" smtClean="0">
+                <a:ln w="0"/>
+                <a:solidFill>
+                  <a:srgbClr val="273272"/>
+                </a:solidFill>
+                <a:effectLst>
+                  <a:reflection blurRad="6350" stA="53000" endA="300" endPos="35500" dir="5400000" sy="-90000" algn="bl" rotWithShape="0"/>
+                </a:effectLst>
+                <a:latin typeface="Courier New" pitchFamily="49" charset="0"/>
+                <a:cs typeface="Courier New" pitchFamily="49" charset="0"/>
+              </a:rPr>
+              <a:t> t1, zero, 0x18</a:t>
+            </a:r>
+          </a:p>
+          <a:p>
+            <a:r>
+              <a:rPr lang="en-US" sz="2400" dirty="0" smtClean="0">
+                <a:ln w="0"/>
+                <a:solidFill>
+                  <a:srgbClr val="273272"/>
+                </a:solidFill>
+                <a:effectLst>
+                  <a:reflection blurRad="6350" stA="53000" endA="300" endPos="35500" dir="5400000" sy="-90000" algn="bl" rotWithShape="0"/>
+                </a:effectLst>
+                <a:latin typeface="Courier New" pitchFamily="49" charset="0"/>
+                <a:cs typeface="Courier New" pitchFamily="49" charset="0"/>
+              </a:rPr>
+              <a:t>		</a:t>
+            </a:r>
+            <a:r>
+              <a:rPr lang="en-US" sz="2400" dirty="0" err="1" smtClean="0">
+                <a:ln w="0"/>
+                <a:solidFill>
+                  <a:srgbClr val="273272"/>
+                </a:solidFill>
+                <a:effectLst>
+                  <a:reflection blurRad="6350" stA="53000" endA="300" endPos="35500" dir="5400000" sy="-90000" algn="bl" rotWithShape="0"/>
+                </a:effectLst>
+                <a:latin typeface="Courier New" pitchFamily="49" charset="0"/>
+                <a:cs typeface="Courier New" pitchFamily="49" charset="0"/>
+              </a:rPr>
+              <a:t>addi</a:t>
+            </a:r>
+            <a:r>
+              <a:rPr lang="en-US" sz="2400" dirty="0" smtClean="0">
+                <a:ln w="0"/>
+                <a:solidFill>
+                  <a:srgbClr val="273272"/>
+                </a:solidFill>
+                <a:effectLst>
+                  <a:reflection blurRad="6350" stA="53000" endA="300" endPos="35500" dir="5400000" sy="-90000" algn="bl" rotWithShape="0"/>
+                </a:effectLst>
+                <a:latin typeface="Courier New" pitchFamily="49" charset="0"/>
+                <a:cs typeface="Courier New" pitchFamily="49" charset="0"/>
+              </a:rPr>
+              <a:t> t2, zero, 0x21</a:t>
+            </a:r>
+          </a:p>
+          <a:p>
+            <a:r>
+              <a:rPr lang="en-US" sz="2400" dirty="0" smtClean="0">
+                <a:ln w="0"/>
+                <a:solidFill>
+                  <a:srgbClr val="273272"/>
+                </a:solidFill>
+                <a:effectLst>
+                  <a:reflection blurRad="6350" stA="53000" endA="300" endPos="35500" dir="5400000" sy="-90000" algn="bl" rotWithShape="0"/>
+                </a:effectLst>
+                <a:latin typeface="Courier New" pitchFamily="49" charset="0"/>
+                <a:cs typeface="Courier New" pitchFamily="49" charset="0"/>
+              </a:rPr>
+              <a:t>cycle:	</a:t>
+            </a:r>
+            <a:r>
+              <a:rPr lang="en-US" sz="2400" dirty="0" err="1" smtClean="0">
+                <a:ln w="0"/>
+                <a:solidFill>
+                  <a:srgbClr val="273272"/>
+                </a:solidFill>
+                <a:effectLst>
+                  <a:reflection blurRad="6350" stA="53000" endA="300" endPos="35500" dir="5400000" sy="-90000" algn="bl" rotWithShape="0"/>
+                </a:effectLst>
+                <a:latin typeface="Courier New" pitchFamily="49" charset="0"/>
+                <a:cs typeface="Courier New" pitchFamily="49" charset="0"/>
+              </a:rPr>
+              <a:t>beq</a:t>
+            </a:r>
+            <a:r>
+              <a:rPr lang="en-US" sz="2400" dirty="0" smtClean="0">
+                <a:ln w="0"/>
+                <a:solidFill>
+                  <a:srgbClr val="273272"/>
+                </a:solidFill>
+                <a:effectLst>
+                  <a:reflection blurRad="6350" stA="53000" endA="300" endPos="35500" dir="5400000" sy="-90000" algn="bl" rotWithShape="0"/>
+                </a:effectLst>
+                <a:latin typeface="Courier New" pitchFamily="49" charset="0"/>
+                <a:cs typeface="Courier New" pitchFamily="49" charset="0"/>
+              </a:rPr>
+              <a:t> t1, t2, done</a:t>
+            </a:r>
+          </a:p>
+          <a:p>
+            <a:r>
+              <a:rPr lang="en-US" sz="2400" dirty="0" smtClean="0">
+                <a:ln w="0"/>
+                <a:solidFill>
+                  <a:srgbClr val="273272"/>
+                </a:solidFill>
+                <a:effectLst>
+                  <a:reflection blurRad="6350" stA="53000" endA="300" endPos="35500" dir="5400000" sy="-90000" algn="bl" rotWithShape="0"/>
+                </a:effectLst>
+                <a:latin typeface="Courier New" pitchFamily="49" charset="0"/>
+                <a:cs typeface="Courier New" pitchFamily="49" charset="0"/>
+              </a:rPr>
+              <a:t>		</a:t>
+            </a:r>
+            <a:r>
+              <a:rPr lang="en-US" sz="2400" dirty="0" err="1" smtClean="0">
+                <a:ln w="0"/>
+                <a:solidFill>
+                  <a:srgbClr val="273272"/>
+                </a:solidFill>
+                <a:effectLst>
+                  <a:reflection blurRad="6350" stA="53000" endA="300" endPos="35500" dir="5400000" sy="-90000" algn="bl" rotWithShape="0"/>
+                </a:effectLst>
+                <a:latin typeface="Courier New" pitchFamily="49" charset="0"/>
+                <a:cs typeface="Courier New" pitchFamily="49" charset="0"/>
+              </a:rPr>
+              <a:t>slt</a:t>
+            </a:r>
+            <a:r>
+              <a:rPr lang="en-US" sz="2400" dirty="0" smtClean="0">
+                <a:ln w="0"/>
+                <a:solidFill>
+                  <a:srgbClr val="273272"/>
+                </a:solidFill>
+                <a:effectLst>
+                  <a:reflection blurRad="6350" stA="53000" endA="300" endPos="35500" dir="5400000" sy="-90000" algn="bl" rotWithShape="0"/>
+                </a:effectLst>
+                <a:latin typeface="Courier New" pitchFamily="49" charset="0"/>
+                <a:cs typeface="Courier New" pitchFamily="49" charset="0"/>
+              </a:rPr>
+              <a:t> t0, t1, t2</a:t>
+            </a:r>
+          </a:p>
+          <a:p>
+            <a:r>
+              <a:rPr lang="en-US" sz="2400" dirty="0" smtClean="0">
+                <a:ln w="0"/>
+                <a:solidFill>
+                  <a:srgbClr val="273272"/>
+                </a:solidFill>
+                <a:effectLst>
+                  <a:reflection blurRad="6350" stA="53000" endA="300" endPos="35500" dir="5400000" sy="-90000" algn="bl" rotWithShape="0"/>
+                </a:effectLst>
+                <a:latin typeface="Courier New" pitchFamily="49" charset="0"/>
+                <a:cs typeface="Courier New" pitchFamily="49" charset="0"/>
+              </a:rPr>
+              <a:t>		</a:t>
+            </a:r>
+            <a:r>
+              <a:rPr lang="en-US" sz="2400" dirty="0" err="1" smtClean="0">
+                <a:ln w="0"/>
+                <a:solidFill>
+                  <a:srgbClr val="273272"/>
+                </a:solidFill>
+                <a:effectLst>
+                  <a:reflection blurRad="6350" stA="53000" endA="300" endPos="35500" dir="5400000" sy="-90000" algn="bl" rotWithShape="0"/>
+                </a:effectLst>
+                <a:latin typeface="Courier New" pitchFamily="49" charset="0"/>
+                <a:cs typeface="Courier New" pitchFamily="49" charset="0"/>
+              </a:rPr>
+              <a:t>bne</a:t>
+            </a:r>
+            <a:r>
+              <a:rPr lang="en-US" sz="2400" dirty="0" smtClean="0">
+                <a:ln w="0"/>
+                <a:solidFill>
+                  <a:srgbClr val="273272"/>
+                </a:solidFill>
+                <a:effectLst>
+                  <a:reflection blurRad="6350" stA="53000" endA="300" endPos="35500" dir="5400000" sy="-90000" algn="bl" rotWithShape="0"/>
+                </a:effectLst>
+                <a:latin typeface="Courier New" pitchFamily="49" charset="0"/>
+                <a:cs typeface="Courier New" pitchFamily="49" charset="0"/>
+              </a:rPr>
+              <a:t> t0, zero, </a:t>
+            </a:r>
+            <a:r>
+              <a:rPr lang="en-US" sz="2400" dirty="0" err="1" smtClean="0">
+                <a:ln w="0"/>
+                <a:solidFill>
+                  <a:srgbClr val="273272"/>
+                </a:solidFill>
+                <a:effectLst>
+                  <a:reflection blurRad="6350" stA="53000" endA="300" endPos="35500" dir="5400000" sy="-90000" algn="bl" rotWithShape="0"/>
+                </a:effectLst>
+                <a:latin typeface="Courier New" pitchFamily="49" charset="0"/>
+                <a:cs typeface="Courier New" pitchFamily="49" charset="0"/>
+              </a:rPr>
+              <a:t>if_less</a:t>
+            </a:r>
+            <a:endParaRPr lang="en-US" sz="2400" dirty="0" smtClean="0">
+              <a:ln w="0"/>
+              <a:solidFill>
+                <a:srgbClr val="273272"/>
+              </a:solidFill>
+              <a:effectLst>
+                <a:reflection blurRad="6350" stA="53000" endA="300" endPos="35500" dir="5400000" sy="-90000" algn="bl" rotWithShape="0"/>
+              </a:effectLst>
+              <a:latin typeface="Courier New" pitchFamily="49" charset="0"/>
+              <a:cs typeface="Courier New" pitchFamily="49" charset="0"/>
+            </a:endParaRPr>
+          </a:p>
+          <a:p>
+            <a:r>
+              <a:rPr lang="en-US" sz="2400" dirty="0" smtClean="0">
+                <a:ln w="0"/>
+                <a:solidFill>
+                  <a:srgbClr val="273272"/>
+                </a:solidFill>
+                <a:effectLst>
+                  <a:reflection blurRad="6350" stA="53000" endA="300" endPos="35500" dir="5400000" sy="-90000" algn="bl" rotWithShape="0"/>
+                </a:effectLst>
+                <a:latin typeface="Courier New" pitchFamily="49" charset="0"/>
+                <a:cs typeface="Courier New" pitchFamily="49" charset="0"/>
+              </a:rPr>
+              <a:t>		</a:t>
+            </a:r>
+            <a:r>
+              <a:rPr lang="en-US" sz="2400" dirty="0" err="1" smtClean="0">
+                <a:ln w="0"/>
+                <a:solidFill>
+                  <a:srgbClr val="273272"/>
+                </a:solidFill>
+                <a:effectLst>
+                  <a:reflection blurRad="6350" stA="53000" endA="300" endPos="35500" dir="5400000" sy="-90000" algn="bl" rotWithShape="0"/>
+                </a:effectLst>
+                <a:latin typeface="Courier New" pitchFamily="49" charset="0"/>
+                <a:cs typeface="Courier New" pitchFamily="49" charset="0"/>
+              </a:rPr>
+              <a:t>nop</a:t>
+            </a:r>
+            <a:endParaRPr lang="en-US" sz="2400" dirty="0" smtClean="0">
+              <a:ln w="0"/>
+              <a:solidFill>
+                <a:srgbClr val="273272"/>
+              </a:solidFill>
+              <a:effectLst>
+                <a:reflection blurRad="6350" stA="53000" endA="300" endPos="35500" dir="5400000" sy="-90000" algn="bl" rotWithShape="0"/>
+              </a:effectLst>
+              <a:latin typeface="Courier New" pitchFamily="49" charset="0"/>
+              <a:cs typeface="Courier New" pitchFamily="49" charset="0"/>
+            </a:endParaRPr>
+          </a:p>
+          <a:p>
+            <a:r>
+              <a:rPr lang="en-US" sz="2400" dirty="0" smtClean="0">
+                <a:ln w="0"/>
+                <a:solidFill>
+                  <a:srgbClr val="273272"/>
+                </a:solidFill>
+                <a:effectLst>
+                  <a:reflection blurRad="6350" stA="53000" endA="300" endPos="35500" dir="5400000" sy="-90000" algn="bl" rotWithShape="0"/>
+                </a:effectLst>
+                <a:latin typeface="Courier New" pitchFamily="49" charset="0"/>
+                <a:cs typeface="Courier New" pitchFamily="49" charset="0"/>
+              </a:rPr>
+              <a:t>		sub t1, t1, t2</a:t>
+            </a:r>
+          </a:p>
+          <a:p>
+            <a:r>
+              <a:rPr lang="en-US" sz="2400" dirty="0" smtClean="0">
+                <a:ln w="0"/>
+                <a:solidFill>
+                  <a:srgbClr val="273272"/>
+                </a:solidFill>
+                <a:effectLst>
+                  <a:reflection blurRad="6350" stA="53000" endA="300" endPos="35500" dir="5400000" sy="-90000" algn="bl" rotWithShape="0"/>
+                </a:effectLst>
+                <a:latin typeface="Courier New" pitchFamily="49" charset="0"/>
+                <a:cs typeface="Courier New" pitchFamily="49" charset="0"/>
+              </a:rPr>
+              <a:t>		j cycle</a:t>
+            </a:r>
+          </a:p>
+          <a:p>
+            <a:r>
+              <a:rPr lang="en-US" sz="2400" dirty="0" smtClean="0">
+                <a:ln w="0"/>
+                <a:solidFill>
+                  <a:srgbClr val="273272"/>
+                </a:solidFill>
+                <a:effectLst>
+                  <a:reflection blurRad="6350" stA="53000" endA="300" endPos="35500" dir="5400000" sy="-90000" algn="bl" rotWithShape="0"/>
+                </a:effectLst>
+                <a:latin typeface="Courier New" pitchFamily="49" charset="0"/>
+                <a:cs typeface="Courier New" pitchFamily="49" charset="0"/>
+              </a:rPr>
+              <a:t>		</a:t>
+            </a:r>
+            <a:r>
+              <a:rPr lang="en-US" sz="2400" dirty="0" err="1" smtClean="0">
+                <a:ln w="0"/>
+                <a:solidFill>
+                  <a:srgbClr val="273272"/>
+                </a:solidFill>
+                <a:effectLst>
+                  <a:reflection blurRad="6350" stA="53000" endA="300" endPos="35500" dir="5400000" sy="-90000" algn="bl" rotWithShape="0"/>
+                </a:effectLst>
+                <a:latin typeface="Courier New" pitchFamily="49" charset="0"/>
+                <a:cs typeface="Courier New" pitchFamily="49" charset="0"/>
+              </a:rPr>
+              <a:t>nop</a:t>
+            </a:r>
+            <a:endParaRPr lang="en-US" sz="2400" dirty="0" smtClean="0">
+              <a:ln w="0"/>
+              <a:solidFill>
+                <a:srgbClr val="273272"/>
+              </a:solidFill>
+              <a:effectLst>
+                <a:reflection blurRad="6350" stA="53000" endA="300" endPos="35500" dir="5400000" sy="-90000" algn="bl" rotWithShape="0"/>
+              </a:effectLst>
+              <a:latin typeface="Courier New" pitchFamily="49" charset="0"/>
+              <a:cs typeface="Courier New" pitchFamily="49" charset="0"/>
+            </a:endParaRPr>
+          </a:p>
+          <a:p>
+            <a:r>
+              <a:rPr lang="en-US" sz="2400" dirty="0" err="1" smtClean="0">
+                <a:ln w="0"/>
+                <a:solidFill>
+                  <a:srgbClr val="273272"/>
+                </a:solidFill>
+                <a:effectLst>
+                  <a:reflection blurRad="6350" stA="53000" endA="300" endPos="35500" dir="5400000" sy="-90000" algn="bl" rotWithShape="0"/>
+                </a:effectLst>
+                <a:latin typeface="Courier New" pitchFamily="49" charset="0"/>
+                <a:cs typeface="Courier New" pitchFamily="49" charset="0"/>
+              </a:rPr>
+              <a:t>if_less</a:t>
+            </a:r>
+            <a:r>
+              <a:rPr lang="en-US" sz="2400" dirty="0" smtClean="0">
+                <a:ln w="0"/>
+                <a:solidFill>
+                  <a:srgbClr val="273272"/>
+                </a:solidFill>
+                <a:effectLst>
+                  <a:reflection blurRad="6350" stA="53000" endA="300" endPos="35500" dir="5400000" sy="-90000" algn="bl" rotWithShape="0"/>
+                </a:effectLst>
+                <a:latin typeface="Courier New" pitchFamily="49" charset="0"/>
+                <a:cs typeface="Courier New" pitchFamily="49" charset="0"/>
+              </a:rPr>
+              <a:t>:	sub t2, t2, t1</a:t>
+            </a:r>
+          </a:p>
+          <a:p>
+            <a:r>
+              <a:rPr lang="en-US" sz="2400" dirty="0" smtClean="0">
+                <a:ln w="0"/>
+                <a:solidFill>
+                  <a:srgbClr val="273272"/>
+                </a:solidFill>
+                <a:effectLst>
+                  <a:reflection blurRad="6350" stA="53000" endA="300" endPos="35500" dir="5400000" sy="-90000" algn="bl" rotWithShape="0"/>
+                </a:effectLst>
+                <a:latin typeface="Courier New" pitchFamily="49" charset="0"/>
+                <a:cs typeface="Courier New" pitchFamily="49" charset="0"/>
+              </a:rPr>
+              <a:t>		j cycle</a:t>
+            </a:r>
+          </a:p>
+          <a:p>
+            <a:r>
+              <a:rPr lang="en-US" sz="2400" dirty="0" smtClean="0">
+                <a:ln w="0"/>
+                <a:solidFill>
+                  <a:srgbClr val="273272"/>
+                </a:solidFill>
+                <a:effectLst>
+                  <a:reflection blurRad="6350" stA="53000" endA="300" endPos="35500" dir="5400000" sy="-90000" algn="bl" rotWithShape="0"/>
+                </a:effectLst>
+                <a:latin typeface="Courier New" pitchFamily="49" charset="0"/>
+                <a:cs typeface="Courier New" pitchFamily="49" charset="0"/>
+              </a:rPr>
+              <a:t>done:		add t3, t1, zero</a:t>
+            </a:r>
+            <a:endParaRPr lang="ru-RU" sz="2400" b="0" cap="none" spc="0" dirty="0">
+              <a:ln w="0"/>
+              <a:solidFill>
+                <a:srgbClr val="273272"/>
+              </a:solidFill>
+              <a:effectLst>
+                <a:reflection blurRad="6350" stA="53000" endA="300" endPos="35500" dir="5400000" sy="-90000" algn="bl" rotWithShape="0"/>
+              </a:effectLst>
+              <a:latin typeface="Courier New" pitchFamily="49" charset="0"/>
+              <a:cs typeface="Courier New" pitchFamily="49" charset="0"/>
+            </a:endParaRPr>
+          </a:p>
+        </p:txBody>
+      </p:sp>
+      <p:sp>
+        <p:nvSpPr>
+          <p:cNvPr id="2" name="Заголовок 1"/>
+          <p:cNvSpPr>
+            <a:spLocks noGrp="1"/>
+          </p:cNvSpPr>
+          <p:nvPr>
+            <p:ph type="title"/>
+          </p:nvPr>
+        </p:nvSpPr>
+        <p:spPr/>
+        <p:txBody>
+          <a:bodyPr>
+            <a:normAutofit/>
+          </a:bodyPr>
+          <a:lstStyle/>
+          <a:p>
+            <a:r>
+              <a:rPr lang="en-US" dirty="0" smtClean="0"/>
+              <a:t>Any Questions?</a:t>
+            </a:r>
+            <a:endParaRPr lang="ru-RU" sz="4000" dirty="0"/>
+          </a:p>
+        </p:txBody>
+      </p:sp>
+      <p:sp>
+        <p:nvSpPr>
+          <p:cNvPr id="6" name="Номер слайда 5"/>
+          <p:cNvSpPr>
+            <a:spLocks noGrp="1"/>
+          </p:cNvSpPr>
+          <p:nvPr>
+            <p:ph type="sldNum" sz="quarter" idx="12"/>
+          </p:nvPr>
+        </p:nvSpPr>
+        <p:spPr/>
+        <p:txBody>
+          <a:bodyPr/>
+          <a:lstStyle/>
+          <a:p>
+            <a:pPr algn="ctr"/>
+            <a:fld id="{1397BFD8-F312-4EF2-A268-44FB4BDDBBB0}" type="slidenum">
+              <a:rPr lang="ru-RU" smtClean="0"/>
+              <a:pPr algn="ctr"/>
+              <a:t>23</a:t>
+            </a:fld>
+            <a:endParaRPr lang="ru-RU" dirty="0"/>
+          </a:p>
+        </p:txBody>
+      </p:sp>
+    </p:spTree>
+    <p:extLst>
+      <p:ext uri="{BB962C8B-B14F-4D97-AF65-F5344CB8AC3E}">
+        <p14:creationId xmlns:p14="http://schemas.microsoft.com/office/powerpoint/2010/main" xmlns="" val="4217875043"/>
+      </p:ext>
+    </p:extLst>
   </p:cSld>
   <p:clrMapOvr>
     <a:masterClrMapping/>
@@ -5952,8 +9199,8 @@
               </a:spcAft>
               <a:buClrTx/>
               <a:buSzTx/>
-              <a:buFont typeface="Arial" panose="020B0604020202020204" pitchFamily="34" charset="0"/>
-              <a:buChar char="•"/>
+              <a:buFont typeface="Wingdings" pitchFamily="2" charset="2"/>
+              <a:buChar char="§"/>
               <a:tabLst/>
               <a:defRPr/>
             </a:pPr>
@@ -6023,8 +9270,8 @@
               </a:spcAft>
               <a:buClrTx/>
               <a:buSzTx/>
-              <a:buFont typeface="Arial" panose="020B0604020202020204" pitchFamily="34" charset="0"/>
-              <a:buChar char="•"/>
+              <a:buFont typeface="Wingdings" pitchFamily="2" charset="2"/>
+              <a:buChar char="§"/>
               <a:tabLst/>
               <a:defRPr/>
             </a:pPr>
@@ -6130,10 +9377,12 @@
               <a:spcAft>
                 <a:spcPts val="0"/>
               </a:spcAft>
-              <a:buClrTx/>
+              <a:buClr>
+                <a:srgbClr val="F7B217"/>
+              </a:buClr>
               <a:buSzTx/>
-              <a:buFont typeface="Arial" panose="020B0604020202020204" pitchFamily="34" charset="0"/>
-              <a:buChar char="•"/>
+              <a:buFont typeface="Wingdings" pitchFamily="2" charset="2"/>
+              <a:buChar char="§"/>
               <a:tabLst/>
               <a:defRPr/>
             </a:pPr>
@@ -6167,10 +9416,12 @@
               <a:spcAft>
                 <a:spcPts val="0"/>
               </a:spcAft>
-              <a:buClrTx/>
+              <a:buClr>
+                <a:srgbClr val="F7B217"/>
+              </a:buClr>
               <a:buSzTx/>
-              <a:buFont typeface="Arial" panose="020B0604020202020204" pitchFamily="34" charset="0"/>
-              <a:buChar char="•"/>
+              <a:buFont typeface="Wingdings" pitchFamily="2" charset="2"/>
+              <a:buChar char="§"/>
               <a:tabLst/>
               <a:defRPr/>
             </a:pPr>
@@ -6260,8 +9511,8 @@
               </a:spcAft>
               <a:buClrTx/>
               <a:buSzTx/>
-              <a:buFont typeface="Arial" panose="020B0604020202020204" pitchFamily="34" charset="0"/>
-              <a:buChar char="•"/>
+              <a:buFont typeface="Wingdings" pitchFamily="2" charset="2"/>
+              <a:buChar char="§"/>
               <a:tabLst/>
               <a:defRPr/>
             </a:pPr>
@@ -6313,10 +9564,12 @@
               <a:spcAft>
                 <a:spcPts val="0"/>
               </a:spcAft>
-              <a:buClrTx/>
+              <a:buClr>
+                <a:srgbClr val="F7B217"/>
+              </a:buClr>
               <a:buSzTx/>
-              <a:buFont typeface="Arial" panose="020B0604020202020204" pitchFamily="34" charset="0"/>
-              <a:buChar char="•"/>
+              <a:buFont typeface="Wingdings" pitchFamily="2" charset="2"/>
+              <a:buChar char="§"/>
               <a:tabLst/>
               <a:defRPr/>
             </a:pPr>
@@ -6350,10 +9603,12 @@
               <a:spcAft>
                 <a:spcPts val="0"/>
               </a:spcAft>
-              <a:buClrTx/>
+              <a:buClr>
+                <a:srgbClr val="F7B217"/>
+              </a:buClr>
               <a:buSzTx/>
-              <a:buFont typeface="Arial" panose="020B0604020202020204" pitchFamily="34" charset="0"/>
-              <a:buChar char="•"/>
+              <a:buFont typeface="Wingdings" pitchFamily="2" charset="2"/>
+              <a:buChar char="§"/>
               <a:tabLst/>
               <a:defRPr/>
             </a:pPr>
@@ -6712,110 +9967,88 @@
             <a:pPr lvl="1"/>
             <a:r>
               <a:rPr lang="en-US" altLang="en-US" sz="2800" dirty="0" smtClean="0"/>
-              <a:t>Exponent: </a:t>
-            </a:r>
-            <a:r>
-              <a:rPr lang="en-US" altLang="en-US" sz="2800" dirty="0" smtClean="0"/>
-              <a:t>00000001 </a:t>
+              <a:t>Exponent: 00000001 </a:t>
             </a:r>
             <a:r>
               <a:rPr lang="en-US" altLang="en-US" sz="2800" dirty="0" smtClean="0">
                 <a:sym typeface="Symbol" pitchFamily="18" charset="2"/>
               </a:rPr>
-              <a:t> </a:t>
-            </a:r>
+              <a:t> actual exponent = 1 – 127 = –126</a:t>
+            </a:r>
+          </a:p>
+          <a:p>
+            <a:pPr lvl="1"/>
             <a:r>
               <a:rPr lang="en-US" altLang="en-US" sz="2800" dirty="0" smtClean="0">
                 <a:sym typeface="Symbol" pitchFamily="18" charset="2"/>
               </a:rPr>
-              <a:t>actual exponent = 1 – 127 = –126</a:t>
-            </a:r>
-          </a:p>
-          <a:p>
-            <a:pPr lvl="1"/>
+              <a:t>Fraction: 000…00</a:t>
+            </a:r>
+            <a:r>
+              <a:rPr lang="en-US" altLang="en-US" sz="2800" dirty="0" smtClean="0"/>
+              <a:t> </a:t>
+            </a:r>
             <a:r>
               <a:rPr lang="en-US" altLang="en-US" sz="2800" dirty="0" smtClean="0">
                 <a:sym typeface="Symbol" pitchFamily="18" charset="2"/>
               </a:rPr>
-              <a:t>Fraction: 000…00</a:t>
-            </a:r>
-            <a:r>
-              <a:rPr lang="en-US" altLang="en-US" sz="2800" dirty="0" smtClean="0"/>
-              <a:t> </a:t>
+              <a:t> </a:t>
+            </a:r>
+            <a:r>
+              <a:rPr lang="en-US" altLang="en-US" sz="2800" dirty="0" err="1" smtClean="0">
+                <a:sym typeface="Symbol" pitchFamily="18" charset="2"/>
+              </a:rPr>
+              <a:t>significand</a:t>
             </a:r>
             <a:r>
               <a:rPr lang="en-US" altLang="en-US" sz="2800" dirty="0" smtClean="0">
                 <a:sym typeface="Symbol" pitchFamily="18" charset="2"/>
               </a:rPr>
-              <a:t> </a:t>
-            </a:r>
-            <a:r>
-              <a:rPr lang="en-US" altLang="en-US" sz="2800" dirty="0" err="1" smtClean="0">
-                <a:sym typeface="Symbol" pitchFamily="18" charset="2"/>
-              </a:rPr>
-              <a:t>significand</a:t>
-            </a:r>
+              <a:t> = 1.0</a:t>
+            </a:r>
+          </a:p>
+          <a:p>
+            <a:pPr lvl="1"/>
             <a:r>
               <a:rPr lang="en-US" altLang="en-US" sz="2800" dirty="0" smtClean="0">
                 <a:sym typeface="Symbol" pitchFamily="18" charset="2"/>
               </a:rPr>
-              <a:t> = 1.0</a:t>
-            </a:r>
-          </a:p>
-          <a:p>
-            <a:pPr lvl="1"/>
+              <a:t>±1.0 × 2</a:t>
+            </a:r>
+            <a:r>
+              <a:rPr lang="en-US" altLang="en-US" sz="2800" baseline="30000" dirty="0" smtClean="0">
+                <a:sym typeface="Symbol" pitchFamily="18" charset="2"/>
+              </a:rPr>
+              <a:t>–126</a:t>
+            </a:r>
             <a:r>
               <a:rPr lang="en-US" altLang="en-US" sz="2800" dirty="0" smtClean="0">
                 <a:sym typeface="Symbol" pitchFamily="18" charset="2"/>
               </a:rPr>
-              <a:t>±1.0 × 2</a:t>
+              <a:t> ≈ ±1.2 × 10</a:t>
             </a:r>
             <a:r>
               <a:rPr lang="en-US" altLang="en-US" sz="2800" baseline="30000" dirty="0" smtClean="0">
                 <a:sym typeface="Symbol" pitchFamily="18" charset="2"/>
               </a:rPr>
-              <a:t>–126</a:t>
-            </a:r>
+              <a:t>–38</a:t>
+            </a:r>
+          </a:p>
+          <a:p>
+            <a:r>
+              <a:rPr lang="en-US" altLang="en-US" dirty="0" smtClean="0">
+                <a:sym typeface="Symbol" pitchFamily="18" charset="2"/>
+              </a:rPr>
+              <a:t>Largest value</a:t>
+            </a:r>
+          </a:p>
+          <a:p>
+            <a:pPr lvl="1"/>
             <a:r>
               <a:rPr lang="en-US" altLang="en-US" sz="2800" dirty="0" smtClean="0">
                 <a:sym typeface="Symbol" pitchFamily="18" charset="2"/>
               </a:rPr>
-              <a:t> ≈ ±1.2 × 10</a:t>
-            </a:r>
-            <a:r>
-              <a:rPr lang="en-US" altLang="en-US" sz="2800" baseline="30000" dirty="0" smtClean="0">
-                <a:sym typeface="Symbol" pitchFamily="18" charset="2"/>
-              </a:rPr>
-              <a:t>–38</a:t>
-            </a:r>
-          </a:p>
-          <a:p>
-            <a:r>
-              <a:rPr lang="en-US" altLang="en-US" dirty="0" smtClean="0">
-                <a:sym typeface="Symbol" pitchFamily="18" charset="2"/>
-              </a:rPr>
-              <a:t>Largest value</a:t>
-            </a:r>
-          </a:p>
-          <a:p>
-            <a:pPr lvl="1"/>
-            <a:r>
-              <a:rPr lang="en-US" altLang="en-US" sz="2800" dirty="0" smtClean="0">
-                <a:sym typeface="Symbol" pitchFamily="18" charset="2"/>
-              </a:rPr>
-              <a:t>exponent: </a:t>
-            </a:r>
-            <a:r>
-              <a:rPr lang="en-US" altLang="en-US" sz="2800" dirty="0" smtClean="0">
-                <a:sym typeface="Symbol" pitchFamily="18" charset="2"/>
-              </a:rPr>
-              <a:t>11111110  </a:t>
-            </a:r>
-            <a:r>
-              <a:rPr lang="en-US" altLang="en-US" sz="2800" dirty="0" smtClean="0">
-                <a:sym typeface="Symbol" pitchFamily="18" charset="2"/>
-              </a:rPr>
-              <a:t>actual exponent = 254 – 127 = +127</a:t>
+              <a:t>exponent: 11111110  actual exponent = 254 – 127 = +127</a:t>
             </a:r>
           </a:p>
           <a:p>
@@ -6999,32 +10232,97 @@
             <a:pPr lvl="1"/>
             <a:r>
               <a:rPr lang="en-US" altLang="en-US" sz="2800" dirty="0" smtClean="0"/>
-              <a:t>Exponent: </a:t>
-            </a:r>
-            <a:r>
-              <a:rPr lang="en-US" altLang="en-US" sz="2800" dirty="0" smtClean="0"/>
-              <a:t>00000000001 </a:t>
+              <a:t>Exponent: 00000000001 </a:t>
             </a:r>
             <a:r>
               <a:rPr lang="en-US" altLang="en-US" sz="2800" dirty="0" smtClean="0">
                 <a:sym typeface="Symbol" pitchFamily="18" charset="2"/>
               </a:rPr>
-              <a:t> </a:t>
-            </a:r>
+              <a:t> actual exponent = 1 – 1023 = –1022</a:t>
+            </a:r>
+          </a:p>
+          <a:p>
+            <a:pPr lvl="1"/>
             <a:r>
               <a:rPr lang="en-US" altLang="en-US" sz="2800" dirty="0" smtClean="0">
                 <a:sym typeface="Symbol" pitchFamily="18" charset="2"/>
               </a:rPr>
-              <a:t>actual exponent = 1 – 1023 = –1022</a:t>
-            </a:r>
-          </a:p>
-          <a:p>
-            <a:pPr lvl="1"/>
+              <a:t>Fraction: 000…00</a:t>
+            </a:r>
+            <a:r>
+              <a:rPr lang="en-US" altLang="en-US" sz="2800" dirty="0" smtClean="0"/>
+              <a:t> </a:t>
+            </a:r>
             <a:r>
               <a:rPr lang="en-US" altLang="en-US" sz="2800" dirty="0" smtClean="0">
                 <a:sym typeface="Symbol" pitchFamily="18" charset="2"/>
               </a:rPr>
-              <a:t>Fraction: 000…00</a:t>
+              <a:t> </a:t>
+            </a:r>
+            <a:r>
+              <a:rPr lang="en-US" altLang="en-US" sz="2800" dirty="0" err="1" smtClean="0">
+                <a:sym typeface="Symbol" pitchFamily="18" charset="2"/>
+              </a:rPr>
+              <a:t>significand</a:t>
+            </a:r>
+            <a:r>
+              <a:rPr lang="en-US" altLang="en-US" sz="2800" dirty="0" smtClean="0">
+                <a:sym typeface="Symbol" pitchFamily="18" charset="2"/>
+              </a:rPr>
+              <a:t> = 1.0</a:t>
+            </a:r>
+          </a:p>
+          <a:p>
+            <a:pPr lvl="1"/>
+            <a:r>
+              <a:rPr lang="en-US" altLang="en-US" sz="2800" dirty="0" smtClean="0">
+                <a:sym typeface="Symbol" pitchFamily="18" charset="2"/>
+              </a:rPr>
+              <a:t>±1.0 × 2</a:t>
+            </a:r>
+            <a:r>
+              <a:rPr lang="en-US" altLang="en-US" sz="2800" baseline="30000" dirty="0" smtClean="0">
+                <a:sym typeface="Symbol" pitchFamily="18" charset="2"/>
+              </a:rPr>
+              <a:t>–1022</a:t>
+            </a:r>
+            <a:r>
+              <a:rPr lang="en-US" altLang="en-US" sz="2800" dirty="0" smtClean="0">
+                <a:sym typeface="Symbol" pitchFamily="18" charset="2"/>
+              </a:rPr>
+              <a:t> ≈ ±2.2 × 10</a:t>
+            </a:r>
+            <a:r>
+              <a:rPr lang="en-US" altLang="en-US" sz="2800" baseline="30000" dirty="0" smtClean="0">
+                <a:sym typeface="Symbol" pitchFamily="18" charset="2"/>
+              </a:rPr>
+              <a:t>–308</a:t>
+            </a:r>
+          </a:p>
+          <a:p>
+            <a:r>
+              <a:rPr lang="en-US" altLang="en-US" dirty="0" smtClean="0">
+                <a:sym typeface="Symbol" pitchFamily="18" charset="2"/>
+              </a:rPr>
+              <a:t>Largest value</a:t>
+            </a:r>
+          </a:p>
+          <a:p>
+            <a:pPr lvl="1"/>
+            <a:r>
+              <a:rPr lang="en-US" altLang="en-US" sz="2800" dirty="0" smtClean="0">
+                <a:sym typeface="Symbol" pitchFamily="18" charset="2"/>
+              </a:rPr>
+              <a:t>Exponent: 11111111110  actual exponent = 2046 – 1023 = +1023</a:t>
+            </a:r>
+          </a:p>
+          <a:p>
+            <a:pPr lvl="1"/>
+            <a:r>
+              <a:rPr lang="en-US" altLang="en-US" sz="2800" dirty="0" smtClean="0">
+                <a:sym typeface="Symbol" pitchFamily="18" charset="2"/>
+              </a:rPr>
+              <a:t>Fraction: 111…11</a:t>
             </a:r>
             <a:r>
               <a:rPr lang="en-US" altLang="en-US" sz="2800" dirty="0" smtClean="0"/>
@@ -7046,7 +10344,7 @@
               <a:rPr lang="en-US" altLang="en-US" sz="2800" dirty="0" smtClean="0">
                 <a:sym typeface="Symbol" pitchFamily="18" charset="2"/>
               </a:rPr>
-              <a:t> = 1.0</a:t>
+              <a:t> ≈ 2.0</a:t>
             </a:r>
           </a:p>
           <a:p>
@@ -7055,122 +10353,26 @@
               <a:rPr lang="en-US" altLang="en-US" sz="2800" dirty="0" smtClean="0">
                 <a:sym typeface="Symbol" pitchFamily="18" charset="2"/>
               </a:rPr>
-              <a:t>±1.0 × 2</a:t>
+              <a:t>±2.0 × 2</a:t>
             </a:r>
             <a:r>
               <a:rPr lang="en-US" altLang="en-US" sz="2800" baseline="30000" dirty="0" smtClean="0">
                 <a:sym typeface="Symbol" pitchFamily="18" charset="2"/>
               </a:rPr>
-              <a:t>–1022</a:t>
+              <a:t>+1023</a:t>
             </a:r>
             <a:r>
               <a:rPr lang="en-US" altLang="en-US" sz="2800" dirty="0" smtClean="0">
                 <a:sym typeface="Symbol" pitchFamily="18" charset="2"/>
               </a:rPr>
-              <a:t> ≈ ±2.2 × 10</a:t>
+              <a:t> ≈ ±1.8 × 10</a:t>
             </a:r>
             <a:r>
               <a:rPr lang="en-US" altLang="en-US" sz="2800" baseline="30000" dirty="0" smtClean="0">
                 <a:sym typeface="Symbol" pitchFamily="18" charset="2"/>
               </a:rPr>
-              <a:t>–308</a:t>
-            </a:r>
-          </a:p>
-          <a:p>
-            <a:r>
-              <a:rPr lang="en-US" altLang="en-US" dirty="0" smtClean="0">
-                <a:sym typeface="Symbol" pitchFamily="18" charset="2"/>
-              </a:rPr>
-              <a:t>Largest value</a:t>
-            </a:r>
-          </a:p>
-          <a:p>
-            <a:pPr lvl="1"/>
-            <a:r>
-              <a:rPr lang="en-US" altLang="en-US" sz="2800" dirty="0" smtClean="0">
-                <a:sym typeface="Symbol" pitchFamily="18" charset="2"/>
-              </a:rPr>
-              <a:t>Exponent: </a:t>
-            </a:r>
-            <a:r>
-              <a:rPr lang="en-US" altLang="en-US" sz="2800" dirty="0" smtClean="0">
-                <a:sym typeface="Symbol" pitchFamily="18" charset="2"/>
-              </a:rPr>
-              <a:t>11111111110  </a:t>
-            </a:r>
-            <a:r>
-              <a:rPr lang="en-US" altLang="en-US" sz="2800" dirty="0" smtClean="0">
-                <a:sym typeface="Symbol" pitchFamily="18" charset="2"/>
-              </a:rPr>
-              <a:t>actual exponent = 2046 – 1023 = +1023</a:t>
-            </a:r>
-          </a:p>
-          <a:p>
-            <a:pPr lvl="1"/>
-            <a:r>
-              <a:rPr lang="en-US" altLang="en-US" sz="2800" dirty="0" smtClean="0">
-                <a:sym typeface="Symbol" pitchFamily="18" charset="2"/>
-              </a:rPr>
-              <a:t>Fraction: 111…11</a:t>
-            </a:r>
-            <a:r>
-              <a:rPr lang="en-US" altLang="en-US" sz="2800" dirty="0" smtClean="0"/>
-              <a:t> </a:t>
-            </a:r>
-            <a:r>
-              <a:rPr lang="en-US" altLang="en-US" sz="2800" dirty="0" smtClean="0">
-                <a:sym typeface="Symbol" pitchFamily="18" charset="2"/>
-              </a:rPr>
-              <a:t> </a:t>
-            </a:r>
-            <a:r>
-              <a:rPr lang="en-US" altLang="en-US" sz="2800" dirty="0" err="1" smtClean="0">
-                <a:sym typeface="Symbol" pitchFamily="18" charset="2"/>
-              </a:rPr>
-              <a:t>significand</a:t>
-            </a:r>
-            <a:r>
-              <a:rPr lang="en-US" altLang="en-US" sz="2800" dirty="0" smtClean="0">
-                <a:sym typeface="Symbol" pitchFamily="18" charset="2"/>
-              </a:rPr>
-              <a:t> ≈ 2.0</a:t>
-            </a:r>
-          </a:p>
-          <a:p>
-            <a:pPr lvl="1"/>
-            <a:r>
-              <a:rPr lang="en-US" altLang="en-US" sz="2800" dirty="0" smtClean="0">
-                <a:sym typeface="Symbol" pitchFamily="18" charset="2"/>
-              </a:rPr>
-              <a:t>±2.0 × 2</a:t>
-            </a:r>
-            <a:r>
-              <a:rPr lang="en-US" altLang="en-US" sz="2800" baseline="30000" dirty="0" smtClean="0">
-                <a:sym typeface="Symbol" pitchFamily="18" charset="2"/>
-              </a:rPr>
-              <a:t>+1023</a:t>
-            </a:r>
-            <a:r>
-              <a:rPr lang="en-US" altLang="en-US" sz="2800" dirty="0" smtClean="0">
-                <a:sym typeface="Symbol" pitchFamily="18" charset="2"/>
-              </a:rPr>
-              <a:t> ≈ ±1.8 × </a:t>
-            </a:r>
-            <a:r>
-              <a:rPr lang="en-US" altLang="en-US" sz="2800" dirty="0" smtClean="0">
-                <a:sym typeface="Symbol" pitchFamily="18" charset="2"/>
-              </a:rPr>
-              <a:t>10</a:t>
-            </a:r>
-            <a:r>
-              <a:rPr lang="en-US" altLang="en-US" sz="2800" baseline="30000" dirty="0" smtClean="0">
-                <a:sym typeface="Symbol" pitchFamily="18" charset="2"/>
-              </a:rPr>
               <a:t>+308</a:t>
             </a:r>
-            <a:endParaRPr lang="en-US" altLang="en-US" sz="2800" baseline="30000" dirty="0" smtClean="0">
-              <a:sym typeface="Symbol" pitchFamily="18" charset="2"/>
-            </a:endParaRPr>
           </a:p>
         </p:txBody>
       </p:sp>
@@ -7713,11 +10915,7 @@
           <a:p>
             <a:r>
               <a:rPr lang="en-US" altLang="en-US" dirty="0" smtClean="0"/>
-              <a:t>What number is represented by the single-precision </a:t>
-            </a:r>
-            <a:r>
-              <a:rPr lang="en-US" altLang="en-US" dirty="0" smtClean="0"/>
-              <a:t>float  </a:t>
+              <a:t>What number is represented by the single-precision float  </a:t>
             </a:r>
             <a:r>
               <a:rPr lang="en-US" altLang="en-US" dirty="0" smtClean="0">
@@ -7743,11 +10941,6 @@
               </a:rPr>
               <a:t>01000…00</a:t>
             </a:r>
-            <a:endParaRPr lang="en-US" altLang="en-US" dirty="0" smtClean="0">
-              <a:solidFill>
-                <a:schemeClr val="tx2"/>
-              </a:solidFill>
-            </a:endParaRPr>
           </a:p>
           <a:p>
             <a:pPr lvl="1"/>
@@ -7848,11 +11041,7 @@
             </a:pPr>
             <a:r>
               <a:rPr lang="en-US" altLang="en-US" sz="3600" dirty="0" smtClean="0"/>
-              <a:t>= </a:t>
-            </a:r>
-            <a:r>
-              <a:rPr lang="en-US" altLang="en-US" sz="3600" dirty="0" smtClean="0"/>
-              <a:t>(–1) × 1.25 × 2</a:t>
+              <a:t>= (–1) × 1.25 × 2</a:t>
             </a:r>
             <a:r>
               <a:rPr lang="en-US" altLang="en-US" sz="3600" baseline="30000" dirty="0" smtClean="0"/>
@@ -7866,11 +11055,7 @@
             </a:pPr>
             <a:r>
               <a:rPr lang="en-US" altLang="en-US" sz="3600" dirty="0" smtClean="0"/>
-              <a:t>= </a:t>
-            </a:r>
-            <a:r>
-              <a:rPr lang="en-US" altLang="en-US" sz="3600" dirty="0" smtClean="0"/>
-              <a:t>–5.0</a:t>
+              <a:t>= –5.0</a:t>
             </a:r>
           </a:p>
           <a:p>
@@ -8216,7 +11401,7 @@
   <a:extraClrSchemeLst/>
   <a:extLst>
     <a:ext uri="{05A4C25C-085E-4340-85A3-A5531E510DB2}">
-      <thm15:themeFamily xmlns="" xmlns:thm15="http://schemas.microsoft.com/office/thememl/2012/main" name="Office Theme" id="{62F939B6-93AF-4DB8-9C6B-D6C7DFDC589F}" vid="{4A3C46E8-61CC-4603-A589-7422A47A8E4A}"/>
+      <thm15:themeFamily xmlns:thm15="http://schemas.microsoft.com/office/thememl/2012/main" xmlns="" name="Office Theme" id="{62F939B6-93AF-4DB8-9C6B-D6C7DFDC589F}" vid="{4A3C46E8-61CC-4603-A589-7422A47A8E4A}"/>
     </a:ext>
   </a:extLst>
 </a:theme>
@@ -8477,7 +11662,7 @@
   <a:extraClrSchemeLst/>
   <a:extLst>
     <a:ext uri="{05A4C25C-085E-4340-85A3-A5531E510DB2}">
-      <thm15:themeFamily xmlns="" xmlns:thm15="http://schemas.microsoft.com/office/thememl/2012/main" name="Office Theme" id="{62F939B6-93AF-4DB8-9C6B-D6C7DFDC589F}" vid="{4A3C46E8-61CC-4603-A589-7422A47A8E4A}"/>
+      <thm15:themeFamily xmlns:thm15="http://schemas.microsoft.com/office/thememl/2012/main" xmlns="" name="Office Theme" id="{62F939B6-93AF-4DB8-9C6B-D6C7DFDC589F}" vid="{4A3C46E8-61CC-4603-A589-7422A47A8E4A}"/>
     </a:ext>
   </a:extLst>
 </a:theme>
@@ -8738,7 +11923,7 @@
   <a:extraClrSchemeLst/>
   <a:extLst>
     <a:ext uri="{05A4C25C-085E-4340-85A3-A5531E510DB2}">
-      <thm15:themeFamily xmlns="" xmlns:thm15="http://schemas.microsoft.com/office/thememl/2012/main" name="Office Theme" id="{62F939B6-93AF-4DB8-9C6B-D6C7DFDC589F}" vid="{4A3C46E8-61CC-4603-A589-7422A47A8E4A}"/>
+      <thm15:themeFamily xmlns:thm15="http://schemas.microsoft.com/office/thememl/2012/main" xmlns="" name="Office Theme" id="{62F939B6-93AF-4DB8-9C6B-D6C7DFDC589F}" vid="{4A3C46E8-61CC-4603-A589-7422A47A8E4A}"/>
     </a:ext>
   </a:extLst>
 </a:theme>

--- a/docs/part1ca/09_FP/CA_Lecture_09.pptx
+++ b/docs/part1ca/09_FP/CA_Lecture_09.pptx
@@ -5,10 +5,10 @@
     <p:sldMasterId id="2147483648" r:id="rId1"/>
   </p:sldMasterIdLst>
   <p:notesMasterIdLst>
-    <p:notesMasterId r:id="rId25"/>
+    <p:notesMasterId r:id="rId32"/>
   </p:notesMasterIdLst>
   <p:handoutMasterIdLst>
-    <p:handoutMasterId r:id="rId26"/>
+    <p:handoutMasterId r:id="rId33"/>
   </p:handoutMasterIdLst>
   <p:sldIdLst>
     <p:sldId id="256" r:id="rId2"/>
@@ -29,11 +29,18 @@
     <p:sldId id="294" r:id="rId17"/>
     <p:sldId id="295" r:id="rId18"/>
     <p:sldId id="296" r:id="rId19"/>
-    <p:sldId id="300" r:id="rId20"/>
-    <p:sldId id="297" r:id="rId21"/>
-    <p:sldId id="298" r:id="rId22"/>
-    <p:sldId id="299" r:id="rId23"/>
-    <p:sldId id="272" r:id="rId24"/>
+    <p:sldId id="301" r:id="rId20"/>
+    <p:sldId id="302" r:id="rId21"/>
+    <p:sldId id="303" r:id="rId22"/>
+    <p:sldId id="304" r:id="rId23"/>
+    <p:sldId id="305" r:id="rId24"/>
+    <p:sldId id="306" r:id="rId25"/>
+    <p:sldId id="307" r:id="rId26"/>
+    <p:sldId id="300" r:id="rId27"/>
+    <p:sldId id="297" r:id="rId28"/>
+    <p:sldId id="298" r:id="rId29"/>
+    <p:sldId id="299" r:id="rId30"/>
+    <p:sldId id="272" r:id="rId31"/>
   </p:sldIdLst>
   <p:sldSz cx="12192000" cy="6858000"/>
   <p:notesSz cx="6858000" cy="9144000"/>
@@ -134,7 +141,7 @@
   </p:defaultTextStyle>
   <p:extLst>
     <p:ext uri="{EFAFB233-063F-42B5-8137-9DF3F51BA10A}">
-      <p15:sldGuideLst xmlns:p15="http://schemas.microsoft.com/office/powerpoint/2012/main" xmlns="">
+      <p15:sldGuideLst xmlns="" xmlns:p15="http://schemas.microsoft.com/office/powerpoint/2012/main">
         <p15:guide id="1" orient="horz" pos="2160">
           <p15:clr>
             <a:srgbClr val="A4A3A4"/>
@@ -148,7 +155,7 @@
       </p15:sldGuideLst>
     </p:ext>
     <p:ext uri="{2D200454-40CA-4A62-9FC3-DE9A4176ACB9}">
-      <p15:notesGuideLst xmlns:p15="http://schemas.microsoft.com/office/powerpoint/2012/main" xmlns=""/>
+      <p15:notesGuideLst xmlns="" xmlns:p15="http://schemas.microsoft.com/office/powerpoint/2012/main"/>
     </p:ext>
   </p:extLst>
 </p:presentation>
@@ -321,7 +328,7 @@
     </p:spTree>
     <p:extLst>
       <p:ext uri="{BB962C8B-B14F-4D97-AF65-F5344CB8AC3E}">
-        <p14:creationId xmlns:p14="http://schemas.microsoft.com/office/powerpoint/2010/main" xmlns="" val="827279973"/>
+        <p14:creationId xmlns="" xmlns:p14="http://schemas.microsoft.com/office/powerpoint/2010/main" val="827279973"/>
       </p:ext>
     </p:extLst>
   </p:cSld>
@@ -582,7 +589,7 @@
     </p:spTree>
     <p:extLst>
       <p:ext uri="{BB962C8B-B14F-4D97-AF65-F5344CB8AC3E}">
-        <p14:creationId xmlns:p14="http://schemas.microsoft.com/office/powerpoint/2010/main" xmlns="" val="3865021395"/>
+        <p14:creationId xmlns="" xmlns:p14="http://schemas.microsoft.com/office/powerpoint/2010/main" val="3865021395"/>
       </p:ext>
     </p:extLst>
   </p:cSld>
@@ -796,7 +803,7 @@
     </p:spTree>
     <p:extLst>
       <p:ext uri="{BB962C8B-B14F-4D97-AF65-F5344CB8AC3E}">
-        <p14:creationId xmlns:p14="http://schemas.microsoft.com/office/powerpoint/2010/main" xmlns="" val="2381791527"/>
+        <p14:creationId xmlns="" xmlns:p14="http://schemas.microsoft.com/office/powerpoint/2010/main" val="2381791527"/>
       </p:ext>
     </p:extLst>
   </p:cSld>
@@ -910,7 +917,7 @@
             <a:fld id="{5583B3A5-99BF-45D9-956B-DC57CC23AD97}" type="slidenum">
               <a:rPr lang="ru-RU" smtClean="0"/>
               <a:pPr/>
-              <a:t>23</a:t>
+              <a:t>30</a:t>
             </a:fld>
             <a:endParaRPr lang="ru-RU"/>
           </a:p>
@@ -919,7 +926,7 @@
     </p:spTree>
     <p:extLst>
       <p:ext uri="{BB962C8B-B14F-4D97-AF65-F5344CB8AC3E}">
-        <p14:creationId xmlns:p14="http://schemas.microsoft.com/office/powerpoint/2010/main" xmlns="" val="1915950851"/>
+        <p14:creationId xmlns="" xmlns:p14="http://schemas.microsoft.com/office/powerpoint/2010/main" val="1915950851"/>
       </p:ext>
     </p:extLst>
   </p:cSld>
@@ -1179,7 +1186,7 @@
     </p:spTree>
     <p:extLst>
       <p:ext uri="{BB962C8B-B14F-4D97-AF65-F5344CB8AC3E}">
-        <p14:creationId xmlns:p14="http://schemas.microsoft.com/office/powerpoint/2010/main" xmlns="" val="322455162"/>
+        <p14:creationId xmlns="" xmlns:p14="http://schemas.microsoft.com/office/powerpoint/2010/main" val="322455162"/>
       </p:ext>
     </p:extLst>
   </p:cSld>
@@ -1353,7 +1360,7 @@
     </p:spTree>
     <p:extLst>
       <p:ext uri="{BB962C8B-B14F-4D97-AF65-F5344CB8AC3E}">
-        <p14:creationId xmlns:p14="http://schemas.microsoft.com/office/powerpoint/2010/main" xmlns="" val="971117636"/>
+        <p14:creationId xmlns="" xmlns:p14="http://schemas.microsoft.com/office/powerpoint/2010/main" val="971117636"/>
       </p:ext>
     </p:extLst>
   </p:cSld>
@@ -1530,7 +1537,7 @@
     </p:spTree>
     <p:extLst>
       <p:ext uri="{BB962C8B-B14F-4D97-AF65-F5344CB8AC3E}">
-        <p14:creationId xmlns:p14="http://schemas.microsoft.com/office/powerpoint/2010/main" xmlns="" val="3348877825"/>
+        <p14:creationId xmlns="" xmlns:p14="http://schemas.microsoft.com/office/powerpoint/2010/main" val="3348877825"/>
       </p:ext>
     </p:extLst>
   </p:cSld>
@@ -1855,7 +1862,7 @@
     </p:spTree>
     <p:extLst>
       <p:ext uri="{BB962C8B-B14F-4D97-AF65-F5344CB8AC3E}">
-        <p14:creationId xmlns:p14="http://schemas.microsoft.com/office/powerpoint/2010/main" xmlns="" val="3256953994"/>
+        <p14:creationId xmlns="" xmlns:p14="http://schemas.microsoft.com/office/powerpoint/2010/main" val="3256953994"/>
       </p:ext>
     </p:extLst>
   </p:cSld>
@@ -2105,7 +2112,7 @@
     </p:spTree>
     <p:extLst>
       <p:ext uri="{BB962C8B-B14F-4D97-AF65-F5344CB8AC3E}">
-        <p14:creationId xmlns:p14="http://schemas.microsoft.com/office/powerpoint/2010/main" xmlns="" val="3067076846"/>
+        <p14:creationId xmlns="" xmlns:p14="http://schemas.microsoft.com/office/powerpoint/2010/main" val="3067076846"/>
       </p:ext>
     </p:extLst>
   </p:cSld>
@@ -2341,7 +2348,7 @@
     </p:spTree>
     <p:extLst>
       <p:ext uri="{BB962C8B-B14F-4D97-AF65-F5344CB8AC3E}">
-        <p14:creationId xmlns:p14="http://schemas.microsoft.com/office/powerpoint/2010/main" xmlns="" val="3710015975"/>
+        <p14:creationId xmlns="" xmlns:p14="http://schemas.microsoft.com/office/powerpoint/2010/main" val="3710015975"/>
       </p:ext>
     </p:extLst>
   </p:cSld>
@@ -2712,7 +2719,7 @@
     </p:spTree>
     <p:extLst>
       <p:ext uri="{BB962C8B-B14F-4D97-AF65-F5344CB8AC3E}">
-        <p14:creationId xmlns:p14="http://schemas.microsoft.com/office/powerpoint/2010/main" xmlns="" val="4075590966"/>
+        <p14:creationId xmlns="" xmlns:p14="http://schemas.microsoft.com/office/powerpoint/2010/main" val="4075590966"/>
       </p:ext>
     </p:extLst>
   </p:cSld>
@@ -2834,7 +2841,7 @@
     </p:spTree>
     <p:extLst>
       <p:ext uri="{BB962C8B-B14F-4D97-AF65-F5344CB8AC3E}">
-        <p14:creationId xmlns:p14="http://schemas.microsoft.com/office/powerpoint/2010/main" xmlns="" val="2889604898"/>
+        <p14:creationId xmlns="" xmlns:p14="http://schemas.microsoft.com/office/powerpoint/2010/main" val="2889604898"/>
       </p:ext>
     </p:extLst>
   </p:cSld>
@@ -2933,7 +2940,7 @@
     </p:spTree>
     <p:extLst>
       <p:ext uri="{BB962C8B-B14F-4D97-AF65-F5344CB8AC3E}">
-        <p14:creationId xmlns:p14="http://schemas.microsoft.com/office/powerpoint/2010/main" xmlns="" val="152384765"/>
+        <p14:creationId xmlns="" xmlns:p14="http://schemas.microsoft.com/office/powerpoint/2010/main" val="152384765"/>
       </p:ext>
     </p:extLst>
   </p:cSld>
@@ -3214,7 +3221,7 @@
     </p:spTree>
     <p:extLst>
       <p:ext uri="{BB962C8B-B14F-4D97-AF65-F5344CB8AC3E}">
-        <p14:creationId xmlns:p14="http://schemas.microsoft.com/office/powerpoint/2010/main" xmlns="" val="2127791886"/>
+        <p14:creationId xmlns="" xmlns:p14="http://schemas.microsoft.com/office/powerpoint/2010/main" val="2127791886"/>
       </p:ext>
     </p:extLst>
   </p:cSld>
@@ -3471,7 +3478,7 @@
     </p:spTree>
     <p:extLst>
       <p:ext uri="{BB962C8B-B14F-4D97-AF65-F5344CB8AC3E}">
-        <p14:creationId xmlns:p14="http://schemas.microsoft.com/office/powerpoint/2010/main" xmlns="" val="1752705130"/>
+        <p14:creationId xmlns="" xmlns:p14="http://schemas.microsoft.com/office/powerpoint/2010/main" val="1752705130"/>
       </p:ext>
     </p:extLst>
   </p:cSld>
@@ -3724,7 +3731,7 @@
     </p:spTree>
     <p:extLst>
       <p:ext uri="{BB962C8B-B14F-4D97-AF65-F5344CB8AC3E}">
-        <p14:creationId xmlns:p14="http://schemas.microsoft.com/office/powerpoint/2010/main" xmlns="" val="968833914"/>
+        <p14:creationId xmlns="" xmlns:p14="http://schemas.microsoft.com/office/powerpoint/2010/main" val="968833914"/>
       </p:ext>
     </p:extLst>
   </p:cSld>
@@ -4201,7 +4208,7 @@
     </p:spTree>
     <p:extLst>
       <p:ext uri="{BB962C8B-B14F-4D97-AF65-F5344CB8AC3E}">
-        <p14:creationId xmlns:p14="http://schemas.microsoft.com/office/powerpoint/2010/main" xmlns="" val="2492894732"/>
+        <p14:creationId xmlns="" xmlns:p14="http://schemas.microsoft.com/office/powerpoint/2010/main" val="2492894732"/>
       </p:ext>
     </p:extLst>
   </p:cSld>
@@ -4500,22 +4507,14 @@
           <a:p>
             <a:r>
               <a:rPr lang="en-US" dirty="0" smtClean="0"/>
-              <a:t>Smaller than normal </a:t>
-            </a:r>
+              <a:t>Smaller than normal numbers</a:t>
+            </a:r>
+          </a:p>
+          <a:p>
+            <a:pPr lvl="1"/>
             <a:r>
               <a:rPr lang="en-US" dirty="0" smtClean="0"/>
-              <a:t>numbers</a:t>
-            </a:r>
-          </a:p>
-          <a:p>
-            <a:pPr lvl="1"/>
-            <a:r>
-              <a:rPr lang="en-US" dirty="0" smtClean="0"/>
-              <a:t>allow for gradual underflow, with diminishing </a:t>
-            </a:r>
-            <a:r>
-              <a:rPr lang="en-US" dirty="0" smtClean="0"/>
-              <a:t>precision</a:t>
+              <a:t>allow for gradual underflow, with diminishing precision</a:t>
             </a:r>
           </a:p>
           <a:p>
@@ -4525,11 +4524,7 @@
             </a:r>
             <a:r>
               <a:rPr lang="en-US" dirty="0" smtClean="0"/>
-              <a:t> </a:t>
-            </a:r>
-            <a:r>
-              <a:rPr lang="en-US" dirty="0" smtClean="0"/>
-              <a:t>with fraction = 000...0</a:t>
+              <a:t> with fraction = 000...0</a:t>
             </a:r>
             <a:endParaRPr lang="ru-RU" dirty="0"/>
           </a:p>
@@ -5110,11 +5105,7 @@
             </a:r>
             <a:r>
               <a:rPr lang="en-US" altLang="en-US" sz="2400" dirty="0" smtClean="0"/>
-              <a:t> × </a:t>
-            </a:r>
-            <a:r>
-              <a:rPr lang="en-US" altLang="en-US" sz="2400" dirty="0" smtClean="0"/>
-              <a:t>2</a:t>
+              <a:t> × 2</a:t>
             </a:r>
             <a:r>
               <a:rPr lang="en-US" altLang="en-US" sz="2400" baseline="30000" dirty="0" smtClean="0"/>
@@ -5122,11 +5113,7 @@
             </a:r>
             <a:r>
               <a:rPr lang="en-US" altLang="en-US" sz="2400" dirty="0" smtClean="0"/>
-              <a:t> </a:t>
-            </a:r>
-            <a:r>
-              <a:rPr lang="en-US" altLang="en-US" sz="2400" dirty="0" smtClean="0"/>
-              <a:t>= 0.001</a:t>
+              <a:t> = 0.001</a:t>
             </a:r>
             <a:r>
               <a:rPr lang="en-US" altLang="en-US" sz="2400" baseline="-25000" dirty="0" smtClean="0"/>
@@ -6154,17 +6141,12 @@
             </a:pPr>
             <a:r>
               <a:rPr lang="en-US" altLang="en-US" sz="2400" dirty="0" smtClean="0"/>
-              <a:t>+1.021 × </a:t>
-            </a:r>
-            <a:r>
-              <a:rPr lang="en-US" altLang="en-US" sz="2400" dirty="0" smtClean="0"/>
-              <a:t>10</a:t>
+              <a:t>+1.021 × 10</a:t>
             </a:r>
             <a:r>
               <a:rPr lang="en-US" altLang="en-US" sz="2400" baseline="30000" dirty="0" smtClean="0"/>
               <a:t>6</a:t>
             </a:r>
-            <a:endParaRPr lang="en-US" altLang="en-US" sz="2400" baseline="30000" dirty="0" smtClean="0"/>
           </a:p>
         </p:txBody>
       </p:sp>
@@ -6602,13 +6584,8 @@
             </a:r>
             <a:r>
               <a:rPr lang="en-US" altLang="en-US" sz="2400" dirty="0" smtClean="0"/>
-              <a:t>  = –</a:t>
-            </a:r>
-            <a:r>
-              <a:rPr lang="en-US" altLang="en-US" sz="2400" dirty="0" smtClean="0"/>
-              <a:t>0.21875</a:t>
-            </a:r>
-            <a:endParaRPr lang="en-US" altLang="en-US" sz="2400" dirty="0" smtClean="0"/>
+              <a:t>  = –0.21875</a:t>
+            </a:r>
           </a:p>
         </p:txBody>
       </p:sp>
@@ -6763,11 +6740,7 @@
             <a:pPr lvl="1"/>
             <a:r>
               <a:rPr lang="en-US" altLang="en-US" dirty="0" smtClean="0"/>
-              <a:t>Can be </a:t>
-            </a:r>
-            <a:r>
-              <a:rPr lang="en-US" altLang="en-US" dirty="0" smtClean="0"/>
-              <a:t>pipelined</a:t>
+              <a:t>Can be pipelined</a:t>
             </a:r>
             <a:endParaRPr lang="ru-RU" dirty="0"/>
           </a:p>
@@ -6866,60 +6839,173 @@
         <p:spPr>
           <a:xfrm>
             <a:off x="838200" y="1178053"/>
-            <a:ext cx="10515600" cy="4902113"/>
+            <a:ext cx="10515600" cy="5270248"/>
           </a:xfrm>
         </p:spPr>
         <p:txBody>
           <a:bodyPr>
-            <a:normAutofit/>
+            <a:normAutofit fontScale="92500" lnSpcReduction="10000"/>
           </a:bodyPr>
           <a:lstStyle/>
           <a:p>
-            <a:r>
-              <a:rPr lang="en-AU" altLang="en-US" dirty="0" smtClean="0"/>
-              <a:t>Parallel programs may interleave operations in unexpected orders</a:t>
-            </a:r>
-          </a:p>
-          <a:p>
-            <a:pPr lvl="1"/>
-            <a:r>
-              <a:rPr lang="en-AU" altLang="en-US" dirty="0" smtClean="0"/>
-              <a:t>Assumptions of </a:t>
-            </a:r>
-            <a:r>
-              <a:rPr lang="en-AU" altLang="en-US" dirty="0" err="1" smtClean="0"/>
-              <a:t>associativity</a:t>
-            </a:r>
-            <a:r>
-              <a:rPr lang="en-AU" altLang="en-US" dirty="0" smtClean="0"/>
-              <a:t> may </a:t>
-            </a:r>
-            <a:r>
-              <a:rPr lang="en-AU" altLang="en-US" dirty="0" smtClean="0"/>
-              <a:t>fail</a:t>
-            </a:r>
-          </a:p>
-          <a:p>
-            <a:pPr lvl="1"/>
-            <a:endParaRPr lang="en-AU" altLang="en-US" dirty="0" smtClean="0"/>
-          </a:p>
-          <a:p>
-            <a:pPr lvl="1"/>
-            <a:endParaRPr lang="en-AU" altLang="en-US" dirty="0" smtClean="0"/>
-          </a:p>
-          <a:p>
-            <a:pPr lvl="1"/>
-            <a:endParaRPr lang="en-AU" altLang="en-US" dirty="0" smtClean="0"/>
-          </a:p>
-          <a:p>
-            <a:pPr lvl="1"/>
-            <a:endParaRPr lang="en-AU" altLang="en-US" dirty="0" smtClean="0"/>
-          </a:p>
-          <a:p>
-            <a:r>
-              <a:rPr lang="en-AU" altLang="en-US" dirty="0" smtClean="0"/>
-              <a:t>Need to validate parallel programs under varying degrees of parallelism</a:t>
-            </a:r>
+            <a:pPr>
+              <a:lnSpc>
+                <a:spcPct val="100000"/>
+              </a:lnSpc>
+              <a:spcBef>
+                <a:spcPts val="600"/>
+              </a:spcBef>
+            </a:pPr>
+            <a:r>
+              <a:rPr lang="en-US" altLang="en-US" sz="3900" dirty="0" smtClean="0"/>
+              <a:t>Separate FP registers: f0, …, f31</a:t>
+            </a:r>
+          </a:p>
+          <a:p>
+            <a:pPr lvl="1">
+              <a:lnSpc>
+                <a:spcPct val="100000"/>
+              </a:lnSpc>
+              <a:spcBef>
+                <a:spcPts val="600"/>
+              </a:spcBef>
+            </a:pPr>
+            <a:r>
+              <a:rPr lang="en-US" altLang="en-US" sz="3500" dirty="0" smtClean="0"/>
+              <a:t>double-precision</a:t>
+            </a:r>
+          </a:p>
+          <a:p>
+            <a:pPr lvl="1">
+              <a:lnSpc>
+                <a:spcPct val="100000"/>
+              </a:lnSpc>
+              <a:spcBef>
+                <a:spcPts val="600"/>
+              </a:spcBef>
+            </a:pPr>
+            <a:r>
+              <a:rPr lang="en-US" altLang="en-US" sz="3500" dirty="0" smtClean="0"/>
+              <a:t>single-precision values stored in the lower 32 bits</a:t>
+            </a:r>
+          </a:p>
+          <a:p>
+            <a:pPr>
+              <a:lnSpc>
+                <a:spcPct val="100000"/>
+              </a:lnSpc>
+              <a:spcBef>
+                <a:spcPts val="600"/>
+              </a:spcBef>
+            </a:pPr>
+            <a:r>
+              <a:rPr lang="en-US" altLang="en-US" sz="3900" dirty="0" smtClean="0"/>
+              <a:t>FP instructions operate only on FP registers</a:t>
+            </a:r>
+          </a:p>
+          <a:p>
+            <a:pPr lvl="1">
+              <a:lnSpc>
+                <a:spcPct val="100000"/>
+              </a:lnSpc>
+              <a:spcBef>
+                <a:spcPts val="600"/>
+              </a:spcBef>
+            </a:pPr>
+            <a:r>
+              <a:rPr lang="en-US" altLang="en-US" sz="3500" dirty="0" smtClean="0"/>
+              <a:t>Programs generally don’t do integer ops on FP data, or vice versa</a:t>
+            </a:r>
+          </a:p>
+          <a:p>
+            <a:pPr lvl="1">
+              <a:lnSpc>
+                <a:spcPct val="100000"/>
+              </a:lnSpc>
+              <a:spcBef>
+                <a:spcPts val="600"/>
+              </a:spcBef>
+            </a:pPr>
+            <a:r>
+              <a:rPr lang="en-US" altLang="en-US" sz="3500" dirty="0" smtClean="0"/>
+              <a:t>More registers with minimal code-size impact</a:t>
+            </a:r>
+          </a:p>
+          <a:p>
+            <a:pPr>
+              <a:lnSpc>
+                <a:spcPct val="100000"/>
+              </a:lnSpc>
+              <a:spcBef>
+                <a:spcPts val="600"/>
+              </a:spcBef>
+            </a:pPr>
+            <a:r>
+              <a:rPr lang="en-US" altLang="en-US" sz="3900" dirty="0" smtClean="0"/>
+              <a:t>FP load and store instructions</a:t>
+            </a:r>
+          </a:p>
+          <a:p>
+            <a:pPr lvl="1">
+              <a:lnSpc>
+                <a:spcPct val="100000"/>
+              </a:lnSpc>
+              <a:spcBef>
+                <a:spcPts val="600"/>
+              </a:spcBef>
+            </a:pPr>
+            <a:r>
+              <a:rPr lang="en-US" altLang="en-US" sz="3500" dirty="0" err="1" smtClean="0">
+                <a:latin typeface="Lucida Console" pitchFamily="49" charset="0"/>
+              </a:rPr>
+              <a:t>flw</a:t>
+            </a:r>
+            <a:r>
+              <a:rPr lang="en-US" altLang="en-US" sz="3500" dirty="0" smtClean="0">
+                <a:latin typeface="Lucida Console" pitchFamily="49" charset="0"/>
+              </a:rPr>
+              <a:t>, </a:t>
+            </a:r>
+            <a:r>
+              <a:rPr lang="en-US" altLang="en-US" sz="3500" dirty="0" err="1" smtClean="0">
+                <a:latin typeface="Lucida Console" pitchFamily="49" charset="0"/>
+              </a:rPr>
+              <a:t>fld</a:t>
+            </a:r>
+            <a:endParaRPr lang="en-US" altLang="en-US" sz="3500" dirty="0" smtClean="0">
+              <a:latin typeface="Lucida Console" pitchFamily="49" charset="0"/>
+            </a:endParaRPr>
+          </a:p>
+          <a:p>
+            <a:pPr lvl="1">
+              <a:lnSpc>
+                <a:spcPct val="100000"/>
+              </a:lnSpc>
+              <a:spcBef>
+                <a:spcPts val="600"/>
+              </a:spcBef>
+            </a:pPr>
+            <a:r>
+              <a:rPr lang="en-US" altLang="en-US" sz="3500" dirty="0" err="1" smtClean="0">
+                <a:latin typeface="Lucida Console" pitchFamily="49" charset="0"/>
+              </a:rPr>
+              <a:t>fsw</a:t>
+            </a:r>
+            <a:r>
+              <a:rPr lang="en-US" altLang="en-US" sz="3500" dirty="0" smtClean="0">
+                <a:latin typeface="Lucida Console" pitchFamily="49" charset="0"/>
+              </a:rPr>
+              <a:t>, </a:t>
+            </a:r>
+            <a:r>
+              <a:rPr lang="en-US" altLang="en-US" sz="3500" dirty="0" err="1" smtClean="0">
+                <a:latin typeface="Lucida Console" pitchFamily="49" charset="0"/>
+              </a:rPr>
+              <a:t>fsd</a:t>
+            </a:r>
+            <a:endParaRPr lang="en-US" altLang="en-US" sz="3500" dirty="0" smtClean="0">
+              <a:latin typeface="Lucida Console" pitchFamily="49" charset="0"/>
+            </a:endParaRPr>
           </a:p>
           <a:p>
             <a:endParaRPr lang="ru-RU" dirty="0"/>
@@ -6967,38 +7053,25 @@
           <a:lstStyle/>
           <a:p>
             <a:r>
-              <a:rPr lang="en-AU" altLang="en-US" dirty="0" err="1" smtClean="0"/>
-              <a:t>Associativity</a:t>
+              <a:rPr lang="en-US" altLang="en-US" dirty="0" smtClean="0"/>
+              <a:t>FP Instructions in RISC-V</a:t>
             </a:r>
             <a:endParaRPr lang="ru-RU" dirty="0"/>
           </a:p>
         </p:txBody>
       </p:sp>
-      <p:graphicFrame>
-        <p:nvGraphicFramePr>
-          <p:cNvPr id="20484" name="Object 5"/>
-          <p:cNvGraphicFramePr>
-            <a:graphicFrameLocks noChangeAspect="1"/>
-          </p:cNvGraphicFramePr>
-          <p:nvPr/>
-        </p:nvGraphicFramePr>
-        <p:xfrm>
-          <a:off x="3624201" y="2840924"/>
-          <a:ext cx="5238750" cy="1914525"/>
-        </p:xfrm>
-        <a:graphic>
-          <a:graphicData uri="http://schemas.openxmlformats.org/presentationml/2006/ole">
-            <p:oleObj spid="_x0000_s20484" name="Worksheet" r:id="rId3" imgW="5305330" imgH="1914573" progId="Excel.Sheet.8">
-              <p:embed/>
-            </p:oleObj>
-          </a:graphicData>
-        </a:graphic>
-      </p:graphicFrame>
     </p:spTree>
   </p:cSld>
   <p:clrMapOvr>
     <a:masterClrMapping/>
   </p:clrMapOvr>
+  <p:timing>
+    <p:tnLst>
+      <p:par>
+        <p:cTn id="1" dur="indefinite" restart="never" nodeType="tmRoot"/>
+      </p:par>
+    </p:tnLst>
+  </p:timing>
 </p:sld>
 </file>
 
@@ -7941,69 +8014,407 @@
             <p:ph idx="1"/>
           </p:nvPr>
         </p:nvSpPr>
-        <p:spPr/>
-        <p:txBody>
-          <a:bodyPr/>
-          <a:lstStyle/>
-          <a:p>
-            <a:r>
-              <a:rPr lang="en-US" altLang="en-US" dirty="0" smtClean="0"/>
-              <a:t>Important for scientific code</a:t>
-            </a:r>
-          </a:p>
-          <a:p>
-            <a:pPr lvl="1"/>
-            <a:r>
-              <a:rPr lang="en-US" altLang="en-US" dirty="0" smtClean="0"/>
-              <a:t>But for everyday consumer use?</a:t>
-            </a:r>
-          </a:p>
-          <a:p>
-            <a:pPr lvl="2"/>
-            <a:r>
-              <a:rPr lang="en-US" altLang="en-US" dirty="0" smtClean="0"/>
-              <a:t>“My bank balance is out by 0.0002¢!” </a:t>
-            </a:r>
-            <a:r>
-              <a:rPr lang="en-US" altLang="en-US" dirty="0" smtClean="0">
-                <a:sym typeface="Wingdings" pitchFamily="2" charset="2"/>
-              </a:rPr>
-              <a:t></a:t>
-            </a:r>
-          </a:p>
-          <a:p>
-            <a:pPr lvl="2"/>
-            <a:endParaRPr lang="en-US" altLang="en-US" dirty="0" smtClean="0">
-              <a:sym typeface="Wingdings" pitchFamily="2" charset="2"/>
+        <p:spPr>
+          <a:xfrm>
+            <a:off x="838200" y="1178053"/>
+            <a:ext cx="10515600" cy="5270248"/>
+          </a:xfrm>
+        </p:spPr>
+        <p:txBody>
+          <a:bodyPr>
+            <a:normAutofit fontScale="92500" lnSpcReduction="20000"/>
+          </a:bodyPr>
+          <a:lstStyle/>
+          <a:p>
+            <a:pPr>
+              <a:lnSpc>
+                <a:spcPct val="100000"/>
+              </a:lnSpc>
+              <a:spcBef>
+                <a:spcPts val="600"/>
+              </a:spcBef>
+            </a:pPr>
+            <a:r>
+              <a:rPr lang="en-US" altLang="en-US" sz="3500" dirty="0" smtClean="0"/>
+              <a:t>Single-precision arithmetic</a:t>
+            </a:r>
+          </a:p>
+          <a:p>
+            <a:pPr lvl="1">
+              <a:lnSpc>
+                <a:spcPct val="100000"/>
+              </a:lnSpc>
+              <a:spcBef>
+                <a:spcPts val="600"/>
+              </a:spcBef>
+            </a:pPr>
+            <a:r>
+              <a:rPr lang="en-US" altLang="en-US" sz="2600" dirty="0" err="1" smtClean="0">
+                <a:latin typeface="Lucida Console" pitchFamily="49" charset="0"/>
+              </a:rPr>
+              <a:t>fadd.s</a:t>
+            </a:r>
+            <a:r>
+              <a:rPr lang="en-US" altLang="en-US" sz="2600" dirty="0" smtClean="0">
+                <a:latin typeface="Lucida Console" pitchFamily="49" charset="0"/>
+              </a:rPr>
+              <a:t>, </a:t>
+            </a:r>
+            <a:r>
+              <a:rPr lang="en-US" altLang="en-US" sz="2600" dirty="0" err="1" smtClean="0">
+                <a:latin typeface="Lucida Console" pitchFamily="49" charset="0"/>
+              </a:rPr>
+              <a:t>fsub.s</a:t>
+            </a:r>
+            <a:r>
+              <a:rPr lang="en-US" altLang="en-US" sz="2600" dirty="0" smtClean="0">
+                <a:latin typeface="Lucida Console" pitchFamily="49" charset="0"/>
+              </a:rPr>
+              <a:t>, </a:t>
+            </a:r>
+            <a:r>
+              <a:rPr lang="en-US" altLang="en-US" sz="2600" dirty="0" err="1" smtClean="0">
+                <a:latin typeface="Lucida Console" pitchFamily="49" charset="0"/>
+              </a:rPr>
+              <a:t>fmul.s</a:t>
+            </a:r>
+            <a:r>
+              <a:rPr lang="en-US" altLang="en-US" sz="2600" dirty="0" smtClean="0">
+                <a:latin typeface="Lucida Console" pitchFamily="49" charset="0"/>
+              </a:rPr>
+              <a:t>, </a:t>
+            </a:r>
+            <a:r>
+              <a:rPr lang="en-US" altLang="en-US" sz="2600" dirty="0" err="1" smtClean="0">
+                <a:latin typeface="Lucida Console" pitchFamily="49" charset="0"/>
+              </a:rPr>
+              <a:t>fdiv.s</a:t>
+            </a:r>
+            <a:r>
+              <a:rPr lang="en-US" altLang="en-US" sz="2600" dirty="0" smtClean="0">
+                <a:latin typeface="Lucida Console" pitchFamily="49" charset="0"/>
+              </a:rPr>
+              <a:t>, </a:t>
+            </a:r>
+            <a:r>
+              <a:rPr lang="en-US" altLang="en-US" sz="2600" dirty="0" err="1" smtClean="0">
+                <a:latin typeface="Lucida Console" pitchFamily="49" charset="0"/>
+              </a:rPr>
+              <a:t>fsqrt.s</a:t>
+            </a:r>
+            <a:endParaRPr lang="en-US" altLang="en-US" sz="2600" dirty="0" smtClean="0">
+              <a:latin typeface="Lucida Console" pitchFamily="49" charset="0"/>
             </a:endParaRPr>
           </a:p>
           <a:p>
-            <a:r>
-              <a:rPr lang="en-US" altLang="en-US" dirty="0" smtClean="0"/>
-              <a:t>The Intel Pentium FDIV bug</a:t>
-            </a:r>
-          </a:p>
-          <a:p>
-            <a:pPr lvl="1"/>
-            <a:r>
-              <a:rPr lang="en-US" altLang="en-US" dirty="0" smtClean="0"/>
-              <a:t>The market expects accuracy</a:t>
-            </a:r>
-          </a:p>
-          <a:p>
-            <a:pPr lvl="1"/>
-            <a:r>
-              <a:rPr lang="en-US" altLang="en-US" dirty="0" smtClean="0"/>
-              <a:t>See Colwell, </a:t>
-            </a:r>
-            <a:r>
-              <a:rPr lang="en-US" altLang="en-US" i="1" dirty="0" smtClean="0"/>
-              <a:t>The Pentium Chronicles</a:t>
-            </a:r>
-            <a:endParaRPr lang="en-US" altLang="en-US" dirty="0" smtClean="0"/>
-          </a:p>
-          <a:p>
-            <a:endParaRPr lang="ru-RU" dirty="0"/>
+            <a:pPr lvl="2">
+              <a:lnSpc>
+                <a:spcPct val="100000"/>
+              </a:lnSpc>
+              <a:spcBef>
+                <a:spcPts val="600"/>
+              </a:spcBef>
+            </a:pPr>
+            <a:r>
+              <a:rPr lang="en-US" altLang="en-US" sz="2200" dirty="0" smtClean="0"/>
+              <a:t>e.g., </a:t>
+            </a:r>
+            <a:r>
+              <a:rPr lang="en-US" altLang="en-US" sz="2200" dirty="0" err="1" smtClean="0">
+                <a:latin typeface="Lucida Console" pitchFamily="49" charset="0"/>
+              </a:rPr>
+              <a:t>fadds.s</a:t>
+            </a:r>
+            <a:r>
+              <a:rPr lang="en-US" altLang="en-US" sz="2200" dirty="0" smtClean="0">
+                <a:latin typeface="Lucida Console" pitchFamily="49" charset="0"/>
+              </a:rPr>
+              <a:t> f2, f4, f6</a:t>
+            </a:r>
+          </a:p>
+          <a:p>
+            <a:pPr>
+              <a:lnSpc>
+                <a:spcPct val="100000"/>
+              </a:lnSpc>
+              <a:spcBef>
+                <a:spcPts val="600"/>
+              </a:spcBef>
+            </a:pPr>
+            <a:r>
+              <a:rPr lang="en-US" altLang="en-US" sz="3500" dirty="0" smtClean="0"/>
+              <a:t>Double-precision arithmetic</a:t>
+            </a:r>
+          </a:p>
+          <a:p>
+            <a:pPr lvl="1">
+              <a:lnSpc>
+                <a:spcPct val="100000"/>
+              </a:lnSpc>
+              <a:spcBef>
+                <a:spcPts val="600"/>
+              </a:spcBef>
+            </a:pPr>
+            <a:r>
+              <a:rPr lang="en-US" altLang="en-US" sz="2600" dirty="0" err="1" smtClean="0">
+                <a:latin typeface="Lucida Console" pitchFamily="49" charset="0"/>
+              </a:rPr>
+              <a:t>fadd.d</a:t>
+            </a:r>
+            <a:r>
+              <a:rPr lang="en-US" altLang="en-US" sz="2600" dirty="0" smtClean="0">
+                <a:latin typeface="Lucida Console" pitchFamily="49" charset="0"/>
+              </a:rPr>
+              <a:t>, </a:t>
+            </a:r>
+            <a:r>
+              <a:rPr lang="en-US" altLang="en-US" sz="2600" dirty="0" err="1" smtClean="0">
+                <a:latin typeface="Lucida Console" pitchFamily="49" charset="0"/>
+              </a:rPr>
+              <a:t>fsub.d</a:t>
+            </a:r>
+            <a:r>
+              <a:rPr lang="en-US" altLang="en-US" sz="2600" dirty="0" smtClean="0">
+                <a:latin typeface="Lucida Console" pitchFamily="49" charset="0"/>
+              </a:rPr>
+              <a:t>, </a:t>
+            </a:r>
+            <a:r>
+              <a:rPr lang="en-US" altLang="en-US" sz="2600" dirty="0" err="1" smtClean="0">
+                <a:latin typeface="Lucida Console" pitchFamily="49" charset="0"/>
+              </a:rPr>
+              <a:t>fmul.d</a:t>
+            </a:r>
+            <a:r>
+              <a:rPr lang="en-US" altLang="en-US" sz="2600" dirty="0" smtClean="0">
+                <a:latin typeface="Lucida Console" pitchFamily="49" charset="0"/>
+              </a:rPr>
+              <a:t>, </a:t>
+            </a:r>
+            <a:r>
+              <a:rPr lang="en-US" altLang="en-US" sz="2600" dirty="0" err="1" smtClean="0">
+                <a:latin typeface="Lucida Console" pitchFamily="49" charset="0"/>
+              </a:rPr>
+              <a:t>fdiv.d</a:t>
+            </a:r>
+            <a:r>
+              <a:rPr lang="en-US" altLang="en-US" sz="2600" dirty="0" smtClean="0">
+                <a:latin typeface="Lucida Console" pitchFamily="49" charset="0"/>
+              </a:rPr>
+              <a:t>, </a:t>
+            </a:r>
+            <a:r>
+              <a:rPr lang="en-US" altLang="en-US" sz="2600" dirty="0" err="1" smtClean="0">
+                <a:latin typeface="Lucida Console" pitchFamily="49" charset="0"/>
+              </a:rPr>
+              <a:t>fsqrt.d</a:t>
+            </a:r>
+            <a:endParaRPr lang="en-US" altLang="en-US" sz="2600" dirty="0" smtClean="0">
+              <a:latin typeface="Lucida Console" pitchFamily="49" charset="0"/>
+            </a:endParaRPr>
+          </a:p>
+          <a:p>
+            <a:pPr lvl="2">
+              <a:lnSpc>
+                <a:spcPct val="100000"/>
+              </a:lnSpc>
+              <a:spcBef>
+                <a:spcPts val="600"/>
+              </a:spcBef>
+            </a:pPr>
+            <a:r>
+              <a:rPr lang="en-US" altLang="en-US" sz="2200" dirty="0" smtClean="0"/>
+              <a:t>e.g., </a:t>
+            </a:r>
+            <a:r>
+              <a:rPr lang="en-US" altLang="en-US" sz="2200" dirty="0" err="1" smtClean="0">
+                <a:latin typeface="Lucida Console" pitchFamily="49" charset="0"/>
+              </a:rPr>
+              <a:t>fadd.d</a:t>
+            </a:r>
+            <a:r>
+              <a:rPr lang="en-US" altLang="en-US" sz="2200" dirty="0" smtClean="0">
+                <a:latin typeface="Lucida Console" pitchFamily="49" charset="0"/>
+              </a:rPr>
+              <a:t> f2, f4, f6</a:t>
+            </a:r>
+          </a:p>
+          <a:p>
+            <a:pPr>
+              <a:lnSpc>
+                <a:spcPct val="100000"/>
+              </a:lnSpc>
+              <a:spcBef>
+                <a:spcPts val="600"/>
+              </a:spcBef>
+            </a:pPr>
+            <a:r>
+              <a:rPr lang="en-US" altLang="en-US" sz="3500" dirty="0" smtClean="0"/>
+              <a:t>Single- and double-precision comparison</a:t>
+            </a:r>
+          </a:p>
+          <a:p>
+            <a:pPr lvl="1">
+              <a:lnSpc>
+                <a:spcPct val="100000"/>
+              </a:lnSpc>
+              <a:spcBef>
+                <a:spcPts val="600"/>
+              </a:spcBef>
+            </a:pPr>
+            <a:r>
+              <a:rPr lang="en-US" altLang="en-US" sz="2600" dirty="0" err="1" smtClean="0">
+                <a:latin typeface="Lucida Console" pitchFamily="49" charset="0"/>
+              </a:rPr>
+              <a:t>feq.s</a:t>
+            </a:r>
+            <a:r>
+              <a:rPr lang="en-US" altLang="en-US" sz="2600" dirty="0" smtClean="0">
+                <a:latin typeface="Lucida Console" pitchFamily="49" charset="0"/>
+              </a:rPr>
+              <a:t>, </a:t>
+            </a:r>
+            <a:r>
+              <a:rPr lang="en-US" altLang="en-US" sz="2600" dirty="0" err="1" smtClean="0">
+                <a:latin typeface="Lucida Console" pitchFamily="49" charset="0"/>
+              </a:rPr>
+              <a:t>flt.s</a:t>
+            </a:r>
+            <a:r>
+              <a:rPr lang="en-US" altLang="en-US" sz="2600" dirty="0" smtClean="0">
+                <a:latin typeface="Lucida Console" pitchFamily="49" charset="0"/>
+              </a:rPr>
+              <a:t>, </a:t>
+            </a:r>
+            <a:r>
+              <a:rPr lang="en-US" altLang="en-US" sz="2600" dirty="0" err="1" smtClean="0">
+                <a:latin typeface="Lucida Console" pitchFamily="49" charset="0"/>
+              </a:rPr>
+              <a:t>fle.s</a:t>
+            </a:r>
+            <a:endParaRPr lang="en-US" altLang="en-US" sz="2600" dirty="0" smtClean="0"/>
+          </a:p>
+          <a:p>
+            <a:pPr lvl="1">
+              <a:lnSpc>
+                <a:spcPct val="100000"/>
+              </a:lnSpc>
+              <a:spcBef>
+                <a:spcPts val="600"/>
+              </a:spcBef>
+            </a:pPr>
+            <a:r>
+              <a:rPr lang="en-US" altLang="en-US" sz="2600" dirty="0" err="1" smtClean="0">
+                <a:latin typeface="Lucida Console" pitchFamily="49" charset="0"/>
+              </a:rPr>
+              <a:t>feq.d</a:t>
+            </a:r>
+            <a:r>
+              <a:rPr lang="en-US" altLang="en-US" sz="2600" dirty="0" smtClean="0">
+                <a:latin typeface="Lucida Console" pitchFamily="49" charset="0"/>
+              </a:rPr>
+              <a:t>, </a:t>
+            </a:r>
+            <a:r>
+              <a:rPr lang="en-US" altLang="en-US" sz="2600" dirty="0" err="1" smtClean="0">
+                <a:latin typeface="Lucida Console" pitchFamily="49" charset="0"/>
+              </a:rPr>
+              <a:t>flt.d</a:t>
+            </a:r>
+            <a:r>
+              <a:rPr lang="en-US" altLang="en-US" sz="2600" dirty="0" smtClean="0">
+                <a:latin typeface="Lucida Console" pitchFamily="49" charset="0"/>
+              </a:rPr>
+              <a:t>, </a:t>
+            </a:r>
+            <a:r>
+              <a:rPr lang="en-US" altLang="en-US" sz="2600" dirty="0" err="1" smtClean="0">
+                <a:latin typeface="Lucida Console" pitchFamily="49" charset="0"/>
+              </a:rPr>
+              <a:t>fle.d</a:t>
+            </a:r>
+            <a:endParaRPr lang="en-US" altLang="en-US" sz="2600" dirty="0" smtClean="0"/>
+          </a:p>
+          <a:p>
+            <a:pPr lvl="1">
+              <a:lnSpc>
+                <a:spcPct val="100000"/>
+              </a:lnSpc>
+              <a:spcBef>
+                <a:spcPts val="600"/>
+              </a:spcBef>
+            </a:pPr>
+            <a:r>
+              <a:rPr lang="en-US" altLang="en-US" sz="2600" dirty="0" smtClean="0"/>
+              <a:t>Result is 0 or 1 in integer destination register</a:t>
+            </a:r>
+          </a:p>
+          <a:p>
+            <a:pPr lvl="2">
+              <a:lnSpc>
+                <a:spcPct val="100000"/>
+              </a:lnSpc>
+              <a:spcBef>
+                <a:spcPts val="600"/>
+              </a:spcBef>
+            </a:pPr>
+            <a:r>
+              <a:rPr lang="en-US" altLang="en-US" sz="2200" dirty="0" smtClean="0"/>
+              <a:t>Use </a:t>
+            </a:r>
+            <a:r>
+              <a:rPr lang="en-US" altLang="en-US" sz="2200" dirty="0" err="1" smtClean="0"/>
+              <a:t>beq</a:t>
+            </a:r>
+            <a:r>
+              <a:rPr lang="en-US" altLang="en-US" sz="2200" dirty="0" smtClean="0"/>
+              <a:t>, </a:t>
+            </a:r>
+            <a:r>
+              <a:rPr lang="en-US" altLang="en-US" sz="2200" dirty="0" err="1" smtClean="0"/>
+              <a:t>bne</a:t>
+            </a:r>
+            <a:r>
+              <a:rPr lang="en-US" altLang="en-US" sz="2200" dirty="0" smtClean="0"/>
+              <a:t> to branch on comparison result</a:t>
+            </a:r>
+          </a:p>
+          <a:p>
+            <a:pPr>
+              <a:lnSpc>
+                <a:spcPct val="100000"/>
+              </a:lnSpc>
+              <a:spcBef>
+                <a:spcPts val="600"/>
+              </a:spcBef>
+            </a:pPr>
+            <a:r>
+              <a:rPr lang="en-US" altLang="en-US" sz="3500" dirty="0" smtClean="0"/>
+              <a:t>Branch </a:t>
+            </a:r>
+            <a:r>
+              <a:rPr lang="en-US" altLang="en-US" sz="3500" dirty="0" smtClean="0"/>
+              <a:t>on FP condition code true or false</a:t>
+            </a:r>
+          </a:p>
+          <a:p>
+            <a:pPr lvl="1">
+              <a:lnSpc>
+                <a:spcPct val="100000"/>
+              </a:lnSpc>
+              <a:spcBef>
+                <a:spcPts val="600"/>
+              </a:spcBef>
+            </a:pPr>
+            <a:r>
+              <a:rPr lang="en-US" altLang="en-US" sz="2600" dirty="0" err="1" smtClean="0">
+                <a:latin typeface="Lucida Console" pitchFamily="49" charset="0"/>
+              </a:rPr>
+              <a:t>b.cond</a:t>
+            </a:r>
+            <a:endParaRPr lang="en-AU" altLang="en-US" sz="2600" dirty="0" smtClean="0">
+              <a:latin typeface="Lucida Console" pitchFamily="49" charset="0"/>
+            </a:endParaRPr>
           </a:p>
         </p:txBody>
       </p:sp>
@@ -8049,7 +8460,7 @@
           <a:p>
             <a:r>
               <a:rPr lang="en-US" altLang="en-US" dirty="0" smtClean="0"/>
-              <a:t>Who Cares About FP Accuracy?</a:t>
+              <a:t>FP Instructions in RISC-V</a:t>
             </a:r>
             <a:endParaRPr lang="ru-RU" dirty="0"/>
           </a:p>
@@ -8097,45 +8508,518 @@
             <p:ph idx="1"/>
           </p:nvPr>
         </p:nvSpPr>
-        <p:spPr/>
-        <p:txBody>
-          <a:bodyPr/>
-          <a:lstStyle/>
-          <a:p>
-            <a:r>
-              <a:rPr lang="en-AU" altLang="en-US" dirty="0" smtClean="0"/>
-              <a:t>Bits have no inherent meaning</a:t>
-            </a:r>
-          </a:p>
-          <a:p>
-            <a:pPr lvl="1"/>
-            <a:r>
-              <a:rPr lang="en-AU" altLang="en-US" dirty="0" smtClean="0"/>
-              <a:t>Interpretation depends on the instructions applied</a:t>
-            </a:r>
-          </a:p>
-          <a:p>
-            <a:pPr lvl="1"/>
-            <a:endParaRPr lang="en-AU" altLang="en-US" dirty="0" smtClean="0"/>
-          </a:p>
-          <a:p>
-            <a:r>
-              <a:rPr lang="en-AU" altLang="en-US" dirty="0" smtClean="0"/>
-              <a:t>Computer representations of numbers</a:t>
-            </a:r>
-          </a:p>
-          <a:p>
-            <a:pPr lvl="1"/>
-            <a:r>
-              <a:rPr lang="en-AU" altLang="en-US" dirty="0" smtClean="0"/>
-              <a:t>Finite range and precision</a:t>
-            </a:r>
-          </a:p>
-          <a:p>
-            <a:pPr lvl="1"/>
-            <a:r>
-              <a:rPr lang="en-AU" altLang="en-US" dirty="0" smtClean="0"/>
-              <a:t>Need to account for this in programs</a:t>
+        <p:spPr>
+          <a:xfrm>
+            <a:off x="838200" y="1178052"/>
+            <a:ext cx="10515600" cy="5472130"/>
+          </a:xfrm>
+        </p:spPr>
+        <p:txBody>
+          <a:bodyPr>
+            <a:normAutofit lnSpcReduction="10000"/>
+          </a:bodyPr>
+          <a:lstStyle/>
+          <a:p>
+            <a:pPr>
+              <a:defRPr/>
+            </a:pPr>
+            <a:r>
+              <a:rPr lang="en-US" altLang="en-US" sz="3500" dirty="0" smtClean="0"/>
+              <a:t>C code:</a:t>
+            </a:r>
+          </a:p>
+          <a:p>
+            <a:pPr>
+              <a:buNone/>
+              <a:defRPr/>
+            </a:pPr>
+            <a:r>
+              <a:rPr lang="en-US" altLang="en-US" sz="2400" dirty="0" smtClean="0">
+                <a:latin typeface="Lucida Console" panose="020B0609040504020204" pitchFamily="49" charset="0"/>
+              </a:rPr>
+              <a:t>	</a:t>
+            </a:r>
+            <a:r>
+              <a:rPr lang="en-US" altLang="en-US" sz="2000" dirty="0" smtClean="0">
+                <a:latin typeface="Lucida Console" panose="020B0609040504020204" pitchFamily="49" charset="0"/>
+              </a:rPr>
+              <a:t>  </a:t>
+            </a:r>
+            <a:r>
+              <a:rPr lang="en-US" altLang="en-US" sz="2000" dirty="0" smtClean="0">
+                <a:solidFill>
+                  <a:srgbClr val="2F5CB5"/>
+                </a:solidFill>
+                <a:latin typeface="Lucida Console" panose="020B0609040504020204" pitchFamily="49" charset="0"/>
+              </a:rPr>
+              <a:t>float</a:t>
+            </a:r>
+            <a:r>
+              <a:rPr lang="en-US" altLang="en-US" sz="2000" dirty="0" smtClean="0">
+                <a:solidFill>
+                  <a:schemeClr val="tx1"/>
+                </a:solidFill>
+                <a:latin typeface="Lucida Console" panose="020B0609040504020204" pitchFamily="49" charset="0"/>
+              </a:rPr>
+              <a:t> </a:t>
+            </a:r>
+            <a:r>
+              <a:rPr lang="en-US" altLang="en-US" sz="2000" dirty="0" smtClean="0">
+                <a:solidFill>
+                  <a:schemeClr val="tx1"/>
+                </a:solidFill>
+                <a:latin typeface="Lucida Console" panose="020B0609040504020204" pitchFamily="49" charset="0"/>
+              </a:rPr>
+              <a:t>f2c (</a:t>
+            </a:r>
+            <a:r>
+              <a:rPr lang="en-US" altLang="en-US" sz="2000" dirty="0" smtClean="0">
+                <a:solidFill>
+                  <a:srgbClr val="2F5CB5"/>
+                </a:solidFill>
+                <a:latin typeface="Lucida Console" panose="020B0609040504020204" pitchFamily="49" charset="0"/>
+              </a:rPr>
+              <a:t>float</a:t>
+            </a:r>
+            <a:r>
+              <a:rPr lang="en-US" altLang="en-US" sz="2000" dirty="0" smtClean="0">
+                <a:solidFill>
+                  <a:schemeClr val="tx1"/>
+                </a:solidFill>
+                <a:latin typeface="Lucida Console" panose="020B0609040504020204" pitchFamily="49" charset="0"/>
+              </a:rPr>
+              <a:t> fahr) {</a:t>
+            </a:r>
+            <a:br>
+              <a:rPr lang="en-US" altLang="en-US" sz="2000" dirty="0" smtClean="0">
+                <a:solidFill>
+                  <a:schemeClr val="tx1"/>
+                </a:solidFill>
+                <a:latin typeface="Lucida Console" panose="020B0609040504020204" pitchFamily="49" charset="0"/>
+              </a:rPr>
+            </a:br>
+            <a:r>
+              <a:rPr lang="en-US" altLang="en-US" sz="2000" dirty="0" smtClean="0">
+                <a:solidFill>
+                  <a:schemeClr val="tx1"/>
+                </a:solidFill>
+                <a:latin typeface="Lucida Console" panose="020B0609040504020204" pitchFamily="49" charset="0"/>
+              </a:rPr>
+              <a:t>  </a:t>
+            </a:r>
+            <a:r>
+              <a:rPr lang="en-US" altLang="en-US" sz="2000" dirty="0" smtClean="0">
+                <a:solidFill>
+                  <a:schemeClr val="tx1"/>
+                </a:solidFill>
+                <a:latin typeface="Lucida Console" panose="020B0609040504020204" pitchFamily="49" charset="0"/>
+              </a:rPr>
+              <a:t>  </a:t>
+            </a:r>
+            <a:r>
+              <a:rPr lang="en-US" altLang="en-US" sz="2000" dirty="0" smtClean="0">
+                <a:solidFill>
+                  <a:srgbClr val="2F5CB5"/>
+                </a:solidFill>
+                <a:latin typeface="Lucida Console" panose="020B0609040504020204" pitchFamily="49" charset="0"/>
+              </a:rPr>
+              <a:t>return</a:t>
+            </a:r>
+            <a:r>
+              <a:rPr lang="en-US" altLang="en-US" sz="2000" dirty="0" smtClean="0">
+                <a:solidFill>
+                  <a:schemeClr val="tx1"/>
+                </a:solidFill>
+                <a:latin typeface="Lucida Console" panose="020B0609040504020204" pitchFamily="49" charset="0"/>
+              </a:rPr>
+              <a:t> </a:t>
+            </a:r>
+            <a:r>
+              <a:rPr lang="en-US" altLang="en-US" sz="2000" dirty="0" smtClean="0">
+                <a:solidFill>
+                  <a:schemeClr val="tx1"/>
+                </a:solidFill>
+                <a:latin typeface="Lucida Console" panose="020B0609040504020204" pitchFamily="49" charset="0"/>
+              </a:rPr>
+              <a:t>((5.0/9.0)*(fahr - 32.0));</a:t>
+            </a:r>
+            <a:br>
+              <a:rPr lang="en-US" altLang="en-US" sz="2000" dirty="0" smtClean="0">
+                <a:solidFill>
+                  <a:schemeClr val="tx1"/>
+                </a:solidFill>
+                <a:latin typeface="Lucida Console" panose="020B0609040504020204" pitchFamily="49" charset="0"/>
+              </a:rPr>
+            </a:br>
+            <a:r>
+              <a:rPr lang="en-US" altLang="en-US" sz="2000" dirty="0" smtClean="0">
+                <a:solidFill>
+                  <a:schemeClr val="tx1"/>
+                </a:solidFill>
+                <a:latin typeface="Lucida Console" panose="020B0609040504020204" pitchFamily="49" charset="0"/>
+              </a:rPr>
+              <a:t>  }</a:t>
+            </a:r>
+            <a:endParaRPr lang="en-US" altLang="en-US" sz="2000" dirty="0" smtClean="0">
+              <a:solidFill>
+                <a:schemeClr val="tx1"/>
+              </a:solidFill>
+              <a:latin typeface="Lucida Console" panose="020B0609040504020204" pitchFamily="49" charset="0"/>
+            </a:endParaRPr>
+          </a:p>
+          <a:p>
+            <a:pPr lvl="1">
+              <a:lnSpc>
+                <a:spcPct val="110000"/>
+              </a:lnSpc>
+              <a:spcBef>
+                <a:spcPts val="1200"/>
+              </a:spcBef>
+              <a:defRPr/>
+            </a:pPr>
+            <a:r>
+              <a:rPr lang="en-US" altLang="en-US" sz="2400" dirty="0" smtClean="0">
+                <a:latin typeface="Lucida Console" panose="020B0609040504020204" pitchFamily="49" charset="0"/>
+              </a:rPr>
+              <a:t>fahr</a:t>
+            </a:r>
+            <a:r>
+              <a:rPr lang="en-US" altLang="en-US" sz="2400" dirty="0" smtClean="0"/>
+              <a:t> in f10, result in f10, literals in global memory space</a:t>
+            </a:r>
+          </a:p>
+          <a:p>
+            <a:pPr>
+              <a:defRPr/>
+            </a:pPr>
+            <a:r>
+              <a:rPr lang="en-US" altLang="en-US" sz="3500" dirty="0" smtClean="0"/>
+              <a:t>Compiled RISC-V code:</a:t>
+            </a:r>
+          </a:p>
+          <a:p>
+            <a:pPr>
+              <a:buNone/>
+              <a:defRPr/>
+            </a:pPr>
+            <a:r>
+              <a:rPr lang="en-US" altLang="en-US" sz="2000" dirty="0" smtClean="0">
+                <a:latin typeface="Lucida Console" panose="020B0609040504020204" pitchFamily="49" charset="0"/>
+              </a:rPr>
+              <a:t>	f2c:</a:t>
+            </a:r>
+          </a:p>
+          <a:p>
+            <a:pPr>
+              <a:buNone/>
+              <a:defRPr/>
+            </a:pPr>
+            <a:r>
+              <a:rPr lang="en-US" altLang="en-US" sz="2000" dirty="0" smtClean="0">
+                <a:latin typeface="Lucida Console" panose="020B0609040504020204" pitchFamily="49" charset="0"/>
+              </a:rPr>
+              <a:t>    </a:t>
+            </a:r>
+            <a:r>
+              <a:rPr lang="en-US" altLang="en-US" sz="2000" dirty="0" err="1" smtClean="0">
+                <a:latin typeface="Lucida Console" panose="020B0609040504020204" pitchFamily="49" charset="0"/>
+              </a:rPr>
+              <a:t>flw</a:t>
+            </a:r>
+            <a:r>
+              <a:rPr lang="en-US" altLang="en-US" sz="2000" dirty="0" smtClean="0">
+                <a:latin typeface="Lucida Console" panose="020B0609040504020204" pitchFamily="49" charset="0"/>
+              </a:rPr>
+              <a:t>    f0,const5(x3)  </a:t>
+            </a:r>
+            <a:r>
+              <a:rPr lang="en-US" altLang="en-US" sz="2000" dirty="0" smtClean="0">
+                <a:solidFill>
+                  <a:schemeClr val="accent6">
+                    <a:lumMod val="75000"/>
+                  </a:schemeClr>
+                </a:solidFill>
+                <a:latin typeface="Lucida Console" panose="020B0609040504020204" pitchFamily="49" charset="0"/>
+              </a:rPr>
+              <a:t>// f0 = 5.0f</a:t>
+            </a:r>
+          </a:p>
+          <a:p>
+            <a:pPr>
+              <a:buNone/>
+              <a:defRPr/>
+            </a:pPr>
+            <a:r>
+              <a:rPr lang="en-US" altLang="en-US" sz="2000" dirty="0" smtClean="0">
+                <a:latin typeface="Lucida Console" panose="020B0609040504020204" pitchFamily="49" charset="0"/>
+              </a:rPr>
+              <a:t>    </a:t>
+            </a:r>
+            <a:r>
+              <a:rPr lang="en-US" altLang="en-US" sz="2000" dirty="0" err="1" smtClean="0">
+                <a:latin typeface="Lucida Console" panose="020B0609040504020204" pitchFamily="49" charset="0"/>
+              </a:rPr>
+              <a:t>flw</a:t>
+            </a:r>
+            <a:r>
+              <a:rPr lang="en-US" altLang="en-US" sz="2000" dirty="0" smtClean="0">
+                <a:latin typeface="Lucida Console" panose="020B0609040504020204" pitchFamily="49" charset="0"/>
+              </a:rPr>
+              <a:t>    f1,const9(x3)  </a:t>
+            </a:r>
+            <a:r>
+              <a:rPr lang="en-US" altLang="en-US" sz="2000" dirty="0" smtClean="0">
+                <a:solidFill>
+                  <a:schemeClr val="accent6">
+                    <a:lumMod val="75000"/>
+                  </a:schemeClr>
+                </a:solidFill>
+                <a:latin typeface="Lucida Console" panose="020B0609040504020204" pitchFamily="49" charset="0"/>
+              </a:rPr>
+              <a:t>// f1 = 9.0f</a:t>
+            </a:r>
+          </a:p>
+          <a:p>
+            <a:pPr>
+              <a:buNone/>
+              <a:defRPr/>
+            </a:pPr>
+            <a:r>
+              <a:rPr lang="en-US" altLang="en-US" sz="2000" dirty="0" smtClean="0">
+                <a:latin typeface="Lucida Console" panose="020B0609040504020204" pitchFamily="49" charset="0"/>
+              </a:rPr>
+              <a:t>    </a:t>
+            </a:r>
+            <a:r>
+              <a:rPr lang="en-US" altLang="en-US" sz="2000" dirty="0" err="1" smtClean="0">
+                <a:latin typeface="Lucida Console" panose="020B0609040504020204" pitchFamily="49" charset="0"/>
+              </a:rPr>
+              <a:t>fdiv.s</a:t>
+            </a:r>
+            <a:r>
+              <a:rPr lang="en-US" altLang="en-US" sz="2000" dirty="0" smtClean="0">
+                <a:latin typeface="Lucida Console" panose="020B0609040504020204" pitchFamily="49" charset="0"/>
+              </a:rPr>
+              <a:t> f0, f0, f1  </a:t>
+            </a:r>
+            <a:r>
+              <a:rPr lang="en-US" altLang="en-US" sz="2000" dirty="0" smtClean="0">
+                <a:latin typeface="Lucida Console" panose="020B0609040504020204" pitchFamily="49" charset="0"/>
+              </a:rPr>
+              <a:t>   </a:t>
+            </a:r>
+            <a:r>
+              <a:rPr lang="en-US" altLang="en-US" sz="2000" dirty="0" smtClean="0">
+                <a:solidFill>
+                  <a:schemeClr val="accent6">
+                    <a:lumMod val="75000"/>
+                  </a:schemeClr>
+                </a:solidFill>
+                <a:latin typeface="Lucida Console" panose="020B0609040504020204" pitchFamily="49" charset="0"/>
+              </a:rPr>
+              <a:t>// </a:t>
+            </a:r>
+            <a:r>
+              <a:rPr lang="en-US" altLang="en-US" sz="2000" dirty="0" smtClean="0">
+                <a:solidFill>
+                  <a:schemeClr val="accent6">
+                    <a:lumMod val="75000"/>
+                  </a:schemeClr>
+                </a:solidFill>
+                <a:latin typeface="Lucida Console" panose="020B0609040504020204" pitchFamily="49" charset="0"/>
+              </a:rPr>
+              <a:t>f0 = 5.0f / 9.0f</a:t>
+            </a:r>
+          </a:p>
+          <a:p>
+            <a:pPr>
+              <a:buNone/>
+              <a:defRPr/>
+            </a:pPr>
+            <a:r>
+              <a:rPr lang="en-US" altLang="en-US" sz="2000" dirty="0" smtClean="0">
+                <a:latin typeface="Lucida Console" panose="020B0609040504020204" pitchFamily="49" charset="0"/>
+              </a:rPr>
+              <a:t>    </a:t>
+            </a:r>
+            <a:r>
+              <a:rPr lang="en-US" altLang="en-US" sz="2000" dirty="0" err="1" smtClean="0">
+                <a:latin typeface="Lucida Console" panose="020B0609040504020204" pitchFamily="49" charset="0"/>
+              </a:rPr>
+              <a:t>flw</a:t>
+            </a:r>
+            <a:r>
+              <a:rPr lang="en-US" altLang="en-US" sz="2000" dirty="0" smtClean="0">
+                <a:latin typeface="Lucida Console" panose="020B0609040504020204" pitchFamily="49" charset="0"/>
+              </a:rPr>
+              <a:t>    f1,const32(x3) </a:t>
+            </a:r>
+            <a:r>
+              <a:rPr lang="en-US" altLang="en-US" sz="2000" dirty="0" smtClean="0">
+                <a:solidFill>
+                  <a:schemeClr val="accent6">
+                    <a:lumMod val="75000"/>
+                  </a:schemeClr>
+                </a:solidFill>
+                <a:latin typeface="Lucida Console" panose="020B0609040504020204" pitchFamily="49" charset="0"/>
+              </a:rPr>
+              <a:t>// f1 = 32.0f</a:t>
+            </a:r>
+          </a:p>
+          <a:p>
+            <a:pPr>
+              <a:buNone/>
+              <a:defRPr/>
+            </a:pPr>
+            <a:r>
+              <a:rPr lang="en-US" altLang="en-US" sz="2000" dirty="0" smtClean="0">
+                <a:latin typeface="Lucida Console" panose="020B0609040504020204" pitchFamily="49" charset="0"/>
+              </a:rPr>
+              <a:t>    </a:t>
+            </a:r>
+            <a:r>
+              <a:rPr lang="en-US" altLang="en-US" sz="2000" dirty="0" err="1" smtClean="0">
+                <a:latin typeface="Lucida Console" panose="020B0609040504020204" pitchFamily="49" charset="0"/>
+              </a:rPr>
+              <a:t>fsub.s</a:t>
+            </a:r>
+            <a:r>
+              <a:rPr lang="en-US" altLang="en-US" sz="2000" dirty="0" smtClean="0">
+                <a:latin typeface="Lucida Console" panose="020B0609040504020204" pitchFamily="49" charset="0"/>
+              </a:rPr>
+              <a:t> f10,f10,f1  </a:t>
+            </a:r>
+            <a:r>
+              <a:rPr lang="en-US" altLang="en-US" sz="2000" dirty="0" smtClean="0">
+                <a:latin typeface="Lucida Console" panose="020B0609040504020204" pitchFamily="49" charset="0"/>
+              </a:rPr>
+              <a:t>   </a:t>
+            </a:r>
+            <a:r>
+              <a:rPr lang="en-US" altLang="en-US" sz="2000" dirty="0" smtClean="0">
+                <a:solidFill>
+                  <a:schemeClr val="accent6">
+                    <a:lumMod val="75000"/>
+                  </a:schemeClr>
+                </a:solidFill>
+                <a:latin typeface="Lucida Console" panose="020B0609040504020204" pitchFamily="49" charset="0"/>
+              </a:rPr>
+              <a:t>// </a:t>
+            </a:r>
+            <a:r>
+              <a:rPr lang="en-US" altLang="en-US" sz="2000" dirty="0" smtClean="0">
+                <a:solidFill>
+                  <a:schemeClr val="accent6">
+                    <a:lumMod val="75000"/>
+                  </a:schemeClr>
+                </a:solidFill>
+                <a:latin typeface="Lucida Console" panose="020B0609040504020204" pitchFamily="49" charset="0"/>
+              </a:rPr>
+              <a:t>f10 = fahr – 32.0</a:t>
+            </a:r>
+          </a:p>
+          <a:p>
+            <a:pPr>
+              <a:buNone/>
+              <a:defRPr/>
+            </a:pPr>
+            <a:r>
+              <a:rPr lang="en-US" altLang="en-US" sz="2000" dirty="0" smtClean="0">
+                <a:latin typeface="Lucida Console" panose="020B0609040504020204" pitchFamily="49" charset="0"/>
+              </a:rPr>
+              <a:t>    </a:t>
+            </a:r>
+            <a:r>
+              <a:rPr lang="en-US" altLang="en-US" sz="2000" dirty="0" err="1" smtClean="0">
+                <a:latin typeface="Lucida Console" panose="020B0609040504020204" pitchFamily="49" charset="0"/>
+              </a:rPr>
+              <a:t>fmul.s</a:t>
+            </a:r>
+            <a:r>
+              <a:rPr lang="en-US" altLang="en-US" sz="2000" dirty="0" smtClean="0">
+                <a:latin typeface="Lucida Console" panose="020B0609040504020204" pitchFamily="49" charset="0"/>
+              </a:rPr>
+              <a:t> f10,f0,f10  </a:t>
+            </a:r>
+            <a:r>
+              <a:rPr lang="en-US" altLang="en-US" sz="2000" dirty="0" smtClean="0">
+                <a:latin typeface="Lucida Console" panose="020B0609040504020204" pitchFamily="49" charset="0"/>
+              </a:rPr>
+              <a:t>   </a:t>
+            </a:r>
+            <a:r>
+              <a:rPr lang="en-US" altLang="en-US" sz="2000" dirty="0" smtClean="0">
+                <a:solidFill>
+                  <a:schemeClr val="accent6">
+                    <a:lumMod val="75000"/>
+                  </a:schemeClr>
+                </a:solidFill>
+                <a:latin typeface="Lucida Console" panose="020B0609040504020204" pitchFamily="49" charset="0"/>
+              </a:rPr>
+              <a:t>// </a:t>
+            </a:r>
+            <a:r>
+              <a:rPr lang="en-US" altLang="en-US" sz="2000" dirty="0" smtClean="0">
+                <a:solidFill>
+                  <a:schemeClr val="accent6">
+                    <a:lumMod val="75000"/>
+                  </a:schemeClr>
+                </a:solidFill>
+                <a:latin typeface="Lucida Console" panose="020B0609040504020204" pitchFamily="49" charset="0"/>
+              </a:rPr>
+              <a:t>f10 = (5.0f/9.0f) * (fahr–32.0f)</a:t>
+            </a:r>
+          </a:p>
+          <a:p>
+            <a:pPr>
+              <a:buNone/>
+              <a:defRPr/>
+            </a:pPr>
+            <a:r>
+              <a:rPr lang="en-US" altLang="en-US" sz="2000" dirty="0" smtClean="0">
+                <a:latin typeface="Lucida Console" panose="020B0609040504020204" pitchFamily="49" charset="0"/>
+              </a:rPr>
+              <a:t>    </a:t>
+            </a:r>
+            <a:r>
+              <a:rPr lang="en-US" altLang="en-US" sz="2000" dirty="0" err="1" smtClean="0">
+                <a:latin typeface="Lucida Console" panose="020B0609040504020204" pitchFamily="49" charset="0"/>
+              </a:rPr>
+              <a:t>jalr</a:t>
+            </a:r>
+            <a:r>
+              <a:rPr lang="en-US" altLang="en-US" sz="2000" dirty="0" smtClean="0">
+                <a:latin typeface="Lucida Console" panose="020B0609040504020204" pitchFamily="49" charset="0"/>
+              </a:rPr>
+              <a:t>   x0,0(x1)    </a:t>
+            </a:r>
+            <a:r>
+              <a:rPr lang="en-US" altLang="en-US" sz="2000" dirty="0" smtClean="0">
+                <a:latin typeface="Lucida Console" panose="020B0609040504020204" pitchFamily="49" charset="0"/>
+              </a:rPr>
+              <a:t>   </a:t>
+            </a:r>
+            <a:r>
+              <a:rPr lang="en-US" altLang="en-US" sz="2000" dirty="0" smtClean="0">
+                <a:solidFill>
+                  <a:schemeClr val="accent6">
+                    <a:lumMod val="75000"/>
+                  </a:schemeClr>
+                </a:solidFill>
+                <a:latin typeface="Lucida Console" panose="020B0609040504020204" pitchFamily="49" charset="0"/>
+              </a:rPr>
+              <a:t>// </a:t>
+            </a:r>
+            <a:r>
+              <a:rPr lang="en-US" altLang="en-US" sz="2000" dirty="0" smtClean="0">
+                <a:solidFill>
+                  <a:schemeClr val="accent6">
+                    <a:lumMod val="75000"/>
+                  </a:schemeClr>
+                </a:solidFill>
+                <a:latin typeface="Lucida Console" panose="020B0609040504020204" pitchFamily="49" charset="0"/>
+              </a:rPr>
+              <a:t>return</a:t>
             </a:r>
           </a:p>
           <a:p>
@@ -8185,7 +9069,7 @@
           <a:p>
             <a:r>
               <a:rPr lang="en-US" altLang="en-US" dirty="0" smtClean="0"/>
-              <a:t>Concluding Remarks</a:t>
+              <a:t>FP Example: °F to °C</a:t>
             </a:r>
             <a:endParaRPr lang="ru-RU" dirty="0"/>
           </a:p>
@@ -8233,54 +9117,428 @@
             <p:ph idx="1"/>
           </p:nvPr>
         </p:nvSpPr>
-        <p:spPr/>
-        <p:txBody>
-          <a:bodyPr/>
-          <a:lstStyle/>
-          <a:p>
-            <a:r>
-              <a:rPr lang="en-US" altLang="en-US" dirty="0" smtClean="0"/>
-              <a:t>ISAs support arithmetic</a:t>
-            </a:r>
-          </a:p>
-          <a:p>
-            <a:pPr lvl="1"/>
-            <a:r>
-              <a:rPr lang="en-US" altLang="en-US" dirty="0" smtClean="0"/>
-              <a:t>Signed and unsigned integers</a:t>
-            </a:r>
-          </a:p>
-          <a:p>
-            <a:pPr lvl="1"/>
-            <a:r>
-              <a:rPr lang="en-US" altLang="en-US" dirty="0" smtClean="0"/>
-              <a:t>Floating-point approximation to </a:t>
-            </a:r>
-            <a:r>
-              <a:rPr lang="en-US" altLang="en-US" dirty="0" err="1" smtClean="0"/>
-              <a:t>reals</a:t>
-            </a:r>
-            <a:endParaRPr lang="en-US" altLang="en-US" dirty="0" smtClean="0"/>
-          </a:p>
-          <a:p>
-            <a:pPr lvl="1"/>
-            <a:endParaRPr lang="en-US" altLang="en-US" dirty="0" smtClean="0"/>
-          </a:p>
-          <a:p>
-            <a:r>
-              <a:rPr lang="en-US" altLang="en-US" dirty="0" smtClean="0"/>
-              <a:t>Bounded range and precision</a:t>
-            </a:r>
-          </a:p>
-          <a:p>
-            <a:pPr lvl="1"/>
-            <a:r>
-              <a:rPr lang="en-US" altLang="en-US" dirty="0" smtClean="0"/>
-              <a:t>Operations can overflow and underflow</a:t>
-            </a:r>
-          </a:p>
-          <a:p>
-            <a:endParaRPr lang="ru-RU" dirty="0"/>
+        <p:spPr>
+          <a:xfrm>
+            <a:off x="838200" y="1178052"/>
+            <a:ext cx="10515600" cy="5293999"/>
+          </a:xfrm>
+        </p:spPr>
+        <p:txBody>
+          <a:bodyPr>
+            <a:normAutofit/>
+          </a:bodyPr>
+          <a:lstStyle/>
+          <a:p>
+            <a:pPr>
+              <a:lnSpc>
+                <a:spcPct val="100000"/>
+              </a:lnSpc>
+              <a:spcBef>
+                <a:spcPts val="600"/>
+              </a:spcBef>
+            </a:pPr>
+            <a:r>
+              <a:rPr lang="en-US" altLang="en-US" sz="3200" dirty="0" smtClean="0"/>
+              <a:t>C = C + A </a:t>
+            </a:r>
+            <a:r>
+              <a:rPr lang="en-US" altLang="en-US" sz="3200" dirty="0" smtClean="0">
+                <a:cs typeface="Arial" charset="0"/>
+              </a:rPr>
+              <a:t>× B</a:t>
+            </a:r>
+          </a:p>
+          <a:p>
+            <a:pPr lvl="1">
+              <a:lnSpc>
+                <a:spcPct val="100000"/>
+              </a:lnSpc>
+              <a:spcBef>
+                <a:spcPts val="600"/>
+              </a:spcBef>
+            </a:pPr>
+            <a:r>
+              <a:rPr lang="en-US" altLang="en-US" sz="2800" dirty="0" smtClean="0">
+                <a:cs typeface="Arial" charset="0"/>
+              </a:rPr>
+              <a:t>All 32 × 32 matrices, 64-bit double-precision elements</a:t>
+            </a:r>
+          </a:p>
+          <a:p>
+            <a:pPr>
+              <a:lnSpc>
+                <a:spcPct val="100000"/>
+              </a:lnSpc>
+              <a:spcBef>
+                <a:spcPts val="600"/>
+              </a:spcBef>
+            </a:pPr>
+            <a:r>
+              <a:rPr lang="en-US" altLang="en-US" sz="3200" dirty="0" smtClean="0"/>
+              <a:t>C </a:t>
+            </a:r>
+            <a:r>
+              <a:rPr lang="en-US" altLang="en-US" sz="3200" dirty="0" smtClean="0"/>
+              <a:t>code:</a:t>
+            </a:r>
+            <a:endParaRPr lang="en-US" altLang="en-US" sz="3200" dirty="0" smtClean="0"/>
+          </a:p>
+          <a:p>
+            <a:pPr>
+              <a:lnSpc>
+                <a:spcPct val="100000"/>
+              </a:lnSpc>
+              <a:spcBef>
+                <a:spcPts val="600"/>
+              </a:spcBef>
+              <a:buNone/>
+            </a:pPr>
+            <a:r>
+              <a:rPr lang="en-US" altLang="en-US" sz="2400" dirty="0" smtClean="0">
+                <a:latin typeface="Lucida Console" pitchFamily="49" charset="0"/>
+              </a:rPr>
+              <a:t>	</a:t>
+            </a:r>
+            <a:r>
+              <a:rPr lang="en-US" altLang="en-US" sz="2400" dirty="0" smtClean="0">
+                <a:latin typeface="Lucida Console" pitchFamily="49" charset="0"/>
+              </a:rPr>
+              <a:t>  </a:t>
+            </a:r>
+            <a:r>
+              <a:rPr lang="nb-NO" altLang="en-US" sz="2000" dirty="0" smtClean="0">
+                <a:solidFill>
+                  <a:srgbClr val="2F5CB5"/>
+                </a:solidFill>
+                <a:latin typeface="Lucida Console" pitchFamily="49" charset="0"/>
+              </a:rPr>
+              <a:t>void</a:t>
+            </a:r>
+            <a:r>
+              <a:rPr lang="nb-NO" altLang="en-US" sz="2000" dirty="0" smtClean="0">
+                <a:solidFill>
+                  <a:schemeClr val="tx1"/>
+                </a:solidFill>
+                <a:latin typeface="Lucida Console" pitchFamily="49" charset="0"/>
+              </a:rPr>
+              <a:t> mm (</a:t>
+            </a:r>
+            <a:r>
+              <a:rPr lang="nb-NO" altLang="en-US" sz="2000" dirty="0" smtClean="0">
+                <a:solidFill>
+                  <a:srgbClr val="2F5CB5"/>
+                </a:solidFill>
+                <a:latin typeface="Lucida Console" pitchFamily="49" charset="0"/>
+              </a:rPr>
+              <a:t>double</a:t>
+            </a:r>
+            <a:r>
+              <a:rPr lang="nb-NO" altLang="en-US" sz="2000" dirty="0" smtClean="0">
+                <a:solidFill>
+                  <a:schemeClr val="tx1"/>
+                </a:solidFill>
+                <a:latin typeface="Lucida Console" pitchFamily="49" charset="0"/>
+              </a:rPr>
+              <a:t> c[][], </a:t>
+            </a:r>
+            <a:r>
+              <a:rPr lang="nb-NO" altLang="en-US" sz="2000" dirty="0" smtClean="0">
+                <a:solidFill>
+                  <a:srgbClr val="2F5CB5"/>
+                </a:solidFill>
+                <a:latin typeface="Lucida Console" pitchFamily="49" charset="0"/>
+              </a:rPr>
+              <a:t>double</a:t>
+            </a:r>
+            <a:r>
+              <a:rPr lang="nb-NO" altLang="en-US" sz="2000" dirty="0" smtClean="0">
+                <a:solidFill>
+                  <a:schemeClr val="tx1"/>
+                </a:solidFill>
+                <a:latin typeface="Lucida Console" pitchFamily="49" charset="0"/>
+              </a:rPr>
+              <a:t> a[][], </a:t>
+            </a:r>
+            <a:r>
+              <a:rPr lang="nb-NO" altLang="en-US" sz="2000" dirty="0" smtClean="0">
+                <a:solidFill>
+                  <a:srgbClr val="2F5CB5"/>
+                </a:solidFill>
+                <a:latin typeface="Lucida Console" pitchFamily="49" charset="0"/>
+              </a:rPr>
+              <a:t>double</a:t>
+            </a:r>
+            <a:r>
+              <a:rPr lang="nb-NO" altLang="en-US" sz="2000" dirty="0" smtClean="0">
+                <a:solidFill>
+                  <a:schemeClr val="tx1"/>
+                </a:solidFill>
+                <a:latin typeface="Lucida Console" pitchFamily="49" charset="0"/>
+              </a:rPr>
+              <a:t> b[][]) {</a:t>
+            </a:r>
+            <a:br>
+              <a:rPr lang="nb-NO" altLang="en-US" sz="2000" dirty="0" smtClean="0">
+                <a:solidFill>
+                  <a:schemeClr val="tx1"/>
+                </a:solidFill>
+                <a:latin typeface="Lucida Console" pitchFamily="49" charset="0"/>
+              </a:rPr>
+            </a:br>
+            <a:r>
+              <a:rPr lang="nb-NO" altLang="en-US" sz="2000" dirty="0" smtClean="0">
+                <a:solidFill>
+                  <a:schemeClr val="tx1"/>
+                </a:solidFill>
+                <a:latin typeface="Lucida Console" pitchFamily="49" charset="0"/>
+              </a:rPr>
+              <a:t>    </a:t>
+            </a:r>
+            <a:r>
+              <a:rPr lang="nb-NO" altLang="en-US" sz="2000" dirty="0" smtClean="0">
+                <a:solidFill>
+                  <a:srgbClr val="2F5CB5"/>
+                </a:solidFill>
+                <a:latin typeface="Lucida Console" pitchFamily="49" charset="0"/>
+              </a:rPr>
+              <a:t>size_t</a:t>
+            </a:r>
+            <a:r>
+              <a:rPr lang="nb-NO" altLang="en-US" sz="2000" dirty="0" smtClean="0">
+                <a:solidFill>
+                  <a:schemeClr val="tx1"/>
+                </a:solidFill>
+                <a:latin typeface="Lucida Console" pitchFamily="49" charset="0"/>
+              </a:rPr>
+              <a:t> i, j, k;</a:t>
+            </a:r>
+            <a:br>
+              <a:rPr lang="nb-NO" altLang="en-US" sz="2000" dirty="0" smtClean="0">
+                <a:solidFill>
+                  <a:schemeClr val="tx1"/>
+                </a:solidFill>
+                <a:latin typeface="Lucida Console" pitchFamily="49" charset="0"/>
+              </a:rPr>
+            </a:br>
+            <a:r>
+              <a:rPr lang="nb-NO" altLang="en-US" sz="2000" dirty="0" smtClean="0">
+                <a:solidFill>
+                  <a:schemeClr val="tx1"/>
+                </a:solidFill>
+                <a:latin typeface="Lucida Console" pitchFamily="49" charset="0"/>
+              </a:rPr>
+              <a:t>    </a:t>
+            </a:r>
+            <a:r>
+              <a:rPr lang="nb-NO" altLang="en-US" sz="2000" dirty="0" smtClean="0">
+                <a:solidFill>
+                  <a:srgbClr val="2F5CB5"/>
+                </a:solidFill>
+                <a:latin typeface="Lucida Console" pitchFamily="49" charset="0"/>
+              </a:rPr>
+              <a:t>for</a:t>
+            </a:r>
+            <a:r>
+              <a:rPr lang="nb-NO" altLang="en-US" sz="2000" dirty="0" smtClean="0">
+                <a:solidFill>
+                  <a:schemeClr val="tx1"/>
+                </a:solidFill>
+                <a:latin typeface="Lucida Console" pitchFamily="49" charset="0"/>
+              </a:rPr>
+              <a:t> (i = 0; i &lt; 32; i = i + 1)</a:t>
+            </a:r>
+            <a:br>
+              <a:rPr lang="nb-NO" altLang="en-US" sz="2000" dirty="0" smtClean="0">
+                <a:solidFill>
+                  <a:schemeClr val="tx1"/>
+                </a:solidFill>
+                <a:latin typeface="Lucida Console" pitchFamily="49" charset="0"/>
+              </a:rPr>
+            </a:br>
+            <a:r>
+              <a:rPr lang="nb-NO" altLang="en-US" sz="2000" dirty="0" smtClean="0">
+                <a:solidFill>
+                  <a:schemeClr val="tx1"/>
+                </a:solidFill>
+                <a:latin typeface="Lucida Console" pitchFamily="49" charset="0"/>
+              </a:rPr>
+              <a:t>      </a:t>
+            </a:r>
+            <a:r>
+              <a:rPr lang="nb-NO" altLang="en-US" sz="2000" dirty="0" smtClean="0">
+                <a:solidFill>
+                  <a:srgbClr val="2F5CB5"/>
+                </a:solidFill>
+                <a:latin typeface="Lucida Console" pitchFamily="49" charset="0"/>
+              </a:rPr>
+              <a:t>for</a:t>
+            </a:r>
+            <a:r>
+              <a:rPr lang="nb-NO" altLang="en-US" sz="2000" dirty="0" smtClean="0">
+                <a:solidFill>
+                  <a:schemeClr val="tx1"/>
+                </a:solidFill>
+                <a:latin typeface="Lucida Console" pitchFamily="49" charset="0"/>
+              </a:rPr>
+              <a:t> (j = 0; j &lt; 32; j = j + 1)</a:t>
+            </a:r>
+            <a:br>
+              <a:rPr lang="nb-NO" altLang="en-US" sz="2000" dirty="0" smtClean="0">
+                <a:solidFill>
+                  <a:schemeClr val="tx1"/>
+                </a:solidFill>
+                <a:latin typeface="Lucida Console" pitchFamily="49" charset="0"/>
+              </a:rPr>
+            </a:br>
+            <a:r>
+              <a:rPr lang="nb-NO" altLang="en-US" sz="2000" dirty="0" smtClean="0">
+                <a:solidFill>
+                  <a:schemeClr val="tx1"/>
+                </a:solidFill>
+                <a:latin typeface="Lucida Console" pitchFamily="49" charset="0"/>
+              </a:rPr>
+              <a:t>        </a:t>
+            </a:r>
+            <a:r>
+              <a:rPr lang="nb-NO" altLang="en-US" sz="2000" dirty="0" smtClean="0">
+                <a:solidFill>
+                  <a:srgbClr val="2F5CB5"/>
+                </a:solidFill>
+                <a:latin typeface="Lucida Console" pitchFamily="49" charset="0"/>
+              </a:rPr>
+              <a:t>for</a:t>
+            </a:r>
+            <a:r>
+              <a:rPr lang="nb-NO" altLang="en-US" sz="2000" dirty="0" smtClean="0">
+                <a:solidFill>
+                  <a:schemeClr val="tx1"/>
+                </a:solidFill>
+                <a:latin typeface="Lucida Console" pitchFamily="49" charset="0"/>
+              </a:rPr>
+              <a:t> (k = 0; k &lt; 32; k = k + 1)</a:t>
+            </a:r>
+            <a:br>
+              <a:rPr lang="nb-NO" altLang="en-US" sz="2000" dirty="0" smtClean="0">
+                <a:solidFill>
+                  <a:schemeClr val="tx1"/>
+                </a:solidFill>
+                <a:latin typeface="Lucida Console" pitchFamily="49" charset="0"/>
+              </a:rPr>
+            </a:br>
+            <a:r>
+              <a:rPr lang="nb-NO" altLang="en-US" sz="2000" dirty="0" smtClean="0">
+                <a:solidFill>
+                  <a:schemeClr val="tx1"/>
+                </a:solidFill>
+                <a:latin typeface="Lucida Console" pitchFamily="49" charset="0"/>
+              </a:rPr>
+              <a:t>          c[i][j] = c[i][j] + a[i][k] * b[k][j];</a:t>
+            </a:r>
+            <a:br>
+              <a:rPr lang="nb-NO" altLang="en-US" sz="2000" dirty="0" smtClean="0">
+                <a:solidFill>
+                  <a:schemeClr val="tx1"/>
+                </a:solidFill>
+                <a:latin typeface="Lucida Console" pitchFamily="49" charset="0"/>
+              </a:rPr>
+            </a:br>
+            <a:r>
+              <a:rPr lang="nb-NO" altLang="en-US" sz="2000" dirty="0" smtClean="0">
+                <a:solidFill>
+                  <a:schemeClr val="tx1"/>
+                </a:solidFill>
+                <a:latin typeface="Lucida Console" pitchFamily="49" charset="0"/>
+              </a:rPr>
+              <a:t>  }</a:t>
+            </a:r>
+            <a:endParaRPr lang="en-US" altLang="en-US" sz="2000" dirty="0" smtClean="0">
+              <a:solidFill>
+                <a:schemeClr val="tx1"/>
+              </a:solidFill>
+              <a:latin typeface="Lucida Console" pitchFamily="49" charset="0"/>
+            </a:endParaRPr>
+          </a:p>
+          <a:p>
+            <a:pPr lvl="1">
+              <a:lnSpc>
+                <a:spcPct val="100000"/>
+              </a:lnSpc>
+              <a:spcBef>
+                <a:spcPts val="600"/>
+              </a:spcBef>
+            </a:pPr>
+            <a:r>
+              <a:rPr lang="en-US" altLang="en-US" sz="2800" dirty="0" smtClean="0"/>
+              <a:t>Addresses of </a:t>
+            </a:r>
+            <a:r>
+              <a:rPr lang="en-US" altLang="en-US" sz="2800" dirty="0" smtClean="0">
+                <a:latin typeface="Lucida Console" pitchFamily="49" charset="0"/>
+              </a:rPr>
+              <a:t>c</a:t>
+            </a:r>
+            <a:r>
+              <a:rPr lang="en-US" altLang="en-US" sz="2800" dirty="0" smtClean="0"/>
+              <a:t>, </a:t>
+            </a:r>
+            <a:r>
+              <a:rPr lang="en-US" altLang="en-US" sz="2800" dirty="0" smtClean="0">
+                <a:latin typeface="Lucida Console" pitchFamily="49" charset="0"/>
+              </a:rPr>
+              <a:t>a</a:t>
+            </a:r>
+            <a:r>
+              <a:rPr lang="en-US" altLang="en-US" sz="2800" dirty="0" smtClean="0"/>
+              <a:t>, </a:t>
+            </a:r>
+            <a:r>
+              <a:rPr lang="en-US" altLang="en-US" sz="2800" dirty="0" smtClean="0">
+                <a:latin typeface="Lucida Console" pitchFamily="49" charset="0"/>
+              </a:rPr>
+              <a:t>b</a:t>
+            </a:r>
+            <a:r>
+              <a:rPr lang="en-US" altLang="en-US" sz="2800" dirty="0" smtClean="0"/>
+              <a:t> in x10, x11, x12, and</a:t>
+            </a:r>
+            <a:br>
+              <a:rPr lang="en-US" altLang="en-US" sz="2800" dirty="0" smtClean="0"/>
+            </a:br>
+            <a:r>
+              <a:rPr lang="en-US" altLang="en-US" sz="2800" dirty="0" err="1" smtClean="0">
+                <a:latin typeface="Lucida Console" pitchFamily="49" charset="0"/>
+              </a:rPr>
+              <a:t>i</a:t>
+            </a:r>
+            <a:r>
+              <a:rPr lang="en-US" altLang="en-US" sz="2800" dirty="0" smtClean="0"/>
+              <a:t>, </a:t>
+            </a:r>
+            <a:r>
+              <a:rPr lang="en-US" altLang="en-US" sz="2800" dirty="0" smtClean="0">
+                <a:latin typeface="Lucida Console" pitchFamily="49" charset="0"/>
+              </a:rPr>
+              <a:t>j</a:t>
+            </a:r>
+            <a:r>
+              <a:rPr lang="en-US" altLang="en-US" sz="2800" dirty="0" smtClean="0"/>
+              <a:t>, </a:t>
+            </a:r>
+            <a:r>
+              <a:rPr lang="en-US" altLang="en-US" sz="2800" dirty="0" smtClean="0">
+                <a:latin typeface="Lucida Console" pitchFamily="49" charset="0"/>
+              </a:rPr>
+              <a:t>k</a:t>
+            </a:r>
+            <a:r>
+              <a:rPr lang="en-US" altLang="en-US" sz="2800" dirty="0" smtClean="0"/>
+              <a:t> in x5, x6, </a:t>
+            </a:r>
+            <a:r>
+              <a:rPr lang="en-US" altLang="en-US" sz="2800" dirty="0" smtClean="0"/>
+              <a:t>x7</a:t>
+            </a:r>
+            <a:endParaRPr lang="en-US" altLang="en-US" sz="2800" dirty="0" smtClean="0"/>
           </a:p>
         </p:txBody>
       </p:sp>
@@ -8326,7 +9584,7 @@
           <a:p>
             <a:r>
               <a:rPr lang="en-US" altLang="en-US" dirty="0" smtClean="0"/>
-              <a:t>Concluding Remarks</a:t>
+              <a:t>FP Example: Array Multiplication</a:t>
             </a:r>
             <a:endParaRPr lang="ru-RU" dirty="0"/>
           </a:p>
@@ -8337,13 +9595,6 @@
   <p:clrMapOvr>
     <a:masterClrMapping/>
   </p:clrMapOvr>
-  <p:timing>
-    <p:tnLst>
-      <p:par>
-        <p:cTn id="1" dur="indefinite" restart="never" nodeType="tmRoot"/>
-      </p:par>
-    </p:tnLst>
-  </p:timing>
 </p:sld>
 </file>
 
@@ -8366,526 +9617,866 @@
       </p:grpSpPr>
       <p:sp>
         <p:nvSpPr>
-          <p:cNvPr id="4" name="Прямоугольник 3"/>
-          <p:cNvSpPr/>
-          <p:nvPr/>
+          <p:cNvPr id="2" name="Содержимое 1"/>
+          <p:cNvSpPr>
+            <a:spLocks noGrp="1"/>
+          </p:cNvSpPr>
+          <p:nvPr>
+            <p:ph idx="1"/>
+          </p:nvPr>
         </p:nvSpPr>
         <p:spPr>
           <a:xfrm>
-            <a:off x="2664999" y="472120"/>
-            <a:ext cx="7524751" cy="5262979"/>
+            <a:off x="838200" y="1045029"/>
+            <a:ext cx="10515600" cy="5130920"/>
           </a:xfrm>
-          <a:prstGeom prst="rect">
-            <a:avLst/>
-          </a:prstGeom>
-          <a:noFill/>
-          <a:ln>
-            <a:noFill/>
-          </a:ln>
-          <a:scene3d>
-            <a:camera prst="perspectiveRelaxed"/>
-            <a:lightRig rig="threePt" dir="t"/>
-          </a:scene3d>
         </p:spPr>
         <p:txBody>
-          <a:bodyPr wrap="square" lIns="91440" tIns="45720" rIns="91440" bIns="45720">
-            <a:spAutoFit/>
+          <a:bodyPr>
+            <a:normAutofit fontScale="32500" lnSpcReduction="20000"/>
           </a:bodyPr>
           <a:lstStyle/>
           <a:p>
-            <a:r>
-              <a:rPr lang="en-US" sz="2400" dirty="0" smtClean="0">
-                <a:ln w="0"/>
-                <a:solidFill>
-                  <a:srgbClr val="273272"/>
-                </a:solidFill>
-                <a:effectLst>
-                  <a:reflection blurRad="6350" stA="53000" endA="300" endPos="35500" dir="5400000" sy="-90000" algn="bl" rotWithShape="0"/>
-                </a:effectLst>
-                <a:latin typeface="Courier New" pitchFamily="49" charset="0"/>
-                <a:cs typeface="Courier New" pitchFamily="49" charset="0"/>
+            <a:pPr>
+              <a:defRPr/>
+            </a:pPr>
+            <a:r>
+              <a:rPr lang="en-US" altLang="en-US" sz="9800" dirty="0" smtClean="0"/>
+              <a:t>RISC-V code:</a:t>
+            </a:r>
+          </a:p>
+          <a:p>
+            <a:pPr>
+              <a:lnSpc>
+                <a:spcPct val="120000"/>
+              </a:lnSpc>
+              <a:spcBef>
+                <a:spcPts val="0"/>
+              </a:spcBef>
+              <a:buNone/>
+              <a:defRPr/>
+            </a:pPr>
+            <a:r>
+              <a:rPr lang="en-US" altLang="en-US" sz="6200" dirty="0" smtClean="0">
+                <a:latin typeface="Lucida Console" panose="020B0609040504020204" pitchFamily="49" charset="0"/>
+              </a:rPr>
+              <a:t>    </a:t>
+            </a:r>
+            <a:r>
+              <a:rPr lang="en-AU" altLang="en-US" sz="6200" dirty="0" smtClean="0">
+                <a:latin typeface="Lucida Console" panose="020B0609040504020204" pitchFamily="49" charset="0"/>
+              </a:rPr>
+              <a:t>mm:...</a:t>
+            </a:r>
+          </a:p>
+          <a:p>
+            <a:pPr marL="746125" indent="-746125">
+              <a:lnSpc>
+                <a:spcPct val="120000"/>
+              </a:lnSpc>
+              <a:spcBef>
+                <a:spcPts val="0"/>
+              </a:spcBef>
+              <a:buNone/>
+              <a:tabLst>
+                <a:tab pos="1082675" algn="l"/>
+              </a:tabLst>
+              <a:defRPr/>
+            </a:pPr>
+            <a:r>
+              <a:rPr lang="en-AU" altLang="en-US" sz="6200" dirty="0" smtClean="0">
+                <a:latin typeface="Lucida Console" panose="020B0609040504020204" pitchFamily="49" charset="0"/>
+              </a:rPr>
+              <a:t>		 </a:t>
+            </a:r>
+            <a:r>
+              <a:rPr lang="en-AU" altLang="en-US" sz="6200" dirty="0" smtClean="0">
+                <a:latin typeface="Lucida Console" panose="020B0609040504020204" pitchFamily="49" charset="0"/>
+              </a:rPr>
+              <a:t>   </a:t>
+            </a:r>
+            <a:r>
+              <a:rPr lang="en-AU" altLang="en-US" sz="6200" dirty="0" err="1" smtClean="0">
+                <a:latin typeface="Lucida Console" panose="020B0609040504020204" pitchFamily="49" charset="0"/>
+              </a:rPr>
+              <a:t>li</a:t>
+            </a:r>
+            <a:r>
+              <a:rPr lang="en-AU" altLang="en-US" sz="6200" dirty="0" smtClean="0">
+                <a:latin typeface="Lucida Console" panose="020B0609040504020204" pitchFamily="49" charset="0"/>
+              </a:rPr>
+              <a:t>    </a:t>
+            </a:r>
+            <a:r>
+              <a:rPr lang="en-AU" altLang="en-US" sz="6200" dirty="0" smtClean="0">
+                <a:latin typeface="Lucida Console" panose="020B0609040504020204" pitchFamily="49" charset="0"/>
+              </a:rPr>
+              <a:t>x28,32       </a:t>
+            </a:r>
+            <a:r>
+              <a:rPr lang="en-AU" altLang="en-US" sz="6200" dirty="0" smtClean="0">
+                <a:solidFill>
+                  <a:schemeClr val="accent6">
+                    <a:lumMod val="75000"/>
+                  </a:schemeClr>
+                </a:solidFill>
+                <a:latin typeface="Lucida Console" panose="020B0609040504020204" pitchFamily="49" charset="0"/>
+              </a:rPr>
+              <a:t>// x28 = 32 (row size/loop end)</a:t>
+            </a:r>
+          </a:p>
+          <a:p>
+            <a:pPr marL="746125" indent="-746125">
+              <a:lnSpc>
+                <a:spcPct val="120000"/>
+              </a:lnSpc>
+              <a:spcBef>
+                <a:spcPts val="0"/>
+              </a:spcBef>
+              <a:buNone/>
+              <a:tabLst>
+                <a:tab pos="1082675" algn="l"/>
+              </a:tabLst>
+              <a:defRPr/>
+            </a:pPr>
+            <a:r>
+              <a:rPr lang="en-AU" altLang="en-US" sz="6200" dirty="0" smtClean="0">
+                <a:latin typeface="Lucida Console" panose="020B0609040504020204" pitchFamily="49" charset="0"/>
+              </a:rPr>
+              <a:t>           </a:t>
+            </a:r>
+            <a:r>
+              <a:rPr lang="en-AU" altLang="en-US" sz="6200" dirty="0" err="1" smtClean="0">
+                <a:latin typeface="Lucida Console" panose="020B0609040504020204" pitchFamily="49" charset="0"/>
+              </a:rPr>
+              <a:t>li</a:t>
+            </a:r>
+            <a:r>
+              <a:rPr lang="en-AU" altLang="en-US" sz="6200" dirty="0" smtClean="0">
+                <a:latin typeface="Lucida Console" panose="020B0609040504020204" pitchFamily="49" charset="0"/>
+              </a:rPr>
+              <a:t>    x5,0         </a:t>
+            </a:r>
+            <a:r>
+              <a:rPr lang="en-AU" altLang="en-US" sz="6200" dirty="0" smtClean="0">
+                <a:solidFill>
+                  <a:schemeClr val="accent6">
+                    <a:lumMod val="75000"/>
+                  </a:schemeClr>
+                </a:solidFill>
+                <a:latin typeface="Lucida Console" panose="020B0609040504020204" pitchFamily="49" charset="0"/>
+              </a:rPr>
+              <a:t>// </a:t>
+            </a:r>
+            <a:r>
+              <a:rPr lang="en-AU" altLang="en-US" sz="6200" dirty="0" err="1" smtClean="0">
+                <a:solidFill>
+                  <a:schemeClr val="accent6">
+                    <a:lumMod val="75000"/>
+                  </a:schemeClr>
+                </a:solidFill>
+                <a:latin typeface="Lucida Console" panose="020B0609040504020204" pitchFamily="49" charset="0"/>
+              </a:rPr>
+              <a:t>i</a:t>
+            </a:r>
+            <a:r>
+              <a:rPr lang="en-AU" altLang="en-US" sz="6200" dirty="0" smtClean="0">
+                <a:solidFill>
+                  <a:schemeClr val="accent6">
+                    <a:lumMod val="75000"/>
+                  </a:schemeClr>
+                </a:solidFill>
+                <a:latin typeface="Lucida Console" panose="020B0609040504020204" pitchFamily="49" charset="0"/>
+              </a:rPr>
+              <a:t> = 0; initialize 1st for loop</a:t>
+            </a:r>
+          </a:p>
+          <a:p>
+            <a:pPr marL="746125" indent="-746125">
+              <a:lnSpc>
+                <a:spcPct val="120000"/>
+              </a:lnSpc>
+              <a:spcBef>
+                <a:spcPts val="0"/>
+              </a:spcBef>
+              <a:buNone/>
+              <a:tabLst>
+                <a:tab pos="1082675" algn="l"/>
+              </a:tabLst>
+              <a:defRPr/>
+            </a:pPr>
+            <a:r>
+              <a:rPr lang="en-AU" altLang="en-US" sz="6200" dirty="0" smtClean="0">
+                <a:latin typeface="Lucida Console" panose="020B0609040504020204" pitchFamily="49" charset="0"/>
+              </a:rPr>
+              <a:t>    L1:    </a:t>
+            </a:r>
+            <a:r>
+              <a:rPr lang="en-AU" altLang="en-US" sz="6200" dirty="0" err="1" smtClean="0">
+                <a:latin typeface="Lucida Console" panose="020B0609040504020204" pitchFamily="49" charset="0"/>
+              </a:rPr>
+              <a:t>li</a:t>
+            </a:r>
+            <a:r>
+              <a:rPr lang="en-AU" altLang="en-US" sz="6200" dirty="0" smtClean="0">
+                <a:latin typeface="Lucida Console" panose="020B0609040504020204" pitchFamily="49" charset="0"/>
+              </a:rPr>
+              <a:t>    x6,0         </a:t>
+            </a:r>
+            <a:r>
+              <a:rPr lang="en-AU" altLang="en-US" sz="6200" dirty="0" smtClean="0">
+                <a:solidFill>
+                  <a:schemeClr val="accent6">
+                    <a:lumMod val="75000"/>
+                  </a:schemeClr>
+                </a:solidFill>
+                <a:latin typeface="Lucida Console" panose="020B0609040504020204" pitchFamily="49" charset="0"/>
+              </a:rPr>
+              <a:t>// j = 0; initialize 2nd for loop</a:t>
+            </a:r>
+          </a:p>
+          <a:p>
+            <a:pPr marL="746125" indent="-746125">
+              <a:lnSpc>
+                <a:spcPct val="120000"/>
+              </a:lnSpc>
+              <a:spcBef>
+                <a:spcPts val="0"/>
+              </a:spcBef>
+              <a:buNone/>
+              <a:tabLst>
+                <a:tab pos="1082675" algn="l"/>
+              </a:tabLst>
+              <a:defRPr/>
+            </a:pPr>
+            <a:r>
+              <a:rPr lang="en-AU" altLang="en-US" sz="6200" dirty="0" smtClean="0">
+                <a:latin typeface="Lucida Console" panose="020B0609040504020204" pitchFamily="49" charset="0"/>
+              </a:rPr>
+              <a:t>    L2:    </a:t>
+            </a:r>
+            <a:r>
+              <a:rPr lang="en-AU" altLang="en-US" sz="6200" dirty="0" err="1" smtClean="0">
+                <a:latin typeface="Lucida Console" panose="020B0609040504020204" pitchFamily="49" charset="0"/>
+              </a:rPr>
+              <a:t>li</a:t>
+            </a:r>
+            <a:r>
+              <a:rPr lang="en-AU" altLang="en-US" sz="6200" dirty="0" smtClean="0">
+                <a:latin typeface="Lucida Console" panose="020B0609040504020204" pitchFamily="49" charset="0"/>
+              </a:rPr>
+              <a:t>    x7,0         </a:t>
+            </a:r>
+            <a:r>
+              <a:rPr lang="en-AU" altLang="en-US" sz="6200" dirty="0" smtClean="0">
+                <a:solidFill>
+                  <a:schemeClr val="accent6">
+                    <a:lumMod val="75000"/>
+                  </a:schemeClr>
+                </a:solidFill>
+                <a:latin typeface="Lucida Console" panose="020B0609040504020204" pitchFamily="49" charset="0"/>
+              </a:rPr>
+              <a:t>// k = 0; initialize 3rd for loop</a:t>
+            </a:r>
+          </a:p>
+          <a:p>
+            <a:pPr marL="746125" indent="-746125">
+              <a:lnSpc>
+                <a:spcPct val="120000"/>
+              </a:lnSpc>
+              <a:spcBef>
+                <a:spcPts val="0"/>
+              </a:spcBef>
+              <a:buNone/>
+              <a:tabLst>
+                <a:tab pos="1082675" algn="l"/>
+              </a:tabLst>
+              <a:defRPr/>
+            </a:pPr>
+            <a:r>
+              <a:rPr lang="en-AU" altLang="en-US" sz="6200" dirty="0" smtClean="0">
+                <a:latin typeface="Lucida Console" panose="020B0609040504020204" pitchFamily="49" charset="0"/>
               </a:rPr>
               <a:t>		</a:t>
             </a:r>
-          </a:p>
-          <a:p>
-            <a:r>
-              <a:rPr lang="en-US" sz="2400" dirty="0" smtClean="0">
-                <a:ln w="0"/>
-                <a:solidFill>
-                  <a:srgbClr val="273272"/>
-                </a:solidFill>
-                <a:effectLst>
-                  <a:reflection blurRad="6350" stA="53000" endA="300" endPos="35500" dir="5400000" sy="-90000" algn="bl" rotWithShape="0"/>
-                </a:effectLst>
-                <a:latin typeface="Courier New" pitchFamily="49" charset="0"/>
-                <a:cs typeface="Courier New" pitchFamily="49" charset="0"/>
-              </a:rPr>
-              <a:t>		.text</a:t>
-            </a:r>
-          </a:p>
-          <a:p>
-            <a:r>
-              <a:rPr lang="en-US" sz="2400" dirty="0" smtClean="0">
-                <a:ln w="0"/>
-                <a:solidFill>
-                  <a:srgbClr val="273272"/>
-                </a:solidFill>
-                <a:effectLst>
-                  <a:reflection blurRad="6350" stA="53000" endA="300" endPos="35500" dir="5400000" sy="-90000" algn="bl" rotWithShape="0"/>
-                </a:effectLst>
-                <a:latin typeface="Courier New" pitchFamily="49" charset="0"/>
-                <a:cs typeface="Courier New" pitchFamily="49" charset="0"/>
-              </a:rPr>
-              <a:t>__start:	</a:t>
-            </a:r>
-            <a:r>
-              <a:rPr lang="en-US" sz="2400" dirty="0" err="1" smtClean="0">
-                <a:ln w="0"/>
-                <a:solidFill>
-                  <a:srgbClr val="273272"/>
-                </a:solidFill>
-                <a:effectLst>
-                  <a:reflection blurRad="6350" stA="53000" endA="300" endPos="35500" dir="5400000" sy="-90000" algn="bl" rotWithShape="0"/>
-                </a:effectLst>
-                <a:latin typeface="Courier New" pitchFamily="49" charset="0"/>
-                <a:cs typeface="Courier New" pitchFamily="49" charset="0"/>
-              </a:rPr>
-              <a:t>addi</a:t>
-            </a:r>
-            <a:r>
-              <a:rPr lang="en-US" sz="2400" dirty="0" smtClean="0">
-                <a:ln w="0"/>
-                <a:solidFill>
-                  <a:srgbClr val="273272"/>
-                </a:solidFill>
-                <a:effectLst>
-                  <a:reflection blurRad="6350" stA="53000" endA="300" endPos="35500" dir="5400000" sy="-90000" algn="bl" rotWithShape="0"/>
-                </a:effectLst>
-                <a:latin typeface="Courier New" pitchFamily="49" charset="0"/>
-                <a:cs typeface="Courier New" pitchFamily="49" charset="0"/>
-              </a:rPr>
-              <a:t> t1, zero, 0x18</a:t>
-            </a:r>
-          </a:p>
-          <a:p>
-            <a:r>
-              <a:rPr lang="en-US" sz="2400" dirty="0" smtClean="0">
-                <a:ln w="0"/>
-                <a:solidFill>
-                  <a:srgbClr val="273272"/>
-                </a:solidFill>
-                <a:effectLst>
-                  <a:reflection blurRad="6350" stA="53000" endA="300" endPos="35500" dir="5400000" sy="-90000" algn="bl" rotWithShape="0"/>
-                </a:effectLst>
-                <a:latin typeface="Courier New" pitchFamily="49" charset="0"/>
-                <a:cs typeface="Courier New" pitchFamily="49" charset="0"/>
+            <a:r>
+              <a:rPr lang="en-AU" altLang="en-US" sz="6200" dirty="0" smtClean="0">
+                <a:latin typeface="Lucida Console" panose="020B0609040504020204" pitchFamily="49" charset="0"/>
+              </a:rPr>
+              <a:t>    </a:t>
+            </a:r>
+            <a:r>
+              <a:rPr lang="en-US" altLang="en-US" sz="6200" dirty="0" err="1" smtClean="0">
+                <a:latin typeface="Lucida Console" panose="020B0609040504020204" pitchFamily="49" charset="0"/>
+              </a:rPr>
+              <a:t>slli</a:t>
+            </a:r>
+            <a:r>
+              <a:rPr lang="en-US" altLang="en-US" sz="6200" dirty="0" smtClean="0">
+                <a:latin typeface="Lucida Console" panose="020B0609040504020204" pitchFamily="49" charset="0"/>
+              </a:rPr>
+              <a:t>  x30,x5,5     </a:t>
+            </a:r>
+            <a:r>
+              <a:rPr lang="en-US" altLang="en-US" sz="6200" dirty="0" smtClean="0">
+                <a:solidFill>
+                  <a:schemeClr val="accent6">
+                    <a:lumMod val="75000"/>
+                  </a:schemeClr>
+                </a:solidFill>
+                <a:latin typeface="Lucida Console" panose="020B0609040504020204" pitchFamily="49" charset="0"/>
+              </a:rPr>
+              <a:t>// x30 = </a:t>
+            </a:r>
+            <a:r>
+              <a:rPr lang="en-US" altLang="en-US" sz="6200" dirty="0" err="1" smtClean="0">
+                <a:solidFill>
+                  <a:schemeClr val="accent6">
+                    <a:lumMod val="75000"/>
+                  </a:schemeClr>
+                </a:solidFill>
+                <a:latin typeface="Lucida Console" panose="020B0609040504020204" pitchFamily="49" charset="0"/>
+              </a:rPr>
+              <a:t>i</a:t>
+            </a:r>
+            <a:r>
+              <a:rPr lang="en-US" altLang="en-US" sz="6200" dirty="0" smtClean="0">
+                <a:solidFill>
+                  <a:schemeClr val="accent6">
+                    <a:lumMod val="75000"/>
+                  </a:schemeClr>
+                </a:solidFill>
+                <a:latin typeface="Lucida Console" panose="020B0609040504020204" pitchFamily="49" charset="0"/>
+              </a:rPr>
+              <a:t> * 2**5 (size of row of c)</a:t>
+            </a:r>
+            <a:endParaRPr lang="en-AU" altLang="en-US" sz="6200" dirty="0" smtClean="0">
+              <a:solidFill>
+                <a:schemeClr val="accent6">
+                  <a:lumMod val="75000"/>
+                </a:schemeClr>
+              </a:solidFill>
+              <a:latin typeface="Lucida Console" panose="020B0609040504020204" pitchFamily="49" charset="0"/>
+            </a:endParaRPr>
+          </a:p>
+          <a:p>
+            <a:pPr marL="746125" indent="-746125">
+              <a:lnSpc>
+                <a:spcPct val="120000"/>
+              </a:lnSpc>
+              <a:spcBef>
+                <a:spcPts val="0"/>
+              </a:spcBef>
+              <a:buNone/>
+              <a:tabLst>
+                <a:tab pos="1082675" algn="l"/>
+              </a:tabLst>
+              <a:defRPr/>
+            </a:pPr>
+            <a:r>
+              <a:rPr lang="en-AU" altLang="en-US" sz="6200" dirty="0" smtClean="0">
+                <a:latin typeface="Lucida Console" panose="020B0609040504020204" pitchFamily="49" charset="0"/>
               </a:rPr>
               <a:t>		</a:t>
             </a:r>
             <a:r>
-              <a:rPr lang="en-US" sz="2400" dirty="0" err="1" smtClean="0">
-                <a:ln w="0"/>
-                <a:solidFill>
-                  <a:srgbClr val="273272"/>
-                </a:solidFill>
-                <a:effectLst>
-                  <a:reflection blurRad="6350" stA="53000" endA="300" endPos="35500" dir="5400000" sy="-90000" algn="bl" rotWithShape="0"/>
-                </a:effectLst>
-                <a:latin typeface="Courier New" pitchFamily="49" charset="0"/>
-                <a:cs typeface="Courier New" pitchFamily="49" charset="0"/>
-              </a:rPr>
-              <a:t>addi</a:t>
-            </a:r>
-            <a:r>
-              <a:rPr lang="en-US" sz="2400" dirty="0" smtClean="0">
-                <a:ln w="0"/>
-                <a:solidFill>
-                  <a:srgbClr val="273272"/>
-                </a:solidFill>
-                <a:effectLst>
-                  <a:reflection blurRad="6350" stA="53000" endA="300" endPos="35500" dir="5400000" sy="-90000" algn="bl" rotWithShape="0"/>
-                </a:effectLst>
-                <a:latin typeface="Courier New" pitchFamily="49" charset="0"/>
-                <a:cs typeface="Courier New" pitchFamily="49" charset="0"/>
-              </a:rPr>
-              <a:t> t2, zero, 0x21</a:t>
-            </a:r>
-          </a:p>
-          <a:p>
-            <a:r>
-              <a:rPr lang="en-US" sz="2400" dirty="0" smtClean="0">
-                <a:ln w="0"/>
-                <a:solidFill>
-                  <a:srgbClr val="273272"/>
-                </a:solidFill>
-                <a:effectLst>
-                  <a:reflection blurRad="6350" stA="53000" endA="300" endPos="35500" dir="5400000" sy="-90000" algn="bl" rotWithShape="0"/>
-                </a:effectLst>
-                <a:latin typeface="Courier New" pitchFamily="49" charset="0"/>
-                <a:cs typeface="Courier New" pitchFamily="49" charset="0"/>
-              </a:rPr>
-              <a:t>cycle:	</a:t>
-            </a:r>
-            <a:r>
-              <a:rPr lang="en-US" sz="2400" dirty="0" err="1" smtClean="0">
-                <a:ln w="0"/>
-                <a:solidFill>
-                  <a:srgbClr val="273272"/>
-                </a:solidFill>
-                <a:effectLst>
-                  <a:reflection blurRad="6350" stA="53000" endA="300" endPos="35500" dir="5400000" sy="-90000" algn="bl" rotWithShape="0"/>
-                </a:effectLst>
-                <a:latin typeface="Courier New" pitchFamily="49" charset="0"/>
-                <a:cs typeface="Courier New" pitchFamily="49" charset="0"/>
-              </a:rPr>
-              <a:t>beq</a:t>
-            </a:r>
-            <a:r>
-              <a:rPr lang="en-US" sz="2400" dirty="0" smtClean="0">
-                <a:ln w="0"/>
-                <a:solidFill>
-                  <a:srgbClr val="273272"/>
-                </a:solidFill>
-                <a:effectLst>
-                  <a:reflection blurRad="6350" stA="53000" endA="300" endPos="35500" dir="5400000" sy="-90000" algn="bl" rotWithShape="0"/>
-                </a:effectLst>
-                <a:latin typeface="Courier New" pitchFamily="49" charset="0"/>
-                <a:cs typeface="Courier New" pitchFamily="49" charset="0"/>
-              </a:rPr>
-              <a:t> t1, t2, done</a:t>
-            </a:r>
-          </a:p>
-          <a:p>
-            <a:r>
-              <a:rPr lang="en-US" sz="2400" dirty="0" smtClean="0">
-                <a:ln w="0"/>
-                <a:solidFill>
-                  <a:srgbClr val="273272"/>
-                </a:solidFill>
-                <a:effectLst>
-                  <a:reflection blurRad="6350" stA="53000" endA="300" endPos="35500" dir="5400000" sy="-90000" algn="bl" rotWithShape="0"/>
-                </a:effectLst>
-                <a:latin typeface="Courier New" pitchFamily="49" charset="0"/>
-                <a:cs typeface="Courier New" pitchFamily="49" charset="0"/>
-              </a:rPr>
-              <a:t>		</a:t>
-            </a:r>
-            <a:r>
-              <a:rPr lang="en-US" sz="2400" dirty="0" err="1" smtClean="0">
-                <a:ln w="0"/>
-                <a:solidFill>
-                  <a:srgbClr val="273272"/>
-                </a:solidFill>
-                <a:effectLst>
-                  <a:reflection blurRad="6350" stA="53000" endA="300" endPos="35500" dir="5400000" sy="-90000" algn="bl" rotWithShape="0"/>
-                </a:effectLst>
-                <a:latin typeface="Courier New" pitchFamily="49" charset="0"/>
-                <a:cs typeface="Courier New" pitchFamily="49" charset="0"/>
-              </a:rPr>
-              <a:t>slt</a:t>
-            </a:r>
-            <a:r>
-              <a:rPr lang="en-US" sz="2400" dirty="0" smtClean="0">
-                <a:ln w="0"/>
-                <a:solidFill>
-                  <a:srgbClr val="273272"/>
-                </a:solidFill>
-                <a:effectLst>
-                  <a:reflection blurRad="6350" stA="53000" endA="300" endPos="35500" dir="5400000" sy="-90000" algn="bl" rotWithShape="0"/>
-                </a:effectLst>
-                <a:latin typeface="Courier New" pitchFamily="49" charset="0"/>
-                <a:cs typeface="Courier New" pitchFamily="49" charset="0"/>
-              </a:rPr>
-              <a:t> t0, t1, t2</a:t>
-            </a:r>
-          </a:p>
-          <a:p>
-            <a:r>
-              <a:rPr lang="en-US" sz="2400" dirty="0" smtClean="0">
-                <a:ln w="0"/>
-                <a:solidFill>
-                  <a:srgbClr val="273272"/>
-                </a:solidFill>
-                <a:effectLst>
-                  <a:reflection blurRad="6350" stA="53000" endA="300" endPos="35500" dir="5400000" sy="-90000" algn="bl" rotWithShape="0"/>
-                </a:effectLst>
-                <a:latin typeface="Courier New" pitchFamily="49" charset="0"/>
-                <a:cs typeface="Courier New" pitchFamily="49" charset="0"/>
-              </a:rPr>
-              <a:t>		</a:t>
-            </a:r>
-            <a:r>
-              <a:rPr lang="en-US" sz="2400" dirty="0" err="1" smtClean="0">
-                <a:ln w="0"/>
-                <a:solidFill>
-                  <a:srgbClr val="273272"/>
-                </a:solidFill>
-                <a:effectLst>
-                  <a:reflection blurRad="6350" stA="53000" endA="300" endPos="35500" dir="5400000" sy="-90000" algn="bl" rotWithShape="0"/>
-                </a:effectLst>
-                <a:latin typeface="Courier New" pitchFamily="49" charset="0"/>
-                <a:cs typeface="Courier New" pitchFamily="49" charset="0"/>
-              </a:rPr>
-              <a:t>bne</a:t>
-            </a:r>
-            <a:r>
-              <a:rPr lang="en-US" sz="2400" dirty="0" smtClean="0">
-                <a:ln w="0"/>
-                <a:solidFill>
-                  <a:srgbClr val="273272"/>
-                </a:solidFill>
-                <a:effectLst>
-                  <a:reflection blurRad="6350" stA="53000" endA="300" endPos="35500" dir="5400000" sy="-90000" algn="bl" rotWithShape="0"/>
-                </a:effectLst>
-                <a:latin typeface="Courier New" pitchFamily="49" charset="0"/>
-                <a:cs typeface="Courier New" pitchFamily="49" charset="0"/>
-              </a:rPr>
-              <a:t> t0, zero, </a:t>
-            </a:r>
-            <a:r>
-              <a:rPr lang="en-US" sz="2400" dirty="0" err="1" smtClean="0">
-                <a:ln w="0"/>
-                <a:solidFill>
-                  <a:srgbClr val="273272"/>
-                </a:solidFill>
-                <a:effectLst>
-                  <a:reflection blurRad="6350" stA="53000" endA="300" endPos="35500" dir="5400000" sy="-90000" algn="bl" rotWithShape="0"/>
-                </a:effectLst>
-                <a:latin typeface="Courier New" pitchFamily="49" charset="0"/>
-                <a:cs typeface="Courier New" pitchFamily="49" charset="0"/>
-              </a:rPr>
-              <a:t>if_less</a:t>
-            </a:r>
-            <a:endParaRPr lang="en-US" sz="2400" dirty="0" smtClean="0">
-              <a:ln w="0"/>
+              <a:rPr lang="en-AU" altLang="en-US" sz="6200" dirty="0" smtClean="0">
+                <a:latin typeface="Lucida Console" panose="020B0609040504020204" pitchFamily="49" charset="0"/>
+              </a:rPr>
+              <a:t>    </a:t>
+            </a:r>
+            <a:r>
+              <a:rPr lang="en-US" altLang="en-US" sz="6200" dirty="0" smtClean="0">
+                <a:latin typeface="Lucida Console" panose="020B0609040504020204" pitchFamily="49" charset="0"/>
+              </a:rPr>
+              <a:t>add   x30,x30,x6   </a:t>
+            </a:r>
+            <a:r>
+              <a:rPr lang="en-US" altLang="en-US" sz="6200" dirty="0" smtClean="0">
+                <a:solidFill>
+                  <a:schemeClr val="accent6">
+                    <a:lumMod val="75000"/>
+                  </a:schemeClr>
+                </a:solidFill>
+                <a:latin typeface="Lucida Console" panose="020B0609040504020204" pitchFamily="49" charset="0"/>
+              </a:rPr>
+              <a:t>// x30 = </a:t>
+            </a:r>
+            <a:r>
+              <a:rPr lang="en-US" altLang="en-US" sz="6200" dirty="0" err="1" smtClean="0">
+                <a:solidFill>
+                  <a:schemeClr val="accent6">
+                    <a:lumMod val="75000"/>
+                  </a:schemeClr>
+                </a:solidFill>
+                <a:latin typeface="Lucida Console" panose="020B0609040504020204" pitchFamily="49" charset="0"/>
+              </a:rPr>
+              <a:t>i</a:t>
+            </a:r>
+            <a:r>
+              <a:rPr lang="en-US" altLang="en-US" sz="6200" dirty="0" smtClean="0">
+                <a:solidFill>
+                  <a:schemeClr val="accent6">
+                    <a:lumMod val="75000"/>
+                  </a:schemeClr>
+                </a:solidFill>
+                <a:latin typeface="Lucida Console" panose="020B0609040504020204" pitchFamily="49" charset="0"/>
+              </a:rPr>
+              <a:t> * size(row) + j</a:t>
+            </a:r>
+            <a:endParaRPr lang="en-AU" altLang="en-US" sz="6200" dirty="0" smtClean="0">
               <a:solidFill>
-                <a:srgbClr val="273272"/>
+                <a:schemeClr val="accent6">
+                  <a:lumMod val="75000"/>
+                </a:schemeClr>
               </a:solidFill>
-              <a:effectLst>
-                <a:reflection blurRad="6350" stA="53000" endA="300" endPos="35500" dir="5400000" sy="-90000" algn="bl" rotWithShape="0"/>
-              </a:effectLst>
-              <a:latin typeface="Courier New" pitchFamily="49" charset="0"/>
-              <a:cs typeface="Courier New" pitchFamily="49" charset="0"/>
+              <a:latin typeface="Lucida Console" panose="020B0609040504020204" pitchFamily="49" charset="0"/>
             </a:endParaRPr>
           </a:p>
           <a:p>
-            <a:r>
-              <a:rPr lang="en-US" sz="2400" dirty="0" smtClean="0">
-                <a:ln w="0"/>
-                <a:solidFill>
-                  <a:srgbClr val="273272"/>
-                </a:solidFill>
-                <a:effectLst>
-                  <a:reflection blurRad="6350" stA="53000" endA="300" endPos="35500" dir="5400000" sy="-90000" algn="bl" rotWithShape="0"/>
-                </a:effectLst>
-                <a:latin typeface="Courier New" pitchFamily="49" charset="0"/>
-                <a:cs typeface="Courier New" pitchFamily="49" charset="0"/>
-              </a:rPr>
-              <a:t>		</a:t>
-            </a:r>
-            <a:r>
-              <a:rPr lang="en-US" sz="2400" dirty="0" err="1" smtClean="0">
-                <a:ln w="0"/>
-                <a:solidFill>
-                  <a:srgbClr val="273272"/>
-                </a:solidFill>
-                <a:effectLst>
-                  <a:reflection blurRad="6350" stA="53000" endA="300" endPos="35500" dir="5400000" sy="-90000" algn="bl" rotWithShape="0"/>
-                </a:effectLst>
-                <a:latin typeface="Courier New" pitchFamily="49" charset="0"/>
-                <a:cs typeface="Courier New" pitchFamily="49" charset="0"/>
-              </a:rPr>
-              <a:t>nop</a:t>
-            </a:r>
-            <a:endParaRPr lang="en-US" sz="2400" dirty="0" smtClean="0">
-              <a:ln w="0"/>
+            <a:pPr marL="746125" indent="-746125">
+              <a:lnSpc>
+                <a:spcPct val="120000"/>
+              </a:lnSpc>
+              <a:spcBef>
+                <a:spcPts val="0"/>
+              </a:spcBef>
+              <a:buNone/>
+              <a:tabLst>
+                <a:tab pos="1082675" algn="l"/>
+              </a:tabLst>
+              <a:defRPr/>
+            </a:pPr>
+            <a:r>
+              <a:rPr lang="en-AU" altLang="en-US" sz="6200" dirty="0" smtClean="0">
+                <a:latin typeface="Lucida Console" panose="020B0609040504020204" pitchFamily="49" charset="0"/>
+              </a:rPr>
+              <a:t>		 </a:t>
+            </a:r>
+            <a:r>
+              <a:rPr lang="en-AU" altLang="en-US" sz="6200" dirty="0" smtClean="0">
+                <a:latin typeface="Lucida Console" panose="020B0609040504020204" pitchFamily="49" charset="0"/>
+              </a:rPr>
+              <a:t>   </a:t>
+            </a:r>
+            <a:r>
+              <a:rPr lang="en-AU" altLang="en-US" sz="6200" dirty="0" err="1" smtClean="0">
+                <a:latin typeface="Lucida Console" panose="020B0609040504020204" pitchFamily="49" charset="0"/>
+              </a:rPr>
+              <a:t>slli</a:t>
+            </a:r>
+            <a:r>
+              <a:rPr lang="en-AU" altLang="en-US" sz="6200" dirty="0" smtClean="0">
+                <a:latin typeface="Lucida Console" panose="020B0609040504020204" pitchFamily="49" charset="0"/>
+              </a:rPr>
+              <a:t>  </a:t>
+            </a:r>
+            <a:r>
+              <a:rPr lang="en-AU" altLang="en-US" sz="6200" dirty="0" smtClean="0">
+                <a:latin typeface="Lucida Console" panose="020B0609040504020204" pitchFamily="49" charset="0"/>
+              </a:rPr>
+              <a:t>x30,x30,3    </a:t>
+            </a:r>
+            <a:r>
+              <a:rPr lang="en-AU" altLang="en-US" sz="6200" dirty="0" smtClean="0">
+                <a:solidFill>
+                  <a:schemeClr val="accent6">
+                    <a:lumMod val="75000"/>
+                  </a:schemeClr>
+                </a:solidFill>
+                <a:latin typeface="Lucida Console" panose="020B0609040504020204" pitchFamily="49" charset="0"/>
+              </a:rPr>
+              <a:t>// x30 = byte offset of [</a:t>
+            </a:r>
+            <a:r>
+              <a:rPr lang="en-AU" altLang="en-US" sz="6200" dirty="0" err="1" smtClean="0">
+                <a:solidFill>
+                  <a:schemeClr val="accent6">
+                    <a:lumMod val="75000"/>
+                  </a:schemeClr>
+                </a:solidFill>
+                <a:latin typeface="Lucida Console" panose="020B0609040504020204" pitchFamily="49" charset="0"/>
+              </a:rPr>
+              <a:t>i</a:t>
+            </a:r>
+            <a:r>
+              <a:rPr lang="en-AU" altLang="en-US" sz="6200" dirty="0" smtClean="0">
+                <a:solidFill>
+                  <a:schemeClr val="accent6">
+                    <a:lumMod val="75000"/>
+                  </a:schemeClr>
+                </a:solidFill>
+                <a:latin typeface="Lucida Console" panose="020B0609040504020204" pitchFamily="49" charset="0"/>
+              </a:rPr>
+              <a:t>][j]</a:t>
+            </a:r>
+          </a:p>
+          <a:p>
+            <a:pPr marL="746125" indent="-746125">
+              <a:lnSpc>
+                <a:spcPct val="120000"/>
+              </a:lnSpc>
+              <a:spcBef>
+                <a:spcPts val="0"/>
+              </a:spcBef>
+              <a:buNone/>
+              <a:tabLst>
+                <a:tab pos="1082675" algn="l"/>
+              </a:tabLst>
+              <a:defRPr/>
+            </a:pPr>
+            <a:r>
+              <a:rPr lang="en-AU" altLang="en-US" sz="6200" dirty="0" smtClean="0">
+                <a:latin typeface="Lucida Console" panose="020B0609040504020204" pitchFamily="49" charset="0"/>
+              </a:rPr>
+              <a:t>		 </a:t>
+            </a:r>
+            <a:r>
+              <a:rPr lang="en-AU" altLang="en-US" sz="6200" dirty="0" smtClean="0">
+                <a:latin typeface="Lucida Console" panose="020B0609040504020204" pitchFamily="49" charset="0"/>
+              </a:rPr>
+              <a:t>   </a:t>
+            </a:r>
+            <a:r>
+              <a:rPr lang="en-US" altLang="en-US" sz="6200" dirty="0" smtClean="0">
+                <a:latin typeface="Lucida Console" panose="020B0609040504020204" pitchFamily="49" charset="0"/>
+              </a:rPr>
+              <a:t>add   </a:t>
+            </a:r>
+            <a:r>
+              <a:rPr lang="en-US" altLang="en-US" sz="6200" dirty="0" smtClean="0">
+                <a:latin typeface="Lucida Console" panose="020B0609040504020204" pitchFamily="49" charset="0"/>
+              </a:rPr>
+              <a:t>x30,x10,x30  </a:t>
+            </a:r>
+            <a:r>
+              <a:rPr lang="en-US" altLang="en-US" sz="6200" dirty="0" smtClean="0">
+                <a:solidFill>
+                  <a:schemeClr val="accent6">
+                    <a:lumMod val="75000"/>
+                  </a:schemeClr>
+                </a:solidFill>
+                <a:latin typeface="Lucida Console" panose="020B0609040504020204" pitchFamily="49" charset="0"/>
+              </a:rPr>
+              <a:t>// x30 = byte address of c[</a:t>
+            </a:r>
+            <a:r>
+              <a:rPr lang="en-US" altLang="en-US" sz="6200" dirty="0" err="1" smtClean="0">
+                <a:solidFill>
+                  <a:schemeClr val="accent6">
+                    <a:lumMod val="75000"/>
+                  </a:schemeClr>
+                </a:solidFill>
+                <a:latin typeface="Lucida Console" panose="020B0609040504020204" pitchFamily="49" charset="0"/>
+              </a:rPr>
+              <a:t>i</a:t>
+            </a:r>
+            <a:r>
+              <a:rPr lang="en-US" altLang="en-US" sz="6200" dirty="0" smtClean="0">
+                <a:solidFill>
+                  <a:schemeClr val="accent6">
+                    <a:lumMod val="75000"/>
+                  </a:schemeClr>
+                </a:solidFill>
+                <a:latin typeface="Lucida Console" panose="020B0609040504020204" pitchFamily="49" charset="0"/>
+              </a:rPr>
+              <a:t>][j]</a:t>
+            </a:r>
+          </a:p>
+          <a:p>
+            <a:pPr marL="746125" indent="-746125">
+              <a:lnSpc>
+                <a:spcPct val="120000"/>
+              </a:lnSpc>
+              <a:spcBef>
+                <a:spcPts val="0"/>
+              </a:spcBef>
+              <a:buNone/>
+              <a:tabLst>
+                <a:tab pos="1082675" algn="l"/>
+              </a:tabLst>
+              <a:defRPr/>
+            </a:pPr>
+            <a:r>
+              <a:rPr lang="en-US" altLang="en-US" sz="6200" dirty="0" smtClean="0">
+                <a:latin typeface="Lucida Console" panose="020B0609040504020204" pitchFamily="49" charset="0"/>
+              </a:rPr>
+              <a:t>           </a:t>
+            </a:r>
+            <a:r>
+              <a:rPr lang="en-US" altLang="en-US" sz="6200" dirty="0" err="1" smtClean="0">
+                <a:latin typeface="Lucida Console" panose="020B0609040504020204" pitchFamily="49" charset="0"/>
+              </a:rPr>
+              <a:t>fld</a:t>
+            </a:r>
+            <a:r>
+              <a:rPr lang="en-US" altLang="en-US" sz="6200" dirty="0" smtClean="0">
+                <a:latin typeface="Lucida Console" panose="020B0609040504020204" pitchFamily="49" charset="0"/>
+              </a:rPr>
+              <a:t>   f0,0(x30)    </a:t>
+            </a:r>
+            <a:r>
+              <a:rPr lang="en-US" altLang="en-US" sz="6200" dirty="0" smtClean="0">
+                <a:solidFill>
+                  <a:schemeClr val="accent6">
+                    <a:lumMod val="75000"/>
+                  </a:schemeClr>
+                </a:solidFill>
+                <a:latin typeface="Lucida Console" panose="020B0609040504020204" pitchFamily="49" charset="0"/>
+              </a:rPr>
+              <a:t>// f0 = c[</a:t>
+            </a:r>
+            <a:r>
+              <a:rPr lang="en-US" altLang="en-US" sz="6200" dirty="0" err="1" smtClean="0">
+                <a:solidFill>
+                  <a:schemeClr val="accent6">
+                    <a:lumMod val="75000"/>
+                  </a:schemeClr>
+                </a:solidFill>
+                <a:latin typeface="Lucida Console" panose="020B0609040504020204" pitchFamily="49" charset="0"/>
+              </a:rPr>
+              <a:t>i</a:t>
+            </a:r>
+            <a:r>
+              <a:rPr lang="en-US" altLang="en-US" sz="6200" dirty="0" smtClean="0">
+                <a:solidFill>
+                  <a:schemeClr val="accent6">
+                    <a:lumMod val="75000"/>
+                  </a:schemeClr>
+                </a:solidFill>
+                <a:latin typeface="Lucida Console" panose="020B0609040504020204" pitchFamily="49" charset="0"/>
+              </a:rPr>
+              <a:t>][j]</a:t>
+            </a:r>
+            <a:endParaRPr lang="en-AU" altLang="en-US" sz="6200" dirty="0" smtClean="0">
               <a:solidFill>
-                <a:srgbClr val="273272"/>
+                <a:schemeClr val="accent6">
+                  <a:lumMod val="75000"/>
+                </a:schemeClr>
               </a:solidFill>
-              <a:effectLst>
-                <a:reflection blurRad="6350" stA="53000" endA="300" endPos="35500" dir="5400000" sy="-90000" algn="bl" rotWithShape="0"/>
-              </a:effectLst>
-              <a:latin typeface="Courier New" pitchFamily="49" charset="0"/>
-              <a:cs typeface="Courier New" pitchFamily="49" charset="0"/>
+              <a:latin typeface="Lucida Console" panose="020B0609040504020204" pitchFamily="49" charset="0"/>
             </a:endParaRPr>
           </a:p>
           <a:p>
-            <a:r>
-              <a:rPr lang="en-US" sz="2400" dirty="0" smtClean="0">
-                <a:ln w="0"/>
-                <a:solidFill>
-                  <a:srgbClr val="273272"/>
-                </a:solidFill>
-                <a:effectLst>
-                  <a:reflection blurRad="6350" stA="53000" endA="300" endPos="35500" dir="5400000" sy="-90000" algn="bl" rotWithShape="0"/>
-                </a:effectLst>
-                <a:latin typeface="Courier New" pitchFamily="49" charset="0"/>
-                <a:cs typeface="Courier New" pitchFamily="49" charset="0"/>
-              </a:rPr>
-              <a:t>		sub t1, t1, t2</a:t>
-            </a:r>
-          </a:p>
-          <a:p>
-            <a:r>
-              <a:rPr lang="en-US" sz="2400" dirty="0" smtClean="0">
-                <a:ln w="0"/>
-                <a:solidFill>
-                  <a:srgbClr val="273272"/>
-                </a:solidFill>
-                <a:effectLst>
-                  <a:reflection blurRad="6350" stA="53000" endA="300" endPos="35500" dir="5400000" sy="-90000" algn="bl" rotWithShape="0"/>
-                </a:effectLst>
-                <a:latin typeface="Courier New" pitchFamily="49" charset="0"/>
-                <a:cs typeface="Courier New" pitchFamily="49" charset="0"/>
-              </a:rPr>
-              <a:t>		j cycle</a:t>
-            </a:r>
-          </a:p>
-          <a:p>
-            <a:r>
-              <a:rPr lang="en-US" sz="2400" dirty="0" smtClean="0">
-                <a:ln w="0"/>
-                <a:solidFill>
-                  <a:srgbClr val="273272"/>
-                </a:solidFill>
-                <a:effectLst>
-                  <a:reflection blurRad="6350" stA="53000" endA="300" endPos="35500" dir="5400000" sy="-90000" algn="bl" rotWithShape="0"/>
-                </a:effectLst>
-                <a:latin typeface="Courier New" pitchFamily="49" charset="0"/>
-                <a:cs typeface="Courier New" pitchFamily="49" charset="0"/>
-              </a:rPr>
-              <a:t>		</a:t>
-            </a:r>
-            <a:r>
-              <a:rPr lang="en-US" sz="2400" dirty="0" err="1" smtClean="0">
-                <a:ln w="0"/>
-                <a:solidFill>
-                  <a:srgbClr val="273272"/>
-                </a:solidFill>
-                <a:effectLst>
-                  <a:reflection blurRad="6350" stA="53000" endA="300" endPos="35500" dir="5400000" sy="-90000" algn="bl" rotWithShape="0"/>
-                </a:effectLst>
-                <a:latin typeface="Courier New" pitchFamily="49" charset="0"/>
-                <a:cs typeface="Courier New" pitchFamily="49" charset="0"/>
-              </a:rPr>
-              <a:t>nop</a:t>
-            </a:r>
-            <a:endParaRPr lang="en-US" sz="2400" dirty="0" smtClean="0">
-              <a:ln w="0"/>
+            <a:pPr marL="746125" indent="-746125">
+              <a:lnSpc>
+                <a:spcPct val="120000"/>
+              </a:lnSpc>
+              <a:spcBef>
+                <a:spcPts val="0"/>
+              </a:spcBef>
+              <a:buNone/>
+              <a:tabLst>
+                <a:tab pos="1082675" algn="l"/>
+              </a:tabLst>
+              <a:defRPr/>
+            </a:pPr>
+            <a:r>
+              <a:rPr lang="en-AU" altLang="en-US" sz="6200" dirty="0" smtClean="0">
+                <a:latin typeface="Lucida Console" panose="020B0609040504020204" pitchFamily="49" charset="0"/>
+              </a:rPr>
+              <a:t>    L3:    </a:t>
+            </a:r>
+            <a:r>
+              <a:rPr lang="en-AU" altLang="en-US" sz="6200" dirty="0" err="1" smtClean="0">
+                <a:latin typeface="Lucida Console" panose="020B0609040504020204" pitchFamily="49" charset="0"/>
+              </a:rPr>
+              <a:t>slli</a:t>
+            </a:r>
+            <a:r>
+              <a:rPr lang="en-AU" altLang="en-US" sz="6200" dirty="0" smtClean="0">
+                <a:latin typeface="Lucida Console" panose="020B0609040504020204" pitchFamily="49" charset="0"/>
+              </a:rPr>
+              <a:t>  x29,x7,5     </a:t>
+            </a:r>
+            <a:r>
+              <a:rPr lang="en-AU" altLang="en-US" sz="6200" dirty="0" smtClean="0">
+                <a:solidFill>
+                  <a:schemeClr val="accent6">
+                    <a:lumMod val="75000"/>
+                  </a:schemeClr>
+                </a:solidFill>
+                <a:latin typeface="Lucida Console" panose="020B0609040504020204" pitchFamily="49" charset="0"/>
+              </a:rPr>
+              <a:t>// x29 = k * 2**5 (size of row of b)</a:t>
+            </a:r>
+          </a:p>
+          <a:p>
+            <a:pPr marL="746125" indent="-746125">
+              <a:lnSpc>
+                <a:spcPct val="120000"/>
+              </a:lnSpc>
+              <a:spcBef>
+                <a:spcPts val="0"/>
+              </a:spcBef>
+              <a:buNone/>
+              <a:tabLst>
+                <a:tab pos="1082675" algn="l"/>
+              </a:tabLst>
+              <a:defRPr/>
+            </a:pPr>
+            <a:r>
+              <a:rPr lang="en-AU" altLang="en-US" sz="6200" dirty="0" smtClean="0">
+                <a:latin typeface="Lucida Console" panose="020B0609040504020204" pitchFamily="49" charset="0"/>
+              </a:rPr>
+              <a:t>           add   x29,x29,x6   </a:t>
+            </a:r>
+            <a:r>
+              <a:rPr lang="en-AU" altLang="en-US" sz="6200" dirty="0" smtClean="0">
+                <a:solidFill>
+                  <a:schemeClr val="accent6">
+                    <a:lumMod val="75000"/>
+                  </a:schemeClr>
+                </a:solidFill>
+                <a:latin typeface="Lucida Console" panose="020B0609040504020204" pitchFamily="49" charset="0"/>
+              </a:rPr>
+              <a:t>// x29 = k * size(row) + j</a:t>
+            </a:r>
+          </a:p>
+          <a:p>
+            <a:pPr marL="746125" indent="-746125">
+              <a:lnSpc>
+                <a:spcPct val="120000"/>
+              </a:lnSpc>
+              <a:spcBef>
+                <a:spcPts val="0"/>
+              </a:spcBef>
+              <a:buNone/>
+              <a:tabLst>
+                <a:tab pos="1082675" algn="l"/>
+              </a:tabLst>
+              <a:defRPr/>
+            </a:pPr>
+            <a:r>
+              <a:rPr lang="en-AU" altLang="en-US" sz="6200" dirty="0" smtClean="0">
+                <a:latin typeface="Lucida Console" panose="020B0609040504020204" pitchFamily="49" charset="0"/>
+              </a:rPr>
+              <a:t>           </a:t>
+            </a:r>
+            <a:r>
+              <a:rPr lang="en-AU" altLang="en-US" sz="6200" dirty="0" err="1" smtClean="0">
+                <a:latin typeface="Lucida Console" panose="020B0609040504020204" pitchFamily="49" charset="0"/>
+              </a:rPr>
+              <a:t>slli</a:t>
+            </a:r>
+            <a:r>
+              <a:rPr lang="en-AU" altLang="en-US" sz="6200" dirty="0" smtClean="0">
+                <a:latin typeface="Lucida Console" panose="020B0609040504020204" pitchFamily="49" charset="0"/>
+              </a:rPr>
+              <a:t>  x29,x29,3    </a:t>
+            </a:r>
+            <a:r>
+              <a:rPr lang="en-AU" altLang="en-US" sz="6200" dirty="0" smtClean="0">
+                <a:solidFill>
+                  <a:schemeClr val="accent6">
+                    <a:lumMod val="75000"/>
+                  </a:schemeClr>
+                </a:solidFill>
+                <a:latin typeface="Lucida Console" panose="020B0609040504020204" pitchFamily="49" charset="0"/>
+              </a:rPr>
+              <a:t>// x29 = byte offset of [k][j]</a:t>
+            </a:r>
+          </a:p>
+          <a:p>
+            <a:pPr marL="746125" indent="-746125">
+              <a:lnSpc>
+                <a:spcPct val="120000"/>
+              </a:lnSpc>
+              <a:spcBef>
+                <a:spcPts val="0"/>
+              </a:spcBef>
+              <a:buNone/>
+              <a:tabLst>
+                <a:tab pos="1082675" algn="l"/>
+              </a:tabLst>
+              <a:defRPr/>
+            </a:pPr>
+            <a:r>
+              <a:rPr lang="en-AU" altLang="en-US" sz="6200" dirty="0" smtClean="0">
+                <a:latin typeface="Lucida Console" panose="020B0609040504020204" pitchFamily="49" charset="0"/>
+              </a:rPr>
+              <a:t>           add   x29,x12,x29  </a:t>
+            </a:r>
+            <a:r>
+              <a:rPr lang="en-AU" altLang="en-US" sz="6200" dirty="0" smtClean="0">
+                <a:solidFill>
+                  <a:schemeClr val="accent6">
+                    <a:lumMod val="75000"/>
+                  </a:schemeClr>
+                </a:solidFill>
+                <a:latin typeface="Lucida Console" panose="020B0609040504020204" pitchFamily="49" charset="0"/>
+              </a:rPr>
+              <a:t>// x29 = byte address of b[k][j]</a:t>
+            </a:r>
+          </a:p>
+          <a:p>
+            <a:pPr marL="746125" indent="-746125">
+              <a:lnSpc>
+                <a:spcPct val="120000"/>
+              </a:lnSpc>
+              <a:spcBef>
+                <a:spcPts val="0"/>
+              </a:spcBef>
+              <a:buNone/>
+              <a:tabLst>
+                <a:tab pos="1082675" algn="l"/>
+              </a:tabLst>
+              <a:defRPr/>
+            </a:pPr>
+            <a:r>
+              <a:rPr lang="en-AU" altLang="en-US" sz="6200" dirty="0" smtClean="0">
+                <a:latin typeface="Lucida Console" panose="020B0609040504020204" pitchFamily="49" charset="0"/>
+              </a:rPr>
+              <a:t>           </a:t>
+            </a:r>
+            <a:r>
+              <a:rPr lang="en-AU" altLang="en-US" sz="6200" dirty="0" err="1" smtClean="0">
+                <a:latin typeface="Lucida Console" panose="020B0609040504020204" pitchFamily="49" charset="0"/>
+              </a:rPr>
+              <a:t>fld</a:t>
+            </a:r>
+            <a:r>
+              <a:rPr lang="en-AU" altLang="en-US" sz="6200" dirty="0" smtClean="0">
+                <a:latin typeface="Lucida Console" panose="020B0609040504020204" pitchFamily="49" charset="0"/>
+              </a:rPr>
+              <a:t>   f1,0(x29)    </a:t>
+            </a:r>
+            <a:r>
+              <a:rPr lang="en-AU" altLang="en-US" sz="6200" dirty="0" smtClean="0">
+                <a:solidFill>
+                  <a:schemeClr val="accent6">
+                    <a:lumMod val="75000"/>
+                  </a:schemeClr>
+                </a:solidFill>
+                <a:latin typeface="Lucida Console" panose="020B0609040504020204" pitchFamily="49" charset="0"/>
+              </a:rPr>
+              <a:t>// f1 = b[k][j</a:t>
+            </a:r>
+            <a:r>
+              <a:rPr lang="en-AU" altLang="en-US" sz="6200" dirty="0" smtClean="0">
+                <a:solidFill>
+                  <a:schemeClr val="accent6">
+                    <a:lumMod val="75000"/>
+                  </a:schemeClr>
+                </a:solidFill>
+                <a:latin typeface="Lucida Console" panose="020B0609040504020204" pitchFamily="49" charset="0"/>
+              </a:rPr>
+              <a:t>]</a:t>
+            </a:r>
+            <a:endParaRPr lang="en-AU" altLang="en-US" sz="6200" dirty="0" smtClean="0">
               <a:solidFill>
-                <a:srgbClr val="273272"/>
+                <a:schemeClr val="accent6">
+                  <a:lumMod val="75000"/>
+                </a:schemeClr>
               </a:solidFill>
-              <a:effectLst>
-                <a:reflection blurRad="6350" stA="53000" endA="300" endPos="35500" dir="5400000" sy="-90000" algn="bl" rotWithShape="0"/>
-              </a:effectLst>
-              <a:latin typeface="Courier New" pitchFamily="49" charset="0"/>
-              <a:cs typeface="Courier New" pitchFamily="49" charset="0"/>
+              <a:latin typeface="Lucida Console" panose="020B0609040504020204" pitchFamily="49" charset="0"/>
             </a:endParaRPr>
           </a:p>
-          <a:p>
-            <a:r>
-              <a:rPr lang="en-US" sz="2400" dirty="0" err="1" smtClean="0">
-                <a:ln w="0"/>
-                <a:solidFill>
-                  <a:srgbClr val="273272"/>
-                </a:solidFill>
-                <a:effectLst>
-                  <a:reflection blurRad="6350" stA="53000" endA="300" endPos="35500" dir="5400000" sy="-90000" algn="bl" rotWithShape="0"/>
-                </a:effectLst>
-                <a:latin typeface="Courier New" pitchFamily="49" charset="0"/>
-                <a:cs typeface="Courier New" pitchFamily="49" charset="0"/>
-              </a:rPr>
-              <a:t>if_less</a:t>
-            </a:r>
-            <a:r>
-              <a:rPr lang="en-US" sz="2400" dirty="0" smtClean="0">
-                <a:ln w="0"/>
-                <a:solidFill>
-                  <a:srgbClr val="273272"/>
-                </a:solidFill>
-                <a:effectLst>
-                  <a:reflection blurRad="6350" stA="53000" endA="300" endPos="35500" dir="5400000" sy="-90000" algn="bl" rotWithShape="0"/>
-                </a:effectLst>
-                <a:latin typeface="Courier New" pitchFamily="49" charset="0"/>
-                <a:cs typeface="Courier New" pitchFamily="49" charset="0"/>
-              </a:rPr>
-              <a:t>:	sub t2, t2, t1</a:t>
-            </a:r>
-          </a:p>
-          <a:p>
-            <a:r>
-              <a:rPr lang="en-US" sz="2400" dirty="0" smtClean="0">
-                <a:ln w="0"/>
-                <a:solidFill>
-                  <a:srgbClr val="273272"/>
-                </a:solidFill>
-                <a:effectLst>
-                  <a:reflection blurRad="6350" stA="53000" endA="300" endPos="35500" dir="5400000" sy="-90000" algn="bl" rotWithShape="0"/>
-                </a:effectLst>
-                <a:latin typeface="Courier New" pitchFamily="49" charset="0"/>
-                <a:cs typeface="Courier New" pitchFamily="49" charset="0"/>
-              </a:rPr>
-              <a:t>		j cycle</a:t>
-            </a:r>
-          </a:p>
-          <a:p>
-            <a:r>
-              <a:rPr lang="en-US" sz="2400" dirty="0" smtClean="0">
-                <a:ln w="0"/>
-                <a:solidFill>
-                  <a:srgbClr val="273272"/>
-                </a:solidFill>
-                <a:effectLst>
-                  <a:reflection blurRad="6350" stA="53000" endA="300" endPos="35500" dir="5400000" sy="-90000" algn="bl" rotWithShape="0"/>
-                </a:effectLst>
-                <a:latin typeface="Courier New" pitchFamily="49" charset="0"/>
-                <a:cs typeface="Courier New" pitchFamily="49" charset="0"/>
-              </a:rPr>
-              <a:t>done:		add t3, t1, zero</a:t>
-            </a:r>
-            <a:endParaRPr lang="ru-RU" sz="2400" b="0" cap="none" spc="0" dirty="0">
-              <a:ln w="0"/>
-              <a:solidFill>
-                <a:srgbClr val="273272"/>
-              </a:solidFill>
-              <a:effectLst>
-                <a:reflection blurRad="6350" stA="53000" endA="300" endPos="35500" dir="5400000" sy="-90000" algn="bl" rotWithShape="0"/>
-              </a:effectLst>
-              <a:latin typeface="Courier New" pitchFamily="49" charset="0"/>
-              <a:cs typeface="Courier New" pitchFamily="49" charset="0"/>
-            </a:endParaRPr>
-          </a:p>
-        </p:txBody>
-      </p:sp>
-      <p:sp>
-        <p:nvSpPr>
-          <p:cNvPr id="2" name="Заголовок 1"/>
-          <p:cNvSpPr>
-            <a:spLocks noGrp="1"/>
-          </p:cNvSpPr>
-          <p:nvPr>
-            <p:ph type="title"/>
-          </p:nvPr>
-        </p:nvSpPr>
-        <p:spPr/>
-        <p:txBody>
-          <a:bodyPr>
-            <a:normAutofit/>
-          </a:bodyPr>
-          <a:lstStyle/>
-          <a:p>
-            <a:r>
-              <a:rPr lang="en-US" dirty="0" smtClean="0"/>
-              <a:t>Any Questions?</a:t>
-            </a:r>
-            <a:endParaRPr lang="ru-RU" sz="4000" dirty="0"/>
-          </a:p>
-        </p:txBody>
-      </p:sp>
-      <p:sp>
-        <p:nvSpPr>
-          <p:cNvPr id="6" name="Номер слайда 5"/>
+        </p:txBody>
+      </p:sp>
+      <p:sp>
+        <p:nvSpPr>
+          <p:cNvPr id="3" name="Номер слайда 2"/>
           <p:cNvSpPr>
             <a:spLocks noGrp="1"/>
           </p:cNvSpPr>
@@ -8908,12 +10499,1755 @@
           </a:p>
         </p:txBody>
       </p:sp>
+      <p:sp>
+        <p:nvSpPr>
+          <p:cNvPr id="4" name="Заголовок 3"/>
+          <p:cNvSpPr>
+            <a:spLocks noGrp="1"/>
+          </p:cNvSpPr>
+          <p:nvPr>
+            <p:ph type="title"/>
+          </p:nvPr>
+        </p:nvSpPr>
+        <p:spPr/>
+        <p:txBody>
+          <a:bodyPr/>
+          <a:lstStyle/>
+          <a:p>
+            <a:r>
+              <a:rPr lang="en-US" altLang="en-US" dirty="0" smtClean="0"/>
+              <a:t>FP Example: Array Multiplication</a:t>
+            </a:r>
+            <a:endParaRPr lang="ru-RU" dirty="0"/>
+          </a:p>
+        </p:txBody>
+      </p:sp>
     </p:spTree>
-    <p:extLst>
-      <p:ext uri="{BB962C8B-B14F-4D97-AF65-F5344CB8AC3E}">
-        <p14:creationId xmlns:p14="http://schemas.microsoft.com/office/powerpoint/2010/main" xmlns="" val="4217875043"/>
-      </p:ext>
-    </p:extLst>
+  </p:cSld>
+  <p:clrMapOvr>
+    <a:masterClrMapping/>
+  </p:clrMapOvr>
+</p:sld>
+</file>
+
+<file path=ppt/slides/slide24.xml><?xml version="1.0" encoding="utf-8"?>
+<p:sld xmlns:a="http://schemas.openxmlformats.org/drawingml/2006/main" xmlns:r="http://schemas.openxmlformats.org/officeDocument/2006/relationships" xmlns:p="http://schemas.openxmlformats.org/presentationml/2006/main">
+  <p:cSld>
+    <p:spTree>
+      <p:nvGrpSpPr>
+        <p:cNvPr id="1" name=""/>
+        <p:cNvGrpSpPr/>
+        <p:nvPr/>
+      </p:nvGrpSpPr>
+      <p:grpSpPr>
+        <a:xfrm>
+          <a:off x="0" y="0"/>
+          <a:ext cx="0" cy="0"/>
+          <a:chOff x="0" y="0"/>
+          <a:chExt cx="0" cy="0"/>
+        </a:xfrm>
+      </p:grpSpPr>
+      <p:sp>
+        <p:nvSpPr>
+          <p:cNvPr id="2" name="Содержимое 1"/>
+          <p:cNvSpPr>
+            <a:spLocks noGrp="1"/>
+          </p:cNvSpPr>
+          <p:nvPr>
+            <p:ph idx="1"/>
+          </p:nvPr>
+        </p:nvSpPr>
+        <p:spPr/>
+        <p:txBody>
+          <a:bodyPr>
+            <a:normAutofit fontScale="55000" lnSpcReduction="20000"/>
+          </a:bodyPr>
+          <a:lstStyle/>
+          <a:p>
+            <a:pPr marL="690563" indent="-690563">
+              <a:lnSpc>
+                <a:spcPct val="120000"/>
+              </a:lnSpc>
+              <a:spcBef>
+                <a:spcPts val="0"/>
+              </a:spcBef>
+              <a:buNone/>
+              <a:tabLst>
+                <a:tab pos="1147763" algn="l"/>
+              </a:tabLst>
+              <a:defRPr/>
+            </a:pPr>
+            <a:r>
+              <a:rPr lang="en-US" altLang="en-US" dirty="0" smtClean="0">
+                <a:latin typeface="Lucida Console" panose="020B0609040504020204" pitchFamily="49" charset="0"/>
+              </a:rPr>
+              <a:t> …</a:t>
+            </a:r>
+          </a:p>
+          <a:p>
+            <a:pPr marL="690563" indent="-690563">
+              <a:lnSpc>
+                <a:spcPct val="120000"/>
+              </a:lnSpc>
+              <a:spcBef>
+                <a:spcPts val="0"/>
+              </a:spcBef>
+              <a:buNone/>
+              <a:tabLst>
+                <a:tab pos="1147763" algn="l"/>
+              </a:tabLst>
+              <a:defRPr/>
+            </a:pPr>
+            <a:r>
+              <a:rPr lang="en-US" altLang="en-US" dirty="0" smtClean="0">
+                <a:latin typeface="Lucida Console" panose="020B0609040504020204" pitchFamily="49" charset="0"/>
+              </a:rPr>
+              <a:t>        </a:t>
+            </a:r>
+            <a:r>
+              <a:rPr lang="en-US" altLang="en-US" dirty="0" err="1" smtClean="0">
+                <a:latin typeface="Lucida Console" panose="020B0609040504020204" pitchFamily="49" charset="0"/>
+              </a:rPr>
+              <a:t>slli</a:t>
+            </a:r>
+            <a:r>
+              <a:rPr lang="en-US" altLang="en-US" dirty="0" smtClean="0">
+                <a:latin typeface="Lucida Console" panose="020B0609040504020204" pitchFamily="49" charset="0"/>
+              </a:rPr>
+              <a:t>   x29,x5,5     </a:t>
+            </a:r>
+            <a:r>
+              <a:rPr lang="en-US" altLang="en-US" dirty="0" smtClean="0">
+                <a:solidFill>
+                  <a:schemeClr val="accent6">
+                    <a:lumMod val="75000"/>
+                  </a:schemeClr>
+                </a:solidFill>
+                <a:latin typeface="Lucida Console" panose="020B0609040504020204" pitchFamily="49" charset="0"/>
+              </a:rPr>
+              <a:t>// x29 = </a:t>
+            </a:r>
+            <a:r>
+              <a:rPr lang="en-US" altLang="en-US" dirty="0" err="1" smtClean="0">
+                <a:solidFill>
+                  <a:schemeClr val="accent6">
+                    <a:lumMod val="75000"/>
+                  </a:schemeClr>
+                </a:solidFill>
+                <a:latin typeface="Lucida Console" panose="020B0609040504020204" pitchFamily="49" charset="0"/>
+              </a:rPr>
+              <a:t>i</a:t>
+            </a:r>
+            <a:r>
+              <a:rPr lang="en-US" altLang="en-US" dirty="0" smtClean="0">
+                <a:solidFill>
+                  <a:schemeClr val="accent6">
+                    <a:lumMod val="75000"/>
+                  </a:schemeClr>
+                </a:solidFill>
+                <a:latin typeface="Lucida Console" panose="020B0609040504020204" pitchFamily="49" charset="0"/>
+              </a:rPr>
+              <a:t> * 2**5 (size of row of a)</a:t>
+            </a:r>
+          </a:p>
+          <a:p>
+            <a:pPr marL="690563" indent="-690563">
+              <a:lnSpc>
+                <a:spcPct val="120000"/>
+              </a:lnSpc>
+              <a:spcBef>
+                <a:spcPts val="0"/>
+              </a:spcBef>
+              <a:buNone/>
+              <a:tabLst>
+                <a:tab pos="1147763" algn="l"/>
+              </a:tabLst>
+              <a:defRPr/>
+            </a:pPr>
+            <a:r>
+              <a:rPr lang="en-US" altLang="en-US" dirty="0" smtClean="0">
+                <a:latin typeface="Lucida Console" panose="020B0609040504020204" pitchFamily="49" charset="0"/>
+              </a:rPr>
+              <a:t>        add    x29,x29,x7   </a:t>
+            </a:r>
+            <a:r>
+              <a:rPr lang="en-US" altLang="en-US" dirty="0" smtClean="0">
+                <a:solidFill>
+                  <a:schemeClr val="accent6">
+                    <a:lumMod val="75000"/>
+                  </a:schemeClr>
+                </a:solidFill>
+                <a:latin typeface="Lucida Console" panose="020B0609040504020204" pitchFamily="49" charset="0"/>
+              </a:rPr>
+              <a:t>// x29 = </a:t>
+            </a:r>
+            <a:r>
+              <a:rPr lang="en-US" altLang="en-US" dirty="0" err="1" smtClean="0">
+                <a:solidFill>
+                  <a:schemeClr val="accent6">
+                    <a:lumMod val="75000"/>
+                  </a:schemeClr>
+                </a:solidFill>
+                <a:latin typeface="Lucida Console" panose="020B0609040504020204" pitchFamily="49" charset="0"/>
+              </a:rPr>
+              <a:t>i</a:t>
+            </a:r>
+            <a:r>
+              <a:rPr lang="en-US" altLang="en-US" dirty="0" smtClean="0">
+                <a:solidFill>
+                  <a:schemeClr val="accent6">
+                    <a:lumMod val="75000"/>
+                  </a:schemeClr>
+                </a:solidFill>
+                <a:latin typeface="Lucida Console" panose="020B0609040504020204" pitchFamily="49" charset="0"/>
+              </a:rPr>
+              <a:t> * size(row) + k</a:t>
+            </a:r>
+          </a:p>
+          <a:p>
+            <a:pPr marL="690563" indent="-690563">
+              <a:lnSpc>
+                <a:spcPct val="120000"/>
+              </a:lnSpc>
+              <a:spcBef>
+                <a:spcPts val="0"/>
+              </a:spcBef>
+              <a:buNone/>
+              <a:tabLst>
+                <a:tab pos="1147763" algn="l"/>
+              </a:tabLst>
+              <a:defRPr/>
+            </a:pPr>
+            <a:r>
+              <a:rPr lang="en-US" altLang="en-US" dirty="0" smtClean="0">
+                <a:latin typeface="Lucida Console" panose="020B0609040504020204" pitchFamily="49" charset="0"/>
+              </a:rPr>
+              <a:t>        </a:t>
+            </a:r>
+            <a:r>
+              <a:rPr lang="en-US" altLang="en-US" dirty="0" err="1" smtClean="0">
+                <a:latin typeface="Lucida Console" panose="020B0609040504020204" pitchFamily="49" charset="0"/>
+              </a:rPr>
+              <a:t>slli</a:t>
+            </a:r>
+            <a:r>
+              <a:rPr lang="en-US" altLang="en-US" dirty="0" smtClean="0">
+                <a:latin typeface="Lucida Console" panose="020B0609040504020204" pitchFamily="49" charset="0"/>
+              </a:rPr>
+              <a:t>   x29,x29,3    </a:t>
+            </a:r>
+            <a:r>
+              <a:rPr lang="en-US" altLang="en-US" dirty="0" smtClean="0">
+                <a:solidFill>
+                  <a:schemeClr val="accent6">
+                    <a:lumMod val="75000"/>
+                  </a:schemeClr>
+                </a:solidFill>
+                <a:latin typeface="Lucida Console" panose="020B0609040504020204" pitchFamily="49" charset="0"/>
+              </a:rPr>
+              <a:t>// x29 = byte offset of [</a:t>
+            </a:r>
+            <a:r>
+              <a:rPr lang="en-US" altLang="en-US" dirty="0" err="1" smtClean="0">
+                <a:solidFill>
+                  <a:schemeClr val="accent6">
+                    <a:lumMod val="75000"/>
+                  </a:schemeClr>
+                </a:solidFill>
+                <a:latin typeface="Lucida Console" panose="020B0609040504020204" pitchFamily="49" charset="0"/>
+              </a:rPr>
+              <a:t>i</a:t>
+            </a:r>
+            <a:r>
+              <a:rPr lang="en-US" altLang="en-US" dirty="0" smtClean="0">
+                <a:solidFill>
+                  <a:schemeClr val="accent6">
+                    <a:lumMod val="75000"/>
+                  </a:schemeClr>
+                </a:solidFill>
+                <a:latin typeface="Lucida Console" panose="020B0609040504020204" pitchFamily="49" charset="0"/>
+              </a:rPr>
+              <a:t>][k]</a:t>
+            </a:r>
+          </a:p>
+          <a:p>
+            <a:pPr marL="690563" indent="-690563">
+              <a:lnSpc>
+                <a:spcPct val="120000"/>
+              </a:lnSpc>
+              <a:spcBef>
+                <a:spcPts val="0"/>
+              </a:spcBef>
+              <a:buNone/>
+              <a:tabLst>
+                <a:tab pos="1147763" algn="l"/>
+              </a:tabLst>
+              <a:defRPr/>
+            </a:pPr>
+            <a:r>
+              <a:rPr lang="en-US" altLang="en-US" dirty="0" smtClean="0">
+                <a:latin typeface="Lucida Console" panose="020B0609040504020204" pitchFamily="49" charset="0"/>
+              </a:rPr>
+              <a:t>        add    x29,x11,x29  </a:t>
+            </a:r>
+            <a:r>
+              <a:rPr lang="en-US" altLang="en-US" dirty="0" smtClean="0">
+                <a:solidFill>
+                  <a:schemeClr val="accent6">
+                    <a:lumMod val="75000"/>
+                  </a:schemeClr>
+                </a:solidFill>
+                <a:latin typeface="Lucida Console" panose="020B0609040504020204" pitchFamily="49" charset="0"/>
+              </a:rPr>
+              <a:t>// x29 = byte address of a[</a:t>
+            </a:r>
+            <a:r>
+              <a:rPr lang="en-US" altLang="en-US" dirty="0" err="1" smtClean="0">
+                <a:solidFill>
+                  <a:schemeClr val="accent6">
+                    <a:lumMod val="75000"/>
+                  </a:schemeClr>
+                </a:solidFill>
+                <a:latin typeface="Lucida Console" panose="020B0609040504020204" pitchFamily="49" charset="0"/>
+              </a:rPr>
+              <a:t>i</a:t>
+            </a:r>
+            <a:r>
+              <a:rPr lang="en-US" altLang="en-US" dirty="0" smtClean="0">
+                <a:solidFill>
+                  <a:schemeClr val="accent6">
+                    <a:lumMod val="75000"/>
+                  </a:schemeClr>
+                </a:solidFill>
+                <a:latin typeface="Lucida Console" panose="020B0609040504020204" pitchFamily="49" charset="0"/>
+              </a:rPr>
+              <a:t>][k]</a:t>
+            </a:r>
+          </a:p>
+          <a:p>
+            <a:pPr marL="690563" indent="-690563">
+              <a:lnSpc>
+                <a:spcPct val="120000"/>
+              </a:lnSpc>
+              <a:spcBef>
+                <a:spcPts val="0"/>
+              </a:spcBef>
+              <a:buNone/>
+              <a:tabLst>
+                <a:tab pos="1147763" algn="l"/>
+              </a:tabLst>
+              <a:defRPr/>
+            </a:pPr>
+            <a:r>
+              <a:rPr lang="en-US" altLang="en-US" dirty="0" smtClean="0">
+                <a:latin typeface="Lucida Console" panose="020B0609040504020204" pitchFamily="49" charset="0"/>
+              </a:rPr>
+              <a:t>        </a:t>
+            </a:r>
+            <a:r>
+              <a:rPr lang="en-US" altLang="en-US" dirty="0" err="1" smtClean="0">
+                <a:latin typeface="Lucida Console" panose="020B0609040504020204" pitchFamily="49" charset="0"/>
+              </a:rPr>
+              <a:t>fld</a:t>
+            </a:r>
+            <a:r>
+              <a:rPr lang="en-US" altLang="en-US" dirty="0" smtClean="0">
+                <a:latin typeface="Lucida Console" panose="020B0609040504020204" pitchFamily="49" charset="0"/>
+              </a:rPr>
+              <a:t>    f2,0(x29)    </a:t>
+            </a:r>
+            <a:r>
+              <a:rPr lang="en-US" altLang="en-US" dirty="0" smtClean="0">
+                <a:solidFill>
+                  <a:schemeClr val="accent6">
+                    <a:lumMod val="75000"/>
+                  </a:schemeClr>
+                </a:solidFill>
+                <a:latin typeface="Lucida Console" panose="020B0609040504020204" pitchFamily="49" charset="0"/>
+              </a:rPr>
+              <a:t>// f2 = a[</a:t>
+            </a:r>
+            <a:r>
+              <a:rPr lang="en-US" altLang="en-US" dirty="0" err="1" smtClean="0">
+                <a:solidFill>
+                  <a:schemeClr val="accent6">
+                    <a:lumMod val="75000"/>
+                  </a:schemeClr>
+                </a:solidFill>
+                <a:latin typeface="Lucida Console" panose="020B0609040504020204" pitchFamily="49" charset="0"/>
+              </a:rPr>
+              <a:t>i</a:t>
+            </a:r>
+            <a:r>
+              <a:rPr lang="en-US" altLang="en-US" dirty="0" smtClean="0">
+                <a:solidFill>
+                  <a:schemeClr val="accent6">
+                    <a:lumMod val="75000"/>
+                  </a:schemeClr>
+                </a:solidFill>
+                <a:latin typeface="Lucida Console" panose="020B0609040504020204" pitchFamily="49" charset="0"/>
+              </a:rPr>
+              <a:t>][k]</a:t>
+            </a:r>
+          </a:p>
+          <a:p>
+            <a:pPr marL="690563" indent="-690563">
+              <a:lnSpc>
+                <a:spcPct val="120000"/>
+              </a:lnSpc>
+              <a:spcBef>
+                <a:spcPts val="0"/>
+              </a:spcBef>
+              <a:buNone/>
+              <a:tabLst>
+                <a:tab pos="1147763" algn="l"/>
+              </a:tabLst>
+              <a:defRPr/>
+            </a:pPr>
+            <a:r>
+              <a:rPr lang="en-AU" altLang="en-US" dirty="0" smtClean="0">
+                <a:latin typeface="Lucida Console" panose="020B0609040504020204" pitchFamily="49" charset="0"/>
+              </a:rPr>
+              <a:t>        </a:t>
+            </a:r>
+            <a:r>
+              <a:rPr lang="en-AU" altLang="en-US" dirty="0" err="1" smtClean="0">
+                <a:latin typeface="Lucida Console" panose="020B0609040504020204" pitchFamily="49" charset="0"/>
+              </a:rPr>
+              <a:t>fmul.d</a:t>
+            </a:r>
+            <a:r>
+              <a:rPr lang="en-AU" altLang="en-US" dirty="0" smtClean="0">
+                <a:latin typeface="Lucida Console" panose="020B0609040504020204" pitchFamily="49" charset="0"/>
+              </a:rPr>
+              <a:t> f1, f2, f1   </a:t>
+            </a:r>
+            <a:r>
+              <a:rPr lang="en-AU" altLang="en-US" dirty="0" smtClean="0">
+                <a:solidFill>
+                  <a:schemeClr val="accent6">
+                    <a:lumMod val="75000"/>
+                  </a:schemeClr>
+                </a:solidFill>
+                <a:latin typeface="Lucida Console" panose="020B0609040504020204" pitchFamily="49" charset="0"/>
+              </a:rPr>
+              <a:t>// f1 = a[</a:t>
+            </a:r>
+            <a:r>
+              <a:rPr lang="en-AU" altLang="en-US" dirty="0" err="1" smtClean="0">
+                <a:solidFill>
+                  <a:schemeClr val="accent6">
+                    <a:lumMod val="75000"/>
+                  </a:schemeClr>
+                </a:solidFill>
+                <a:latin typeface="Lucida Console" panose="020B0609040504020204" pitchFamily="49" charset="0"/>
+              </a:rPr>
+              <a:t>i</a:t>
+            </a:r>
+            <a:r>
+              <a:rPr lang="en-AU" altLang="en-US" dirty="0" smtClean="0">
+                <a:solidFill>
+                  <a:schemeClr val="accent6">
+                    <a:lumMod val="75000"/>
+                  </a:schemeClr>
+                </a:solidFill>
+                <a:latin typeface="Lucida Console" panose="020B0609040504020204" pitchFamily="49" charset="0"/>
+              </a:rPr>
+              <a:t>][k] * b[k][j]</a:t>
+            </a:r>
+          </a:p>
+          <a:p>
+            <a:pPr marL="690563" indent="-690563">
+              <a:lnSpc>
+                <a:spcPct val="120000"/>
+              </a:lnSpc>
+              <a:spcBef>
+                <a:spcPts val="0"/>
+              </a:spcBef>
+              <a:buNone/>
+              <a:tabLst>
+                <a:tab pos="1147763" algn="l"/>
+              </a:tabLst>
+              <a:defRPr/>
+            </a:pPr>
+            <a:r>
+              <a:rPr lang="en-AU" altLang="en-US" dirty="0" smtClean="0">
+                <a:latin typeface="Lucida Console" panose="020B0609040504020204" pitchFamily="49" charset="0"/>
+              </a:rPr>
+              <a:t>        </a:t>
+            </a:r>
+            <a:r>
+              <a:rPr lang="en-AU" altLang="en-US" dirty="0" err="1" smtClean="0">
+                <a:latin typeface="Lucida Console" panose="020B0609040504020204" pitchFamily="49" charset="0"/>
+              </a:rPr>
+              <a:t>fadd.d</a:t>
+            </a:r>
+            <a:r>
+              <a:rPr lang="en-AU" altLang="en-US" dirty="0" smtClean="0">
+                <a:latin typeface="Lucida Console" panose="020B0609040504020204" pitchFamily="49" charset="0"/>
+              </a:rPr>
+              <a:t> f0, f0, f1   </a:t>
+            </a:r>
+            <a:r>
+              <a:rPr lang="en-AU" altLang="en-US" dirty="0" smtClean="0">
+                <a:solidFill>
+                  <a:schemeClr val="accent6">
+                    <a:lumMod val="75000"/>
+                  </a:schemeClr>
+                </a:solidFill>
+                <a:latin typeface="Lucida Console" panose="020B0609040504020204" pitchFamily="49" charset="0"/>
+              </a:rPr>
+              <a:t>// f0 = c[</a:t>
+            </a:r>
+            <a:r>
+              <a:rPr lang="en-AU" altLang="en-US" dirty="0" err="1" smtClean="0">
+                <a:solidFill>
+                  <a:schemeClr val="accent6">
+                    <a:lumMod val="75000"/>
+                  </a:schemeClr>
+                </a:solidFill>
+                <a:latin typeface="Lucida Console" panose="020B0609040504020204" pitchFamily="49" charset="0"/>
+              </a:rPr>
+              <a:t>i</a:t>
+            </a:r>
+            <a:r>
+              <a:rPr lang="en-AU" altLang="en-US" dirty="0" smtClean="0">
+                <a:solidFill>
+                  <a:schemeClr val="accent6">
+                    <a:lumMod val="75000"/>
+                  </a:schemeClr>
+                </a:solidFill>
+                <a:latin typeface="Lucida Console" panose="020B0609040504020204" pitchFamily="49" charset="0"/>
+              </a:rPr>
+              <a:t>][j] + a[</a:t>
+            </a:r>
+            <a:r>
+              <a:rPr lang="en-AU" altLang="en-US" dirty="0" err="1" smtClean="0">
+                <a:solidFill>
+                  <a:schemeClr val="accent6">
+                    <a:lumMod val="75000"/>
+                  </a:schemeClr>
+                </a:solidFill>
+                <a:latin typeface="Lucida Console" panose="020B0609040504020204" pitchFamily="49" charset="0"/>
+              </a:rPr>
+              <a:t>i</a:t>
+            </a:r>
+            <a:r>
+              <a:rPr lang="en-AU" altLang="en-US" dirty="0" smtClean="0">
+                <a:solidFill>
+                  <a:schemeClr val="accent6">
+                    <a:lumMod val="75000"/>
+                  </a:schemeClr>
+                </a:solidFill>
+                <a:latin typeface="Lucida Console" panose="020B0609040504020204" pitchFamily="49" charset="0"/>
+              </a:rPr>
+              <a:t>][k] * b[k][j]</a:t>
+            </a:r>
+          </a:p>
+          <a:p>
+            <a:pPr marL="690563" indent="-690563">
+              <a:lnSpc>
+                <a:spcPct val="120000"/>
+              </a:lnSpc>
+              <a:spcBef>
+                <a:spcPts val="0"/>
+              </a:spcBef>
+              <a:buNone/>
+              <a:tabLst>
+                <a:tab pos="1147763" algn="l"/>
+              </a:tabLst>
+              <a:defRPr/>
+            </a:pPr>
+            <a:r>
+              <a:rPr lang="en-US" altLang="en-US" dirty="0" smtClean="0">
+                <a:latin typeface="Lucida Console" panose="020B0609040504020204" pitchFamily="49" charset="0"/>
+              </a:rPr>
+              <a:t>        </a:t>
+            </a:r>
+            <a:r>
+              <a:rPr lang="en-US" altLang="en-US" dirty="0" err="1" smtClean="0">
+                <a:latin typeface="Lucida Console" panose="020B0609040504020204" pitchFamily="49" charset="0"/>
+              </a:rPr>
+              <a:t>addi</a:t>
+            </a:r>
+            <a:r>
+              <a:rPr lang="en-US" altLang="en-US" dirty="0" smtClean="0">
+                <a:latin typeface="Lucida Console" panose="020B0609040504020204" pitchFamily="49" charset="0"/>
+              </a:rPr>
+              <a:t>   x7,x7,1      </a:t>
+            </a:r>
+            <a:r>
+              <a:rPr lang="en-US" altLang="en-US" dirty="0" smtClean="0">
+                <a:solidFill>
+                  <a:schemeClr val="accent6">
+                    <a:lumMod val="75000"/>
+                  </a:schemeClr>
+                </a:solidFill>
+                <a:latin typeface="Lucida Console" panose="020B0609040504020204" pitchFamily="49" charset="0"/>
+              </a:rPr>
+              <a:t>// k = k + 1</a:t>
+            </a:r>
+          </a:p>
+          <a:p>
+            <a:pPr marL="690563" indent="-690563">
+              <a:lnSpc>
+                <a:spcPct val="120000"/>
+              </a:lnSpc>
+              <a:spcBef>
+                <a:spcPts val="0"/>
+              </a:spcBef>
+              <a:buNone/>
+              <a:tabLst>
+                <a:tab pos="1147763" algn="l"/>
+              </a:tabLst>
+              <a:defRPr/>
+            </a:pPr>
+            <a:r>
+              <a:rPr lang="en-US" altLang="en-US" dirty="0" smtClean="0">
+                <a:latin typeface="Lucida Console" panose="020B0609040504020204" pitchFamily="49" charset="0"/>
+              </a:rPr>
+              <a:t>        </a:t>
+            </a:r>
+            <a:r>
+              <a:rPr lang="en-US" altLang="en-US" dirty="0" err="1" smtClean="0">
+                <a:latin typeface="Lucida Console" panose="020B0609040504020204" pitchFamily="49" charset="0"/>
+              </a:rPr>
+              <a:t>bltu</a:t>
+            </a:r>
+            <a:r>
+              <a:rPr lang="en-US" altLang="en-US" dirty="0" smtClean="0">
+                <a:latin typeface="Lucida Console" panose="020B0609040504020204" pitchFamily="49" charset="0"/>
+              </a:rPr>
+              <a:t>   x7,x28,L3    </a:t>
+            </a:r>
+            <a:r>
+              <a:rPr lang="en-US" altLang="en-US" dirty="0" smtClean="0">
+                <a:solidFill>
+                  <a:schemeClr val="accent6">
+                    <a:lumMod val="75000"/>
+                  </a:schemeClr>
+                </a:solidFill>
+                <a:latin typeface="Lucida Console" panose="020B0609040504020204" pitchFamily="49" charset="0"/>
+              </a:rPr>
+              <a:t>// if (k &lt; 32) go to L3</a:t>
+            </a:r>
+          </a:p>
+          <a:p>
+            <a:pPr marL="690563" indent="-690563">
+              <a:lnSpc>
+                <a:spcPct val="120000"/>
+              </a:lnSpc>
+              <a:spcBef>
+                <a:spcPts val="0"/>
+              </a:spcBef>
+              <a:buNone/>
+              <a:tabLst>
+                <a:tab pos="1147763" algn="l"/>
+              </a:tabLst>
+              <a:defRPr/>
+            </a:pPr>
+            <a:r>
+              <a:rPr lang="en-US" altLang="en-US" dirty="0" smtClean="0">
+                <a:latin typeface="Lucida Console" panose="020B0609040504020204" pitchFamily="49" charset="0"/>
+              </a:rPr>
+              <a:t>        </a:t>
+            </a:r>
+            <a:r>
+              <a:rPr lang="en-US" altLang="en-US" dirty="0" err="1" smtClean="0">
+                <a:latin typeface="Lucida Console" panose="020B0609040504020204" pitchFamily="49" charset="0"/>
+              </a:rPr>
+              <a:t>fsd</a:t>
+            </a:r>
+            <a:r>
+              <a:rPr lang="en-US" altLang="en-US" dirty="0" smtClean="0">
+                <a:latin typeface="Lucida Console" panose="020B0609040504020204" pitchFamily="49" charset="0"/>
+              </a:rPr>
+              <a:t>    f0,0(x30)    </a:t>
+            </a:r>
+            <a:r>
+              <a:rPr lang="en-US" altLang="en-US" dirty="0" smtClean="0">
+                <a:solidFill>
+                  <a:schemeClr val="accent6">
+                    <a:lumMod val="75000"/>
+                  </a:schemeClr>
+                </a:solidFill>
+                <a:latin typeface="Lucida Console" panose="020B0609040504020204" pitchFamily="49" charset="0"/>
+              </a:rPr>
+              <a:t>// c[</a:t>
+            </a:r>
+            <a:r>
+              <a:rPr lang="en-US" altLang="en-US" dirty="0" err="1" smtClean="0">
+                <a:solidFill>
+                  <a:schemeClr val="accent6">
+                    <a:lumMod val="75000"/>
+                  </a:schemeClr>
+                </a:solidFill>
+                <a:latin typeface="Lucida Console" panose="020B0609040504020204" pitchFamily="49" charset="0"/>
+              </a:rPr>
+              <a:t>i</a:t>
+            </a:r>
+            <a:r>
+              <a:rPr lang="en-US" altLang="en-US" dirty="0" smtClean="0">
+                <a:solidFill>
+                  <a:schemeClr val="accent6">
+                    <a:lumMod val="75000"/>
+                  </a:schemeClr>
+                </a:solidFill>
+                <a:latin typeface="Lucida Console" panose="020B0609040504020204" pitchFamily="49" charset="0"/>
+              </a:rPr>
+              <a:t>][j] = f0</a:t>
+            </a:r>
+            <a:endParaRPr lang="en-AU" altLang="en-US" dirty="0" smtClean="0">
+              <a:solidFill>
+                <a:schemeClr val="accent6">
+                  <a:lumMod val="75000"/>
+                </a:schemeClr>
+              </a:solidFill>
+              <a:latin typeface="Lucida Console" panose="020B0609040504020204" pitchFamily="49" charset="0"/>
+            </a:endParaRPr>
+          </a:p>
+          <a:p>
+            <a:pPr marL="690563" indent="-690563">
+              <a:lnSpc>
+                <a:spcPct val="120000"/>
+              </a:lnSpc>
+              <a:spcBef>
+                <a:spcPts val="0"/>
+              </a:spcBef>
+              <a:buNone/>
+              <a:tabLst>
+                <a:tab pos="1147763" algn="l"/>
+              </a:tabLst>
+              <a:defRPr/>
+            </a:pPr>
+            <a:r>
+              <a:rPr lang="en-AU" altLang="en-US" dirty="0" smtClean="0">
+                <a:latin typeface="Lucida Console" panose="020B0609040504020204" pitchFamily="49" charset="0"/>
+              </a:rPr>
+              <a:t>        </a:t>
+            </a:r>
+            <a:r>
+              <a:rPr lang="en-AU" altLang="en-US" dirty="0" err="1" smtClean="0">
+                <a:latin typeface="Lucida Console" panose="020B0609040504020204" pitchFamily="49" charset="0"/>
+              </a:rPr>
+              <a:t>addi</a:t>
+            </a:r>
+            <a:r>
+              <a:rPr lang="en-AU" altLang="en-US" dirty="0" smtClean="0">
+                <a:latin typeface="Lucida Console" panose="020B0609040504020204" pitchFamily="49" charset="0"/>
+              </a:rPr>
+              <a:t>   x6,x6,1      </a:t>
+            </a:r>
+            <a:r>
+              <a:rPr lang="en-AU" altLang="en-US" dirty="0" smtClean="0">
+                <a:solidFill>
+                  <a:schemeClr val="accent6">
+                    <a:lumMod val="75000"/>
+                  </a:schemeClr>
+                </a:solidFill>
+                <a:latin typeface="Lucida Console" panose="020B0609040504020204" pitchFamily="49" charset="0"/>
+              </a:rPr>
+              <a:t>// j = j + 1</a:t>
+            </a:r>
+          </a:p>
+          <a:p>
+            <a:pPr marL="690563" indent="-690563">
+              <a:lnSpc>
+                <a:spcPct val="120000"/>
+              </a:lnSpc>
+              <a:spcBef>
+                <a:spcPts val="0"/>
+              </a:spcBef>
+              <a:buNone/>
+              <a:tabLst>
+                <a:tab pos="1147763" algn="l"/>
+              </a:tabLst>
+              <a:defRPr/>
+            </a:pPr>
+            <a:r>
+              <a:rPr lang="en-AU" altLang="en-US" dirty="0" smtClean="0">
+                <a:latin typeface="Lucida Console" panose="020B0609040504020204" pitchFamily="49" charset="0"/>
+              </a:rPr>
+              <a:t>        </a:t>
+            </a:r>
+            <a:r>
+              <a:rPr lang="en-AU" altLang="en-US" dirty="0" err="1" smtClean="0">
+                <a:latin typeface="Lucida Console" panose="020B0609040504020204" pitchFamily="49" charset="0"/>
+              </a:rPr>
+              <a:t>bltu</a:t>
+            </a:r>
+            <a:r>
+              <a:rPr lang="en-AU" altLang="en-US" dirty="0" smtClean="0">
+                <a:latin typeface="Lucida Console" panose="020B0609040504020204" pitchFamily="49" charset="0"/>
+              </a:rPr>
+              <a:t>   x6,x28,L2    </a:t>
+            </a:r>
+            <a:r>
+              <a:rPr lang="en-AU" altLang="en-US" dirty="0" smtClean="0">
+                <a:solidFill>
+                  <a:schemeClr val="accent6">
+                    <a:lumMod val="75000"/>
+                  </a:schemeClr>
+                </a:solidFill>
+                <a:latin typeface="Lucida Console" panose="020B0609040504020204" pitchFamily="49" charset="0"/>
+              </a:rPr>
+              <a:t>// if (j &lt; 32) go to L2</a:t>
+            </a:r>
+          </a:p>
+          <a:p>
+            <a:pPr marL="690563" indent="-690563">
+              <a:lnSpc>
+                <a:spcPct val="120000"/>
+              </a:lnSpc>
+              <a:spcBef>
+                <a:spcPts val="0"/>
+              </a:spcBef>
+              <a:buNone/>
+              <a:tabLst>
+                <a:tab pos="1147763" algn="l"/>
+              </a:tabLst>
+              <a:defRPr/>
+            </a:pPr>
+            <a:r>
+              <a:rPr lang="en-AU" altLang="en-US" dirty="0" smtClean="0">
+                <a:latin typeface="Lucida Console" panose="020B0609040504020204" pitchFamily="49" charset="0"/>
+              </a:rPr>
+              <a:t>        </a:t>
+            </a:r>
+            <a:r>
+              <a:rPr lang="en-AU" altLang="en-US" dirty="0" err="1" smtClean="0">
+                <a:latin typeface="Lucida Console" panose="020B0609040504020204" pitchFamily="49" charset="0"/>
+              </a:rPr>
+              <a:t>addi</a:t>
+            </a:r>
+            <a:r>
+              <a:rPr lang="en-AU" altLang="en-US" dirty="0" smtClean="0">
+                <a:latin typeface="Lucida Console" panose="020B0609040504020204" pitchFamily="49" charset="0"/>
+              </a:rPr>
+              <a:t>   x5,x5,1      </a:t>
+            </a:r>
+            <a:r>
+              <a:rPr lang="en-AU" altLang="en-US" dirty="0" smtClean="0">
+                <a:solidFill>
+                  <a:schemeClr val="accent6">
+                    <a:lumMod val="75000"/>
+                  </a:schemeClr>
+                </a:solidFill>
+                <a:latin typeface="Lucida Console" panose="020B0609040504020204" pitchFamily="49" charset="0"/>
+              </a:rPr>
+              <a:t>// </a:t>
+            </a:r>
+            <a:r>
+              <a:rPr lang="en-AU" altLang="en-US" dirty="0" err="1" smtClean="0">
+                <a:solidFill>
+                  <a:schemeClr val="accent6">
+                    <a:lumMod val="75000"/>
+                  </a:schemeClr>
+                </a:solidFill>
+                <a:latin typeface="Lucida Console" panose="020B0609040504020204" pitchFamily="49" charset="0"/>
+              </a:rPr>
+              <a:t>i</a:t>
+            </a:r>
+            <a:r>
+              <a:rPr lang="en-AU" altLang="en-US" dirty="0" smtClean="0">
+                <a:solidFill>
+                  <a:schemeClr val="accent6">
+                    <a:lumMod val="75000"/>
+                  </a:schemeClr>
+                </a:solidFill>
+                <a:latin typeface="Lucida Console" panose="020B0609040504020204" pitchFamily="49" charset="0"/>
+              </a:rPr>
+              <a:t> = </a:t>
+            </a:r>
+            <a:r>
+              <a:rPr lang="en-AU" altLang="en-US" dirty="0" err="1" smtClean="0">
+                <a:solidFill>
+                  <a:schemeClr val="accent6">
+                    <a:lumMod val="75000"/>
+                  </a:schemeClr>
+                </a:solidFill>
+                <a:latin typeface="Lucida Console" panose="020B0609040504020204" pitchFamily="49" charset="0"/>
+              </a:rPr>
+              <a:t>i</a:t>
+            </a:r>
+            <a:r>
+              <a:rPr lang="en-AU" altLang="en-US" dirty="0" smtClean="0">
+                <a:solidFill>
+                  <a:schemeClr val="accent6">
+                    <a:lumMod val="75000"/>
+                  </a:schemeClr>
+                </a:solidFill>
+                <a:latin typeface="Lucida Console" panose="020B0609040504020204" pitchFamily="49" charset="0"/>
+              </a:rPr>
+              <a:t> + 1</a:t>
+            </a:r>
+          </a:p>
+          <a:p>
+            <a:pPr marL="690563" indent="-690563">
+              <a:lnSpc>
+                <a:spcPct val="120000"/>
+              </a:lnSpc>
+              <a:spcBef>
+                <a:spcPts val="0"/>
+              </a:spcBef>
+              <a:buNone/>
+              <a:tabLst>
+                <a:tab pos="1147763" algn="l"/>
+              </a:tabLst>
+              <a:defRPr/>
+            </a:pPr>
+            <a:r>
+              <a:rPr lang="en-AU" altLang="en-US" dirty="0" smtClean="0">
+                <a:latin typeface="Lucida Console" panose="020B0609040504020204" pitchFamily="49" charset="0"/>
+              </a:rPr>
+              <a:t>        </a:t>
+            </a:r>
+            <a:r>
+              <a:rPr lang="en-AU" altLang="en-US" dirty="0" err="1" smtClean="0">
+                <a:latin typeface="Lucida Console" panose="020B0609040504020204" pitchFamily="49" charset="0"/>
+              </a:rPr>
+              <a:t>bltu</a:t>
+            </a:r>
+            <a:r>
+              <a:rPr lang="en-AU" altLang="en-US" dirty="0" smtClean="0">
+                <a:latin typeface="Lucida Console" panose="020B0609040504020204" pitchFamily="49" charset="0"/>
+              </a:rPr>
+              <a:t>   x5,x28,L1    </a:t>
+            </a:r>
+            <a:r>
+              <a:rPr lang="en-AU" altLang="en-US" dirty="0" smtClean="0">
+                <a:solidFill>
+                  <a:schemeClr val="accent6">
+                    <a:lumMod val="75000"/>
+                  </a:schemeClr>
+                </a:solidFill>
+                <a:latin typeface="Lucida Console" panose="020B0609040504020204" pitchFamily="49" charset="0"/>
+              </a:rPr>
+              <a:t>// if (</a:t>
+            </a:r>
+            <a:r>
+              <a:rPr lang="en-AU" altLang="en-US" dirty="0" err="1" smtClean="0">
+                <a:solidFill>
+                  <a:schemeClr val="accent6">
+                    <a:lumMod val="75000"/>
+                  </a:schemeClr>
+                </a:solidFill>
+                <a:latin typeface="Lucida Console" panose="020B0609040504020204" pitchFamily="49" charset="0"/>
+              </a:rPr>
+              <a:t>i</a:t>
+            </a:r>
+            <a:r>
+              <a:rPr lang="en-AU" altLang="en-US" dirty="0" smtClean="0">
+                <a:solidFill>
+                  <a:schemeClr val="accent6">
+                    <a:lumMod val="75000"/>
+                  </a:schemeClr>
+                </a:solidFill>
+                <a:latin typeface="Lucida Console" panose="020B0609040504020204" pitchFamily="49" charset="0"/>
+              </a:rPr>
+              <a:t> &lt; 32) go to L1</a:t>
+            </a:r>
+            <a:endParaRPr lang="ru-RU" dirty="0">
+              <a:solidFill>
+                <a:schemeClr val="accent6">
+                  <a:lumMod val="75000"/>
+                </a:schemeClr>
+              </a:solidFill>
+            </a:endParaRPr>
+          </a:p>
+        </p:txBody>
+      </p:sp>
+      <p:sp>
+        <p:nvSpPr>
+          <p:cNvPr id="3" name="Номер слайда 2"/>
+          <p:cNvSpPr>
+            <a:spLocks noGrp="1"/>
+          </p:cNvSpPr>
+          <p:nvPr>
+            <p:ph type="sldNum" sz="quarter" idx="12"/>
+          </p:nvPr>
+        </p:nvSpPr>
+        <p:spPr/>
+        <p:txBody>
+          <a:bodyPr/>
+          <a:lstStyle/>
+          <a:p>
+            <a:pPr algn="ctr"/>
+            <a:fld id="{1397BFD8-F312-4EF2-A268-44FB4BDDBBB0}" type="slidenum">
+              <a:rPr lang="ru-RU" smtClean="0"/>
+              <a:pPr algn="ctr"/>
+              <a:t>24</a:t>
+            </a:fld>
+            <a:endParaRPr lang="ru-RU" dirty="0"/>
+          </a:p>
+        </p:txBody>
+      </p:sp>
+      <p:sp>
+        <p:nvSpPr>
+          <p:cNvPr id="4" name="Заголовок 3"/>
+          <p:cNvSpPr>
+            <a:spLocks noGrp="1"/>
+          </p:cNvSpPr>
+          <p:nvPr>
+            <p:ph type="title"/>
+          </p:nvPr>
+        </p:nvSpPr>
+        <p:spPr/>
+        <p:txBody>
+          <a:bodyPr/>
+          <a:lstStyle/>
+          <a:p>
+            <a:r>
+              <a:rPr lang="en-US" altLang="en-US" dirty="0" smtClean="0"/>
+              <a:t>FP Example: Array Multiplication</a:t>
+            </a:r>
+            <a:endParaRPr lang="ru-RU" dirty="0"/>
+          </a:p>
+        </p:txBody>
+      </p:sp>
+    </p:spTree>
+  </p:cSld>
+  <p:clrMapOvr>
+    <a:masterClrMapping/>
+  </p:clrMapOvr>
+</p:sld>
+</file>
+
+<file path=ppt/slides/slide25.xml><?xml version="1.0" encoding="utf-8"?>
+<p:sld xmlns:a="http://schemas.openxmlformats.org/drawingml/2006/main" xmlns:r="http://schemas.openxmlformats.org/officeDocument/2006/relationships" xmlns:p="http://schemas.openxmlformats.org/presentationml/2006/main">
+  <p:cSld>
+    <p:spTree>
+      <p:nvGrpSpPr>
+        <p:cNvPr id="1" name=""/>
+        <p:cNvGrpSpPr/>
+        <p:nvPr/>
+      </p:nvGrpSpPr>
+      <p:grpSpPr>
+        <a:xfrm>
+          <a:off x="0" y="0"/>
+          <a:ext cx="0" cy="0"/>
+          <a:chOff x="0" y="0"/>
+          <a:chExt cx="0" cy="0"/>
+        </a:xfrm>
+      </p:grpSpPr>
+      <p:sp>
+        <p:nvSpPr>
+          <p:cNvPr id="2" name="Содержимое 1"/>
+          <p:cNvSpPr>
+            <a:spLocks noGrp="1"/>
+          </p:cNvSpPr>
+          <p:nvPr>
+            <p:ph idx="1"/>
+          </p:nvPr>
+        </p:nvSpPr>
+        <p:spPr>
+          <a:xfrm>
+            <a:off x="838200" y="1178053"/>
+            <a:ext cx="10515600" cy="5305874"/>
+          </a:xfrm>
+        </p:spPr>
+        <p:txBody>
+          <a:bodyPr>
+            <a:noAutofit/>
+          </a:bodyPr>
+          <a:lstStyle/>
+          <a:p>
+            <a:r>
+              <a:rPr lang="en-US" altLang="en-US" dirty="0" smtClean="0"/>
+              <a:t>IEEE Std 754 specifies additional rounding control</a:t>
+            </a:r>
+          </a:p>
+          <a:p>
+            <a:pPr lvl="1"/>
+            <a:r>
+              <a:rPr lang="en-US" altLang="en-US" dirty="0" smtClean="0"/>
+              <a:t>Extra bits of precision (guard, round, sticky)</a:t>
+            </a:r>
+          </a:p>
+          <a:p>
+            <a:pPr lvl="1"/>
+            <a:r>
+              <a:rPr lang="en-US" altLang="en-US" dirty="0" smtClean="0"/>
+              <a:t>Choice of rounding modes</a:t>
+            </a:r>
+          </a:p>
+          <a:p>
+            <a:pPr lvl="1"/>
+            <a:r>
+              <a:rPr lang="en-US" altLang="en-US" dirty="0" smtClean="0"/>
+              <a:t>Allows programmer to fine-tune numerical behavior of a computation</a:t>
+            </a:r>
+          </a:p>
+          <a:p>
+            <a:r>
+              <a:rPr lang="en-US" altLang="en-US" dirty="0" smtClean="0"/>
+              <a:t>Not all FP units implement all options</a:t>
+            </a:r>
+          </a:p>
+          <a:p>
+            <a:pPr lvl="1"/>
+            <a:r>
+              <a:rPr lang="en-US" altLang="en-US" dirty="0" smtClean="0"/>
+              <a:t>Most programming languages and FP libraries just use defaults</a:t>
+            </a:r>
+          </a:p>
+          <a:p>
+            <a:r>
+              <a:rPr lang="en-US" altLang="en-US" dirty="0" smtClean="0"/>
+              <a:t>Trade-off between hardware complexity, performance, and market </a:t>
+            </a:r>
+            <a:r>
+              <a:rPr lang="en-US" altLang="en-US" dirty="0" smtClean="0"/>
+              <a:t>requirements</a:t>
+            </a:r>
+            <a:endParaRPr lang="en-AU" altLang="en-US" dirty="0" smtClean="0"/>
+          </a:p>
+        </p:txBody>
+      </p:sp>
+      <p:sp>
+        <p:nvSpPr>
+          <p:cNvPr id="3" name="Номер слайда 2"/>
+          <p:cNvSpPr>
+            <a:spLocks noGrp="1"/>
+          </p:cNvSpPr>
+          <p:nvPr>
+            <p:ph type="sldNum" sz="quarter" idx="12"/>
+          </p:nvPr>
+        </p:nvSpPr>
+        <p:spPr/>
+        <p:txBody>
+          <a:bodyPr/>
+          <a:lstStyle/>
+          <a:p>
+            <a:pPr algn="ctr"/>
+            <a:fld id="{1397BFD8-F312-4EF2-A268-44FB4BDDBBB0}" type="slidenum">
+              <a:rPr lang="ru-RU" smtClean="0"/>
+              <a:pPr algn="ctr"/>
+              <a:t>25</a:t>
+            </a:fld>
+            <a:endParaRPr lang="ru-RU" dirty="0"/>
+          </a:p>
+        </p:txBody>
+      </p:sp>
+      <p:sp>
+        <p:nvSpPr>
+          <p:cNvPr id="4" name="Заголовок 3"/>
+          <p:cNvSpPr>
+            <a:spLocks noGrp="1"/>
+          </p:cNvSpPr>
+          <p:nvPr>
+            <p:ph type="title"/>
+          </p:nvPr>
+        </p:nvSpPr>
+        <p:spPr/>
+        <p:txBody>
+          <a:bodyPr/>
+          <a:lstStyle/>
+          <a:p>
+            <a:r>
+              <a:rPr lang="en-US" altLang="en-US" dirty="0" smtClean="0"/>
+              <a:t>Accurate Arithmetic</a:t>
+            </a:r>
+            <a:endParaRPr lang="ru-RU" dirty="0"/>
+          </a:p>
+        </p:txBody>
+      </p:sp>
+    </p:spTree>
+  </p:cSld>
+  <p:clrMapOvr>
+    <a:masterClrMapping/>
+  </p:clrMapOvr>
+</p:sld>
+</file>
+
+<file path=ppt/slides/slide26.xml><?xml version="1.0" encoding="utf-8"?>
+<p:sld xmlns:a="http://schemas.openxmlformats.org/drawingml/2006/main" xmlns:r="http://schemas.openxmlformats.org/officeDocument/2006/relationships" xmlns:p="http://schemas.openxmlformats.org/presentationml/2006/main">
+  <p:cSld>
+    <p:spTree>
+      <p:nvGrpSpPr>
+        <p:cNvPr id="1" name=""/>
+        <p:cNvGrpSpPr/>
+        <p:nvPr/>
+      </p:nvGrpSpPr>
+      <p:grpSpPr>
+        <a:xfrm>
+          <a:off x="0" y="0"/>
+          <a:ext cx="0" cy="0"/>
+          <a:chOff x="0" y="0"/>
+          <a:chExt cx="0" cy="0"/>
+        </a:xfrm>
+      </p:grpSpPr>
+      <p:sp>
+        <p:nvSpPr>
+          <p:cNvPr id="2" name="Содержимое 1"/>
+          <p:cNvSpPr>
+            <a:spLocks noGrp="1"/>
+          </p:cNvSpPr>
+          <p:nvPr>
+            <p:ph idx="1"/>
+          </p:nvPr>
+        </p:nvSpPr>
+        <p:spPr>
+          <a:xfrm>
+            <a:off x="838200" y="1178053"/>
+            <a:ext cx="10515600" cy="4902113"/>
+          </a:xfrm>
+        </p:spPr>
+        <p:txBody>
+          <a:bodyPr>
+            <a:normAutofit/>
+          </a:bodyPr>
+          <a:lstStyle/>
+          <a:p>
+            <a:r>
+              <a:rPr lang="en-AU" altLang="en-US" dirty="0" smtClean="0"/>
+              <a:t>Parallel programs may interleave operations in unexpected orders</a:t>
+            </a:r>
+          </a:p>
+          <a:p>
+            <a:pPr lvl="1"/>
+            <a:r>
+              <a:rPr lang="en-AU" altLang="en-US" dirty="0" smtClean="0"/>
+              <a:t>Assumptions of </a:t>
+            </a:r>
+            <a:r>
+              <a:rPr lang="en-AU" altLang="en-US" dirty="0" err="1" smtClean="0"/>
+              <a:t>associativity</a:t>
+            </a:r>
+            <a:r>
+              <a:rPr lang="en-AU" altLang="en-US" dirty="0" smtClean="0"/>
+              <a:t> may fail</a:t>
+            </a:r>
+          </a:p>
+          <a:p>
+            <a:pPr lvl="1"/>
+            <a:endParaRPr lang="en-AU" altLang="en-US" dirty="0" smtClean="0"/>
+          </a:p>
+          <a:p>
+            <a:pPr lvl="1"/>
+            <a:endParaRPr lang="en-AU" altLang="en-US" dirty="0" smtClean="0"/>
+          </a:p>
+          <a:p>
+            <a:pPr lvl="1"/>
+            <a:endParaRPr lang="en-AU" altLang="en-US" dirty="0" smtClean="0"/>
+          </a:p>
+          <a:p>
+            <a:pPr lvl="1"/>
+            <a:endParaRPr lang="en-AU" altLang="en-US" dirty="0" smtClean="0"/>
+          </a:p>
+          <a:p>
+            <a:r>
+              <a:rPr lang="en-AU" altLang="en-US" dirty="0" smtClean="0"/>
+              <a:t>Need to validate parallel programs under varying degrees of parallelism</a:t>
+            </a:r>
+          </a:p>
+          <a:p>
+            <a:endParaRPr lang="ru-RU" dirty="0"/>
+          </a:p>
+        </p:txBody>
+      </p:sp>
+      <p:sp>
+        <p:nvSpPr>
+          <p:cNvPr id="3" name="Номер слайда 2"/>
+          <p:cNvSpPr>
+            <a:spLocks noGrp="1"/>
+          </p:cNvSpPr>
+          <p:nvPr>
+            <p:ph type="sldNum" sz="quarter" idx="12"/>
+          </p:nvPr>
+        </p:nvSpPr>
+        <p:spPr/>
+        <p:txBody>
+          <a:bodyPr/>
+          <a:lstStyle/>
+          <a:p>
+            <a:pPr algn="ctr"/>
+            <a:fld id="{1397BFD8-F312-4EF2-A268-44FB4BDDBBB0}" type="slidenum">
+              <a:rPr lang="ru-RU" smtClean="0"/>
+              <a:pPr algn="ctr"/>
+              <a:t>26</a:t>
+            </a:fld>
+            <a:endParaRPr lang="ru-RU" dirty="0"/>
+          </a:p>
+        </p:txBody>
+      </p:sp>
+      <p:sp>
+        <p:nvSpPr>
+          <p:cNvPr id="4" name="Заголовок 3"/>
+          <p:cNvSpPr>
+            <a:spLocks noGrp="1"/>
+          </p:cNvSpPr>
+          <p:nvPr>
+            <p:ph type="title"/>
+          </p:nvPr>
+        </p:nvSpPr>
+        <p:spPr/>
+        <p:txBody>
+          <a:bodyPr/>
+          <a:lstStyle/>
+          <a:p>
+            <a:r>
+              <a:rPr lang="en-AU" altLang="en-US" dirty="0" err="1" smtClean="0"/>
+              <a:t>Associativity</a:t>
+            </a:r>
+            <a:endParaRPr lang="ru-RU" dirty="0"/>
+          </a:p>
+        </p:txBody>
+      </p:sp>
+      <p:graphicFrame>
+        <p:nvGraphicFramePr>
+          <p:cNvPr id="20484" name="Object 5"/>
+          <p:cNvGraphicFramePr>
+            <a:graphicFrameLocks noChangeAspect="1"/>
+          </p:cNvGraphicFramePr>
+          <p:nvPr/>
+        </p:nvGraphicFramePr>
+        <p:xfrm>
+          <a:off x="3624201" y="2840924"/>
+          <a:ext cx="5238750" cy="1914525"/>
+        </p:xfrm>
+        <a:graphic>
+          <a:graphicData uri="http://schemas.openxmlformats.org/presentationml/2006/ole">
+            <p:oleObj spid="_x0000_s20484" name="Worksheet" r:id="rId3" imgW="5305330" imgH="1914573" progId="Excel.Sheet.8">
+              <p:embed/>
+            </p:oleObj>
+          </a:graphicData>
+        </a:graphic>
+      </p:graphicFrame>
+    </p:spTree>
+  </p:cSld>
+  <p:clrMapOvr>
+    <a:masterClrMapping/>
+  </p:clrMapOvr>
+  <p:timing>
+    <p:tnLst>
+      <p:par>
+        <p:cTn id="1" dur="indefinite" restart="never" nodeType="tmRoot"/>
+      </p:par>
+    </p:tnLst>
+  </p:timing>
+</p:sld>
+</file>
+
+<file path=ppt/slides/slide27.xml><?xml version="1.0" encoding="utf-8"?>
+<p:sld xmlns:a="http://schemas.openxmlformats.org/drawingml/2006/main" xmlns:r="http://schemas.openxmlformats.org/officeDocument/2006/relationships" xmlns:p="http://schemas.openxmlformats.org/presentationml/2006/main">
+  <p:cSld>
+    <p:spTree>
+      <p:nvGrpSpPr>
+        <p:cNvPr id="1" name=""/>
+        <p:cNvGrpSpPr/>
+        <p:nvPr/>
+      </p:nvGrpSpPr>
+      <p:grpSpPr>
+        <a:xfrm>
+          <a:off x="0" y="0"/>
+          <a:ext cx="0" cy="0"/>
+          <a:chOff x="0" y="0"/>
+          <a:chExt cx="0" cy="0"/>
+        </a:xfrm>
+      </p:grpSpPr>
+      <p:sp>
+        <p:nvSpPr>
+          <p:cNvPr id="2" name="Содержимое 1"/>
+          <p:cNvSpPr>
+            <a:spLocks noGrp="1"/>
+          </p:cNvSpPr>
+          <p:nvPr>
+            <p:ph idx="1"/>
+          </p:nvPr>
+        </p:nvSpPr>
+        <p:spPr/>
+        <p:txBody>
+          <a:bodyPr/>
+          <a:lstStyle/>
+          <a:p>
+            <a:r>
+              <a:rPr lang="en-US" altLang="en-US" dirty="0" smtClean="0"/>
+              <a:t>Important for scientific code</a:t>
+            </a:r>
+          </a:p>
+          <a:p>
+            <a:pPr lvl="1"/>
+            <a:r>
+              <a:rPr lang="en-US" altLang="en-US" dirty="0" smtClean="0"/>
+              <a:t>But for everyday consumer use?</a:t>
+            </a:r>
+          </a:p>
+          <a:p>
+            <a:pPr lvl="2"/>
+            <a:r>
+              <a:rPr lang="en-US" altLang="en-US" dirty="0" smtClean="0"/>
+              <a:t>“My bank balance is out by 0.0002¢!” </a:t>
+            </a:r>
+            <a:r>
+              <a:rPr lang="en-US" altLang="en-US" dirty="0" smtClean="0">
+                <a:sym typeface="Wingdings" pitchFamily="2" charset="2"/>
+              </a:rPr>
+              <a:t></a:t>
+            </a:r>
+          </a:p>
+          <a:p>
+            <a:pPr lvl="2"/>
+            <a:endParaRPr lang="en-US" altLang="en-US" dirty="0" smtClean="0">
+              <a:sym typeface="Wingdings" pitchFamily="2" charset="2"/>
+            </a:endParaRPr>
+          </a:p>
+          <a:p>
+            <a:r>
+              <a:rPr lang="en-US" altLang="en-US" dirty="0" smtClean="0"/>
+              <a:t>The Intel Pentium FDIV bug</a:t>
+            </a:r>
+          </a:p>
+          <a:p>
+            <a:pPr lvl="1"/>
+            <a:r>
+              <a:rPr lang="en-US" altLang="en-US" dirty="0" smtClean="0"/>
+              <a:t>The market expects accuracy</a:t>
+            </a:r>
+          </a:p>
+          <a:p>
+            <a:pPr lvl="1"/>
+            <a:r>
+              <a:rPr lang="en-US" altLang="en-US" dirty="0" smtClean="0"/>
+              <a:t>See Colwell, </a:t>
+            </a:r>
+            <a:r>
+              <a:rPr lang="en-US" altLang="en-US" i="1" dirty="0" smtClean="0"/>
+              <a:t>The Pentium Chronicles</a:t>
+            </a:r>
+            <a:endParaRPr lang="en-US" altLang="en-US" dirty="0" smtClean="0"/>
+          </a:p>
+          <a:p>
+            <a:endParaRPr lang="ru-RU" dirty="0"/>
+          </a:p>
+        </p:txBody>
+      </p:sp>
+      <p:sp>
+        <p:nvSpPr>
+          <p:cNvPr id="3" name="Номер слайда 2"/>
+          <p:cNvSpPr>
+            <a:spLocks noGrp="1"/>
+          </p:cNvSpPr>
+          <p:nvPr>
+            <p:ph type="sldNum" sz="quarter" idx="12"/>
+          </p:nvPr>
+        </p:nvSpPr>
+        <p:spPr/>
+        <p:txBody>
+          <a:bodyPr/>
+          <a:lstStyle/>
+          <a:p>
+            <a:pPr algn="ctr"/>
+            <a:fld id="{1397BFD8-F312-4EF2-A268-44FB4BDDBBB0}" type="slidenum">
+              <a:rPr lang="ru-RU" smtClean="0"/>
+              <a:pPr algn="ctr"/>
+              <a:t>27</a:t>
+            </a:fld>
+            <a:endParaRPr lang="ru-RU" dirty="0"/>
+          </a:p>
+        </p:txBody>
+      </p:sp>
+      <p:sp>
+        <p:nvSpPr>
+          <p:cNvPr id="4" name="Заголовок 3"/>
+          <p:cNvSpPr>
+            <a:spLocks noGrp="1"/>
+          </p:cNvSpPr>
+          <p:nvPr>
+            <p:ph type="title"/>
+          </p:nvPr>
+        </p:nvSpPr>
+        <p:spPr/>
+        <p:txBody>
+          <a:bodyPr/>
+          <a:lstStyle/>
+          <a:p>
+            <a:r>
+              <a:rPr lang="en-US" altLang="en-US" dirty="0" smtClean="0"/>
+              <a:t>Who Cares About FP Accuracy?</a:t>
+            </a:r>
+            <a:endParaRPr lang="ru-RU" dirty="0"/>
+          </a:p>
+        </p:txBody>
+      </p:sp>
+    </p:spTree>
+  </p:cSld>
+  <p:clrMapOvr>
+    <a:masterClrMapping/>
+  </p:clrMapOvr>
+  <p:timing>
+    <p:tnLst>
+      <p:par>
+        <p:cTn id="1" dur="indefinite" restart="never" nodeType="tmRoot"/>
+      </p:par>
+    </p:tnLst>
+  </p:timing>
+</p:sld>
+</file>
+
+<file path=ppt/slides/slide28.xml><?xml version="1.0" encoding="utf-8"?>
+<p:sld xmlns:a="http://schemas.openxmlformats.org/drawingml/2006/main" xmlns:r="http://schemas.openxmlformats.org/officeDocument/2006/relationships" xmlns:p="http://schemas.openxmlformats.org/presentationml/2006/main">
+  <p:cSld>
+    <p:spTree>
+      <p:nvGrpSpPr>
+        <p:cNvPr id="1" name=""/>
+        <p:cNvGrpSpPr/>
+        <p:nvPr/>
+      </p:nvGrpSpPr>
+      <p:grpSpPr>
+        <a:xfrm>
+          <a:off x="0" y="0"/>
+          <a:ext cx="0" cy="0"/>
+          <a:chOff x="0" y="0"/>
+          <a:chExt cx="0" cy="0"/>
+        </a:xfrm>
+      </p:grpSpPr>
+      <p:sp>
+        <p:nvSpPr>
+          <p:cNvPr id="2" name="Содержимое 1"/>
+          <p:cNvSpPr>
+            <a:spLocks noGrp="1"/>
+          </p:cNvSpPr>
+          <p:nvPr>
+            <p:ph idx="1"/>
+          </p:nvPr>
+        </p:nvSpPr>
+        <p:spPr/>
+        <p:txBody>
+          <a:bodyPr/>
+          <a:lstStyle/>
+          <a:p>
+            <a:r>
+              <a:rPr lang="en-AU" altLang="en-US" dirty="0" smtClean="0"/>
+              <a:t>Bits have no inherent meaning</a:t>
+            </a:r>
+          </a:p>
+          <a:p>
+            <a:pPr lvl="1"/>
+            <a:r>
+              <a:rPr lang="en-AU" altLang="en-US" dirty="0" smtClean="0"/>
+              <a:t>Interpretation depends on the instructions applied</a:t>
+            </a:r>
+          </a:p>
+          <a:p>
+            <a:pPr lvl="1"/>
+            <a:endParaRPr lang="en-AU" altLang="en-US" dirty="0" smtClean="0"/>
+          </a:p>
+          <a:p>
+            <a:r>
+              <a:rPr lang="en-AU" altLang="en-US" dirty="0" smtClean="0"/>
+              <a:t>Computer representations of numbers</a:t>
+            </a:r>
+          </a:p>
+          <a:p>
+            <a:pPr lvl="1"/>
+            <a:r>
+              <a:rPr lang="en-AU" altLang="en-US" dirty="0" smtClean="0"/>
+              <a:t>Finite range and precision</a:t>
+            </a:r>
+          </a:p>
+          <a:p>
+            <a:pPr lvl="1"/>
+            <a:r>
+              <a:rPr lang="en-AU" altLang="en-US" dirty="0" smtClean="0"/>
+              <a:t>Need to account for this in programs</a:t>
+            </a:r>
+          </a:p>
+          <a:p>
+            <a:endParaRPr lang="ru-RU" dirty="0"/>
+          </a:p>
+        </p:txBody>
+      </p:sp>
+      <p:sp>
+        <p:nvSpPr>
+          <p:cNvPr id="3" name="Номер слайда 2"/>
+          <p:cNvSpPr>
+            <a:spLocks noGrp="1"/>
+          </p:cNvSpPr>
+          <p:nvPr>
+            <p:ph type="sldNum" sz="quarter" idx="12"/>
+          </p:nvPr>
+        </p:nvSpPr>
+        <p:spPr/>
+        <p:txBody>
+          <a:bodyPr/>
+          <a:lstStyle/>
+          <a:p>
+            <a:pPr algn="ctr"/>
+            <a:fld id="{1397BFD8-F312-4EF2-A268-44FB4BDDBBB0}" type="slidenum">
+              <a:rPr lang="ru-RU" smtClean="0"/>
+              <a:pPr algn="ctr"/>
+              <a:t>28</a:t>
+            </a:fld>
+            <a:endParaRPr lang="ru-RU" dirty="0"/>
+          </a:p>
+        </p:txBody>
+      </p:sp>
+      <p:sp>
+        <p:nvSpPr>
+          <p:cNvPr id="4" name="Заголовок 3"/>
+          <p:cNvSpPr>
+            <a:spLocks noGrp="1"/>
+          </p:cNvSpPr>
+          <p:nvPr>
+            <p:ph type="title"/>
+          </p:nvPr>
+        </p:nvSpPr>
+        <p:spPr/>
+        <p:txBody>
+          <a:bodyPr/>
+          <a:lstStyle/>
+          <a:p>
+            <a:r>
+              <a:rPr lang="en-US" altLang="en-US" dirty="0" smtClean="0"/>
+              <a:t>Concluding Remarks</a:t>
+            </a:r>
+            <a:endParaRPr lang="ru-RU" dirty="0"/>
+          </a:p>
+        </p:txBody>
+      </p:sp>
+    </p:spTree>
+  </p:cSld>
+  <p:clrMapOvr>
+    <a:masterClrMapping/>
+  </p:clrMapOvr>
+  <p:timing>
+    <p:tnLst>
+      <p:par>
+        <p:cTn id="1" dur="indefinite" restart="never" nodeType="tmRoot"/>
+      </p:par>
+    </p:tnLst>
+  </p:timing>
+</p:sld>
+</file>
+
+<file path=ppt/slides/slide29.xml><?xml version="1.0" encoding="utf-8"?>
+<p:sld xmlns:a="http://schemas.openxmlformats.org/drawingml/2006/main" xmlns:r="http://schemas.openxmlformats.org/officeDocument/2006/relationships" xmlns:p="http://schemas.openxmlformats.org/presentationml/2006/main">
+  <p:cSld>
+    <p:spTree>
+      <p:nvGrpSpPr>
+        <p:cNvPr id="1" name=""/>
+        <p:cNvGrpSpPr/>
+        <p:nvPr/>
+      </p:nvGrpSpPr>
+      <p:grpSpPr>
+        <a:xfrm>
+          <a:off x="0" y="0"/>
+          <a:ext cx="0" cy="0"/>
+          <a:chOff x="0" y="0"/>
+          <a:chExt cx="0" cy="0"/>
+        </a:xfrm>
+      </p:grpSpPr>
+      <p:sp>
+        <p:nvSpPr>
+          <p:cNvPr id="2" name="Содержимое 1"/>
+          <p:cNvSpPr>
+            <a:spLocks noGrp="1"/>
+          </p:cNvSpPr>
+          <p:nvPr>
+            <p:ph idx="1"/>
+          </p:nvPr>
+        </p:nvSpPr>
+        <p:spPr/>
+        <p:txBody>
+          <a:bodyPr/>
+          <a:lstStyle/>
+          <a:p>
+            <a:r>
+              <a:rPr lang="en-US" altLang="en-US" dirty="0" smtClean="0"/>
+              <a:t>ISAs support arithmetic</a:t>
+            </a:r>
+          </a:p>
+          <a:p>
+            <a:pPr lvl="1"/>
+            <a:r>
+              <a:rPr lang="en-US" altLang="en-US" dirty="0" smtClean="0"/>
+              <a:t>Signed and unsigned integers</a:t>
+            </a:r>
+          </a:p>
+          <a:p>
+            <a:pPr lvl="1"/>
+            <a:r>
+              <a:rPr lang="en-US" altLang="en-US" dirty="0" smtClean="0"/>
+              <a:t>Floating-point approximation to </a:t>
+            </a:r>
+            <a:r>
+              <a:rPr lang="en-US" altLang="en-US" dirty="0" err="1" smtClean="0"/>
+              <a:t>reals</a:t>
+            </a:r>
+            <a:endParaRPr lang="en-US" altLang="en-US" dirty="0" smtClean="0"/>
+          </a:p>
+          <a:p>
+            <a:pPr lvl="1"/>
+            <a:endParaRPr lang="en-US" altLang="en-US" dirty="0" smtClean="0"/>
+          </a:p>
+          <a:p>
+            <a:r>
+              <a:rPr lang="en-US" altLang="en-US" dirty="0" smtClean="0"/>
+              <a:t>Bounded range and precision</a:t>
+            </a:r>
+          </a:p>
+          <a:p>
+            <a:pPr lvl="1"/>
+            <a:r>
+              <a:rPr lang="en-US" altLang="en-US" dirty="0" smtClean="0"/>
+              <a:t>Operations can overflow and underflow</a:t>
+            </a:r>
+          </a:p>
+          <a:p>
+            <a:endParaRPr lang="ru-RU" dirty="0"/>
+          </a:p>
+        </p:txBody>
+      </p:sp>
+      <p:sp>
+        <p:nvSpPr>
+          <p:cNvPr id="3" name="Номер слайда 2"/>
+          <p:cNvSpPr>
+            <a:spLocks noGrp="1"/>
+          </p:cNvSpPr>
+          <p:nvPr>
+            <p:ph type="sldNum" sz="quarter" idx="12"/>
+          </p:nvPr>
+        </p:nvSpPr>
+        <p:spPr/>
+        <p:txBody>
+          <a:bodyPr/>
+          <a:lstStyle/>
+          <a:p>
+            <a:pPr algn="ctr"/>
+            <a:fld id="{1397BFD8-F312-4EF2-A268-44FB4BDDBBB0}" type="slidenum">
+              <a:rPr lang="ru-RU" smtClean="0"/>
+              <a:pPr algn="ctr"/>
+              <a:t>29</a:t>
+            </a:fld>
+            <a:endParaRPr lang="ru-RU" dirty="0"/>
+          </a:p>
+        </p:txBody>
+      </p:sp>
+      <p:sp>
+        <p:nvSpPr>
+          <p:cNvPr id="4" name="Заголовок 3"/>
+          <p:cNvSpPr>
+            <a:spLocks noGrp="1"/>
+          </p:cNvSpPr>
+          <p:nvPr>
+            <p:ph type="title"/>
+          </p:nvPr>
+        </p:nvSpPr>
+        <p:spPr/>
+        <p:txBody>
+          <a:bodyPr/>
+          <a:lstStyle/>
+          <a:p>
+            <a:r>
+              <a:rPr lang="en-US" altLang="en-US" dirty="0" smtClean="0"/>
+              <a:t>Concluding Remarks</a:t>
+            </a:r>
+            <a:endParaRPr lang="ru-RU" dirty="0"/>
+          </a:p>
+        </p:txBody>
+      </p:sp>
+    </p:spTree>
   </p:cSld>
   <p:clrMapOvr>
     <a:masterClrMapping/>
@@ -9099,6 +12433,587 @@
 </p:sld>
 </file>
 
+<file path=ppt/slides/slide30.xml><?xml version="1.0" encoding="utf-8"?>
+<p:sld xmlns:a="http://schemas.openxmlformats.org/drawingml/2006/main" xmlns:r="http://schemas.openxmlformats.org/officeDocument/2006/relationships" xmlns:p="http://schemas.openxmlformats.org/presentationml/2006/main">
+  <p:cSld>
+    <p:spTree>
+      <p:nvGrpSpPr>
+        <p:cNvPr id="1" name=""/>
+        <p:cNvGrpSpPr/>
+        <p:nvPr/>
+      </p:nvGrpSpPr>
+      <p:grpSpPr>
+        <a:xfrm>
+          <a:off x="0" y="0"/>
+          <a:ext cx="0" cy="0"/>
+          <a:chOff x="0" y="0"/>
+          <a:chExt cx="0" cy="0"/>
+        </a:xfrm>
+      </p:grpSpPr>
+      <p:sp>
+        <p:nvSpPr>
+          <p:cNvPr id="4" name="Прямоугольник 3"/>
+          <p:cNvSpPr/>
+          <p:nvPr/>
+        </p:nvSpPr>
+        <p:spPr>
+          <a:xfrm>
+            <a:off x="2664999" y="472120"/>
+            <a:ext cx="7524751" cy="5262979"/>
+          </a:xfrm>
+          <a:prstGeom prst="rect">
+            <a:avLst/>
+          </a:prstGeom>
+          <a:noFill/>
+          <a:ln>
+            <a:noFill/>
+          </a:ln>
+          <a:scene3d>
+            <a:camera prst="perspectiveRelaxed"/>
+            <a:lightRig rig="threePt" dir="t"/>
+          </a:scene3d>
+        </p:spPr>
+        <p:txBody>
+          <a:bodyPr wrap="square" lIns="91440" tIns="45720" rIns="91440" bIns="45720">
+            <a:spAutoFit/>
+          </a:bodyPr>
+          <a:lstStyle/>
+          <a:p>
+            <a:r>
+              <a:rPr lang="en-US" sz="2400" dirty="0" smtClean="0">
+                <a:ln w="0"/>
+                <a:solidFill>
+                  <a:srgbClr val="273272"/>
+                </a:solidFill>
+                <a:effectLst>
+                  <a:reflection blurRad="6350" stA="53000" endA="300" endPos="35500" dir="5400000" sy="-90000" algn="bl" rotWithShape="0"/>
+                </a:effectLst>
+                <a:latin typeface="Courier New" pitchFamily="49" charset="0"/>
+                <a:cs typeface="Courier New" pitchFamily="49" charset="0"/>
+              </a:rPr>
+              <a:t>		</a:t>
+            </a:r>
+          </a:p>
+          <a:p>
+            <a:r>
+              <a:rPr lang="en-US" sz="2400" dirty="0" smtClean="0">
+                <a:ln w="0"/>
+                <a:solidFill>
+                  <a:srgbClr val="273272"/>
+                </a:solidFill>
+                <a:effectLst>
+                  <a:reflection blurRad="6350" stA="53000" endA="300" endPos="35500" dir="5400000" sy="-90000" algn="bl" rotWithShape="0"/>
+                </a:effectLst>
+                <a:latin typeface="Courier New" pitchFamily="49" charset="0"/>
+                <a:cs typeface="Courier New" pitchFamily="49" charset="0"/>
+              </a:rPr>
+              <a:t>		.text</a:t>
+            </a:r>
+          </a:p>
+          <a:p>
+            <a:r>
+              <a:rPr lang="en-US" sz="2400" dirty="0" smtClean="0">
+                <a:ln w="0"/>
+                <a:solidFill>
+                  <a:srgbClr val="273272"/>
+                </a:solidFill>
+                <a:effectLst>
+                  <a:reflection blurRad="6350" stA="53000" endA="300" endPos="35500" dir="5400000" sy="-90000" algn="bl" rotWithShape="0"/>
+                </a:effectLst>
+                <a:latin typeface="Courier New" pitchFamily="49" charset="0"/>
+                <a:cs typeface="Courier New" pitchFamily="49" charset="0"/>
+              </a:rPr>
+              <a:t>__start:	</a:t>
+            </a:r>
+            <a:r>
+              <a:rPr lang="en-US" sz="2400" dirty="0" err="1" smtClean="0">
+                <a:ln w="0"/>
+                <a:solidFill>
+                  <a:srgbClr val="273272"/>
+                </a:solidFill>
+                <a:effectLst>
+                  <a:reflection blurRad="6350" stA="53000" endA="300" endPos="35500" dir="5400000" sy="-90000" algn="bl" rotWithShape="0"/>
+                </a:effectLst>
+                <a:latin typeface="Courier New" pitchFamily="49" charset="0"/>
+                <a:cs typeface="Courier New" pitchFamily="49" charset="0"/>
+              </a:rPr>
+              <a:t>addi</a:t>
+            </a:r>
+            <a:r>
+              <a:rPr lang="en-US" sz="2400" dirty="0" smtClean="0">
+                <a:ln w="0"/>
+                <a:solidFill>
+                  <a:srgbClr val="273272"/>
+                </a:solidFill>
+                <a:effectLst>
+                  <a:reflection blurRad="6350" stA="53000" endA="300" endPos="35500" dir="5400000" sy="-90000" algn="bl" rotWithShape="0"/>
+                </a:effectLst>
+                <a:latin typeface="Courier New" pitchFamily="49" charset="0"/>
+                <a:cs typeface="Courier New" pitchFamily="49" charset="0"/>
+              </a:rPr>
+              <a:t> t1, zero, 0x18</a:t>
+            </a:r>
+          </a:p>
+          <a:p>
+            <a:r>
+              <a:rPr lang="en-US" sz="2400" dirty="0" smtClean="0">
+                <a:ln w="0"/>
+                <a:solidFill>
+                  <a:srgbClr val="273272"/>
+                </a:solidFill>
+                <a:effectLst>
+                  <a:reflection blurRad="6350" stA="53000" endA="300" endPos="35500" dir="5400000" sy="-90000" algn="bl" rotWithShape="0"/>
+                </a:effectLst>
+                <a:latin typeface="Courier New" pitchFamily="49" charset="0"/>
+                <a:cs typeface="Courier New" pitchFamily="49" charset="0"/>
+              </a:rPr>
+              <a:t>		</a:t>
+            </a:r>
+            <a:r>
+              <a:rPr lang="en-US" sz="2400" dirty="0" err="1" smtClean="0">
+                <a:ln w="0"/>
+                <a:solidFill>
+                  <a:srgbClr val="273272"/>
+                </a:solidFill>
+                <a:effectLst>
+                  <a:reflection blurRad="6350" stA="53000" endA="300" endPos="35500" dir="5400000" sy="-90000" algn="bl" rotWithShape="0"/>
+                </a:effectLst>
+                <a:latin typeface="Courier New" pitchFamily="49" charset="0"/>
+                <a:cs typeface="Courier New" pitchFamily="49" charset="0"/>
+              </a:rPr>
+              <a:t>addi</a:t>
+            </a:r>
+            <a:r>
+              <a:rPr lang="en-US" sz="2400" dirty="0" smtClean="0">
+                <a:ln w="0"/>
+                <a:solidFill>
+                  <a:srgbClr val="273272"/>
+                </a:solidFill>
+                <a:effectLst>
+                  <a:reflection blurRad="6350" stA="53000" endA="300" endPos="35500" dir="5400000" sy="-90000" algn="bl" rotWithShape="0"/>
+                </a:effectLst>
+                <a:latin typeface="Courier New" pitchFamily="49" charset="0"/>
+                <a:cs typeface="Courier New" pitchFamily="49" charset="0"/>
+              </a:rPr>
+              <a:t> t2, zero, 0x21</a:t>
+            </a:r>
+          </a:p>
+          <a:p>
+            <a:r>
+              <a:rPr lang="en-US" sz="2400" dirty="0" smtClean="0">
+                <a:ln w="0"/>
+                <a:solidFill>
+                  <a:srgbClr val="273272"/>
+                </a:solidFill>
+                <a:effectLst>
+                  <a:reflection blurRad="6350" stA="53000" endA="300" endPos="35500" dir="5400000" sy="-90000" algn="bl" rotWithShape="0"/>
+                </a:effectLst>
+                <a:latin typeface="Courier New" pitchFamily="49" charset="0"/>
+                <a:cs typeface="Courier New" pitchFamily="49" charset="0"/>
+              </a:rPr>
+              <a:t>cycle:	</a:t>
+            </a:r>
+            <a:r>
+              <a:rPr lang="en-US" sz="2400" dirty="0" err="1" smtClean="0">
+                <a:ln w="0"/>
+                <a:solidFill>
+                  <a:srgbClr val="273272"/>
+                </a:solidFill>
+                <a:effectLst>
+                  <a:reflection blurRad="6350" stA="53000" endA="300" endPos="35500" dir="5400000" sy="-90000" algn="bl" rotWithShape="0"/>
+                </a:effectLst>
+                <a:latin typeface="Courier New" pitchFamily="49" charset="0"/>
+                <a:cs typeface="Courier New" pitchFamily="49" charset="0"/>
+              </a:rPr>
+              <a:t>beq</a:t>
+            </a:r>
+            <a:r>
+              <a:rPr lang="en-US" sz="2400" dirty="0" smtClean="0">
+                <a:ln w="0"/>
+                <a:solidFill>
+                  <a:srgbClr val="273272"/>
+                </a:solidFill>
+                <a:effectLst>
+                  <a:reflection blurRad="6350" stA="53000" endA="300" endPos="35500" dir="5400000" sy="-90000" algn="bl" rotWithShape="0"/>
+                </a:effectLst>
+                <a:latin typeface="Courier New" pitchFamily="49" charset="0"/>
+                <a:cs typeface="Courier New" pitchFamily="49" charset="0"/>
+              </a:rPr>
+              <a:t> t1, t2, done</a:t>
+            </a:r>
+          </a:p>
+          <a:p>
+            <a:r>
+              <a:rPr lang="en-US" sz="2400" dirty="0" smtClean="0">
+                <a:ln w="0"/>
+                <a:solidFill>
+                  <a:srgbClr val="273272"/>
+                </a:solidFill>
+                <a:effectLst>
+                  <a:reflection blurRad="6350" stA="53000" endA="300" endPos="35500" dir="5400000" sy="-90000" algn="bl" rotWithShape="0"/>
+                </a:effectLst>
+                <a:latin typeface="Courier New" pitchFamily="49" charset="0"/>
+                <a:cs typeface="Courier New" pitchFamily="49" charset="0"/>
+              </a:rPr>
+              <a:t>		</a:t>
+            </a:r>
+            <a:r>
+              <a:rPr lang="en-US" sz="2400" dirty="0" err="1" smtClean="0">
+                <a:ln w="0"/>
+                <a:solidFill>
+                  <a:srgbClr val="273272"/>
+                </a:solidFill>
+                <a:effectLst>
+                  <a:reflection blurRad="6350" stA="53000" endA="300" endPos="35500" dir="5400000" sy="-90000" algn="bl" rotWithShape="0"/>
+                </a:effectLst>
+                <a:latin typeface="Courier New" pitchFamily="49" charset="0"/>
+                <a:cs typeface="Courier New" pitchFamily="49" charset="0"/>
+              </a:rPr>
+              <a:t>slt</a:t>
+            </a:r>
+            <a:r>
+              <a:rPr lang="en-US" sz="2400" dirty="0" smtClean="0">
+                <a:ln w="0"/>
+                <a:solidFill>
+                  <a:srgbClr val="273272"/>
+                </a:solidFill>
+                <a:effectLst>
+                  <a:reflection blurRad="6350" stA="53000" endA="300" endPos="35500" dir="5400000" sy="-90000" algn="bl" rotWithShape="0"/>
+                </a:effectLst>
+                <a:latin typeface="Courier New" pitchFamily="49" charset="0"/>
+                <a:cs typeface="Courier New" pitchFamily="49" charset="0"/>
+              </a:rPr>
+              <a:t> t0, t1, t2</a:t>
+            </a:r>
+          </a:p>
+          <a:p>
+            <a:r>
+              <a:rPr lang="en-US" sz="2400" dirty="0" smtClean="0">
+                <a:ln w="0"/>
+                <a:solidFill>
+                  <a:srgbClr val="273272"/>
+                </a:solidFill>
+                <a:effectLst>
+                  <a:reflection blurRad="6350" stA="53000" endA="300" endPos="35500" dir="5400000" sy="-90000" algn="bl" rotWithShape="0"/>
+                </a:effectLst>
+                <a:latin typeface="Courier New" pitchFamily="49" charset="0"/>
+                <a:cs typeface="Courier New" pitchFamily="49" charset="0"/>
+              </a:rPr>
+              <a:t>		</a:t>
+            </a:r>
+            <a:r>
+              <a:rPr lang="en-US" sz="2400" dirty="0" err="1" smtClean="0">
+                <a:ln w="0"/>
+                <a:solidFill>
+                  <a:srgbClr val="273272"/>
+                </a:solidFill>
+                <a:effectLst>
+                  <a:reflection blurRad="6350" stA="53000" endA="300" endPos="35500" dir="5400000" sy="-90000" algn="bl" rotWithShape="0"/>
+                </a:effectLst>
+                <a:latin typeface="Courier New" pitchFamily="49" charset="0"/>
+                <a:cs typeface="Courier New" pitchFamily="49" charset="0"/>
+              </a:rPr>
+              <a:t>bne</a:t>
+            </a:r>
+            <a:r>
+              <a:rPr lang="en-US" sz="2400" dirty="0" smtClean="0">
+                <a:ln w="0"/>
+                <a:solidFill>
+                  <a:srgbClr val="273272"/>
+                </a:solidFill>
+                <a:effectLst>
+                  <a:reflection blurRad="6350" stA="53000" endA="300" endPos="35500" dir="5400000" sy="-90000" algn="bl" rotWithShape="0"/>
+                </a:effectLst>
+                <a:latin typeface="Courier New" pitchFamily="49" charset="0"/>
+                <a:cs typeface="Courier New" pitchFamily="49" charset="0"/>
+              </a:rPr>
+              <a:t> t0, zero, </a:t>
+            </a:r>
+            <a:r>
+              <a:rPr lang="en-US" sz="2400" dirty="0" err="1" smtClean="0">
+                <a:ln w="0"/>
+                <a:solidFill>
+                  <a:srgbClr val="273272"/>
+                </a:solidFill>
+                <a:effectLst>
+                  <a:reflection blurRad="6350" stA="53000" endA="300" endPos="35500" dir="5400000" sy="-90000" algn="bl" rotWithShape="0"/>
+                </a:effectLst>
+                <a:latin typeface="Courier New" pitchFamily="49" charset="0"/>
+                <a:cs typeface="Courier New" pitchFamily="49" charset="0"/>
+              </a:rPr>
+              <a:t>if_less</a:t>
+            </a:r>
+            <a:endParaRPr lang="en-US" sz="2400" dirty="0" smtClean="0">
+              <a:ln w="0"/>
+              <a:solidFill>
+                <a:srgbClr val="273272"/>
+              </a:solidFill>
+              <a:effectLst>
+                <a:reflection blurRad="6350" stA="53000" endA="300" endPos="35500" dir="5400000" sy="-90000" algn="bl" rotWithShape="0"/>
+              </a:effectLst>
+              <a:latin typeface="Courier New" pitchFamily="49" charset="0"/>
+              <a:cs typeface="Courier New" pitchFamily="49" charset="0"/>
+            </a:endParaRPr>
+          </a:p>
+          <a:p>
+            <a:r>
+              <a:rPr lang="en-US" sz="2400" dirty="0" smtClean="0">
+                <a:ln w="0"/>
+                <a:solidFill>
+                  <a:srgbClr val="273272"/>
+                </a:solidFill>
+                <a:effectLst>
+                  <a:reflection blurRad="6350" stA="53000" endA="300" endPos="35500" dir="5400000" sy="-90000" algn="bl" rotWithShape="0"/>
+                </a:effectLst>
+                <a:latin typeface="Courier New" pitchFamily="49" charset="0"/>
+                <a:cs typeface="Courier New" pitchFamily="49" charset="0"/>
+              </a:rPr>
+              <a:t>		</a:t>
+            </a:r>
+            <a:r>
+              <a:rPr lang="en-US" sz="2400" dirty="0" err="1" smtClean="0">
+                <a:ln w="0"/>
+                <a:solidFill>
+                  <a:srgbClr val="273272"/>
+                </a:solidFill>
+                <a:effectLst>
+                  <a:reflection blurRad="6350" stA="53000" endA="300" endPos="35500" dir="5400000" sy="-90000" algn="bl" rotWithShape="0"/>
+                </a:effectLst>
+                <a:latin typeface="Courier New" pitchFamily="49" charset="0"/>
+                <a:cs typeface="Courier New" pitchFamily="49" charset="0"/>
+              </a:rPr>
+              <a:t>nop</a:t>
+            </a:r>
+            <a:endParaRPr lang="en-US" sz="2400" dirty="0" smtClean="0">
+              <a:ln w="0"/>
+              <a:solidFill>
+                <a:srgbClr val="273272"/>
+              </a:solidFill>
+              <a:effectLst>
+                <a:reflection blurRad="6350" stA="53000" endA="300" endPos="35500" dir="5400000" sy="-90000" algn="bl" rotWithShape="0"/>
+              </a:effectLst>
+              <a:latin typeface="Courier New" pitchFamily="49" charset="0"/>
+              <a:cs typeface="Courier New" pitchFamily="49" charset="0"/>
+            </a:endParaRPr>
+          </a:p>
+          <a:p>
+            <a:r>
+              <a:rPr lang="en-US" sz="2400" dirty="0" smtClean="0">
+                <a:ln w="0"/>
+                <a:solidFill>
+                  <a:srgbClr val="273272"/>
+                </a:solidFill>
+                <a:effectLst>
+                  <a:reflection blurRad="6350" stA="53000" endA="300" endPos="35500" dir="5400000" sy="-90000" algn="bl" rotWithShape="0"/>
+                </a:effectLst>
+                <a:latin typeface="Courier New" pitchFamily="49" charset="0"/>
+                <a:cs typeface="Courier New" pitchFamily="49" charset="0"/>
+              </a:rPr>
+              <a:t>		sub t1, t1, t2</a:t>
+            </a:r>
+          </a:p>
+          <a:p>
+            <a:r>
+              <a:rPr lang="en-US" sz="2400" dirty="0" smtClean="0">
+                <a:ln w="0"/>
+                <a:solidFill>
+                  <a:srgbClr val="273272"/>
+                </a:solidFill>
+                <a:effectLst>
+                  <a:reflection blurRad="6350" stA="53000" endA="300" endPos="35500" dir="5400000" sy="-90000" algn="bl" rotWithShape="0"/>
+                </a:effectLst>
+                <a:latin typeface="Courier New" pitchFamily="49" charset="0"/>
+                <a:cs typeface="Courier New" pitchFamily="49" charset="0"/>
+              </a:rPr>
+              <a:t>		j cycle</a:t>
+            </a:r>
+          </a:p>
+          <a:p>
+            <a:r>
+              <a:rPr lang="en-US" sz="2400" dirty="0" smtClean="0">
+                <a:ln w="0"/>
+                <a:solidFill>
+                  <a:srgbClr val="273272"/>
+                </a:solidFill>
+                <a:effectLst>
+                  <a:reflection blurRad="6350" stA="53000" endA="300" endPos="35500" dir="5400000" sy="-90000" algn="bl" rotWithShape="0"/>
+                </a:effectLst>
+                <a:latin typeface="Courier New" pitchFamily="49" charset="0"/>
+                <a:cs typeface="Courier New" pitchFamily="49" charset="0"/>
+              </a:rPr>
+              <a:t>		</a:t>
+            </a:r>
+            <a:r>
+              <a:rPr lang="en-US" sz="2400" dirty="0" err="1" smtClean="0">
+                <a:ln w="0"/>
+                <a:solidFill>
+                  <a:srgbClr val="273272"/>
+                </a:solidFill>
+                <a:effectLst>
+                  <a:reflection blurRad="6350" stA="53000" endA="300" endPos="35500" dir="5400000" sy="-90000" algn="bl" rotWithShape="0"/>
+                </a:effectLst>
+                <a:latin typeface="Courier New" pitchFamily="49" charset="0"/>
+                <a:cs typeface="Courier New" pitchFamily="49" charset="0"/>
+              </a:rPr>
+              <a:t>nop</a:t>
+            </a:r>
+            <a:endParaRPr lang="en-US" sz="2400" dirty="0" smtClean="0">
+              <a:ln w="0"/>
+              <a:solidFill>
+                <a:srgbClr val="273272"/>
+              </a:solidFill>
+              <a:effectLst>
+                <a:reflection blurRad="6350" stA="53000" endA="300" endPos="35500" dir="5400000" sy="-90000" algn="bl" rotWithShape="0"/>
+              </a:effectLst>
+              <a:latin typeface="Courier New" pitchFamily="49" charset="0"/>
+              <a:cs typeface="Courier New" pitchFamily="49" charset="0"/>
+            </a:endParaRPr>
+          </a:p>
+          <a:p>
+            <a:r>
+              <a:rPr lang="en-US" sz="2400" dirty="0" err="1" smtClean="0">
+                <a:ln w="0"/>
+                <a:solidFill>
+                  <a:srgbClr val="273272"/>
+                </a:solidFill>
+                <a:effectLst>
+                  <a:reflection blurRad="6350" stA="53000" endA="300" endPos="35500" dir="5400000" sy="-90000" algn="bl" rotWithShape="0"/>
+                </a:effectLst>
+                <a:latin typeface="Courier New" pitchFamily="49" charset="0"/>
+                <a:cs typeface="Courier New" pitchFamily="49" charset="0"/>
+              </a:rPr>
+              <a:t>if_less</a:t>
+            </a:r>
+            <a:r>
+              <a:rPr lang="en-US" sz="2400" dirty="0" smtClean="0">
+                <a:ln w="0"/>
+                <a:solidFill>
+                  <a:srgbClr val="273272"/>
+                </a:solidFill>
+                <a:effectLst>
+                  <a:reflection blurRad="6350" stA="53000" endA="300" endPos="35500" dir="5400000" sy="-90000" algn="bl" rotWithShape="0"/>
+                </a:effectLst>
+                <a:latin typeface="Courier New" pitchFamily="49" charset="0"/>
+                <a:cs typeface="Courier New" pitchFamily="49" charset="0"/>
+              </a:rPr>
+              <a:t>:	sub t2, t2, t1</a:t>
+            </a:r>
+          </a:p>
+          <a:p>
+            <a:r>
+              <a:rPr lang="en-US" sz="2400" dirty="0" smtClean="0">
+                <a:ln w="0"/>
+                <a:solidFill>
+                  <a:srgbClr val="273272"/>
+                </a:solidFill>
+                <a:effectLst>
+                  <a:reflection blurRad="6350" stA="53000" endA="300" endPos="35500" dir="5400000" sy="-90000" algn="bl" rotWithShape="0"/>
+                </a:effectLst>
+                <a:latin typeface="Courier New" pitchFamily="49" charset="0"/>
+                <a:cs typeface="Courier New" pitchFamily="49" charset="0"/>
+              </a:rPr>
+              <a:t>		j cycle</a:t>
+            </a:r>
+          </a:p>
+          <a:p>
+            <a:r>
+              <a:rPr lang="en-US" sz="2400" dirty="0" smtClean="0">
+                <a:ln w="0"/>
+                <a:solidFill>
+                  <a:srgbClr val="273272"/>
+                </a:solidFill>
+                <a:effectLst>
+                  <a:reflection blurRad="6350" stA="53000" endA="300" endPos="35500" dir="5400000" sy="-90000" algn="bl" rotWithShape="0"/>
+                </a:effectLst>
+                <a:latin typeface="Courier New" pitchFamily="49" charset="0"/>
+                <a:cs typeface="Courier New" pitchFamily="49" charset="0"/>
+              </a:rPr>
+              <a:t>done:		add t3, t1, zero</a:t>
+            </a:r>
+            <a:endParaRPr lang="ru-RU" sz="2400" b="0" cap="none" spc="0" dirty="0">
+              <a:ln w="0"/>
+              <a:solidFill>
+                <a:srgbClr val="273272"/>
+              </a:solidFill>
+              <a:effectLst>
+                <a:reflection blurRad="6350" stA="53000" endA="300" endPos="35500" dir="5400000" sy="-90000" algn="bl" rotWithShape="0"/>
+              </a:effectLst>
+              <a:latin typeface="Courier New" pitchFamily="49" charset="0"/>
+              <a:cs typeface="Courier New" pitchFamily="49" charset="0"/>
+            </a:endParaRPr>
+          </a:p>
+        </p:txBody>
+      </p:sp>
+      <p:sp>
+        <p:nvSpPr>
+          <p:cNvPr id="2" name="Заголовок 1"/>
+          <p:cNvSpPr>
+            <a:spLocks noGrp="1"/>
+          </p:cNvSpPr>
+          <p:nvPr>
+            <p:ph type="title"/>
+          </p:nvPr>
+        </p:nvSpPr>
+        <p:spPr/>
+        <p:txBody>
+          <a:bodyPr>
+            <a:normAutofit/>
+          </a:bodyPr>
+          <a:lstStyle/>
+          <a:p>
+            <a:r>
+              <a:rPr lang="en-US" dirty="0" smtClean="0"/>
+              <a:t>Any Questions?</a:t>
+            </a:r>
+            <a:endParaRPr lang="ru-RU" sz="4000" dirty="0"/>
+          </a:p>
+        </p:txBody>
+      </p:sp>
+      <p:sp>
+        <p:nvSpPr>
+          <p:cNvPr id="6" name="Номер слайда 5"/>
+          <p:cNvSpPr>
+            <a:spLocks noGrp="1"/>
+          </p:cNvSpPr>
+          <p:nvPr>
+            <p:ph type="sldNum" sz="quarter" idx="12"/>
+          </p:nvPr>
+        </p:nvSpPr>
+        <p:spPr/>
+        <p:txBody>
+          <a:bodyPr/>
+          <a:lstStyle/>
+          <a:p>
+            <a:pPr algn="ctr"/>
+            <a:fld id="{1397BFD8-F312-4EF2-A268-44FB4BDDBBB0}" type="slidenum">
+              <a:rPr lang="ru-RU" smtClean="0"/>
+              <a:pPr algn="ctr"/>
+              <a:t>30</a:t>
+            </a:fld>
+            <a:endParaRPr lang="ru-RU" dirty="0"/>
+          </a:p>
+        </p:txBody>
+      </p:sp>
+    </p:spTree>
+    <p:extLst>
+      <p:ext uri="{BB962C8B-B14F-4D97-AF65-F5344CB8AC3E}">
+        <p14:creationId xmlns="" xmlns:p14="http://schemas.microsoft.com/office/powerpoint/2010/main" val="4217875043"/>
+      </p:ext>
+    </p:extLst>
+  </p:cSld>
+  <p:clrMapOvr>
+    <a:masterClrMapping/>
+  </p:clrMapOvr>
+  <p:timing>
+    <p:tnLst>
+      <p:par>
+        <p:cTn id="1" dur="indefinite" restart="never" nodeType="tmRoot"/>
+      </p:par>
+    </p:tnLst>
+  </p:timing>
+</p:sld>
+</file>
+
 <file path=ppt/slides/slide4.xml><?xml version="1.0" encoding="utf-8"?>
 <p:sld xmlns:a="http://schemas.openxmlformats.org/drawingml/2006/main" xmlns:r="http://schemas.openxmlformats.org/officeDocument/2006/relationships" xmlns:p="http://schemas.openxmlformats.org/presentationml/2006/main">
   <p:cSld>
@@ -9174,8 +13089,8 @@
         </p:nvSpPr>
         <p:spPr>
           <a:xfrm>
-            <a:off x="826713" y="3181588"/>
-            <a:ext cx="10537969" cy="2969830"/>
+            <a:off x="814838" y="3074710"/>
+            <a:ext cx="10537969" cy="3219212"/>
           </a:xfrm>
           <a:prstGeom prst="rect">
             <a:avLst/>
@@ -9183,16 +13098,13 @@
         </p:spPr>
         <p:txBody>
           <a:bodyPr vert="horz" lIns="91440" tIns="45720" rIns="91440" bIns="45720" rtlCol="0">
-            <a:normAutofit/>
+            <a:noAutofit/>
           </a:bodyPr>
           <a:lstStyle/>
           <a:p>
             <a:pPr marL="228600" marR="0" lvl="0" indent="-228600" algn="l" defTabSz="914400" rtl="0" eaLnBrk="1" fontAlgn="auto" latinLnBrk="0" hangingPunct="1">
-              <a:lnSpc>
-                <a:spcPct val="80000"/>
-              </a:lnSpc>
               <a:spcBef>
-                <a:spcPts val="1000"/>
+                <a:spcPts val="600"/>
               </a:spcBef>
               <a:spcAft>
                 <a:spcPts val="0"/>
@@ -9205,7 +13117,7 @@
               <a:defRPr/>
             </a:pPr>
             <a:r>
-              <a:rPr kumimoji="0" lang="en-US" altLang="en-US" sz="3200" b="1" i="0" u="none" strike="noStrike" kern="1200" cap="none" spc="0" normalizeH="0" baseline="0" noProof="0" dirty="0" smtClean="0">
+              <a:rPr kumimoji="0" lang="en-US" altLang="en-US" sz="2800" b="1" i="0" u="none" strike="noStrike" kern="1200" cap="none" spc="0" normalizeH="0" baseline="0" noProof="0" dirty="0" smtClean="0">
                 <a:ln>
                   <a:noFill/>
                 </a:ln>
@@ -9222,7 +13134,7 @@
               <a:t>S</a:t>
             </a:r>
             <a:r>
-              <a:rPr kumimoji="0" lang="en-US" altLang="en-US" sz="3200" b="0" i="0" u="none" strike="noStrike" kern="1200" cap="none" spc="0" normalizeH="0" baseline="0" noProof="0" dirty="0" smtClean="0">
+              <a:rPr kumimoji="0" lang="en-US" altLang="en-US" sz="2800" b="0" i="0" u="none" strike="noStrike" kern="1200" cap="none" spc="0" normalizeH="0" baseline="0" noProof="0" dirty="0" smtClean="0">
                 <a:ln>
                   <a:noFill/>
                 </a:ln>
@@ -9239,7 +13151,7 @@
               <a:t>: sign bit (0 </a:t>
             </a:r>
             <a:r>
-              <a:rPr kumimoji="0" lang="en-US" altLang="en-US" sz="3200" b="0" i="0" u="none" strike="noStrike" kern="1200" cap="none" spc="0" normalizeH="0" baseline="0" noProof="0" dirty="0" smtClean="0">
+              <a:rPr kumimoji="0" lang="en-US" altLang="en-US" sz="2800" b="0" i="0" u="none" strike="noStrike" kern="1200" cap="none" spc="0" normalizeH="0" baseline="0" noProof="0" dirty="0" smtClean="0">
                 <a:ln>
                   <a:noFill/>
                 </a:ln>
@@ -9259,11 +13171,8 @@
           </a:p>
           <a:p>
             <a:pPr marL="228600" marR="0" lvl="0" indent="-228600" algn="l" defTabSz="914400" rtl="0" eaLnBrk="1" fontAlgn="auto" latinLnBrk="0" hangingPunct="1">
-              <a:lnSpc>
-                <a:spcPct val="80000"/>
-              </a:lnSpc>
               <a:spcBef>
-                <a:spcPts val="1000"/>
+                <a:spcPts val="600"/>
               </a:spcBef>
               <a:spcAft>
                 <a:spcPts val="0"/>
@@ -9276,7 +13185,7 @@
               <a:defRPr/>
             </a:pPr>
             <a:r>
-              <a:rPr kumimoji="0" lang="en-US" altLang="en-US" sz="3200" b="0" i="0" u="none" strike="noStrike" kern="1200" cap="none" spc="0" normalizeH="0" baseline="0" noProof="0" dirty="0" smtClean="0">
+              <a:rPr kumimoji="0" lang="en-US" altLang="en-US" sz="2800" b="0" i="0" u="none" strike="noStrike" kern="1200" cap="none" spc="0" normalizeH="0" baseline="0" noProof="0" dirty="0" smtClean="0">
                 <a:ln>
                   <a:noFill/>
                 </a:ln>
@@ -9294,7 +13203,7 @@
               <a:t>Normalized </a:t>
             </a:r>
             <a:r>
-              <a:rPr kumimoji="0" lang="en-US" altLang="en-US" sz="3200" b="1" i="0" u="none" strike="noStrike" kern="1200" cap="none" spc="0" normalizeH="0" baseline="0" noProof="0" dirty="0" err="1" smtClean="0">
+              <a:rPr kumimoji="0" lang="en-US" altLang="en-US" sz="2800" b="1" i="0" u="none" strike="noStrike" kern="1200" cap="none" spc="0" normalizeH="0" baseline="0" noProof="0" dirty="0" err="1" smtClean="0">
                 <a:ln>
                   <a:noFill/>
                 </a:ln>
@@ -9312,7 +13221,7 @@
               <a:t>significand</a:t>
             </a:r>
             <a:r>
-              <a:rPr kumimoji="0" lang="en-US" altLang="en-US" sz="3200" b="0" i="0" u="none" strike="noStrike" kern="1200" cap="none" spc="0" normalizeH="0" baseline="0" noProof="0" dirty="0" smtClean="0">
+              <a:rPr kumimoji="0" lang="en-US" altLang="en-US" sz="2800" b="0" i="0" u="none" strike="noStrike" kern="1200" cap="none" spc="0" normalizeH="0" baseline="0" noProof="0" dirty="0" smtClean="0">
                 <a:ln>
                   <a:noFill/>
                 </a:ln>
@@ -9330,7 +13239,7 @@
               <a:t>: 1.0 ≤ |</a:t>
             </a:r>
             <a:r>
-              <a:rPr kumimoji="0" lang="en-US" altLang="en-US" sz="3200" b="0" i="0" u="none" strike="noStrike" kern="1200" cap="none" spc="0" normalizeH="0" baseline="0" noProof="0" dirty="0" err="1" smtClean="0">
+              <a:rPr kumimoji="0" lang="en-US" altLang="en-US" sz="2800" b="0" i="0" u="none" strike="noStrike" kern="1200" cap="none" spc="0" normalizeH="0" baseline="0" noProof="0" dirty="0" err="1" smtClean="0">
                 <a:ln>
                   <a:noFill/>
                 </a:ln>
@@ -9348,7 +13257,7 @@
               <a:t>significand</a:t>
             </a:r>
             <a:r>
-              <a:rPr kumimoji="0" lang="en-US" altLang="en-US" sz="3200" b="0" i="0" u="none" strike="noStrike" kern="1200" cap="none" spc="0" normalizeH="0" baseline="0" noProof="0" dirty="0" smtClean="0">
+              <a:rPr kumimoji="0" lang="en-US" altLang="en-US" sz="2800" b="0" i="0" u="none" strike="noStrike" kern="1200" cap="none" spc="0" normalizeH="0" baseline="0" noProof="0" dirty="0" smtClean="0">
                 <a:ln>
                   <a:noFill/>
                 </a:ln>
@@ -9368,12 +13277,6 @@
           </a:p>
           <a:p>
             <a:pPr marL="685800" marR="0" lvl="1" indent="-228600" algn="l" defTabSz="914400" rtl="0" eaLnBrk="1" fontAlgn="auto" latinLnBrk="0" hangingPunct="1">
-              <a:lnSpc>
-                <a:spcPct val="80000"/>
-              </a:lnSpc>
-              <a:spcBef>
-                <a:spcPts val="500"/>
-              </a:spcBef>
               <a:spcAft>
                 <a:spcPts val="0"/>
               </a:spcAft>
@@ -9387,7 +13290,7 @@
               <a:defRPr/>
             </a:pPr>
             <a:r>
-              <a:rPr kumimoji="0" lang="en-US" altLang="en-US" sz="2000" b="0" i="0" u="none" strike="noStrike" kern="1200" cap="none" spc="0" normalizeH="0" baseline="0" noProof="0" dirty="0" smtClean="0">
+              <a:rPr kumimoji="0" lang="en-US" altLang="en-US" sz="2400" b="0" i="0" u="none" strike="noStrike" kern="1200" cap="none" spc="0" normalizeH="0" baseline="0" noProof="0" dirty="0" smtClean="0">
                 <a:ln>
                   <a:noFill/>
                 </a:ln>
@@ -9407,12 +13310,6 @@
           </a:p>
           <a:p>
             <a:pPr marL="685800" marR="0" lvl="1" indent="-228600" algn="l" defTabSz="914400" rtl="0" eaLnBrk="1" fontAlgn="auto" latinLnBrk="0" hangingPunct="1">
-              <a:lnSpc>
-                <a:spcPct val="80000"/>
-              </a:lnSpc>
-              <a:spcBef>
-                <a:spcPts val="500"/>
-              </a:spcBef>
               <a:spcAft>
                 <a:spcPts val="0"/>
               </a:spcAft>
@@ -9426,7 +13323,7 @@
               <a:defRPr/>
             </a:pPr>
             <a:r>
-              <a:rPr kumimoji="0" lang="en-US" altLang="en-US" sz="2000" b="0" i="0" u="none" strike="noStrike" kern="1200" cap="none" spc="0" normalizeH="0" baseline="0" noProof="0" dirty="0" err="1" smtClean="0">
+              <a:rPr kumimoji="0" lang="en-US" altLang="en-US" sz="2400" b="0" i="0" u="none" strike="noStrike" kern="1200" cap="none" spc="0" normalizeH="0" baseline="0" noProof="0" dirty="0" err="1" smtClean="0">
                 <a:ln>
                   <a:noFill/>
                 </a:ln>
@@ -9444,7 +13341,7 @@
               <a:t>Significand</a:t>
             </a:r>
             <a:r>
-              <a:rPr kumimoji="0" lang="en-US" altLang="en-US" sz="2000" b="0" i="0" u="none" strike="noStrike" kern="1200" cap="none" spc="0" normalizeH="0" baseline="0" noProof="0" dirty="0" smtClean="0">
+              <a:rPr kumimoji="0" lang="en-US" altLang="en-US" sz="2400" b="0" i="0" u="none" strike="noStrike" kern="1200" cap="none" spc="0" normalizeH="0" baseline="0" noProof="0" dirty="0" smtClean="0">
                 <a:ln>
                   <a:noFill/>
                 </a:ln>
@@ -9462,7 +13359,7 @@
               <a:t> is </a:t>
             </a:r>
             <a:r>
-              <a:rPr kumimoji="0" lang="en-US" altLang="en-US" sz="2000" b="1" i="0" u="none" strike="noStrike" kern="1200" cap="none" spc="0" normalizeH="0" baseline="0" noProof="0" dirty="0" smtClean="0">
+              <a:rPr kumimoji="0" lang="en-US" altLang="en-US" sz="2400" b="1" i="0" u="none" strike="noStrike" kern="1200" cap="none" spc="0" normalizeH="0" baseline="0" noProof="0" dirty="0" smtClean="0">
                 <a:ln>
                   <a:noFill/>
                 </a:ln>
@@ -9480,7 +13377,7 @@
               <a:t>Fraction</a:t>
             </a:r>
             <a:r>
-              <a:rPr kumimoji="0" lang="en-US" altLang="en-US" sz="2000" b="0" i="0" u="none" strike="noStrike" kern="1200" cap="none" spc="0" normalizeH="0" baseline="0" noProof="0" dirty="0" smtClean="0">
+              <a:rPr kumimoji="0" lang="en-US" altLang="en-US" sz="2400" b="0" i="0" u="none" strike="noStrike" kern="1200" cap="none" spc="0" normalizeH="0" baseline="0" noProof="0" dirty="0" smtClean="0">
                 <a:ln>
                   <a:noFill/>
                 </a:ln>
@@ -9500,11 +13397,8 @@
           </a:p>
           <a:p>
             <a:pPr marL="228600" marR="0" lvl="0" indent="-228600" algn="l" defTabSz="914400" rtl="0" eaLnBrk="1" fontAlgn="auto" latinLnBrk="0" hangingPunct="1">
-              <a:lnSpc>
-                <a:spcPct val="80000"/>
-              </a:lnSpc>
               <a:spcBef>
-                <a:spcPts val="1000"/>
+                <a:spcPts val="600"/>
               </a:spcBef>
               <a:spcAft>
                 <a:spcPts val="0"/>
@@ -9517,7 +13411,7 @@
               <a:defRPr/>
             </a:pPr>
             <a:r>
-              <a:rPr kumimoji="0" lang="en-US" altLang="en-US" sz="3200" b="1" i="0" u="none" strike="noStrike" kern="1200" cap="none" spc="0" normalizeH="0" baseline="0" noProof="0" dirty="0" smtClean="0">
+              <a:rPr kumimoji="0" lang="en-US" altLang="en-US" sz="2800" b="1" i="0" u="none" strike="noStrike" kern="1200" cap="none" spc="0" normalizeH="0" baseline="0" noProof="0" dirty="0" smtClean="0">
                 <a:ln>
                   <a:noFill/>
                 </a:ln>
@@ -9535,7 +13429,7 @@
               <a:t>Exponent</a:t>
             </a:r>
             <a:r>
-              <a:rPr kumimoji="0" lang="en-US" altLang="en-US" sz="3200" b="0" i="0" u="none" strike="noStrike" kern="1200" cap="none" spc="0" normalizeH="0" baseline="0" noProof="0" dirty="0" smtClean="0">
+              <a:rPr kumimoji="0" lang="en-US" altLang="en-US" sz="2800" b="0" i="0" u="none" strike="noStrike" kern="1200" cap="none" spc="0" normalizeH="0" baseline="0" noProof="0" dirty="0" smtClean="0">
                 <a:ln>
                   <a:noFill/>
                 </a:ln>
@@ -9555,12 +13449,6 @@
           </a:p>
           <a:p>
             <a:pPr marL="685800" marR="0" lvl="1" indent="-228600" algn="l" defTabSz="914400" rtl="0" eaLnBrk="1" fontAlgn="auto" latinLnBrk="0" hangingPunct="1">
-              <a:lnSpc>
-                <a:spcPct val="80000"/>
-              </a:lnSpc>
-              <a:spcBef>
-                <a:spcPts val="500"/>
-              </a:spcBef>
               <a:spcAft>
                 <a:spcPts val="0"/>
               </a:spcAft>
@@ -9574,7 +13462,7 @@
               <a:defRPr/>
             </a:pPr>
             <a:r>
-              <a:rPr kumimoji="0" lang="en-US" altLang="en-US" sz="2000" b="0" i="0" u="none" strike="noStrike" kern="1200" cap="none" spc="0" normalizeH="0" baseline="0" noProof="0" dirty="0" smtClean="0">
+              <a:rPr kumimoji="0" lang="en-US" altLang="en-US" sz="2400" b="0" i="0" u="none" strike="noStrike" kern="1200" cap="none" spc="0" normalizeH="0" baseline="0" noProof="0" dirty="0" smtClean="0">
                 <a:ln>
                   <a:noFill/>
                 </a:ln>
@@ -9594,12 +13482,6 @@
           </a:p>
           <a:p>
             <a:pPr marL="685800" marR="0" lvl="1" indent="-228600" algn="l" defTabSz="914400" rtl="0" eaLnBrk="1" fontAlgn="auto" latinLnBrk="0" hangingPunct="1">
-              <a:lnSpc>
-                <a:spcPct val="80000"/>
-              </a:lnSpc>
-              <a:spcBef>
-                <a:spcPts val="500"/>
-              </a:spcBef>
               <a:spcAft>
                 <a:spcPts val="0"/>
               </a:spcAft>
@@ -9613,7 +13495,7 @@
               <a:defRPr/>
             </a:pPr>
             <a:r>
-              <a:rPr kumimoji="0" lang="en-US" altLang="en-US" sz="2000" b="0" i="0" u="none" strike="noStrike" kern="1200" cap="none" spc="0" normalizeH="0" baseline="0" noProof="0" dirty="0" smtClean="0">
+              <a:rPr kumimoji="0" lang="en-US" altLang="en-US" sz="2400" b="0" i="0" u="none" strike="noStrike" kern="1200" cap="none" spc="0" normalizeH="0" baseline="0" noProof="0" dirty="0" smtClean="0">
                 <a:ln>
                   <a:noFill/>
                 </a:ln>
@@ -9643,7 +13525,7 @@
         </p:nvSpPr>
         <p:spPr bwMode="auto">
           <a:xfrm>
-            <a:off x="3235650" y="1798950"/>
+            <a:off x="3235650" y="1751450"/>
             <a:ext cx="358775" cy="469900"/>
           </a:xfrm>
           <a:prstGeom prst="rect">
@@ -9687,7 +13569,7 @@
         </p:nvSpPr>
         <p:spPr bwMode="auto">
           <a:xfrm>
-            <a:off x="3594425" y="1798950"/>
+            <a:off x="3594425" y="1751450"/>
             <a:ext cx="1584325" cy="469900"/>
           </a:xfrm>
           <a:prstGeom prst="rect">
@@ -9731,7 +13613,7 @@
         </p:nvSpPr>
         <p:spPr bwMode="auto">
           <a:xfrm>
-            <a:off x="5180338" y="1798950"/>
+            <a:off x="5180338" y="1751450"/>
             <a:ext cx="3671887" cy="469900"/>
           </a:xfrm>
           <a:prstGeom prst="rect">
@@ -9775,7 +13657,7 @@
         </p:nvSpPr>
         <p:spPr bwMode="auto">
           <a:xfrm>
-            <a:off x="3522988" y="1078225"/>
+            <a:off x="3522988" y="1042600"/>
             <a:ext cx="1857375" cy="701675"/>
           </a:xfrm>
           <a:prstGeom prst="rect">
@@ -9834,7 +13716,7 @@
         </p:nvSpPr>
         <p:spPr bwMode="auto">
           <a:xfrm>
-            <a:off x="6113788" y="1078225"/>
+            <a:off x="6113788" y="1030725"/>
             <a:ext cx="1857375" cy="701675"/>
           </a:xfrm>
           <a:prstGeom prst="rect">
@@ -9892,7 +13774,7 @@
           <p:nvPr/>
         </p:nvGraphicFramePr>
         <p:xfrm>
-          <a:off x="3115125" y="2453250"/>
+          <a:off x="3115125" y="2405750"/>
           <a:ext cx="5867400" cy="546100"/>
         </p:xfrm>
         <a:graphic>
@@ -11401,7 +15283,7 @@
   <a:extraClrSchemeLst/>
   <a:extLst>
     <a:ext uri="{05A4C25C-085E-4340-85A3-A5531E510DB2}">
-      <thm15:themeFamily xmlns:thm15="http://schemas.microsoft.com/office/thememl/2012/main" xmlns="" name="Office Theme" id="{62F939B6-93AF-4DB8-9C6B-D6C7DFDC589F}" vid="{4A3C46E8-61CC-4603-A589-7422A47A8E4A}"/>
+      <thm15:themeFamily xmlns="" xmlns:thm15="http://schemas.microsoft.com/office/thememl/2012/main" name="Office Theme" id="{62F939B6-93AF-4DB8-9C6B-D6C7DFDC589F}" vid="{4A3C46E8-61CC-4603-A589-7422A47A8E4A}"/>
     </a:ext>
   </a:extLst>
 </a:theme>
@@ -11662,7 +15544,7 @@
   <a:extraClrSchemeLst/>
   <a:extLst>
     <a:ext uri="{05A4C25C-085E-4340-85A3-A5531E510DB2}">
-      <thm15:themeFamily xmlns:thm15="http://schemas.microsoft.com/office/thememl/2012/main" xmlns="" name="Office Theme" id="{62F939B6-93AF-4DB8-9C6B-D6C7DFDC589F}" vid="{4A3C46E8-61CC-4603-A589-7422A47A8E4A}"/>
+      <thm15:themeFamily xmlns="" xmlns:thm15="http://schemas.microsoft.com/office/thememl/2012/main" name="Office Theme" id="{62F939B6-93AF-4DB8-9C6B-D6C7DFDC589F}" vid="{4A3C46E8-61CC-4603-A589-7422A47A8E4A}"/>
     </a:ext>
   </a:extLst>
 </a:theme>
@@ -11923,7 +15805,7 @@
   <a:extraClrSchemeLst/>
   <a:extLst>
     <a:ext uri="{05A4C25C-085E-4340-85A3-A5531E510DB2}">
-      <thm15:themeFamily xmlns:thm15="http://schemas.microsoft.com/office/thememl/2012/main" xmlns="" name="Office Theme" id="{62F939B6-93AF-4DB8-9C6B-D6C7DFDC589F}" vid="{4A3C46E8-61CC-4603-A589-7422A47A8E4A}"/>
+      <thm15:themeFamily xmlns="" xmlns:thm15="http://schemas.microsoft.com/office/thememl/2012/main" name="Office Theme" id="{62F939B6-93AF-4DB8-9C6B-D6C7DFDC589F}" vid="{4A3C46E8-61CC-4603-A589-7422A47A8E4A}"/>
     </a:ext>
   </a:extLst>
 </a:theme>
